--- a/courses/apcsp/lect16.pptx
+++ b/courses/apcsp/lect16.pptx
@@ -5,7 +5,7 @@
     <p:sldMasterId id="2147483791" r:id="rId1"/>
   </p:sldMasterIdLst>
   <p:notesMasterIdLst>
-    <p:notesMasterId r:id="rId27"/>
+    <p:notesMasterId r:id="rId29"/>
   </p:notesMasterIdLst>
   <p:sldIdLst>
     <p:sldId id="256" r:id="rId2"/>
@@ -18,21 +18,23 @@
     <p:sldId id="298" r:id="rId9"/>
     <p:sldId id="276" r:id="rId10"/>
     <p:sldId id="279" r:id="rId11"/>
-    <p:sldId id="277" r:id="rId12"/>
-    <p:sldId id="278" r:id="rId13"/>
-    <p:sldId id="289" r:id="rId14"/>
-    <p:sldId id="290" r:id="rId15"/>
-    <p:sldId id="282" r:id="rId16"/>
-    <p:sldId id="295" r:id="rId17"/>
-    <p:sldId id="286" r:id="rId18"/>
-    <p:sldId id="287" r:id="rId19"/>
-    <p:sldId id="315" r:id="rId20"/>
-    <p:sldId id="316" r:id="rId21"/>
-    <p:sldId id="317" r:id="rId22"/>
-    <p:sldId id="318" r:id="rId23"/>
-    <p:sldId id="299" r:id="rId24"/>
-    <p:sldId id="301" r:id="rId25"/>
-    <p:sldId id="302" r:id="rId26"/>
+    <p:sldId id="319" r:id="rId12"/>
+    <p:sldId id="320" r:id="rId13"/>
+    <p:sldId id="277" r:id="rId14"/>
+    <p:sldId id="278" r:id="rId15"/>
+    <p:sldId id="289" r:id="rId16"/>
+    <p:sldId id="290" r:id="rId17"/>
+    <p:sldId id="282" r:id="rId18"/>
+    <p:sldId id="295" r:id="rId19"/>
+    <p:sldId id="286" r:id="rId20"/>
+    <p:sldId id="287" r:id="rId21"/>
+    <p:sldId id="315" r:id="rId22"/>
+    <p:sldId id="316" r:id="rId23"/>
+    <p:sldId id="317" r:id="rId24"/>
+    <p:sldId id="318" r:id="rId25"/>
+    <p:sldId id="299" r:id="rId26"/>
+    <p:sldId id="301" r:id="rId27"/>
+    <p:sldId id="302" r:id="rId28"/>
   </p:sldIdLst>
   <p:sldSz cx="9144000" cy="5715000" type="screen16x10"/>
   <p:notesSz cx="6858000" cy="9144000"/>
@@ -1987,7 +1989,7 @@
           <a:p>
             <a:fld id="{6EDD99D2-A624-5E4F-A4E3-584054837B5A}" type="datetimeFigureOut">
               <a:rPr lang="en-US" smtClean="0"/>
-              <a:t>2/6/20</a:t>
+              <a:t>2/7/20</a:t>
             </a:fld>
             <a:endParaRPr lang="en-US"/>
           </a:p>
@@ -2447,7 +2449,7 @@
                 <a:ea typeface="+mn-ea"/>
                 <a:cs typeface="+mn-cs"/>
               </a:rPr>
-              <a:t>y(t)=\sin(2\pi\</a:t>
+              <a:t>y = 3\sin(2\pi\</a:t>
             </a:r>
             <a:r>
               <a:rPr lang="en-US" sz="1200" kern="1200" dirty="0" err="1">
@@ -2471,127 +2473,7 @@
                 <a:ea typeface="+mn-ea"/>
                 <a:cs typeface="+mn-cs"/>
               </a:rPr>
-              <a:t> 261.6\</a:t>
-            </a:r>
-            <a:r>
-              <a:rPr lang="en-US" sz="1200" kern="1200" dirty="0" err="1">
-                <a:solidFill>
-                  <a:schemeClr val="tx1"/>
-                </a:solidFill>
-                <a:effectLst/>
-                <a:latin typeface="+mn-lt"/>
-                <a:ea typeface="+mn-ea"/>
-                <a:cs typeface="+mn-cs"/>
-              </a:rPr>
-              <a:t>cdot</a:t>
-            </a:r>
-            <a:r>
-              <a:rPr lang="en-US" sz="1200" kern="1200" dirty="0">
-                <a:solidFill>
-                  <a:schemeClr val="tx1"/>
-                </a:solidFill>
-                <a:effectLst/>
-                <a:latin typeface="+mn-lt"/>
-                <a:ea typeface="+mn-ea"/>
-                <a:cs typeface="+mn-cs"/>
-              </a:rPr>
-              <a:t> t)+\sin(2\pi\</a:t>
-            </a:r>
-            <a:r>
-              <a:rPr lang="en-US" sz="1200" kern="1200" dirty="0" err="1">
-                <a:solidFill>
-                  <a:schemeClr val="tx1"/>
-                </a:solidFill>
-                <a:effectLst/>
-                <a:latin typeface="+mn-lt"/>
-                <a:ea typeface="+mn-ea"/>
-                <a:cs typeface="+mn-cs"/>
-              </a:rPr>
-              <a:t>cdot</a:t>
-            </a:r>
-            <a:r>
-              <a:rPr lang="en-US" sz="1200" kern="1200" dirty="0">
-                <a:solidFill>
-                  <a:schemeClr val="tx1"/>
-                </a:solidFill>
-                <a:effectLst/>
-                <a:latin typeface="+mn-lt"/>
-                <a:ea typeface="+mn-ea"/>
-                <a:cs typeface="+mn-cs"/>
-              </a:rPr>
-              <a:t> 329.6\</a:t>
-            </a:r>
-            <a:r>
-              <a:rPr lang="en-US" sz="1200" kern="1200" dirty="0" err="1">
-                <a:solidFill>
-                  <a:schemeClr val="tx1"/>
-                </a:solidFill>
-                <a:effectLst/>
-                <a:latin typeface="+mn-lt"/>
-                <a:ea typeface="+mn-ea"/>
-                <a:cs typeface="+mn-cs"/>
-              </a:rPr>
-              <a:t>cdot</a:t>
-            </a:r>
-            <a:r>
-              <a:rPr lang="en-US" sz="1200" kern="1200" dirty="0">
-                <a:solidFill>
-                  <a:schemeClr val="tx1"/>
-                </a:solidFill>
-                <a:effectLst/>
-                <a:latin typeface="+mn-lt"/>
-                <a:ea typeface="+mn-ea"/>
-                <a:cs typeface="+mn-cs"/>
-              </a:rPr>
-              <a:t> t)+\sin(2\pi\</a:t>
-            </a:r>
-            <a:r>
-              <a:rPr lang="en-US" sz="1200" kern="1200" dirty="0" err="1">
-                <a:solidFill>
-                  <a:schemeClr val="tx1"/>
-                </a:solidFill>
-                <a:effectLst/>
-                <a:latin typeface="+mn-lt"/>
-                <a:ea typeface="+mn-ea"/>
-                <a:cs typeface="+mn-cs"/>
-              </a:rPr>
-              <a:t>cdot</a:t>
-            </a:r>
-            <a:r>
-              <a:rPr lang="en-US" sz="1200" kern="1200" dirty="0">
-                <a:solidFill>
-                  <a:schemeClr val="tx1"/>
-                </a:solidFill>
-                <a:effectLst/>
-                <a:latin typeface="+mn-lt"/>
-                <a:ea typeface="+mn-ea"/>
-                <a:cs typeface="+mn-cs"/>
-              </a:rPr>
-              <a:t> 392\</a:t>
-            </a:r>
-            <a:r>
-              <a:rPr lang="en-US" sz="1200" kern="1200" dirty="0" err="1">
-                <a:solidFill>
-                  <a:schemeClr val="tx1"/>
-                </a:solidFill>
-                <a:effectLst/>
-                <a:latin typeface="+mn-lt"/>
-                <a:ea typeface="+mn-ea"/>
-                <a:cs typeface="+mn-cs"/>
-              </a:rPr>
-              <a:t>cdot</a:t>
-            </a:r>
-            <a:r>
-              <a:rPr lang="en-US" sz="1200" kern="1200" dirty="0">
-                <a:solidFill>
-                  <a:schemeClr val="tx1"/>
-                </a:solidFill>
-                <a:effectLst/>
-                <a:latin typeface="+mn-lt"/>
-                <a:ea typeface="+mn-ea"/>
-                <a:cs typeface="+mn-cs"/>
-              </a:rPr>
-              <a:t> t).</a:t>
+              <a:t> 4t + \pi/2).</a:t>
             </a:r>
           </a:p>
           <a:p>
@@ -2625,7 +2507,7 @@
     </p:spTree>
     <p:extLst>
       <p:ext uri="{BB962C8B-B14F-4D97-AF65-F5344CB8AC3E}">
-        <p14:creationId xmlns:p14="http://schemas.microsoft.com/office/powerpoint/2010/main" val="2125592189"/>
+        <p14:creationId xmlns:p14="http://schemas.microsoft.com/office/powerpoint/2010/main" val="1456369744"/>
       </p:ext>
     </p:extLst>
   </p:cSld>
@@ -2867,7 +2749,7 @@
     </p:spTree>
     <p:extLst>
       <p:ext uri="{BB962C8B-B14F-4D97-AF65-F5344CB8AC3E}">
-        <p14:creationId xmlns:p14="http://schemas.microsoft.com/office/powerpoint/2010/main" val="2850472459"/>
+        <p14:creationId xmlns:p14="http://schemas.microsoft.com/office/powerpoint/2010/main" val="1859751717"/>
       </p:ext>
     </p:extLst>
   </p:cSld>
@@ -3109,7 +2991,7 @@
     </p:spTree>
     <p:extLst>
       <p:ext uri="{BB962C8B-B14F-4D97-AF65-F5344CB8AC3E}">
-        <p14:creationId xmlns:p14="http://schemas.microsoft.com/office/powerpoint/2010/main" val="2650458443"/>
+        <p14:creationId xmlns:p14="http://schemas.microsoft.com/office/powerpoint/2010/main" val="2125592189"/>
       </p:ext>
     </p:extLst>
   </p:cSld>
@@ -3342,7 +3224,7 @@
           <a:p>
             <a:fld id="{D04ABF8B-8FC0-C447-A567-214E2A1C8CF1}" type="slidenum">
               <a:rPr lang="en-US" smtClean="0"/>
-              <a:t>24</a:t>
+              <a:t>19</a:t>
             </a:fld>
             <a:endParaRPr lang="en-US"/>
           </a:p>
@@ -3351,7 +3233,7 @@
     </p:spTree>
     <p:extLst>
       <p:ext uri="{BB962C8B-B14F-4D97-AF65-F5344CB8AC3E}">
-        <p14:creationId xmlns:p14="http://schemas.microsoft.com/office/powerpoint/2010/main" val="1746441188"/>
+        <p14:creationId xmlns:p14="http://schemas.microsoft.com/office/powerpoint/2010/main" val="2850472459"/>
       </p:ext>
     </p:extLst>
   </p:cSld>
@@ -3584,7 +3466,491 @@
           <a:p>
             <a:fld id="{D04ABF8B-8FC0-C447-A567-214E2A1C8CF1}" type="slidenum">
               <a:rPr lang="en-US" smtClean="0"/>
-              <a:t>25</a:t>
+              <a:t>20</a:t>
+            </a:fld>
+            <a:endParaRPr lang="en-US"/>
+          </a:p>
+        </p:txBody>
+      </p:sp>
+    </p:spTree>
+    <p:extLst>
+      <p:ext uri="{BB962C8B-B14F-4D97-AF65-F5344CB8AC3E}">
+        <p14:creationId xmlns:p14="http://schemas.microsoft.com/office/powerpoint/2010/main" val="2650458443"/>
+      </p:ext>
+    </p:extLst>
+  </p:cSld>
+  <p:clrMapOvr>
+    <a:masterClrMapping/>
+  </p:clrMapOvr>
+</p:notes>
+</file>
+
+<file path=ppt/notesSlides/notesSlide15.xml><?xml version="1.0" encoding="utf-8"?>
+<p:notes xmlns:a="http://schemas.openxmlformats.org/drawingml/2006/main" xmlns:r="http://schemas.openxmlformats.org/officeDocument/2006/relationships" xmlns:p="http://schemas.openxmlformats.org/presentationml/2006/main">
+  <p:cSld>
+    <p:spTree>
+      <p:nvGrpSpPr>
+        <p:cNvPr id="1" name=""/>
+        <p:cNvGrpSpPr/>
+        <p:nvPr/>
+      </p:nvGrpSpPr>
+      <p:grpSpPr>
+        <a:xfrm>
+          <a:off x="0" y="0"/>
+          <a:ext cx="0" cy="0"/>
+          <a:chOff x="0" y="0"/>
+          <a:chExt cx="0" cy="0"/>
+        </a:xfrm>
+      </p:grpSpPr>
+      <p:sp>
+        <p:nvSpPr>
+          <p:cNvPr id="2" name="Slide Image Placeholder 1"/>
+          <p:cNvSpPr>
+            <a:spLocks noGrp="1" noRot="1" noChangeAspect="1"/>
+          </p:cNvSpPr>
+          <p:nvPr>
+            <p:ph type="sldImg"/>
+          </p:nvPr>
+        </p:nvSpPr>
+        <p:spPr/>
+      </p:sp>
+      <p:sp>
+        <p:nvSpPr>
+          <p:cNvPr id="3" name="Notes Placeholder 2"/>
+          <p:cNvSpPr>
+            <a:spLocks noGrp="1"/>
+          </p:cNvSpPr>
+          <p:nvPr>
+            <p:ph type="body" idx="1"/>
+          </p:nvPr>
+        </p:nvSpPr>
+        <p:spPr/>
+        <p:txBody>
+          <a:bodyPr/>
+          <a:lstStyle/>
+          <a:p>
+            <a:r>
+              <a:rPr lang="en-US" sz="1200" kern="1200" dirty="0">
+                <a:solidFill>
+                  <a:schemeClr val="tx1"/>
+                </a:solidFill>
+                <a:effectLst/>
+                <a:latin typeface="+mn-lt"/>
+                <a:ea typeface="+mn-ea"/>
+                <a:cs typeface="+mn-cs"/>
+              </a:rPr>
+              <a:t>y(t)=\sin(2\pi\</a:t>
+            </a:r>
+            <a:r>
+              <a:rPr lang="en-US" sz="1200" kern="1200" dirty="0" err="1">
+                <a:solidFill>
+                  <a:schemeClr val="tx1"/>
+                </a:solidFill>
+                <a:effectLst/>
+                <a:latin typeface="+mn-lt"/>
+                <a:ea typeface="+mn-ea"/>
+                <a:cs typeface="+mn-cs"/>
+              </a:rPr>
+              <a:t>cdot</a:t>
+            </a:r>
+            <a:r>
+              <a:rPr lang="en-US" sz="1200" kern="1200" dirty="0">
+                <a:solidFill>
+                  <a:schemeClr val="tx1"/>
+                </a:solidFill>
+                <a:effectLst/>
+                <a:latin typeface="+mn-lt"/>
+                <a:ea typeface="+mn-ea"/>
+                <a:cs typeface="+mn-cs"/>
+              </a:rPr>
+              <a:t> 261.6\</a:t>
+            </a:r>
+            <a:r>
+              <a:rPr lang="en-US" sz="1200" kern="1200" dirty="0" err="1">
+                <a:solidFill>
+                  <a:schemeClr val="tx1"/>
+                </a:solidFill>
+                <a:effectLst/>
+                <a:latin typeface="+mn-lt"/>
+                <a:ea typeface="+mn-ea"/>
+                <a:cs typeface="+mn-cs"/>
+              </a:rPr>
+              <a:t>cdot</a:t>
+            </a:r>
+            <a:r>
+              <a:rPr lang="en-US" sz="1200" kern="1200" dirty="0">
+                <a:solidFill>
+                  <a:schemeClr val="tx1"/>
+                </a:solidFill>
+                <a:effectLst/>
+                <a:latin typeface="+mn-lt"/>
+                <a:ea typeface="+mn-ea"/>
+                <a:cs typeface="+mn-cs"/>
+              </a:rPr>
+              <a:t> t)+\sin(2\pi\</a:t>
+            </a:r>
+            <a:r>
+              <a:rPr lang="en-US" sz="1200" kern="1200" dirty="0" err="1">
+                <a:solidFill>
+                  <a:schemeClr val="tx1"/>
+                </a:solidFill>
+                <a:effectLst/>
+                <a:latin typeface="+mn-lt"/>
+                <a:ea typeface="+mn-ea"/>
+                <a:cs typeface="+mn-cs"/>
+              </a:rPr>
+              <a:t>cdot</a:t>
+            </a:r>
+            <a:r>
+              <a:rPr lang="en-US" sz="1200" kern="1200" dirty="0">
+                <a:solidFill>
+                  <a:schemeClr val="tx1"/>
+                </a:solidFill>
+                <a:effectLst/>
+                <a:latin typeface="+mn-lt"/>
+                <a:ea typeface="+mn-ea"/>
+                <a:cs typeface="+mn-cs"/>
+              </a:rPr>
+              <a:t> 329.6\</a:t>
+            </a:r>
+            <a:r>
+              <a:rPr lang="en-US" sz="1200" kern="1200" dirty="0" err="1">
+                <a:solidFill>
+                  <a:schemeClr val="tx1"/>
+                </a:solidFill>
+                <a:effectLst/>
+                <a:latin typeface="+mn-lt"/>
+                <a:ea typeface="+mn-ea"/>
+                <a:cs typeface="+mn-cs"/>
+              </a:rPr>
+              <a:t>cdot</a:t>
+            </a:r>
+            <a:r>
+              <a:rPr lang="en-US" sz="1200" kern="1200" dirty="0">
+                <a:solidFill>
+                  <a:schemeClr val="tx1"/>
+                </a:solidFill>
+                <a:effectLst/>
+                <a:latin typeface="+mn-lt"/>
+                <a:ea typeface="+mn-ea"/>
+                <a:cs typeface="+mn-cs"/>
+              </a:rPr>
+              <a:t> t)+\sin(2\pi\</a:t>
+            </a:r>
+            <a:r>
+              <a:rPr lang="en-US" sz="1200" kern="1200" dirty="0" err="1">
+                <a:solidFill>
+                  <a:schemeClr val="tx1"/>
+                </a:solidFill>
+                <a:effectLst/>
+                <a:latin typeface="+mn-lt"/>
+                <a:ea typeface="+mn-ea"/>
+                <a:cs typeface="+mn-cs"/>
+              </a:rPr>
+              <a:t>cdot</a:t>
+            </a:r>
+            <a:r>
+              <a:rPr lang="en-US" sz="1200" kern="1200" dirty="0">
+                <a:solidFill>
+                  <a:schemeClr val="tx1"/>
+                </a:solidFill>
+                <a:effectLst/>
+                <a:latin typeface="+mn-lt"/>
+                <a:ea typeface="+mn-ea"/>
+                <a:cs typeface="+mn-cs"/>
+              </a:rPr>
+              <a:t> 392\</a:t>
+            </a:r>
+            <a:r>
+              <a:rPr lang="en-US" sz="1200" kern="1200" dirty="0" err="1">
+                <a:solidFill>
+                  <a:schemeClr val="tx1"/>
+                </a:solidFill>
+                <a:effectLst/>
+                <a:latin typeface="+mn-lt"/>
+                <a:ea typeface="+mn-ea"/>
+                <a:cs typeface="+mn-cs"/>
+              </a:rPr>
+              <a:t>cdot</a:t>
+            </a:r>
+            <a:r>
+              <a:rPr lang="en-US" sz="1200" kern="1200" dirty="0">
+                <a:solidFill>
+                  <a:schemeClr val="tx1"/>
+                </a:solidFill>
+                <a:effectLst/>
+                <a:latin typeface="+mn-lt"/>
+                <a:ea typeface="+mn-ea"/>
+                <a:cs typeface="+mn-cs"/>
+              </a:rPr>
+              <a:t> t).</a:t>
+            </a:r>
+          </a:p>
+          <a:p>
+            <a:endParaRPr lang="en-US" dirty="0"/>
+          </a:p>
+        </p:txBody>
+      </p:sp>
+      <p:sp>
+        <p:nvSpPr>
+          <p:cNvPr id="4" name="Slide Number Placeholder 3"/>
+          <p:cNvSpPr>
+            <a:spLocks noGrp="1"/>
+          </p:cNvSpPr>
+          <p:nvPr>
+            <p:ph type="sldNum" sz="quarter" idx="10"/>
+          </p:nvPr>
+        </p:nvSpPr>
+        <p:spPr/>
+        <p:txBody>
+          <a:bodyPr/>
+          <a:lstStyle/>
+          <a:p>
+            <a:fld id="{D04ABF8B-8FC0-C447-A567-214E2A1C8CF1}" type="slidenum">
+              <a:rPr lang="en-US" smtClean="0"/>
+              <a:t>26</a:t>
+            </a:fld>
+            <a:endParaRPr lang="en-US"/>
+          </a:p>
+        </p:txBody>
+      </p:sp>
+    </p:spTree>
+    <p:extLst>
+      <p:ext uri="{BB962C8B-B14F-4D97-AF65-F5344CB8AC3E}">
+        <p14:creationId xmlns:p14="http://schemas.microsoft.com/office/powerpoint/2010/main" val="1746441188"/>
+      </p:ext>
+    </p:extLst>
+  </p:cSld>
+  <p:clrMapOvr>
+    <a:masterClrMapping/>
+  </p:clrMapOvr>
+</p:notes>
+</file>
+
+<file path=ppt/notesSlides/notesSlide16.xml><?xml version="1.0" encoding="utf-8"?>
+<p:notes xmlns:a="http://schemas.openxmlformats.org/drawingml/2006/main" xmlns:r="http://schemas.openxmlformats.org/officeDocument/2006/relationships" xmlns:p="http://schemas.openxmlformats.org/presentationml/2006/main">
+  <p:cSld>
+    <p:spTree>
+      <p:nvGrpSpPr>
+        <p:cNvPr id="1" name=""/>
+        <p:cNvGrpSpPr/>
+        <p:nvPr/>
+      </p:nvGrpSpPr>
+      <p:grpSpPr>
+        <a:xfrm>
+          <a:off x="0" y="0"/>
+          <a:ext cx="0" cy="0"/>
+          <a:chOff x="0" y="0"/>
+          <a:chExt cx="0" cy="0"/>
+        </a:xfrm>
+      </p:grpSpPr>
+      <p:sp>
+        <p:nvSpPr>
+          <p:cNvPr id="2" name="Slide Image Placeholder 1"/>
+          <p:cNvSpPr>
+            <a:spLocks noGrp="1" noRot="1" noChangeAspect="1"/>
+          </p:cNvSpPr>
+          <p:nvPr>
+            <p:ph type="sldImg"/>
+          </p:nvPr>
+        </p:nvSpPr>
+        <p:spPr/>
+      </p:sp>
+      <p:sp>
+        <p:nvSpPr>
+          <p:cNvPr id="3" name="Notes Placeholder 2"/>
+          <p:cNvSpPr>
+            <a:spLocks noGrp="1"/>
+          </p:cNvSpPr>
+          <p:nvPr>
+            <p:ph type="body" idx="1"/>
+          </p:nvPr>
+        </p:nvSpPr>
+        <p:spPr/>
+        <p:txBody>
+          <a:bodyPr/>
+          <a:lstStyle/>
+          <a:p>
+            <a:r>
+              <a:rPr lang="en-US" sz="1200" kern="1200" dirty="0">
+                <a:solidFill>
+                  <a:schemeClr val="tx1"/>
+                </a:solidFill>
+                <a:effectLst/>
+                <a:latin typeface="+mn-lt"/>
+                <a:ea typeface="+mn-ea"/>
+                <a:cs typeface="+mn-cs"/>
+              </a:rPr>
+              <a:t>y(t)=\sin(2\pi\</a:t>
+            </a:r>
+            <a:r>
+              <a:rPr lang="en-US" sz="1200" kern="1200" dirty="0" err="1">
+                <a:solidFill>
+                  <a:schemeClr val="tx1"/>
+                </a:solidFill>
+                <a:effectLst/>
+                <a:latin typeface="+mn-lt"/>
+                <a:ea typeface="+mn-ea"/>
+                <a:cs typeface="+mn-cs"/>
+              </a:rPr>
+              <a:t>cdot</a:t>
+            </a:r>
+            <a:r>
+              <a:rPr lang="en-US" sz="1200" kern="1200" dirty="0">
+                <a:solidFill>
+                  <a:schemeClr val="tx1"/>
+                </a:solidFill>
+                <a:effectLst/>
+                <a:latin typeface="+mn-lt"/>
+                <a:ea typeface="+mn-ea"/>
+                <a:cs typeface="+mn-cs"/>
+              </a:rPr>
+              <a:t> 261.6\</a:t>
+            </a:r>
+            <a:r>
+              <a:rPr lang="en-US" sz="1200" kern="1200" dirty="0" err="1">
+                <a:solidFill>
+                  <a:schemeClr val="tx1"/>
+                </a:solidFill>
+                <a:effectLst/>
+                <a:latin typeface="+mn-lt"/>
+                <a:ea typeface="+mn-ea"/>
+                <a:cs typeface="+mn-cs"/>
+              </a:rPr>
+              <a:t>cdot</a:t>
+            </a:r>
+            <a:r>
+              <a:rPr lang="en-US" sz="1200" kern="1200" dirty="0">
+                <a:solidFill>
+                  <a:schemeClr val="tx1"/>
+                </a:solidFill>
+                <a:effectLst/>
+                <a:latin typeface="+mn-lt"/>
+                <a:ea typeface="+mn-ea"/>
+                <a:cs typeface="+mn-cs"/>
+              </a:rPr>
+              <a:t> t)+\sin(2\pi\</a:t>
+            </a:r>
+            <a:r>
+              <a:rPr lang="en-US" sz="1200" kern="1200" dirty="0" err="1">
+                <a:solidFill>
+                  <a:schemeClr val="tx1"/>
+                </a:solidFill>
+                <a:effectLst/>
+                <a:latin typeface="+mn-lt"/>
+                <a:ea typeface="+mn-ea"/>
+                <a:cs typeface="+mn-cs"/>
+              </a:rPr>
+              <a:t>cdot</a:t>
+            </a:r>
+            <a:r>
+              <a:rPr lang="en-US" sz="1200" kern="1200" dirty="0">
+                <a:solidFill>
+                  <a:schemeClr val="tx1"/>
+                </a:solidFill>
+                <a:effectLst/>
+                <a:latin typeface="+mn-lt"/>
+                <a:ea typeface="+mn-ea"/>
+                <a:cs typeface="+mn-cs"/>
+              </a:rPr>
+              <a:t> 329.6\</a:t>
+            </a:r>
+            <a:r>
+              <a:rPr lang="en-US" sz="1200" kern="1200" dirty="0" err="1">
+                <a:solidFill>
+                  <a:schemeClr val="tx1"/>
+                </a:solidFill>
+                <a:effectLst/>
+                <a:latin typeface="+mn-lt"/>
+                <a:ea typeface="+mn-ea"/>
+                <a:cs typeface="+mn-cs"/>
+              </a:rPr>
+              <a:t>cdot</a:t>
+            </a:r>
+            <a:r>
+              <a:rPr lang="en-US" sz="1200" kern="1200" dirty="0">
+                <a:solidFill>
+                  <a:schemeClr val="tx1"/>
+                </a:solidFill>
+                <a:effectLst/>
+                <a:latin typeface="+mn-lt"/>
+                <a:ea typeface="+mn-ea"/>
+                <a:cs typeface="+mn-cs"/>
+              </a:rPr>
+              <a:t> t)+\sin(2\pi\</a:t>
+            </a:r>
+            <a:r>
+              <a:rPr lang="en-US" sz="1200" kern="1200" dirty="0" err="1">
+                <a:solidFill>
+                  <a:schemeClr val="tx1"/>
+                </a:solidFill>
+                <a:effectLst/>
+                <a:latin typeface="+mn-lt"/>
+                <a:ea typeface="+mn-ea"/>
+                <a:cs typeface="+mn-cs"/>
+              </a:rPr>
+              <a:t>cdot</a:t>
+            </a:r>
+            <a:r>
+              <a:rPr lang="en-US" sz="1200" kern="1200" dirty="0">
+                <a:solidFill>
+                  <a:schemeClr val="tx1"/>
+                </a:solidFill>
+                <a:effectLst/>
+                <a:latin typeface="+mn-lt"/>
+                <a:ea typeface="+mn-ea"/>
+                <a:cs typeface="+mn-cs"/>
+              </a:rPr>
+              <a:t> 392\</a:t>
+            </a:r>
+            <a:r>
+              <a:rPr lang="en-US" sz="1200" kern="1200" dirty="0" err="1">
+                <a:solidFill>
+                  <a:schemeClr val="tx1"/>
+                </a:solidFill>
+                <a:effectLst/>
+                <a:latin typeface="+mn-lt"/>
+                <a:ea typeface="+mn-ea"/>
+                <a:cs typeface="+mn-cs"/>
+              </a:rPr>
+              <a:t>cdot</a:t>
+            </a:r>
+            <a:r>
+              <a:rPr lang="en-US" sz="1200" kern="1200" dirty="0">
+                <a:solidFill>
+                  <a:schemeClr val="tx1"/>
+                </a:solidFill>
+                <a:effectLst/>
+                <a:latin typeface="+mn-lt"/>
+                <a:ea typeface="+mn-ea"/>
+                <a:cs typeface="+mn-cs"/>
+              </a:rPr>
+              <a:t> t).</a:t>
+            </a:r>
+          </a:p>
+          <a:p>
+            <a:endParaRPr lang="en-US" dirty="0"/>
+          </a:p>
+        </p:txBody>
+      </p:sp>
+      <p:sp>
+        <p:nvSpPr>
+          <p:cNvPr id="4" name="Slide Number Placeholder 3"/>
+          <p:cNvSpPr>
+            <a:spLocks noGrp="1"/>
+          </p:cNvSpPr>
+          <p:nvPr>
+            <p:ph type="sldNum" sz="quarter" idx="10"/>
+          </p:nvPr>
+        </p:nvSpPr>
+        <p:spPr/>
+        <p:txBody>
+          <a:bodyPr/>
+          <a:lstStyle/>
+          <a:p>
+            <a:fld id="{D04ABF8B-8FC0-C447-A567-214E2A1C8CF1}" type="slidenum">
+              <a:rPr lang="en-US" smtClean="0"/>
+              <a:t>27</a:t>
             </a:fld>
             <a:endParaRPr lang="en-US"/>
           </a:p>
@@ -4052,7 +4418,31 @@
                 <a:ea typeface="+mn-ea"/>
                 <a:cs typeface="+mn-cs"/>
               </a:rPr>
-              <a:t>y=a\sin(2\pi ft) \text{ and } y=a\cos(2\pi ft),</a:t>
+              <a:t>y = 3\sin(2\pi\</a:t>
+            </a:r>
+            <a:r>
+              <a:rPr lang="en-US" sz="1200" kern="1200" dirty="0" err="1">
+                <a:solidFill>
+                  <a:schemeClr val="tx1"/>
+                </a:solidFill>
+                <a:effectLst/>
+                <a:latin typeface="+mn-lt"/>
+                <a:ea typeface="+mn-ea"/>
+                <a:cs typeface="+mn-cs"/>
+              </a:rPr>
+              <a:t>cdot</a:t>
+            </a:r>
+            <a:r>
+              <a:rPr lang="en-US" sz="1200" kern="1200" dirty="0">
+                <a:solidFill>
+                  <a:schemeClr val="tx1"/>
+                </a:solidFill>
+                <a:effectLst/>
+                <a:latin typeface="+mn-lt"/>
+                <a:ea typeface="+mn-ea"/>
+                <a:cs typeface="+mn-cs"/>
+              </a:rPr>
+              <a:t> 4t + \pi/2).</a:t>
             </a:r>
           </a:p>
           <a:p>
@@ -4086,7 +4476,7 @@
     </p:spTree>
     <p:extLst>
       <p:ext uri="{BB962C8B-B14F-4D97-AF65-F5344CB8AC3E}">
-        <p14:creationId xmlns:p14="http://schemas.microsoft.com/office/powerpoint/2010/main" val="773665762"/>
+        <p14:creationId xmlns:p14="http://schemas.microsoft.com/office/powerpoint/2010/main" val="462850860"/>
       </p:ext>
     </p:extLst>
   </p:cSld>
@@ -4150,7 +4540,7 @@
                 <a:ea typeface="+mn-ea"/>
                 <a:cs typeface="+mn-cs"/>
               </a:rPr>
-              <a:t>y(t)=\sin(2\pi\</a:t>
+              <a:t>y = 3\sin(2\pi\</a:t>
             </a:r>
             <a:r>
               <a:rPr lang="en-US" sz="1200" kern="1200" dirty="0" err="1">
@@ -4174,127 +4564,7 @@
                 <a:ea typeface="+mn-ea"/>
                 <a:cs typeface="+mn-cs"/>
               </a:rPr>
-              <a:t> 261.6\</a:t>
-            </a:r>
-            <a:r>
-              <a:rPr lang="en-US" sz="1200" kern="1200" dirty="0" err="1">
-                <a:solidFill>
-                  <a:schemeClr val="tx1"/>
-                </a:solidFill>
-                <a:effectLst/>
-                <a:latin typeface="+mn-lt"/>
-                <a:ea typeface="+mn-ea"/>
-                <a:cs typeface="+mn-cs"/>
-              </a:rPr>
-              <a:t>cdot</a:t>
-            </a:r>
-            <a:r>
-              <a:rPr lang="en-US" sz="1200" kern="1200" dirty="0">
-                <a:solidFill>
-                  <a:schemeClr val="tx1"/>
-                </a:solidFill>
-                <a:effectLst/>
-                <a:latin typeface="+mn-lt"/>
-                <a:ea typeface="+mn-ea"/>
-                <a:cs typeface="+mn-cs"/>
-              </a:rPr>
-              <a:t> t)+\sin(2\pi\</a:t>
-            </a:r>
-            <a:r>
-              <a:rPr lang="en-US" sz="1200" kern="1200" dirty="0" err="1">
-                <a:solidFill>
-                  <a:schemeClr val="tx1"/>
-                </a:solidFill>
-                <a:effectLst/>
-                <a:latin typeface="+mn-lt"/>
-                <a:ea typeface="+mn-ea"/>
-                <a:cs typeface="+mn-cs"/>
-              </a:rPr>
-              <a:t>cdot</a:t>
-            </a:r>
-            <a:r>
-              <a:rPr lang="en-US" sz="1200" kern="1200" dirty="0">
-                <a:solidFill>
-                  <a:schemeClr val="tx1"/>
-                </a:solidFill>
-                <a:effectLst/>
-                <a:latin typeface="+mn-lt"/>
-                <a:ea typeface="+mn-ea"/>
-                <a:cs typeface="+mn-cs"/>
-              </a:rPr>
-              <a:t> 329.6\</a:t>
-            </a:r>
-            <a:r>
-              <a:rPr lang="en-US" sz="1200" kern="1200" dirty="0" err="1">
-                <a:solidFill>
-                  <a:schemeClr val="tx1"/>
-                </a:solidFill>
-                <a:effectLst/>
-                <a:latin typeface="+mn-lt"/>
-                <a:ea typeface="+mn-ea"/>
-                <a:cs typeface="+mn-cs"/>
-              </a:rPr>
-              <a:t>cdot</a:t>
-            </a:r>
-            <a:r>
-              <a:rPr lang="en-US" sz="1200" kern="1200" dirty="0">
-                <a:solidFill>
-                  <a:schemeClr val="tx1"/>
-                </a:solidFill>
-                <a:effectLst/>
-                <a:latin typeface="+mn-lt"/>
-                <a:ea typeface="+mn-ea"/>
-                <a:cs typeface="+mn-cs"/>
-              </a:rPr>
-              <a:t> t)+\sin(2\pi\</a:t>
-            </a:r>
-            <a:r>
-              <a:rPr lang="en-US" sz="1200" kern="1200" dirty="0" err="1">
-                <a:solidFill>
-                  <a:schemeClr val="tx1"/>
-                </a:solidFill>
-                <a:effectLst/>
-                <a:latin typeface="+mn-lt"/>
-                <a:ea typeface="+mn-ea"/>
-                <a:cs typeface="+mn-cs"/>
-              </a:rPr>
-              <a:t>cdot</a:t>
-            </a:r>
-            <a:r>
-              <a:rPr lang="en-US" sz="1200" kern="1200" dirty="0">
-                <a:solidFill>
-                  <a:schemeClr val="tx1"/>
-                </a:solidFill>
-                <a:effectLst/>
-                <a:latin typeface="+mn-lt"/>
-                <a:ea typeface="+mn-ea"/>
-                <a:cs typeface="+mn-cs"/>
-              </a:rPr>
-              <a:t> 392\</a:t>
-            </a:r>
-            <a:r>
-              <a:rPr lang="en-US" sz="1200" kern="1200" dirty="0" err="1">
-                <a:solidFill>
-                  <a:schemeClr val="tx1"/>
-                </a:solidFill>
-                <a:effectLst/>
-                <a:latin typeface="+mn-lt"/>
-                <a:ea typeface="+mn-ea"/>
-                <a:cs typeface="+mn-cs"/>
-              </a:rPr>
-              <a:t>cdot</a:t>
-            </a:r>
-            <a:r>
-              <a:rPr lang="en-US" sz="1200" kern="1200" dirty="0">
-                <a:solidFill>
-                  <a:schemeClr val="tx1"/>
-                </a:solidFill>
-                <a:effectLst/>
-                <a:latin typeface="+mn-lt"/>
-                <a:ea typeface="+mn-ea"/>
-                <a:cs typeface="+mn-cs"/>
-              </a:rPr>
-              <a:t> t).</a:t>
+              <a:t> 4t + \pi/2).</a:t>
             </a:r>
           </a:p>
           <a:p>
@@ -4328,7 +4598,7 @@
     </p:spTree>
     <p:extLst>
       <p:ext uri="{BB962C8B-B14F-4D97-AF65-F5344CB8AC3E}">
-        <p14:creationId xmlns:p14="http://schemas.microsoft.com/office/powerpoint/2010/main" val="2094065219"/>
+        <p14:creationId xmlns:p14="http://schemas.microsoft.com/office/powerpoint/2010/main" val="3956883831"/>
       </p:ext>
     </p:extLst>
   </p:cSld>
@@ -4392,31 +4662,7 @@
                 <a:ea typeface="+mn-ea"/>
                 <a:cs typeface="+mn-cs"/>
               </a:rPr>
-              <a:t>y = 3\sin(2\pi\</a:t>
-            </a:r>
-            <a:r>
-              <a:rPr lang="en-US" sz="1200" kern="1200" dirty="0" err="1">
-                <a:solidFill>
-                  <a:schemeClr val="tx1"/>
-                </a:solidFill>
-                <a:effectLst/>
-                <a:latin typeface="+mn-lt"/>
-                <a:ea typeface="+mn-ea"/>
-                <a:cs typeface="+mn-cs"/>
-              </a:rPr>
-              <a:t>cdot</a:t>
-            </a:r>
-            <a:r>
-              <a:rPr lang="en-US" sz="1200" kern="1200" dirty="0">
-                <a:solidFill>
-                  <a:schemeClr val="tx1"/>
-                </a:solidFill>
-                <a:effectLst/>
-                <a:latin typeface="+mn-lt"/>
-                <a:ea typeface="+mn-ea"/>
-                <a:cs typeface="+mn-cs"/>
-              </a:rPr>
-              <a:t> 4t + \pi/2).</a:t>
+              <a:t>y=a\sin(2\pi ft) \text{ and } y=a\cos(2\pi ft),</a:t>
             </a:r>
           </a:p>
           <a:p>
@@ -4450,7 +4696,7 @@
     </p:spTree>
     <p:extLst>
       <p:ext uri="{BB962C8B-B14F-4D97-AF65-F5344CB8AC3E}">
-        <p14:creationId xmlns:p14="http://schemas.microsoft.com/office/powerpoint/2010/main" val="3121402508"/>
+        <p14:creationId xmlns:p14="http://schemas.microsoft.com/office/powerpoint/2010/main" val="773665762"/>
       </p:ext>
     </p:extLst>
   </p:cSld>
@@ -4514,7 +4760,7 @@
                 <a:ea typeface="+mn-ea"/>
                 <a:cs typeface="+mn-cs"/>
               </a:rPr>
-              <a:t>y = 3\sin(2\pi\</a:t>
+              <a:t>y(t)=\sin(2\pi\</a:t>
             </a:r>
             <a:r>
               <a:rPr lang="en-US" sz="1200" kern="1200" dirty="0" err="1">
@@ -4538,7 +4784,127 @@
                 <a:ea typeface="+mn-ea"/>
                 <a:cs typeface="+mn-cs"/>
               </a:rPr>
-              <a:t> 4t + \pi/2).</a:t>
+              <a:t> 261.6\</a:t>
+            </a:r>
+            <a:r>
+              <a:rPr lang="en-US" sz="1200" kern="1200" dirty="0" err="1">
+                <a:solidFill>
+                  <a:schemeClr val="tx1"/>
+                </a:solidFill>
+                <a:effectLst/>
+                <a:latin typeface="+mn-lt"/>
+                <a:ea typeface="+mn-ea"/>
+                <a:cs typeface="+mn-cs"/>
+              </a:rPr>
+              <a:t>cdot</a:t>
+            </a:r>
+            <a:r>
+              <a:rPr lang="en-US" sz="1200" kern="1200" dirty="0">
+                <a:solidFill>
+                  <a:schemeClr val="tx1"/>
+                </a:solidFill>
+                <a:effectLst/>
+                <a:latin typeface="+mn-lt"/>
+                <a:ea typeface="+mn-ea"/>
+                <a:cs typeface="+mn-cs"/>
+              </a:rPr>
+              <a:t> t)+\sin(2\pi\</a:t>
+            </a:r>
+            <a:r>
+              <a:rPr lang="en-US" sz="1200" kern="1200" dirty="0" err="1">
+                <a:solidFill>
+                  <a:schemeClr val="tx1"/>
+                </a:solidFill>
+                <a:effectLst/>
+                <a:latin typeface="+mn-lt"/>
+                <a:ea typeface="+mn-ea"/>
+                <a:cs typeface="+mn-cs"/>
+              </a:rPr>
+              <a:t>cdot</a:t>
+            </a:r>
+            <a:r>
+              <a:rPr lang="en-US" sz="1200" kern="1200" dirty="0">
+                <a:solidFill>
+                  <a:schemeClr val="tx1"/>
+                </a:solidFill>
+                <a:effectLst/>
+                <a:latin typeface="+mn-lt"/>
+                <a:ea typeface="+mn-ea"/>
+                <a:cs typeface="+mn-cs"/>
+              </a:rPr>
+              <a:t> 329.6\</a:t>
+            </a:r>
+            <a:r>
+              <a:rPr lang="en-US" sz="1200" kern="1200" dirty="0" err="1">
+                <a:solidFill>
+                  <a:schemeClr val="tx1"/>
+                </a:solidFill>
+                <a:effectLst/>
+                <a:latin typeface="+mn-lt"/>
+                <a:ea typeface="+mn-ea"/>
+                <a:cs typeface="+mn-cs"/>
+              </a:rPr>
+              <a:t>cdot</a:t>
+            </a:r>
+            <a:r>
+              <a:rPr lang="en-US" sz="1200" kern="1200" dirty="0">
+                <a:solidFill>
+                  <a:schemeClr val="tx1"/>
+                </a:solidFill>
+                <a:effectLst/>
+                <a:latin typeface="+mn-lt"/>
+                <a:ea typeface="+mn-ea"/>
+                <a:cs typeface="+mn-cs"/>
+              </a:rPr>
+              <a:t> t)+\sin(2\pi\</a:t>
+            </a:r>
+            <a:r>
+              <a:rPr lang="en-US" sz="1200" kern="1200" dirty="0" err="1">
+                <a:solidFill>
+                  <a:schemeClr val="tx1"/>
+                </a:solidFill>
+                <a:effectLst/>
+                <a:latin typeface="+mn-lt"/>
+                <a:ea typeface="+mn-ea"/>
+                <a:cs typeface="+mn-cs"/>
+              </a:rPr>
+              <a:t>cdot</a:t>
+            </a:r>
+            <a:r>
+              <a:rPr lang="en-US" sz="1200" kern="1200" dirty="0">
+                <a:solidFill>
+                  <a:schemeClr val="tx1"/>
+                </a:solidFill>
+                <a:effectLst/>
+                <a:latin typeface="+mn-lt"/>
+                <a:ea typeface="+mn-ea"/>
+                <a:cs typeface="+mn-cs"/>
+              </a:rPr>
+              <a:t> 392\</a:t>
+            </a:r>
+            <a:r>
+              <a:rPr lang="en-US" sz="1200" kern="1200" dirty="0" err="1">
+                <a:solidFill>
+                  <a:schemeClr val="tx1"/>
+                </a:solidFill>
+                <a:effectLst/>
+                <a:latin typeface="+mn-lt"/>
+                <a:ea typeface="+mn-ea"/>
+                <a:cs typeface="+mn-cs"/>
+              </a:rPr>
+              <a:t>cdot</a:t>
+            </a:r>
+            <a:r>
+              <a:rPr lang="en-US" sz="1200" kern="1200" dirty="0">
+                <a:solidFill>
+                  <a:schemeClr val="tx1"/>
+                </a:solidFill>
+                <a:effectLst/>
+                <a:latin typeface="+mn-lt"/>
+                <a:ea typeface="+mn-ea"/>
+                <a:cs typeface="+mn-cs"/>
+              </a:rPr>
+              <a:t> t).</a:t>
             </a:r>
           </a:p>
           <a:p>
@@ -4572,7 +4938,7 @@
     </p:spTree>
     <p:extLst>
       <p:ext uri="{BB962C8B-B14F-4D97-AF65-F5344CB8AC3E}">
-        <p14:creationId xmlns:p14="http://schemas.microsoft.com/office/powerpoint/2010/main" val="1456369744"/>
+        <p14:creationId xmlns:p14="http://schemas.microsoft.com/office/powerpoint/2010/main" val="2094065219"/>
       </p:ext>
     </p:extLst>
   </p:cSld>
@@ -4636,7 +5002,7 @@
                 <a:ea typeface="+mn-ea"/>
                 <a:cs typeface="+mn-cs"/>
               </a:rPr>
-              <a:t>y(t)=\sin(2\pi\</a:t>
+              <a:t>y = 3\sin(2\pi\</a:t>
             </a:r>
             <a:r>
               <a:rPr lang="en-US" sz="1200" kern="1200" dirty="0" err="1">
@@ -4660,127 +5026,7 @@
                 <a:ea typeface="+mn-ea"/>
                 <a:cs typeface="+mn-cs"/>
               </a:rPr>
-              <a:t> 261.6\</a:t>
-            </a:r>
-            <a:r>
-              <a:rPr lang="en-US" sz="1200" kern="1200" dirty="0" err="1">
-                <a:solidFill>
-                  <a:schemeClr val="tx1"/>
-                </a:solidFill>
-                <a:effectLst/>
-                <a:latin typeface="+mn-lt"/>
-                <a:ea typeface="+mn-ea"/>
-                <a:cs typeface="+mn-cs"/>
-              </a:rPr>
-              <a:t>cdot</a:t>
-            </a:r>
-            <a:r>
-              <a:rPr lang="en-US" sz="1200" kern="1200" dirty="0">
-                <a:solidFill>
-                  <a:schemeClr val="tx1"/>
-                </a:solidFill>
-                <a:effectLst/>
-                <a:latin typeface="+mn-lt"/>
-                <a:ea typeface="+mn-ea"/>
-                <a:cs typeface="+mn-cs"/>
-              </a:rPr>
-              <a:t> t)+\sin(2\pi\</a:t>
-            </a:r>
-            <a:r>
-              <a:rPr lang="en-US" sz="1200" kern="1200" dirty="0" err="1">
-                <a:solidFill>
-                  <a:schemeClr val="tx1"/>
-                </a:solidFill>
-                <a:effectLst/>
-                <a:latin typeface="+mn-lt"/>
-                <a:ea typeface="+mn-ea"/>
-                <a:cs typeface="+mn-cs"/>
-              </a:rPr>
-              <a:t>cdot</a:t>
-            </a:r>
-            <a:r>
-              <a:rPr lang="en-US" sz="1200" kern="1200" dirty="0">
-                <a:solidFill>
-                  <a:schemeClr val="tx1"/>
-                </a:solidFill>
-                <a:effectLst/>
-                <a:latin typeface="+mn-lt"/>
-                <a:ea typeface="+mn-ea"/>
-                <a:cs typeface="+mn-cs"/>
-              </a:rPr>
-              <a:t> 329.6\</a:t>
-            </a:r>
-            <a:r>
-              <a:rPr lang="en-US" sz="1200" kern="1200" dirty="0" err="1">
-                <a:solidFill>
-                  <a:schemeClr val="tx1"/>
-                </a:solidFill>
-                <a:effectLst/>
-                <a:latin typeface="+mn-lt"/>
-                <a:ea typeface="+mn-ea"/>
-                <a:cs typeface="+mn-cs"/>
-              </a:rPr>
-              <a:t>cdot</a:t>
-            </a:r>
-            <a:r>
-              <a:rPr lang="en-US" sz="1200" kern="1200" dirty="0">
-                <a:solidFill>
-                  <a:schemeClr val="tx1"/>
-                </a:solidFill>
-                <a:effectLst/>
-                <a:latin typeface="+mn-lt"/>
-                <a:ea typeface="+mn-ea"/>
-                <a:cs typeface="+mn-cs"/>
-              </a:rPr>
-              <a:t> t)+\sin(2\pi\</a:t>
-            </a:r>
-            <a:r>
-              <a:rPr lang="en-US" sz="1200" kern="1200" dirty="0" err="1">
-                <a:solidFill>
-                  <a:schemeClr val="tx1"/>
-                </a:solidFill>
-                <a:effectLst/>
-                <a:latin typeface="+mn-lt"/>
-                <a:ea typeface="+mn-ea"/>
-                <a:cs typeface="+mn-cs"/>
-              </a:rPr>
-              <a:t>cdot</a:t>
-            </a:r>
-            <a:r>
-              <a:rPr lang="en-US" sz="1200" kern="1200" dirty="0">
-                <a:solidFill>
-                  <a:schemeClr val="tx1"/>
-                </a:solidFill>
-                <a:effectLst/>
-                <a:latin typeface="+mn-lt"/>
-                <a:ea typeface="+mn-ea"/>
-                <a:cs typeface="+mn-cs"/>
-              </a:rPr>
-              <a:t> 392\</a:t>
-            </a:r>
-            <a:r>
-              <a:rPr lang="en-US" sz="1200" kern="1200" dirty="0" err="1">
-                <a:solidFill>
-                  <a:schemeClr val="tx1"/>
-                </a:solidFill>
-                <a:effectLst/>
-                <a:latin typeface="+mn-lt"/>
-                <a:ea typeface="+mn-ea"/>
-                <a:cs typeface="+mn-cs"/>
-              </a:rPr>
-              <a:t>cdot</a:t>
-            </a:r>
-            <a:r>
-              <a:rPr lang="en-US" sz="1200" kern="1200" dirty="0">
-                <a:solidFill>
-                  <a:schemeClr val="tx1"/>
-                </a:solidFill>
-                <a:effectLst/>
-                <a:latin typeface="+mn-lt"/>
-                <a:ea typeface="+mn-ea"/>
-                <a:cs typeface="+mn-cs"/>
-              </a:rPr>
-              <a:t> t).</a:t>
+              <a:t> 4t + \pi/2).</a:t>
             </a:r>
           </a:p>
           <a:p>
@@ -4814,7 +5060,7 @@
     </p:spTree>
     <p:extLst>
       <p:ext uri="{BB962C8B-B14F-4D97-AF65-F5344CB8AC3E}">
-        <p14:creationId xmlns:p14="http://schemas.microsoft.com/office/powerpoint/2010/main" val="1859751717"/>
+        <p14:creationId xmlns:p14="http://schemas.microsoft.com/office/powerpoint/2010/main" val="3121402508"/>
       </p:ext>
     </p:extLst>
   </p:cSld>
@@ -4955,7 +5201,7 @@
           <a:p>
             <a:fld id="{4AAD347D-5ACD-4C99-B74B-A9C85AD731AF}" type="datetimeFigureOut">
               <a:rPr lang="en-US" smtClean="0"/>
-              <a:t>2/6/20</a:t>
+              <a:t>2/7/20</a:t>
             </a:fld>
             <a:endParaRPr lang="en-US" dirty="0"/>
           </a:p>
@@ -5125,7 +5371,7 @@
           <a:p>
             <a:fld id="{4509A250-FF31-4206-8172-F9D3106AACB1}" type="datetimeFigureOut">
               <a:rPr lang="en-US" smtClean="0"/>
-              <a:t>2/6/20</a:t>
+              <a:t>2/7/20</a:t>
             </a:fld>
             <a:endParaRPr lang="en-US" dirty="0"/>
           </a:p>
@@ -5305,7 +5551,7 @@
           <a:p>
             <a:fld id="{4509A250-FF31-4206-8172-F9D3106AACB1}" type="datetimeFigureOut">
               <a:rPr lang="en-US" smtClean="0"/>
-              <a:t>2/6/20</a:t>
+              <a:t>2/7/20</a:t>
             </a:fld>
             <a:endParaRPr lang="en-US" dirty="0"/>
           </a:p>
@@ -5510,7 +5756,7 @@
           <a:p>
             <a:fld id="{48A87A34-81AB-432B-8DAE-1953F412C126}" type="datetimeFigureOut">
               <a:rPr lang="en-US" smtClean="0"/>
-              <a:t>2/6/20</a:t>
+              <a:t>2/7/20</a:t>
             </a:fld>
             <a:endParaRPr lang="en-US" dirty="0"/>
           </a:p>
@@ -5680,7 +5926,7 @@
           <a:p>
             <a:fld id="{4509A250-FF31-4206-8172-F9D3106AACB1}" type="datetimeFigureOut">
               <a:rPr lang="en-US" smtClean="0"/>
-              <a:t>2/6/20</a:t>
+              <a:t>2/7/20</a:t>
             </a:fld>
             <a:endParaRPr lang="en-US" dirty="0"/>
           </a:p>
@@ -5926,7 +6172,7 @@
           <a:p>
             <a:fld id="{9796027F-7875-4030-9381-8BD8C4F21935}" type="datetimeFigureOut">
               <a:rPr lang="en-US" smtClean="0"/>
-              <a:t>2/6/20</a:t>
+              <a:t>2/7/20</a:t>
             </a:fld>
             <a:endParaRPr lang="en-US" dirty="0"/>
           </a:p>
@@ -6158,7 +6404,7 @@
           <a:p>
             <a:fld id="{9796027F-7875-4030-9381-8BD8C4F21935}" type="datetimeFigureOut">
               <a:rPr lang="en-US" smtClean="0"/>
-              <a:t>2/6/20</a:t>
+              <a:t>2/7/20</a:t>
             </a:fld>
             <a:endParaRPr lang="en-US" dirty="0"/>
           </a:p>
@@ -6525,7 +6771,7 @@
           <a:p>
             <a:fld id="{9796027F-7875-4030-9381-8BD8C4F21935}" type="datetimeFigureOut">
               <a:rPr lang="en-US" smtClean="0"/>
-              <a:t>2/6/20</a:t>
+              <a:t>2/7/20</a:t>
             </a:fld>
             <a:endParaRPr lang="en-US" dirty="0"/>
           </a:p>
@@ -6643,7 +6889,7 @@
           <a:p>
             <a:fld id="{4509A250-FF31-4206-8172-F9D3106AACB1}" type="datetimeFigureOut">
               <a:rPr lang="en-US" smtClean="0"/>
-              <a:t>2/6/20</a:t>
+              <a:t>2/7/20</a:t>
             </a:fld>
             <a:endParaRPr lang="en-US" dirty="0"/>
           </a:p>
@@ -6738,7 +6984,7 @@
           <a:p>
             <a:fld id="{4509A250-FF31-4206-8172-F9D3106AACB1}" type="datetimeFigureOut">
               <a:rPr lang="en-US" smtClean="0"/>
-              <a:t>2/6/20</a:t>
+              <a:t>2/7/20</a:t>
             </a:fld>
             <a:endParaRPr lang="en-US" dirty="0"/>
           </a:p>
@@ -7015,7 +7261,7 @@
           <a:p>
             <a:fld id="{4509A250-FF31-4206-8172-F9D3106AACB1}" type="datetimeFigureOut">
               <a:rPr lang="en-US" smtClean="0"/>
-              <a:t>2/6/20</a:t>
+              <a:t>2/7/20</a:t>
             </a:fld>
             <a:endParaRPr lang="en-US" dirty="0"/>
           </a:p>
@@ -7272,7 +7518,7 @@
           <a:p>
             <a:fld id="{4509A250-FF31-4206-8172-F9D3106AACB1}" type="datetimeFigureOut">
               <a:rPr lang="en-US" smtClean="0"/>
-              <a:t>2/6/20</a:t>
+              <a:t>2/7/20</a:t>
             </a:fld>
             <a:endParaRPr lang="en-US" dirty="0"/>
           </a:p>
@@ -7485,7 +7731,7 @@
           <a:p>
             <a:fld id="{4AAD347D-5ACD-4C99-B74B-A9C85AD731AF}" type="datetimeFigureOut">
               <a:rPr lang="en-US" smtClean="0"/>
-              <a:t>2/6/20</a:t>
+              <a:t>2/7/20</a:t>
             </a:fld>
             <a:endParaRPr lang="en-US" dirty="0"/>
           </a:p>
@@ -8048,7 +8294,7 @@
         </p:nvSpPr>
         <p:spPr>
           <a:xfrm>
-            <a:off x="1741470" y="1356841"/>
+            <a:off x="1741470" y="1329785"/>
             <a:ext cx="5661060" cy="1692546"/>
           </a:xfrm>
         </p:spPr>
@@ -8087,8 +8333,8 @@
         </p:nvSpPr>
         <p:spPr>
           <a:xfrm>
-            <a:off x="2282552" y="3140627"/>
-            <a:ext cx="4578895" cy="568399"/>
+            <a:off x="1857054" y="3113571"/>
+            <a:ext cx="5429892" cy="713751"/>
           </a:xfrm>
         </p:spPr>
         <p:txBody>
@@ -8103,7 +8349,17 @@
                   <a:srgbClr val="FFFFFF"/>
                 </a:solidFill>
               </a:rPr>
-              <a:t>Introduction to Audio/Signal Processing with Python</a:t>
+              <a:t>Introduction to Digital Audio Processing </a:t>
+            </a:r>
+          </a:p>
+          <a:p>
+            <a:r>
+              <a:rPr lang="en-US" b="1" dirty="0">
+                <a:solidFill>
+                  <a:srgbClr val="FFFFFF"/>
+                </a:solidFill>
+              </a:rPr>
+              <a:t>with Python</a:t>
             </a:r>
           </a:p>
         </p:txBody>
@@ -8408,7 +8664,67 @@
             </a:pPr>
             <a:r>
               <a:rPr lang="en-US" sz="2400" cap="none" dirty="0"/>
-              <a:t>Suppose you have the signal</a:t>
+              <a:t>Suppose you have the signal	                                  .</a:t>
+            </a:r>
+          </a:p>
+          <a:p>
+            <a:pPr marL="0" indent="0">
+              <a:buNone/>
+            </a:pPr>
+            <a:r>
+              <a:rPr lang="en-US" sz="2200" cap="none" dirty="0"/>
+              <a:t>		</a:t>
+            </a:r>
+          </a:p>
+          <a:p>
+            <a:pPr marL="0" indent="0">
+              <a:buNone/>
+            </a:pPr>
+            <a:r>
+              <a:rPr lang="en-US" sz="2400" cap="none" dirty="0"/>
+              <a:t>Find the amplitude, frequency</a:t>
+            </a:r>
+            <a:r>
+              <a:rPr lang="en-US" sz="2400" dirty="0"/>
+              <a:t> </a:t>
+            </a:r>
+            <a:r>
+              <a:rPr lang="en-US" sz="2400" cap="none" dirty="0"/>
+              <a:t>and period. </a:t>
+            </a:r>
+          </a:p>
+          <a:p>
+            <a:pPr marL="0" indent="0">
+              <a:buNone/>
+            </a:pPr>
+            <a:endParaRPr lang="en-US" sz="2400" cap="none" dirty="0"/>
+          </a:p>
+          <a:p>
+            <a:pPr marL="0" indent="0">
+              <a:buNone/>
+            </a:pPr>
+            <a:r>
+              <a:rPr lang="en-US" sz="2400" cap="none" dirty="0"/>
+              <a:t>amplitude = 3</a:t>
+            </a:r>
+            <a:endParaRPr lang="en-US" sz="2400" dirty="0"/>
+          </a:p>
+          <a:p>
+            <a:pPr marL="0" indent="0">
+              <a:buNone/>
+            </a:pPr>
+            <a:r>
+              <a:rPr lang="en-US" sz="2400" cap="none" dirty="0"/>
+              <a:t>frequency = 4 Hz</a:t>
+            </a:r>
+          </a:p>
+          <a:p>
+            <a:pPr marL="0" indent="0">
+              <a:buNone/>
+            </a:pPr>
+            <a:r>
+              <a:rPr lang="en-US" sz="2400" cap="none" dirty="0"/>
+              <a:t>period = 1/4 sec</a:t>
             </a:r>
           </a:p>
           <a:p>
@@ -8417,52 +8733,14 @@
             </a:pPr>
             <a:endParaRPr lang="en-US" sz="2200" cap="none" dirty="0"/>
           </a:p>
-          <a:p>
-            <a:pPr marL="0" indent="0">
-              <a:buNone/>
-            </a:pPr>
-            <a:r>
-              <a:rPr lang="en-US" sz="2400" cap="none" dirty="0"/>
-              <a:t>Find the amplitude, frequency</a:t>
-            </a:r>
-            <a:r>
-              <a:rPr lang="en-US" sz="2400" dirty="0"/>
-              <a:t> </a:t>
-            </a:r>
-            <a:r>
-              <a:rPr lang="en-US" sz="2400" cap="none" dirty="0"/>
-              <a:t>and period. </a:t>
-            </a:r>
-          </a:p>
-          <a:p>
-            <a:pPr marL="0" indent="0">
-              <a:buNone/>
-            </a:pPr>
-            <a:endParaRPr lang="en-US" sz="2400" cap="none" dirty="0"/>
-          </a:p>
-          <a:p>
-            <a:pPr marL="0" indent="0">
-              <a:buNone/>
-            </a:pPr>
-            <a:r>
-              <a:rPr lang="en-US" sz="2400" cap="none" dirty="0"/>
-              <a:t>amplitude = 3; frequency = 4 Hz; </a:t>
-            </a:r>
-          </a:p>
-          <a:p>
-            <a:pPr marL="0" indent="0">
-              <a:buNone/>
-            </a:pPr>
-            <a:endParaRPr lang="en-US" sz="2200" cap="none" dirty="0"/>
-          </a:p>
         </p:txBody>
       </p:sp>
       <p:pic>
         <p:nvPicPr>
-          <p:cNvPr id="3" name="Picture 2">
+          <p:cNvPr id="7" name="Picture 6">
             <a:extLst>
               <a:ext uri="{FF2B5EF4-FFF2-40B4-BE49-F238E27FC236}">
-                <a16:creationId xmlns:a16="http://schemas.microsoft.com/office/drawing/2014/main" id="{31A39753-C4FA-D64C-9296-BC3F804B8B2C}"/>
+                <a16:creationId xmlns:a16="http://schemas.microsoft.com/office/drawing/2014/main" id="{39B49D9E-DB0C-5B4A-BBEF-383EFCE157B6}"/>
               </a:ext>
             </a:extLst>
           </p:cNvPr>
@@ -8479,8 +8757,8 @@
         </p:blipFill>
         <p:spPr>
           <a:xfrm>
-            <a:off x="4140703" y="1501113"/>
-            <a:ext cx="3632200" cy="368300"/>
+            <a:off x="4087895" y="1474986"/>
+            <a:ext cx="2681083" cy="431305"/>
           </a:xfrm>
           <a:prstGeom prst="rect">
             <a:avLst/>
@@ -8554,6 +8832,104 @@
                       </p:childTnLst>
                     </p:cTn>
                   </p:par>
+                  <p:par>
+                    <p:cTn id="7" fill="hold">
+                      <p:stCondLst>
+                        <p:cond delay="indefinite"/>
+                      </p:stCondLst>
+                      <p:childTnLst>
+                        <p:par>
+                          <p:cTn id="8" fill="hold">
+                            <p:stCondLst>
+                              <p:cond delay="0"/>
+                            </p:stCondLst>
+                            <p:childTnLst>
+                              <p:par>
+                                <p:cTn id="9" presetID="1" presetClass="entr" presetSubtype="0" fill="hold" nodeType="clickEffect">
+                                  <p:stCondLst>
+                                    <p:cond delay="0"/>
+                                  </p:stCondLst>
+                                  <p:childTnLst>
+                                    <p:set>
+                                      <p:cBhvr>
+                                        <p:cTn id="10" dur="1" fill="hold">
+                                          <p:stCondLst>
+                                            <p:cond delay="0"/>
+                                          </p:stCondLst>
+                                        </p:cTn>
+                                        <p:tgtEl>
+                                          <p:spTgt spid="4">
+                                            <p:txEl>
+                                              <p:pRg st="6" end="6"/>
+                                            </p:txEl>
+                                          </p:spTgt>
+                                        </p:tgtEl>
+                                        <p:attrNameLst>
+                                          <p:attrName>style.visibility</p:attrName>
+                                        </p:attrNameLst>
+                                      </p:cBhvr>
+                                      <p:to>
+                                        <p:strVal val="visible"/>
+                                      </p:to>
+                                    </p:set>
+                                  </p:childTnLst>
+                                </p:cTn>
+                              </p:par>
+                            </p:childTnLst>
+                          </p:cTn>
+                        </p:par>
+                      </p:childTnLst>
+                    </p:cTn>
+                  </p:par>
+                  <p:par>
+                    <p:cTn id="11" fill="hold">
+                      <p:stCondLst>
+                        <p:cond delay="indefinite"/>
+                      </p:stCondLst>
+                      <p:childTnLst>
+                        <p:par>
+                          <p:cTn id="12" fill="hold">
+                            <p:stCondLst>
+                              <p:cond delay="0"/>
+                            </p:stCondLst>
+                            <p:childTnLst>
+                              <p:par>
+                                <p:cTn id="13" presetID="1" presetClass="entr" presetSubtype="0" fill="hold" nodeType="clickEffect">
+                                  <p:stCondLst>
+                                    <p:cond delay="0"/>
+                                  </p:stCondLst>
+                                  <p:childTnLst>
+                                    <p:set>
+                                      <p:cBhvr>
+                                        <p:cTn id="14" dur="1" fill="hold">
+                                          <p:stCondLst>
+                                            <p:cond delay="0"/>
+                                          </p:stCondLst>
+                                        </p:cTn>
+                                        <p:tgtEl>
+                                          <p:spTgt spid="4">
+                                            <p:txEl>
+                                              <p:pRg st="7" end="7"/>
+                                            </p:txEl>
+                                          </p:spTgt>
+                                        </p:tgtEl>
+                                        <p:attrNameLst>
+                                          <p:attrName>style.visibility</p:attrName>
+                                        </p:attrNameLst>
+                                      </p:cBhvr>
+                                      <p:to>
+                                        <p:strVal val="visible"/>
+                                      </p:to>
+                                    </p:set>
+                                  </p:childTnLst>
+                                </p:cTn>
+                              </p:par>
+                            </p:childTnLst>
+                          </p:cTn>
+                        </p:par>
+                      </p:childTnLst>
+                    </p:cTn>
+                  </p:par>
                 </p:childTnLst>
               </p:cTn>
               <p:prevCondLst>
@@ -8580,6 +8956,907 @@
 </file>
 
 <file path=ppt/slides/slide11.xml><?xml version="1.0" encoding="utf-8"?>
+<p:sld xmlns:a="http://schemas.openxmlformats.org/drawingml/2006/main" xmlns:r="http://schemas.openxmlformats.org/officeDocument/2006/relationships" xmlns:p="http://schemas.openxmlformats.org/presentationml/2006/main">
+  <p:cSld>
+    <p:spTree>
+      <p:nvGrpSpPr>
+        <p:cNvPr id="1" name=""/>
+        <p:cNvGrpSpPr/>
+        <p:nvPr/>
+      </p:nvGrpSpPr>
+      <p:grpSpPr>
+        <a:xfrm>
+          <a:off x="0" y="0"/>
+          <a:ext cx="0" cy="0"/>
+          <a:chOff x="0" y="0"/>
+          <a:chExt cx="0" cy="0"/>
+        </a:xfrm>
+      </p:grpSpPr>
+      <p:sp>
+        <p:nvSpPr>
+          <p:cNvPr id="2" name="Title 1">
+            <a:extLst>
+              <a:ext uri="{FF2B5EF4-FFF2-40B4-BE49-F238E27FC236}">
+                <a16:creationId xmlns:a16="http://schemas.microsoft.com/office/drawing/2014/main" id="{EDE419EF-0E46-9E4D-8C75-4293CAE61F27}"/>
+              </a:ext>
+            </a:extLst>
+          </p:cNvPr>
+          <p:cNvSpPr>
+            <a:spLocks noGrp="1"/>
+          </p:cNvSpPr>
+          <p:nvPr>
+            <p:ph type="title"/>
+          </p:nvPr>
+        </p:nvSpPr>
+        <p:spPr>
+          <a:xfrm>
+            <a:off x="816457" y="249720"/>
+            <a:ext cx="7922594" cy="669139"/>
+          </a:xfrm>
+        </p:spPr>
+        <p:txBody>
+          <a:bodyPr/>
+          <a:lstStyle/>
+          <a:p>
+            <a:pPr algn="l"/>
+            <a:r>
+              <a:rPr lang="en-US" cap="none" dirty="0"/>
+              <a:t>Plotting Functions</a:t>
+            </a:r>
+          </a:p>
+        </p:txBody>
+      </p:sp>
+      <p:sp>
+        <p:nvSpPr>
+          <p:cNvPr id="4" name="Content Placeholder 3">
+            <a:extLst>
+              <a:ext uri="{FF2B5EF4-FFF2-40B4-BE49-F238E27FC236}">
+                <a16:creationId xmlns:a16="http://schemas.microsoft.com/office/drawing/2014/main" id="{864D3036-8B0F-5C44-90AB-7558ABA4CDEC}"/>
+              </a:ext>
+            </a:extLst>
+          </p:cNvPr>
+          <p:cNvSpPr>
+            <a:spLocks noGrp="1"/>
+          </p:cNvSpPr>
+          <p:nvPr>
+            <p:ph sz="quarter" idx="13"/>
+          </p:nvPr>
+        </p:nvSpPr>
+        <p:spPr>
+          <a:xfrm>
+            <a:off x="444137" y="918859"/>
+            <a:ext cx="8294914" cy="4619792"/>
+          </a:xfrm>
+        </p:spPr>
+        <p:txBody>
+          <a:bodyPr>
+            <a:normAutofit/>
+          </a:bodyPr>
+          <a:lstStyle/>
+          <a:p>
+            <a:pPr marL="0" indent="0">
+              <a:buNone/>
+            </a:pPr>
+            <a:r>
+              <a:rPr lang="en-US" sz="2200" cap="none" dirty="0"/>
+              <a:t>In the previous lectures, we used the Python and the matplotlib library to plot images. Now we will use it to plot functions. </a:t>
+            </a:r>
+          </a:p>
+          <a:p>
+            <a:pPr marL="0" indent="0">
+              <a:buNone/>
+            </a:pPr>
+            <a:r>
+              <a:rPr lang="en-US" sz="2200" dirty="0"/>
+              <a:t>Let's plot				 . </a:t>
+            </a:r>
+          </a:p>
+          <a:p>
+            <a:pPr marL="0" indent="0">
+              <a:buNone/>
+            </a:pPr>
+            <a:r>
+              <a:rPr lang="en-US" sz="1800" b="1" dirty="0">
+                <a:solidFill>
+                  <a:srgbClr val="34A327"/>
+                </a:solidFill>
+                <a:latin typeface="Inconsolata Medium" panose="020B0609030003000000" pitchFamily="49" charset="77"/>
+              </a:rPr>
+              <a:t>import</a:t>
+            </a:r>
+            <a:r>
+              <a:rPr lang="en-US" sz="1800" b="1" dirty="0">
+                <a:solidFill>
+                  <a:srgbClr val="000000"/>
+                </a:solidFill>
+                <a:latin typeface="Inconsolata Medium" panose="020B0609030003000000" pitchFamily="49" charset="77"/>
+              </a:rPr>
+              <a:t> </a:t>
+            </a:r>
+            <a:r>
+              <a:rPr lang="en-US" sz="1800" b="1" dirty="0" err="1">
+                <a:solidFill>
+                  <a:srgbClr val="3C9FF2"/>
+                </a:solidFill>
+                <a:latin typeface="Inconsolata Medium" panose="020B0609030003000000" pitchFamily="49" charset="77"/>
+              </a:rPr>
+              <a:t>matplotlib.pyplot</a:t>
+            </a:r>
+            <a:r>
+              <a:rPr lang="en-US" sz="1800" b="1" dirty="0">
+                <a:solidFill>
+                  <a:srgbClr val="000000"/>
+                </a:solidFill>
+                <a:latin typeface="Inconsolata Medium" panose="020B0609030003000000" pitchFamily="49" charset="77"/>
+              </a:rPr>
+              <a:t> </a:t>
+            </a:r>
+            <a:r>
+              <a:rPr lang="en-US" sz="1800" b="1" dirty="0">
+                <a:solidFill>
+                  <a:srgbClr val="34A327"/>
+                </a:solidFill>
+                <a:latin typeface="Inconsolata Medium" panose="020B0609030003000000" pitchFamily="49" charset="77"/>
+              </a:rPr>
+              <a:t>as</a:t>
+            </a:r>
+            <a:r>
+              <a:rPr lang="en-US" sz="1800" b="1" dirty="0">
+                <a:solidFill>
+                  <a:srgbClr val="000000"/>
+                </a:solidFill>
+                <a:latin typeface="Inconsolata Medium" panose="020B0609030003000000" pitchFamily="49" charset="77"/>
+              </a:rPr>
+              <a:t> </a:t>
+            </a:r>
+            <a:r>
+              <a:rPr lang="en-US" sz="1800" b="1" dirty="0" err="1">
+                <a:solidFill>
+                  <a:srgbClr val="3C9FF2"/>
+                </a:solidFill>
+                <a:latin typeface="Inconsolata Medium" panose="020B0609030003000000" pitchFamily="49" charset="77"/>
+              </a:rPr>
+              <a:t>plt</a:t>
+            </a:r>
+            <a:r>
+              <a:rPr lang="en-US" sz="1800" b="1" dirty="0">
+                <a:solidFill>
+                  <a:srgbClr val="000000"/>
+                </a:solidFill>
+                <a:latin typeface="Inconsolata Medium" panose="020B0609030003000000" pitchFamily="49" charset="77"/>
+              </a:rPr>
+              <a:t> </a:t>
+            </a:r>
+            <a:endParaRPr lang="en-US" sz="1800" b="1" dirty="0">
+              <a:solidFill>
+                <a:srgbClr val="34A327"/>
+              </a:solidFill>
+              <a:latin typeface="Inconsolata Medium" panose="020B0609030003000000" pitchFamily="49" charset="77"/>
+            </a:endParaRPr>
+          </a:p>
+          <a:p>
+            <a:pPr marL="0" indent="0">
+              <a:buNone/>
+            </a:pPr>
+            <a:r>
+              <a:rPr lang="en-US" sz="1800" b="1" dirty="0">
+                <a:solidFill>
+                  <a:schemeClr val="accent1"/>
+                </a:solidFill>
+                <a:latin typeface="Inconsolata Medium" panose="020B0609030003000000" pitchFamily="49" charset="77"/>
+              </a:rPr>
+              <a:t># generate 5 equal-spaced</a:t>
+            </a:r>
+          </a:p>
+          <a:p>
+            <a:pPr marL="0" indent="0">
+              <a:buNone/>
+            </a:pPr>
+            <a:r>
+              <a:rPr lang="en-US" sz="1800" b="1" dirty="0">
+                <a:solidFill>
+                  <a:schemeClr val="accent1"/>
+                </a:solidFill>
+                <a:latin typeface="Inconsolata Medium" panose="020B0609030003000000" pitchFamily="49" charset="77"/>
+              </a:rPr>
+              <a:t># samples in interval [0, 2*pi]</a:t>
+            </a:r>
+          </a:p>
+          <a:p>
+            <a:pPr marL="0" indent="0">
+              <a:buNone/>
+            </a:pPr>
+            <a:r>
+              <a:rPr lang="en-US" sz="1800" b="1" dirty="0">
+                <a:solidFill>
+                  <a:schemeClr val="accent1"/>
+                </a:solidFill>
+                <a:latin typeface="Inconsolata Medium" panose="020B0609030003000000" pitchFamily="49" charset="77"/>
+              </a:rPr>
+              <a:t># more samples = better graph</a:t>
+            </a:r>
+          </a:p>
+          <a:p>
+            <a:pPr marL="0" indent="0">
+              <a:buNone/>
+            </a:pPr>
+            <a:r>
+              <a:rPr lang="en-US" sz="1800" b="1" dirty="0" err="1">
+                <a:latin typeface="Inconsolata Medium" panose="020B0609030003000000" pitchFamily="49" charset="77"/>
+              </a:rPr>
+              <a:t>ts</a:t>
+            </a:r>
+            <a:r>
+              <a:rPr lang="en-US" sz="1800" b="1" dirty="0">
+                <a:latin typeface="Inconsolata Medium" panose="020B0609030003000000" pitchFamily="49" charset="77"/>
+              </a:rPr>
+              <a:t> = </a:t>
+            </a:r>
+            <a:r>
+              <a:rPr lang="en-US" sz="1800" b="1" dirty="0" err="1">
+                <a:latin typeface="Inconsolata Medium" panose="020B0609030003000000" pitchFamily="49" charset="77"/>
+              </a:rPr>
+              <a:t>np.linspace</a:t>
+            </a:r>
+            <a:r>
+              <a:rPr lang="en-US" sz="1800" b="1" dirty="0">
+                <a:latin typeface="Inconsolata Medium" panose="020B0609030003000000" pitchFamily="49" charset="77"/>
+              </a:rPr>
+              <a:t>(0, 2*</a:t>
+            </a:r>
+            <a:r>
+              <a:rPr lang="en-US" sz="1800" b="1" dirty="0" err="1">
+                <a:latin typeface="Inconsolata Medium" panose="020B0609030003000000" pitchFamily="49" charset="77"/>
+              </a:rPr>
+              <a:t>np.pi</a:t>
+            </a:r>
+            <a:r>
+              <a:rPr lang="en-US" sz="1800" b="1" dirty="0">
+                <a:latin typeface="Inconsolata Medium" panose="020B0609030003000000" pitchFamily="49" charset="77"/>
+              </a:rPr>
+              <a:t>, </a:t>
+            </a:r>
+            <a:r>
+              <a:rPr lang="en-US" sz="1800" b="1" dirty="0">
+                <a:solidFill>
+                  <a:srgbClr val="FF0000"/>
+                </a:solidFill>
+                <a:latin typeface="Inconsolata Medium" panose="020B0609030003000000" pitchFamily="49" charset="77"/>
+              </a:rPr>
+              <a:t>5</a:t>
+            </a:r>
+            <a:r>
+              <a:rPr lang="en-US" sz="1800" b="1" dirty="0">
+                <a:latin typeface="Inconsolata Medium" panose="020B0609030003000000" pitchFamily="49" charset="77"/>
+              </a:rPr>
+              <a:t>)</a:t>
+            </a:r>
+          </a:p>
+          <a:p>
+            <a:pPr marL="0" indent="0">
+              <a:buNone/>
+            </a:pPr>
+            <a:r>
+              <a:rPr lang="en-US" sz="1800" b="1" dirty="0">
+                <a:solidFill>
+                  <a:schemeClr val="accent1"/>
+                </a:solidFill>
+                <a:latin typeface="Inconsolata Medium" panose="020B0609030003000000" pitchFamily="49" charset="77"/>
+              </a:rPr>
+              <a:t># apply the sin function to samples</a:t>
+            </a:r>
+            <a:endParaRPr lang="en-US" sz="1800" b="1" dirty="0">
+              <a:latin typeface="Inconsolata Medium" panose="020B0609030003000000" pitchFamily="49" charset="77"/>
+            </a:endParaRPr>
+          </a:p>
+          <a:p>
+            <a:pPr marL="0" indent="0">
+              <a:buNone/>
+            </a:pPr>
+            <a:r>
+              <a:rPr lang="en-US" sz="1800" b="1" dirty="0" err="1">
+                <a:latin typeface="Inconsolata Medium" panose="020B0609030003000000" pitchFamily="49" charset="77"/>
+              </a:rPr>
+              <a:t>ys</a:t>
+            </a:r>
+            <a:r>
+              <a:rPr lang="en-US" sz="1800" b="1" dirty="0">
+                <a:latin typeface="Inconsolata Medium" panose="020B0609030003000000" pitchFamily="49" charset="77"/>
+              </a:rPr>
+              <a:t> = </a:t>
+            </a:r>
+            <a:r>
+              <a:rPr lang="en-US" sz="1800" b="1" dirty="0" err="1">
+                <a:latin typeface="Inconsolata Medium" panose="020B0609030003000000" pitchFamily="49" charset="77"/>
+              </a:rPr>
+              <a:t>np.sin</a:t>
+            </a:r>
+            <a:r>
+              <a:rPr lang="en-US" sz="1800" b="1" dirty="0">
+                <a:latin typeface="Inconsolata Medium" panose="020B0609030003000000" pitchFamily="49" charset="77"/>
+              </a:rPr>
+              <a:t>(</a:t>
+            </a:r>
+            <a:r>
+              <a:rPr lang="en-US" sz="1800" b="1" dirty="0" err="1">
+                <a:latin typeface="Inconsolata Medium" panose="020B0609030003000000" pitchFamily="49" charset="77"/>
+              </a:rPr>
+              <a:t>ts</a:t>
+            </a:r>
+            <a:r>
+              <a:rPr lang="en-US" sz="1800" b="1" dirty="0">
+                <a:latin typeface="Inconsolata Medium" panose="020B0609030003000000" pitchFamily="49" charset="77"/>
+              </a:rPr>
+              <a:t>)</a:t>
+            </a:r>
+          </a:p>
+          <a:p>
+            <a:pPr marL="0" indent="0">
+              <a:buNone/>
+            </a:pPr>
+            <a:r>
+              <a:rPr lang="en-US" sz="1800" b="1" dirty="0">
+                <a:solidFill>
+                  <a:schemeClr val="accent1"/>
+                </a:solidFill>
+                <a:latin typeface="Inconsolata Medium" panose="020B0609030003000000" pitchFamily="49" charset="77"/>
+              </a:rPr>
+              <a:t># plot it</a:t>
+            </a:r>
+            <a:endParaRPr lang="en-US" sz="1800" b="1" dirty="0">
+              <a:latin typeface="Inconsolata Medium" panose="020B0609030003000000" pitchFamily="49" charset="77"/>
+            </a:endParaRPr>
+          </a:p>
+          <a:p>
+            <a:pPr marL="0" indent="0">
+              <a:buNone/>
+            </a:pPr>
+            <a:r>
+              <a:rPr lang="en-US" sz="1800" b="1" dirty="0">
+                <a:latin typeface="Inconsolata Medium" panose="020B0609030003000000" pitchFamily="49" charset="77"/>
+              </a:rPr>
+              <a:t>fig, ax = </a:t>
+            </a:r>
+            <a:r>
+              <a:rPr lang="en-US" sz="1800" b="1" dirty="0" err="1">
+                <a:latin typeface="Inconsolata Medium" panose="020B0609030003000000" pitchFamily="49" charset="77"/>
+              </a:rPr>
+              <a:t>plt.subplots</a:t>
+            </a:r>
+            <a:r>
+              <a:rPr lang="en-US" sz="1800" b="1" dirty="0">
+                <a:latin typeface="Inconsolata Medium" panose="020B0609030003000000" pitchFamily="49" charset="77"/>
+              </a:rPr>
+              <a:t>()</a:t>
+            </a:r>
+          </a:p>
+          <a:p>
+            <a:pPr marL="0" indent="0">
+              <a:buNone/>
+            </a:pPr>
+            <a:r>
+              <a:rPr lang="en-US" sz="1800" b="1" dirty="0" err="1">
+                <a:latin typeface="Inconsolata Medium" panose="020B0609030003000000" pitchFamily="49" charset="77"/>
+              </a:rPr>
+              <a:t>ax.plot</a:t>
+            </a:r>
+            <a:r>
+              <a:rPr lang="en-US" sz="1800" b="1" dirty="0">
+                <a:latin typeface="Inconsolata Medium" panose="020B0609030003000000" pitchFamily="49" charset="77"/>
+              </a:rPr>
+              <a:t>(</a:t>
+            </a:r>
+            <a:r>
+              <a:rPr lang="en-US" sz="1800" b="1" dirty="0" err="1">
+                <a:latin typeface="Inconsolata Medium" panose="020B0609030003000000" pitchFamily="49" charset="77"/>
+              </a:rPr>
+              <a:t>ts</a:t>
+            </a:r>
+            <a:r>
+              <a:rPr lang="en-US" sz="1800" b="1" dirty="0">
+                <a:latin typeface="Inconsolata Medium" panose="020B0609030003000000" pitchFamily="49" charset="77"/>
+              </a:rPr>
+              <a:t>, </a:t>
+            </a:r>
+            <a:r>
+              <a:rPr lang="en-US" sz="1800" b="1" dirty="0" err="1">
+                <a:latin typeface="Inconsolata Medium" panose="020B0609030003000000" pitchFamily="49" charset="77"/>
+              </a:rPr>
+              <a:t>ys</a:t>
+            </a:r>
+            <a:r>
+              <a:rPr lang="en-US" sz="1800" b="1" dirty="0">
+                <a:latin typeface="Inconsolata Medium" panose="020B0609030003000000" pitchFamily="49" charset="77"/>
+              </a:rPr>
+              <a:t>)</a:t>
+            </a:r>
+            <a:endParaRPr lang="en-US" sz="1800" b="1" cap="none" dirty="0">
+              <a:latin typeface="Inconsolata Medium" panose="020B0609030003000000" pitchFamily="49" charset="77"/>
+            </a:endParaRPr>
+          </a:p>
+        </p:txBody>
+      </p:sp>
+      <p:pic>
+        <p:nvPicPr>
+          <p:cNvPr id="3" name="Picture 2">
+            <a:extLst>
+              <a:ext uri="{FF2B5EF4-FFF2-40B4-BE49-F238E27FC236}">
+                <a16:creationId xmlns:a16="http://schemas.microsoft.com/office/drawing/2014/main" id="{02380B87-C89C-E64E-AEF5-4221ED13C44D}"/>
+              </a:ext>
+            </a:extLst>
+          </p:cNvPr>
+          <p:cNvPicPr>
+            <a:picLocks noChangeAspect="1"/>
+          </p:cNvPicPr>
+          <p:nvPr/>
+        </p:nvPicPr>
+        <p:blipFill>
+          <a:blip r:embed="rId3"/>
+          <a:stretch>
+            <a:fillRect/>
+          </a:stretch>
+        </p:blipFill>
+        <p:spPr>
+          <a:xfrm>
+            <a:off x="1648045" y="1642859"/>
+            <a:ext cx="2363275" cy="328505"/>
+          </a:xfrm>
+          <a:prstGeom prst="rect">
+            <a:avLst/>
+          </a:prstGeom>
+        </p:spPr>
+      </p:pic>
+      <p:pic>
+        <p:nvPicPr>
+          <p:cNvPr id="6" name="Picture 5">
+            <a:extLst>
+              <a:ext uri="{FF2B5EF4-FFF2-40B4-BE49-F238E27FC236}">
+                <a16:creationId xmlns:a16="http://schemas.microsoft.com/office/drawing/2014/main" id="{E15CFCF0-339F-594C-B0F2-156960504038}"/>
+              </a:ext>
+            </a:extLst>
+          </p:cNvPr>
+          <p:cNvPicPr>
+            <a:picLocks noChangeAspect="1"/>
+          </p:cNvPicPr>
+          <p:nvPr/>
+        </p:nvPicPr>
+        <p:blipFill>
+          <a:blip r:embed="rId4"/>
+          <a:stretch>
+            <a:fillRect/>
+          </a:stretch>
+        </p:blipFill>
+        <p:spPr>
+          <a:xfrm>
+            <a:off x="5142730" y="2375325"/>
+            <a:ext cx="3867706" cy="2244120"/>
+          </a:xfrm>
+          <a:prstGeom prst="rect">
+            <a:avLst/>
+          </a:prstGeom>
+        </p:spPr>
+      </p:pic>
+    </p:spTree>
+    <p:extLst>
+      <p:ext uri="{BB962C8B-B14F-4D97-AF65-F5344CB8AC3E}">
+        <p14:creationId xmlns:p14="http://schemas.microsoft.com/office/powerpoint/2010/main" val="3644054353"/>
+      </p:ext>
+    </p:extLst>
+  </p:cSld>
+  <p:clrMapOvr>
+    <a:masterClrMapping/>
+  </p:clrMapOvr>
+</p:sld>
+</file>
+
+<file path=ppt/slides/slide12.xml><?xml version="1.0" encoding="utf-8"?>
+<p:sld xmlns:a="http://schemas.openxmlformats.org/drawingml/2006/main" xmlns:r="http://schemas.openxmlformats.org/officeDocument/2006/relationships" xmlns:p="http://schemas.openxmlformats.org/presentationml/2006/main">
+  <p:cSld>
+    <p:spTree>
+      <p:nvGrpSpPr>
+        <p:cNvPr id="1" name=""/>
+        <p:cNvGrpSpPr/>
+        <p:nvPr/>
+      </p:nvGrpSpPr>
+      <p:grpSpPr>
+        <a:xfrm>
+          <a:off x="0" y="0"/>
+          <a:ext cx="0" cy="0"/>
+          <a:chOff x="0" y="0"/>
+          <a:chExt cx="0" cy="0"/>
+        </a:xfrm>
+      </p:grpSpPr>
+      <p:sp>
+        <p:nvSpPr>
+          <p:cNvPr id="2" name="Title 1">
+            <a:extLst>
+              <a:ext uri="{FF2B5EF4-FFF2-40B4-BE49-F238E27FC236}">
+                <a16:creationId xmlns:a16="http://schemas.microsoft.com/office/drawing/2014/main" id="{EDE419EF-0E46-9E4D-8C75-4293CAE61F27}"/>
+              </a:ext>
+            </a:extLst>
+          </p:cNvPr>
+          <p:cNvSpPr>
+            <a:spLocks noGrp="1"/>
+          </p:cNvSpPr>
+          <p:nvPr>
+            <p:ph type="title"/>
+          </p:nvPr>
+        </p:nvSpPr>
+        <p:spPr>
+          <a:xfrm>
+            <a:off x="624264" y="426416"/>
+            <a:ext cx="7922594" cy="669139"/>
+          </a:xfrm>
+        </p:spPr>
+        <p:txBody>
+          <a:bodyPr/>
+          <a:lstStyle/>
+          <a:p>
+            <a:pPr algn="l"/>
+            <a:r>
+              <a:rPr lang="en-US" cap="none" dirty="0"/>
+              <a:t>More Samples</a:t>
+            </a:r>
+          </a:p>
+        </p:txBody>
+      </p:sp>
+      <p:sp>
+        <p:nvSpPr>
+          <p:cNvPr id="4" name="Content Placeholder 3">
+            <a:extLst>
+              <a:ext uri="{FF2B5EF4-FFF2-40B4-BE49-F238E27FC236}">
+                <a16:creationId xmlns:a16="http://schemas.microsoft.com/office/drawing/2014/main" id="{864D3036-8B0F-5C44-90AB-7558ABA4CDEC}"/>
+              </a:ext>
+            </a:extLst>
+          </p:cNvPr>
+          <p:cNvSpPr>
+            <a:spLocks noGrp="1"/>
+          </p:cNvSpPr>
+          <p:nvPr>
+            <p:ph sz="quarter" idx="13"/>
+          </p:nvPr>
+        </p:nvSpPr>
+        <p:spPr>
+          <a:xfrm>
+            <a:off x="444137" y="1095555"/>
+            <a:ext cx="8294914" cy="4443096"/>
+          </a:xfrm>
+        </p:spPr>
+        <p:txBody>
+          <a:bodyPr>
+            <a:normAutofit/>
+          </a:bodyPr>
+          <a:lstStyle/>
+          <a:p>
+            <a:pPr marL="0" indent="0">
+              <a:buNone/>
+            </a:pPr>
+            <a:endParaRPr lang="en-US" sz="2200" dirty="0"/>
+          </a:p>
+          <a:p>
+            <a:pPr marL="0" indent="0">
+              <a:buNone/>
+            </a:pPr>
+            <a:r>
+              <a:rPr lang="en-US" sz="2200" dirty="0"/>
+              <a:t>Increasing the number of samples generate a more accurate graph. </a:t>
+            </a:r>
+          </a:p>
+          <a:p>
+            <a:pPr marL="0" indent="0">
+              <a:buNone/>
+            </a:pPr>
+            <a:endParaRPr lang="en-US" sz="1800" b="1" dirty="0">
+              <a:solidFill>
+                <a:srgbClr val="34A327"/>
+              </a:solidFill>
+              <a:latin typeface="Inconsolata Medium" panose="020B0609030003000000" pitchFamily="49" charset="77"/>
+            </a:endParaRPr>
+          </a:p>
+          <a:p>
+            <a:pPr marL="0" indent="0">
+              <a:buNone/>
+            </a:pPr>
+            <a:endParaRPr lang="en-US" sz="1800" b="1" dirty="0">
+              <a:solidFill>
+                <a:srgbClr val="34A327"/>
+              </a:solidFill>
+              <a:latin typeface="Inconsolata Medium" panose="020B0609030003000000" pitchFamily="49" charset="77"/>
+            </a:endParaRPr>
+          </a:p>
+          <a:p>
+            <a:pPr marL="0" indent="0">
+              <a:buNone/>
+            </a:pPr>
+            <a:r>
+              <a:rPr lang="en-US" sz="1800" b="1" dirty="0">
+                <a:solidFill>
+                  <a:srgbClr val="34A327"/>
+                </a:solidFill>
+                <a:latin typeface="Inconsolata Medium" panose="020B0609030003000000" pitchFamily="49" charset="77"/>
+              </a:rPr>
+              <a:t>import</a:t>
+            </a:r>
+            <a:r>
+              <a:rPr lang="en-US" sz="1800" b="1" dirty="0">
+                <a:solidFill>
+                  <a:srgbClr val="000000"/>
+                </a:solidFill>
+                <a:latin typeface="Inconsolata Medium" panose="020B0609030003000000" pitchFamily="49" charset="77"/>
+              </a:rPr>
+              <a:t> </a:t>
+            </a:r>
+            <a:r>
+              <a:rPr lang="en-US" sz="1800" b="1" dirty="0" err="1">
+                <a:solidFill>
+                  <a:srgbClr val="3C9FF2"/>
+                </a:solidFill>
+                <a:latin typeface="Inconsolata Medium" panose="020B0609030003000000" pitchFamily="49" charset="77"/>
+              </a:rPr>
+              <a:t>matplotlib.pyplot</a:t>
+            </a:r>
+            <a:r>
+              <a:rPr lang="en-US" sz="1800" b="1" dirty="0">
+                <a:solidFill>
+                  <a:srgbClr val="000000"/>
+                </a:solidFill>
+                <a:latin typeface="Inconsolata Medium" panose="020B0609030003000000" pitchFamily="49" charset="77"/>
+              </a:rPr>
+              <a:t> </a:t>
+            </a:r>
+            <a:r>
+              <a:rPr lang="en-US" sz="1800" b="1" dirty="0">
+                <a:solidFill>
+                  <a:srgbClr val="34A327"/>
+                </a:solidFill>
+                <a:latin typeface="Inconsolata Medium" panose="020B0609030003000000" pitchFamily="49" charset="77"/>
+              </a:rPr>
+              <a:t>as</a:t>
+            </a:r>
+            <a:r>
+              <a:rPr lang="en-US" sz="1800" b="1" dirty="0">
+                <a:solidFill>
+                  <a:srgbClr val="000000"/>
+                </a:solidFill>
+                <a:latin typeface="Inconsolata Medium" panose="020B0609030003000000" pitchFamily="49" charset="77"/>
+              </a:rPr>
+              <a:t> </a:t>
+            </a:r>
+            <a:r>
+              <a:rPr lang="en-US" sz="1800" b="1" dirty="0" err="1">
+                <a:solidFill>
+                  <a:srgbClr val="3C9FF2"/>
+                </a:solidFill>
+                <a:latin typeface="Inconsolata Medium" panose="020B0609030003000000" pitchFamily="49" charset="77"/>
+              </a:rPr>
+              <a:t>plt</a:t>
+            </a:r>
+            <a:r>
+              <a:rPr lang="en-US" sz="1800" b="1" dirty="0">
+                <a:solidFill>
+                  <a:srgbClr val="000000"/>
+                </a:solidFill>
+                <a:latin typeface="Inconsolata Medium" panose="020B0609030003000000" pitchFamily="49" charset="77"/>
+              </a:rPr>
+              <a:t> </a:t>
+            </a:r>
+            <a:endParaRPr lang="en-US" sz="1800" b="1" dirty="0">
+              <a:solidFill>
+                <a:srgbClr val="34A327"/>
+              </a:solidFill>
+              <a:latin typeface="Inconsolata Medium" panose="020B0609030003000000" pitchFamily="49" charset="77"/>
+            </a:endParaRPr>
+          </a:p>
+          <a:p>
+            <a:pPr marL="0" indent="0">
+              <a:buNone/>
+            </a:pPr>
+            <a:r>
+              <a:rPr lang="en-US" sz="1800" b="1" dirty="0" err="1">
+                <a:latin typeface="Inconsolata Medium" panose="020B0609030003000000" pitchFamily="49" charset="77"/>
+              </a:rPr>
+              <a:t>ts</a:t>
+            </a:r>
+            <a:r>
+              <a:rPr lang="en-US" sz="1800" b="1" dirty="0">
+                <a:latin typeface="Inconsolata Medium" panose="020B0609030003000000" pitchFamily="49" charset="77"/>
+              </a:rPr>
+              <a:t> = </a:t>
+            </a:r>
+            <a:r>
+              <a:rPr lang="en-US" sz="1800" b="1" dirty="0" err="1">
+                <a:latin typeface="Inconsolata Medium" panose="020B0609030003000000" pitchFamily="49" charset="77"/>
+              </a:rPr>
+              <a:t>np.linspace</a:t>
+            </a:r>
+            <a:r>
+              <a:rPr lang="en-US" sz="1800" b="1" dirty="0">
+                <a:latin typeface="Inconsolata Medium" panose="020B0609030003000000" pitchFamily="49" charset="77"/>
+              </a:rPr>
+              <a:t>(0, 2*</a:t>
+            </a:r>
+            <a:r>
+              <a:rPr lang="en-US" sz="1800" b="1" dirty="0" err="1">
+                <a:latin typeface="Inconsolata Medium" panose="020B0609030003000000" pitchFamily="49" charset="77"/>
+              </a:rPr>
+              <a:t>np.pi</a:t>
+            </a:r>
+            <a:r>
+              <a:rPr lang="en-US" sz="1800" b="1" dirty="0">
+                <a:latin typeface="Inconsolata Medium" panose="020B0609030003000000" pitchFamily="49" charset="77"/>
+              </a:rPr>
+              <a:t>, </a:t>
+            </a:r>
+            <a:r>
+              <a:rPr lang="en-US" sz="1800" b="1" dirty="0">
+                <a:solidFill>
+                  <a:srgbClr val="FF0000"/>
+                </a:solidFill>
+                <a:latin typeface="Inconsolata Medium" panose="020B0609030003000000" pitchFamily="49" charset="77"/>
+              </a:rPr>
+              <a:t>50</a:t>
+            </a:r>
+            <a:r>
+              <a:rPr lang="en-US" sz="1800" b="1" dirty="0">
+                <a:latin typeface="Inconsolata Medium" panose="020B0609030003000000" pitchFamily="49" charset="77"/>
+              </a:rPr>
+              <a:t>)</a:t>
+            </a:r>
+          </a:p>
+          <a:p>
+            <a:pPr marL="0" indent="0">
+              <a:buNone/>
+            </a:pPr>
+            <a:r>
+              <a:rPr lang="en-US" sz="1800" b="1" dirty="0" err="1">
+                <a:latin typeface="Inconsolata Medium" panose="020B0609030003000000" pitchFamily="49" charset="77"/>
+              </a:rPr>
+              <a:t>ys</a:t>
+            </a:r>
+            <a:r>
+              <a:rPr lang="en-US" sz="1800" b="1" dirty="0">
+                <a:latin typeface="Inconsolata Medium" panose="020B0609030003000000" pitchFamily="49" charset="77"/>
+              </a:rPr>
+              <a:t> = </a:t>
+            </a:r>
+            <a:r>
+              <a:rPr lang="en-US" sz="1800" b="1" dirty="0" err="1">
+                <a:latin typeface="Inconsolata Medium" panose="020B0609030003000000" pitchFamily="49" charset="77"/>
+              </a:rPr>
+              <a:t>np.sin</a:t>
+            </a:r>
+            <a:r>
+              <a:rPr lang="en-US" sz="1800" b="1" dirty="0">
+                <a:latin typeface="Inconsolata Medium" panose="020B0609030003000000" pitchFamily="49" charset="77"/>
+              </a:rPr>
+              <a:t>(</a:t>
+            </a:r>
+            <a:r>
+              <a:rPr lang="en-US" sz="1800" b="1" dirty="0" err="1">
+                <a:latin typeface="Inconsolata Medium" panose="020B0609030003000000" pitchFamily="49" charset="77"/>
+              </a:rPr>
+              <a:t>ts</a:t>
+            </a:r>
+            <a:r>
+              <a:rPr lang="en-US" sz="1800" b="1" dirty="0">
+                <a:latin typeface="Inconsolata Medium" panose="020B0609030003000000" pitchFamily="49" charset="77"/>
+              </a:rPr>
+              <a:t>)</a:t>
+            </a:r>
+          </a:p>
+          <a:p>
+            <a:pPr marL="0" indent="0">
+              <a:buNone/>
+            </a:pPr>
+            <a:r>
+              <a:rPr lang="en-US" sz="1800" b="1" dirty="0">
+                <a:latin typeface="Inconsolata Medium" panose="020B0609030003000000" pitchFamily="49" charset="77"/>
+              </a:rPr>
+              <a:t>fig, ax = </a:t>
+            </a:r>
+            <a:r>
+              <a:rPr lang="en-US" sz="1800" b="1" dirty="0" err="1">
+                <a:latin typeface="Inconsolata Medium" panose="020B0609030003000000" pitchFamily="49" charset="77"/>
+              </a:rPr>
+              <a:t>plt.subplots</a:t>
+            </a:r>
+            <a:r>
+              <a:rPr lang="en-US" sz="1800" b="1" dirty="0">
+                <a:latin typeface="Inconsolata Medium" panose="020B0609030003000000" pitchFamily="49" charset="77"/>
+              </a:rPr>
+              <a:t>()</a:t>
+            </a:r>
+          </a:p>
+          <a:p>
+            <a:pPr marL="0" indent="0">
+              <a:buNone/>
+            </a:pPr>
+            <a:r>
+              <a:rPr lang="en-US" sz="1800" b="1" dirty="0" err="1">
+                <a:latin typeface="Inconsolata Medium" panose="020B0609030003000000" pitchFamily="49" charset="77"/>
+              </a:rPr>
+              <a:t>ax.plot</a:t>
+            </a:r>
+            <a:r>
+              <a:rPr lang="en-US" sz="1800" b="1" dirty="0">
+                <a:latin typeface="Inconsolata Medium" panose="020B0609030003000000" pitchFamily="49" charset="77"/>
+              </a:rPr>
+              <a:t>(</a:t>
+            </a:r>
+            <a:r>
+              <a:rPr lang="en-US" sz="1800" b="1" dirty="0" err="1">
+                <a:latin typeface="Inconsolata Medium" panose="020B0609030003000000" pitchFamily="49" charset="77"/>
+              </a:rPr>
+              <a:t>ts</a:t>
+            </a:r>
+            <a:r>
+              <a:rPr lang="en-US" sz="1800" b="1" dirty="0">
+                <a:latin typeface="Inconsolata Medium" panose="020B0609030003000000" pitchFamily="49" charset="77"/>
+              </a:rPr>
+              <a:t>, </a:t>
+            </a:r>
+            <a:r>
+              <a:rPr lang="en-US" sz="1800" b="1" dirty="0" err="1">
+                <a:latin typeface="Inconsolata Medium" panose="020B0609030003000000" pitchFamily="49" charset="77"/>
+              </a:rPr>
+              <a:t>ys</a:t>
+            </a:r>
+            <a:r>
+              <a:rPr lang="en-US" sz="1800" b="1" dirty="0">
+                <a:latin typeface="Inconsolata Medium" panose="020B0609030003000000" pitchFamily="49" charset="77"/>
+              </a:rPr>
+              <a:t>)</a:t>
+            </a:r>
+            <a:endParaRPr lang="en-US" sz="1800" b="1" cap="none" dirty="0">
+              <a:latin typeface="Inconsolata Medium" panose="020B0609030003000000" pitchFamily="49" charset="77"/>
+            </a:endParaRPr>
+          </a:p>
+        </p:txBody>
+      </p:sp>
+      <p:pic>
+        <p:nvPicPr>
+          <p:cNvPr id="5" name="Picture 4">
+            <a:extLst>
+              <a:ext uri="{FF2B5EF4-FFF2-40B4-BE49-F238E27FC236}">
+                <a16:creationId xmlns:a16="http://schemas.microsoft.com/office/drawing/2014/main" id="{014A5D6D-3F56-9648-9039-31F986D0E35A}"/>
+              </a:ext>
+            </a:extLst>
+          </p:cNvPr>
+          <p:cNvPicPr>
+            <a:picLocks noChangeAspect="1"/>
+          </p:cNvPicPr>
+          <p:nvPr/>
+        </p:nvPicPr>
+        <p:blipFill>
+          <a:blip r:embed="rId3"/>
+          <a:stretch>
+            <a:fillRect/>
+          </a:stretch>
+        </p:blipFill>
+        <p:spPr>
+          <a:xfrm>
+            <a:off x="4791203" y="2327878"/>
+            <a:ext cx="4352797" cy="2536664"/>
+          </a:xfrm>
+          <a:prstGeom prst="rect">
+            <a:avLst/>
+          </a:prstGeom>
+        </p:spPr>
+      </p:pic>
+    </p:spTree>
+    <p:extLst>
+      <p:ext uri="{BB962C8B-B14F-4D97-AF65-F5344CB8AC3E}">
+        <p14:creationId xmlns:p14="http://schemas.microsoft.com/office/powerpoint/2010/main" val="2868968163"/>
+      </p:ext>
+    </p:extLst>
+  </p:cSld>
+  <p:clrMapOvr>
+    <a:masterClrMapping/>
+  </p:clrMapOvr>
+</p:sld>
+</file>
+
+<file path=ppt/slides/slide13.xml><?xml version="1.0" encoding="utf-8"?>
 <p:sld xmlns:a="http://schemas.openxmlformats.org/drawingml/2006/main" xmlns:r="http://schemas.openxmlformats.org/officeDocument/2006/relationships" xmlns:p="http://schemas.openxmlformats.org/presentationml/2006/main">
   <p:cSld>
     <p:spTree>
@@ -8814,7 +10091,7 @@
 </p:sld>
 </file>
 
-<file path=ppt/slides/slide12.xml><?xml version="1.0" encoding="utf-8"?>
+<file path=ppt/slides/slide14.xml><?xml version="1.0" encoding="utf-8"?>
 <p:sld xmlns:a="http://schemas.openxmlformats.org/drawingml/2006/main" xmlns:r="http://schemas.openxmlformats.org/officeDocument/2006/relationships" xmlns:p="http://schemas.openxmlformats.org/presentationml/2006/main">
   <p:cSld>
     <p:spTree>
@@ -8902,9 +10179,15 @@
             <a:pPr marL="0" indent="0">
               <a:buNone/>
             </a:pPr>
-            <a:r>
-              <a:rPr lang="en-US" sz="2200" cap="none" dirty="0"/>
-              <a:t>Let’s simulate these sounds in Python.</a:t>
+            <a:endParaRPr lang="en-US" sz="2200" dirty="0"/>
+          </a:p>
+          <a:p>
+            <a:pPr marL="0" indent="0">
+              <a:buNone/>
+            </a:pPr>
+            <a:r>
+              <a:rPr lang="en-US" sz="2400" cap="none" dirty="0"/>
+              <a:t>We will simulate these sounds in Python in the next lecture.</a:t>
             </a:r>
           </a:p>
           <a:p>
@@ -9158,7 +10441,7 @@
                                         <p:tgtEl>
                                           <p:spTgt spid="5">
                                             <p:txEl>
-                                              <p:pRg st="6" end="6"/>
+                                              <p:pRg st="7" end="7"/>
                                             </p:txEl>
                                           </p:spTgt>
                                         </p:tgtEl>
@@ -9204,7 +10487,7 @@
 </p:sld>
 </file>
 
-<file path=ppt/slides/slide13.xml><?xml version="1.0" encoding="utf-8"?>
+<file path=ppt/slides/slide15.xml><?xml version="1.0" encoding="utf-8"?>
 <p:sld xmlns:a="http://schemas.openxmlformats.org/drawingml/2006/main" xmlns:r="http://schemas.openxmlformats.org/officeDocument/2006/relationships" xmlns:p="http://schemas.openxmlformats.org/presentationml/2006/main">
   <p:cSld>
     <p:spTree>
@@ -9627,7 +10910,7 @@
 </p:sld>
 </file>
 
-<file path=ppt/slides/slide14.xml><?xml version="1.0" encoding="utf-8"?>
+<file path=ppt/slides/slide16.xml><?xml version="1.0" encoding="utf-8"?>
 <p:sld xmlns:a="http://schemas.openxmlformats.org/drawingml/2006/main" xmlns:r="http://schemas.openxmlformats.org/officeDocument/2006/relationships" xmlns:p="http://schemas.openxmlformats.org/presentationml/2006/main">
   <p:cSld>
     <p:spTree>
@@ -10029,7 +11312,7 @@
 </p:sld>
 </file>
 
-<file path=ppt/slides/slide15.xml><?xml version="1.0" encoding="utf-8"?>
+<file path=ppt/slides/slide17.xml><?xml version="1.0" encoding="utf-8"?>
 <p:sld xmlns:a="http://schemas.openxmlformats.org/drawingml/2006/main" xmlns:r="http://schemas.openxmlformats.org/officeDocument/2006/relationships" xmlns:p="http://schemas.openxmlformats.org/presentationml/2006/main">
   <p:cSld>
     <p:spTree>
@@ -10268,7 +11551,7 @@
 </p:sld>
 </file>
 
-<file path=ppt/slides/slide16.xml><?xml version="1.0" encoding="utf-8"?>
+<file path=ppt/slides/slide18.xml><?xml version="1.0" encoding="utf-8"?>
 <p:sld xmlns:a="http://schemas.openxmlformats.org/drawingml/2006/main" xmlns:r="http://schemas.openxmlformats.org/officeDocument/2006/relationships" xmlns:p="http://schemas.openxmlformats.org/presentationml/2006/main">
   <p:cSld>
     <p:spTree>
@@ -10308,23 +11591,51 @@
           </a:xfrm>
         </p:spPr>
         <p:txBody>
-          <a:bodyPr/>
+          <a:bodyPr>
+            <a:normAutofit/>
+          </a:bodyPr>
           <a:lstStyle/>
           <a:p>
             <a:pPr marL="0" indent="0">
               <a:buNone/>
             </a:pPr>
-            <a:endParaRPr lang="en-US" sz="2400" cap="none" dirty="0"/>
+            <a:r>
+              <a:rPr lang="en-US" sz="2200" dirty="0"/>
+              <a:t>The signal in the time domain is very difficult to analyze. It is hard to know what sound is generated by the plot below. </a:t>
+            </a:r>
           </a:p>
           <a:p>
             <a:pPr marL="0" indent="0">
               <a:buNone/>
             </a:pPr>
-            <a:r>
-              <a:rPr lang="en-US" sz="2400" dirty="0"/>
-              <a:t>The signal in the time domain is very difficult to analyze. </a:t>
-            </a:r>
-            <a:endParaRPr lang="en-US" sz="2400" cap="none" dirty="0"/>
+            <a:endParaRPr lang="en-US" sz="2200" dirty="0"/>
+          </a:p>
+          <a:p>
+            <a:pPr marL="0" indent="0">
+              <a:buNone/>
+            </a:pPr>
+            <a:r>
+              <a:rPr lang="en-US" sz="2200" dirty="0"/>
+              <a:t>The right plot is the zoomed in version of the left.</a:t>
+            </a:r>
+          </a:p>
+          <a:p>
+            <a:pPr marL="0" indent="0">
+              <a:buNone/>
+            </a:pPr>
+            <a:endParaRPr lang="en-US" sz="2200" dirty="0"/>
+          </a:p>
+          <a:p>
+            <a:pPr marL="0" indent="0">
+              <a:buNone/>
+            </a:pPr>
+            <a:endParaRPr lang="en-US" sz="2200" cap="none" dirty="0"/>
+          </a:p>
+          <a:p>
+            <a:pPr marL="0" indent="0">
+              <a:buNone/>
+            </a:pPr>
+            <a:endParaRPr lang="en-US" sz="2200" cap="none" dirty="0"/>
           </a:p>
         </p:txBody>
       </p:sp>
@@ -10384,7 +11695,7 @@
         </p:blipFill>
         <p:spPr>
           <a:xfrm>
-            <a:off x="4164320" y="2669995"/>
+            <a:off x="4164320" y="2906298"/>
             <a:ext cx="3821988" cy="2714625"/>
           </a:xfrm>
           <a:prstGeom prst="rect">
@@ -10414,7 +11725,7 @@
         </p:blipFill>
         <p:spPr>
           <a:xfrm>
-            <a:off x="195209" y="2614318"/>
+            <a:off x="195209" y="2819798"/>
             <a:ext cx="3821987" cy="2837140"/>
           </a:xfrm>
           <a:prstGeom prst="rect">
@@ -10435,7 +11746,7 @@
 </p:sld>
 </file>
 
-<file path=ppt/slides/slide17.xml><?xml version="1.0" encoding="utf-8"?>
+<file path=ppt/slides/slide19.xml><?xml version="1.0" encoding="utf-8"?>
 <p:sld xmlns:a="http://schemas.openxmlformats.org/drawingml/2006/main" xmlns:r="http://schemas.openxmlformats.org/officeDocument/2006/relationships" xmlns:p="http://schemas.openxmlformats.org/presentationml/2006/main">
   <p:cSld>
     <p:spTree>
@@ -10481,15 +11792,9 @@
             <a:pPr marL="0" indent="0">
               <a:buNone/>
             </a:pPr>
-            <a:endParaRPr lang="en-US" sz="2200" cap="none" dirty="0"/>
-          </a:p>
-          <a:p>
-            <a:pPr marL="0" indent="0">
-              <a:buNone/>
-            </a:pPr>
             <a:r>
               <a:rPr lang="en-US" sz="2200" dirty="0"/>
-              <a:t>But converting the signal into</a:t>
+              <a:t>Converting the signal into</a:t>
             </a:r>
           </a:p>
           <a:p>
@@ -10530,7 +11835,7 @@
               <a:buNone/>
             </a:pPr>
             <a:r>
-              <a:rPr lang="en-US" sz="2400" cap="none" dirty="0"/>
+              <a:rPr lang="en-US" sz="2200" cap="none" dirty="0"/>
               <a:t>What chord is this?</a:t>
             </a:r>
           </a:p>
@@ -10538,28 +11843,43 @@
             <a:pPr marL="0" indent="0">
               <a:buNone/>
             </a:pPr>
-            <a:endParaRPr lang="en-US" sz="2200" cap="none" dirty="0"/>
+            <a:r>
+              <a:rPr lang="en-US" sz="2200" cap="none" dirty="0"/>
+              <a:t>440 Hz = A4, 880 Hz = A5, </a:t>
+            </a:r>
           </a:p>
           <a:p>
             <a:pPr marL="0" indent="0">
               <a:buNone/>
             </a:pPr>
-            <a:endParaRPr lang="en-US" sz="2200" cap="none" dirty="0"/>
+            <a:r>
+              <a:rPr lang="en-US" sz="2200" cap="none" dirty="0"/>
+              <a:t>1320 Hz = E6, 1760 Hz = A6,</a:t>
+            </a:r>
           </a:p>
           <a:p>
             <a:pPr marL="0" indent="0">
               <a:buNone/>
             </a:pPr>
             <a:r>
-              <a:rPr lang="en-US" sz="2400" cap="none" dirty="0"/>
+              <a:rPr lang="en-US" sz="2200" cap="none" dirty="0"/>
+              <a:t>2200 Hz = C#7</a:t>
+            </a:r>
+          </a:p>
+          <a:p>
+            <a:pPr marL="0" indent="0">
+              <a:buNone/>
+            </a:pPr>
+            <a:r>
+              <a:rPr lang="en-US" sz="2200" cap="none" dirty="0"/>
               <a:t>The set of frequencies in a signal and their magnitudes is called the </a:t>
             </a:r>
             <a:r>
-              <a:rPr lang="en-US" sz="2400" b="1" cap="none" dirty="0"/>
+              <a:rPr lang="en-US" sz="2200" b="1" cap="none" dirty="0"/>
               <a:t>spectrum</a:t>
             </a:r>
             <a:r>
-              <a:rPr lang="en-US" sz="2400" cap="none" dirty="0"/>
+              <a:rPr lang="en-US" sz="2200" cap="none" dirty="0"/>
               <a:t> of the signal.</a:t>
             </a:r>
           </a:p>
@@ -10639,526 +11959,6 @@
     <p:extLst>
       <p:ext uri="{BB962C8B-B14F-4D97-AF65-F5344CB8AC3E}">
         <p14:creationId xmlns:p14="http://schemas.microsoft.com/office/powerpoint/2010/main" val="1403344207"/>
-      </p:ext>
-    </p:extLst>
-  </p:cSld>
-  <p:clrMapOvr>
-    <a:masterClrMapping/>
-  </p:clrMapOvr>
-</p:sld>
-</file>
-
-<file path=ppt/slides/slide18.xml><?xml version="1.0" encoding="utf-8"?>
-<p:sld xmlns:a="http://schemas.openxmlformats.org/drawingml/2006/main" xmlns:r="http://schemas.openxmlformats.org/officeDocument/2006/relationships" xmlns:p="http://schemas.openxmlformats.org/presentationml/2006/main">
-  <p:cSld>
-    <p:spTree>
-      <p:nvGrpSpPr>
-        <p:cNvPr id="1" name=""/>
-        <p:cNvGrpSpPr/>
-        <p:nvPr/>
-      </p:nvGrpSpPr>
-      <p:grpSpPr>
-        <a:xfrm>
-          <a:off x="0" y="0"/>
-          <a:ext cx="0" cy="0"/>
-          <a:chOff x="0" y="0"/>
-          <a:chExt cx="0" cy="0"/>
-        </a:xfrm>
-      </p:grpSpPr>
-      <p:sp>
-        <p:nvSpPr>
-          <p:cNvPr id="5" name="Content Placeholder 4">
-            <a:extLst>
-              <a:ext uri="{FF2B5EF4-FFF2-40B4-BE49-F238E27FC236}">
-                <a16:creationId xmlns:a16="http://schemas.microsoft.com/office/drawing/2014/main" id="{0FE295BD-6CD2-6846-AF3A-CA0AE1986E1A}"/>
-              </a:ext>
-            </a:extLst>
-          </p:cNvPr>
-          <p:cNvSpPr>
-            <a:spLocks noGrp="1"/>
-          </p:cNvSpPr>
-          <p:nvPr>
-            <p:ph sz="quarter" idx="13"/>
-          </p:nvPr>
-        </p:nvSpPr>
-        <p:spPr>
-          <a:xfrm>
-            <a:off x="467481" y="1095555"/>
-            <a:ext cx="8206256" cy="4456159"/>
-          </a:xfrm>
-        </p:spPr>
-        <p:txBody>
-          <a:bodyPr/>
-          <a:lstStyle/>
-          <a:p>
-            <a:pPr marL="0" indent="0">
-              <a:buNone/>
-            </a:pPr>
-            <a:endParaRPr lang="en-US" sz="2400" cap="none" dirty="0"/>
-          </a:p>
-        </p:txBody>
-      </p:sp>
-      <p:sp>
-        <p:nvSpPr>
-          <p:cNvPr id="2" name="Title 1">
-            <a:extLst>
-              <a:ext uri="{FF2B5EF4-FFF2-40B4-BE49-F238E27FC236}">
-                <a16:creationId xmlns:a16="http://schemas.microsoft.com/office/drawing/2014/main" id="{EDE419EF-0E46-9E4D-8C75-4293CAE61F27}"/>
-              </a:ext>
-            </a:extLst>
-          </p:cNvPr>
-          <p:cNvSpPr>
-            <a:spLocks noGrp="1"/>
-          </p:cNvSpPr>
-          <p:nvPr>
-            <p:ph type="title"/>
-          </p:nvPr>
-        </p:nvSpPr>
-        <p:spPr>
-          <a:xfrm>
-            <a:off x="624264" y="426416"/>
-            <a:ext cx="7922594" cy="669139"/>
-          </a:xfrm>
-        </p:spPr>
-        <p:txBody>
-          <a:bodyPr/>
-          <a:lstStyle/>
-          <a:p>
-            <a:pPr algn="l"/>
-            <a:r>
-              <a:rPr lang="en-US" cap="none" dirty="0"/>
-              <a:t>Discrete Fourier Transform (DFT)</a:t>
-            </a:r>
-          </a:p>
-        </p:txBody>
-      </p:sp>
-      <p:pic>
-        <p:nvPicPr>
-          <p:cNvPr id="6" name="Picture 5">
-            <a:extLst>
-              <a:ext uri="{FF2B5EF4-FFF2-40B4-BE49-F238E27FC236}">
-                <a16:creationId xmlns:a16="http://schemas.microsoft.com/office/drawing/2014/main" id="{2DD9A9C7-2DD0-1B47-AE4F-244E98467D2A}"/>
-              </a:ext>
-            </a:extLst>
-          </p:cNvPr>
-          <p:cNvPicPr>
-            <a:picLocks noChangeAspect="1"/>
-          </p:cNvPicPr>
-          <p:nvPr/>
-        </p:nvPicPr>
-        <p:blipFill>
-          <a:blip r:embed="rId3"/>
-          <a:stretch>
-            <a:fillRect/>
-          </a:stretch>
-        </p:blipFill>
-        <p:spPr>
-          <a:xfrm>
-            <a:off x="5009822" y="2187284"/>
-            <a:ext cx="3537036" cy="2402515"/>
-          </a:xfrm>
-          <a:prstGeom prst="rect">
-            <a:avLst/>
-          </a:prstGeom>
-        </p:spPr>
-      </p:pic>
-      <p:pic>
-        <p:nvPicPr>
-          <p:cNvPr id="7" name="Picture 6">
-            <a:extLst>
-              <a:ext uri="{FF2B5EF4-FFF2-40B4-BE49-F238E27FC236}">
-                <a16:creationId xmlns:a16="http://schemas.microsoft.com/office/drawing/2014/main" id="{E20A6B2E-8C92-6A4F-B347-0B0B5C7D920B}"/>
-              </a:ext>
-            </a:extLst>
-          </p:cNvPr>
-          <p:cNvPicPr>
-            <a:picLocks noChangeAspect="1"/>
-          </p:cNvPicPr>
-          <p:nvPr/>
-        </p:nvPicPr>
-        <p:blipFill>
-          <a:blip r:embed="rId4"/>
-          <a:stretch>
-            <a:fillRect/>
-          </a:stretch>
-        </p:blipFill>
-        <p:spPr>
-          <a:xfrm>
-            <a:off x="244698" y="2131277"/>
-            <a:ext cx="3212513" cy="2384715"/>
-          </a:xfrm>
-          <a:prstGeom prst="rect">
-            <a:avLst/>
-          </a:prstGeom>
-        </p:spPr>
-      </p:pic>
-      <p:cxnSp>
-        <p:nvCxnSpPr>
-          <p:cNvPr id="8" name="Straight Arrow Connector 7">
-            <a:extLst>
-              <a:ext uri="{FF2B5EF4-FFF2-40B4-BE49-F238E27FC236}">
-                <a16:creationId xmlns:a16="http://schemas.microsoft.com/office/drawing/2014/main" id="{405CF9EA-DFEA-1749-9565-5BCE4BDAFA3C}"/>
-              </a:ext>
-            </a:extLst>
-          </p:cNvPr>
-          <p:cNvCxnSpPr>
-            <a:cxnSpLocks/>
-          </p:cNvCxnSpPr>
-          <p:nvPr/>
-        </p:nvCxnSpPr>
-        <p:spPr>
-          <a:xfrm>
-            <a:off x="3839224" y="3015985"/>
-            <a:ext cx="721874" cy="0"/>
-          </a:xfrm>
-          <a:prstGeom prst="straightConnector1">
-            <a:avLst/>
-          </a:prstGeom>
-          <a:ln w="50800">
-            <a:tailEnd type="triangle"/>
-          </a:ln>
-        </p:spPr>
-        <p:style>
-          <a:lnRef idx="1">
-            <a:schemeClr val="accent1"/>
-          </a:lnRef>
-          <a:fillRef idx="0">
-            <a:schemeClr val="accent1"/>
-          </a:fillRef>
-          <a:effectRef idx="0">
-            <a:schemeClr val="accent1"/>
-          </a:effectRef>
-          <a:fontRef idx="minor">
-            <a:schemeClr val="tx1"/>
-          </a:fontRef>
-        </p:style>
-      </p:cxnSp>
-      <p:sp>
-        <p:nvSpPr>
-          <p:cNvPr id="3" name="TextBox 2">
-            <a:extLst>
-              <a:ext uri="{FF2B5EF4-FFF2-40B4-BE49-F238E27FC236}">
-                <a16:creationId xmlns:a16="http://schemas.microsoft.com/office/drawing/2014/main" id="{586E861C-357F-144B-BD56-E7B680D1B9CE}"/>
-              </a:ext>
-            </a:extLst>
-          </p:cNvPr>
-          <p:cNvSpPr txBox="1"/>
-          <p:nvPr/>
-        </p:nvSpPr>
-        <p:spPr>
-          <a:xfrm>
-            <a:off x="3801654" y="2404417"/>
-            <a:ext cx="797013" cy="553998"/>
-          </a:xfrm>
-          <a:prstGeom prst="rect">
-            <a:avLst/>
-          </a:prstGeom>
-          <a:noFill/>
-        </p:spPr>
-        <p:txBody>
-          <a:bodyPr wrap="none" rtlCol="0">
-            <a:spAutoFit/>
-          </a:bodyPr>
-          <a:lstStyle/>
-          <a:p>
-            <a:r>
-              <a:rPr lang="en-US" sz="3000" b="1" dirty="0"/>
-              <a:t>DFT</a:t>
-            </a:r>
-          </a:p>
-        </p:txBody>
-      </p:sp>
-      <p:sp>
-        <p:nvSpPr>
-          <p:cNvPr id="9" name="TextBox 8">
-            <a:extLst>
-              <a:ext uri="{FF2B5EF4-FFF2-40B4-BE49-F238E27FC236}">
-                <a16:creationId xmlns:a16="http://schemas.microsoft.com/office/drawing/2014/main" id="{6D862721-1479-6E41-9600-CAF5CA823452}"/>
-              </a:ext>
-            </a:extLst>
-          </p:cNvPr>
-          <p:cNvSpPr txBox="1"/>
-          <p:nvPr/>
-        </p:nvSpPr>
-        <p:spPr>
-          <a:xfrm>
-            <a:off x="3785317" y="4006851"/>
-            <a:ext cx="896399" cy="553998"/>
-          </a:xfrm>
-          <a:prstGeom prst="rect">
-            <a:avLst/>
-          </a:prstGeom>
-          <a:noFill/>
-        </p:spPr>
-        <p:txBody>
-          <a:bodyPr wrap="none" rtlCol="0">
-            <a:spAutoFit/>
-          </a:bodyPr>
-          <a:lstStyle/>
-          <a:p>
-            <a:r>
-              <a:rPr lang="en-US" sz="3000" b="1" dirty="0"/>
-              <a:t>IDFT</a:t>
-            </a:r>
-          </a:p>
-        </p:txBody>
-      </p:sp>
-      <p:cxnSp>
-        <p:nvCxnSpPr>
-          <p:cNvPr id="10" name="Straight Arrow Connector 9">
-            <a:extLst>
-              <a:ext uri="{FF2B5EF4-FFF2-40B4-BE49-F238E27FC236}">
-                <a16:creationId xmlns:a16="http://schemas.microsoft.com/office/drawing/2014/main" id="{344BB244-CFE7-E348-934F-DD24C3233891}"/>
-              </a:ext>
-            </a:extLst>
-          </p:cNvPr>
-          <p:cNvCxnSpPr>
-            <a:cxnSpLocks/>
-          </p:cNvCxnSpPr>
-          <p:nvPr/>
-        </p:nvCxnSpPr>
-        <p:spPr>
-          <a:xfrm flipH="1">
-            <a:off x="3801654" y="4006851"/>
-            <a:ext cx="759444" cy="0"/>
-          </a:xfrm>
-          <a:prstGeom prst="straightConnector1">
-            <a:avLst/>
-          </a:prstGeom>
-          <a:ln w="50800">
-            <a:tailEnd type="triangle"/>
-          </a:ln>
-        </p:spPr>
-        <p:style>
-          <a:lnRef idx="1">
-            <a:schemeClr val="accent1"/>
-          </a:lnRef>
-          <a:fillRef idx="0">
-            <a:schemeClr val="accent1"/>
-          </a:fillRef>
-          <a:effectRef idx="0">
-            <a:schemeClr val="accent1"/>
-          </a:effectRef>
-          <a:fontRef idx="minor">
-            <a:schemeClr val="tx1"/>
-          </a:fontRef>
-        </p:style>
-      </p:cxnSp>
-      <p:sp>
-        <p:nvSpPr>
-          <p:cNvPr id="11" name="TextBox 10">
-            <a:extLst>
-              <a:ext uri="{FF2B5EF4-FFF2-40B4-BE49-F238E27FC236}">
-                <a16:creationId xmlns:a16="http://schemas.microsoft.com/office/drawing/2014/main" id="{87D8AA64-CCD3-9C4D-B7C6-8BD3150C7E7E}"/>
-              </a:ext>
-            </a:extLst>
-          </p:cNvPr>
-          <p:cNvSpPr txBox="1"/>
-          <p:nvPr/>
-        </p:nvSpPr>
-        <p:spPr>
-          <a:xfrm>
-            <a:off x="937292" y="4787631"/>
-            <a:ext cx="2036135" cy="492443"/>
-          </a:xfrm>
-          <a:prstGeom prst="rect">
-            <a:avLst/>
-          </a:prstGeom>
-          <a:noFill/>
-        </p:spPr>
-        <p:txBody>
-          <a:bodyPr wrap="none" rtlCol="0">
-            <a:spAutoFit/>
-          </a:bodyPr>
-          <a:lstStyle/>
-          <a:p>
-            <a:r>
-              <a:rPr lang="en-US" sz="2600" b="1" dirty="0"/>
-              <a:t>Time Domain</a:t>
-            </a:r>
-          </a:p>
-        </p:txBody>
-      </p:sp>
-      <p:sp>
-        <p:nvSpPr>
-          <p:cNvPr id="12" name="TextBox 11">
-            <a:extLst>
-              <a:ext uri="{FF2B5EF4-FFF2-40B4-BE49-F238E27FC236}">
-                <a16:creationId xmlns:a16="http://schemas.microsoft.com/office/drawing/2014/main" id="{252A137D-D8E4-0549-95A5-E1F831CEA446}"/>
-              </a:ext>
-            </a:extLst>
-          </p:cNvPr>
-          <p:cNvSpPr txBox="1"/>
-          <p:nvPr/>
-        </p:nvSpPr>
-        <p:spPr>
-          <a:xfrm>
-            <a:off x="5380232" y="4797200"/>
-            <a:ext cx="2796215" cy="492443"/>
-          </a:xfrm>
-          <a:prstGeom prst="rect">
-            <a:avLst/>
-          </a:prstGeom>
-          <a:noFill/>
-        </p:spPr>
-        <p:txBody>
-          <a:bodyPr wrap="none" rtlCol="0">
-            <a:spAutoFit/>
-          </a:bodyPr>
-          <a:lstStyle/>
-          <a:p>
-            <a:r>
-              <a:rPr lang="en-US" sz="2600" b="1" dirty="0"/>
-              <a:t>Frequency Domain</a:t>
-            </a:r>
-          </a:p>
-        </p:txBody>
-      </p:sp>
-    </p:spTree>
-    <p:extLst>
-      <p:ext uri="{BB962C8B-B14F-4D97-AF65-F5344CB8AC3E}">
-        <p14:creationId xmlns:p14="http://schemas.microsoft.com/office/powerpoint/2010/main" val="1577355346"/>
-      </p:ext>
-    </p:extLst>
-  </p:cSld>
-  <p:clrMapOvr>
-    <a:masterClrMapping/>
-  </p:clrMapOvr>
-</p:sld>
-</file>
-
-<file path=ppt/slides/slide19.xml><?xml version="1.0" encoding="utf-8"?>
-<p:sld xmlns:a="http://schemas.openxmlformats.org/drawingml/2006/main" xmlns:r="http://schemas.openxmlformats.org/officeDocument/2006/relationships" xmlns:p="http://schemas.openxmlformats.org/presentationml/2006/main">
-  <p:cSld>
-    <p:spTree>
-      <p:nvGrpSpPr>
-        <p:cNvPr id="1" name=""/>
-        <p:cNvGrpSpPr/>
-        <p:nvPr/>
-      </p:nvGrpSpPr>
-      <p:grpSpPr>
-        <a:xfrm>
-          <a:off x="0" y="0"/>
-          <a:ext cx="0" cy="0"/>
-          <a:chOff x="0" y="0"/>
-          <a:chExt cx="0" cy="0"/>
-        </a:xfrm>
-      </p:grpSpPr>
-      <p:sp>
-        <p:nvSpPr>
-          <p:cNvPr id="2" name="Title 1">
-            <a:extLst>
-              <a:ext uri="{FF2B5EF4-FFF2-40B4-BE49-F238E27FC236}">
-                <a16:creationId xmlns:a16="http://schemas.microsoft.com/office/drawing/2014/main" id="{EDE419EF-0E46-9E4D-8C75-4293CAE61F27}"/>
-              </a:ext>
-            </a:extLst>
-          </p:cNvPr>
-          <p:cNvSpPr>
-            <a:spLocks noGrp="1"/>
-          </p:cNvSpPr>
-          <p:nvPr>
-            <p:ph type="title"/>
-          </p:nvPr>
-        </p:nvSpPr>
-        <p:spPr>
-          <a:xfrm>
-            <a:off x="624264" y="366276"/>
-            <a:ext cx="7922594" cy="770192"/>
-          </a:xfrm>
-        </p:spPr>
-        <p:txBody>
-          <a:bodyPr/>
-          <a:lstStyle/>
-          <a:p>
-            <a:pPr algn="l"/>
-            <a:r>
-              <a:rPr lang="en-US" cap="none" dirty="0"/>
-              <a:t>What is the Discrete Fourier Transform?</a:t>
-            </a:r>
-          </a:p>
-        </p:txBody>
-      </p:sp>
-      <p:sp>
-        <p:nvSpPr>
-          <p:cNvPr id="9" name="Content Placeholder 8">
-            <a:extLst>
-              <a:ext uri="{FF2B5EF4-FFF2-40B4-BE49-F238E27FC236}">
-                <a16:creationId xmlns:a16="http://schemas.microsoft.com/office/drawing/2014/main" id="{DBAE1AD4-EF52-6147-ADEA-2184E3DCD49F}"/>
-              </a:ext>
-            </a:extLst>
-          </p:cNvPr>
-          <p:cNvSpPr>
-            <a:spLocks noGrp="1"/>
-          </p:cNvSpPr>
-          <p:nvPr>
-            <p:ph sz="quarter" idx="13"/>
-          </p:nvPr>
-        </p:nvSpPr>
-        <p:spPr>
-          <a:xfrm>
-            <a:off x="231820" y="1136468"/>
-            <a:ext cx="8680360" cy="4415245"/>
-          </a:xfrm>
-        </p:spPr>
-        <p:txBody>
-          <a:bodyPr>
-            <a:normAutofit/>
-          </a:bodyPr>
-          <a:lstStyle/>
-          <a:p>
-            <a:pPr marL="0" indent="0">
-              <a:buNone/>
-            </a:pPr>
-            <a:endParaRPr lang="en-US" sz="2200" cap="none" dirty="0"/>
-          </a:p>
-          <a:p>
-            <a:pPr marL="0" indent="0">
-              <a:buNone/>
-            </a:pPr>
-            <a:endParaRPr lang="en-US" sz="2200" cap="none" dirty="0"/>
-          </a:p>
-          <a:p>
-            <a:pPr marL="0" indent="0">
-              <a:buNone/>
-            </a:pPr>
-            <a:endParaRPr lang="en-US" sz="2200" cap="none" dirty="0"/>
-          </a:p>
-        </p:txBody>
-      </p:sp>
-      <p:pic>
-        <p:nvPicPr>
-          <p:cNvPr id="4" name="Picture 3">
-            <a:extLst>
-              <a:ext uri="{FF2B5EF4-FFF2-40B4-BE49-F238E27FC236}">
-                <a16:creationId xmlns:a16="http://schemas.microsoft.com/office/drawing/2014/main" id="{EBF32642-2120-AE43-8148-CED99EAB17ED}"/>
-              </a:ext>
-            </a:extLst>
-          </p:cNvPr>
-          <p:cNvPicPr>
-            <a:picLocks noChangeAspect="1"/>
-          </p:cNvPicPr>
-          <p:nvPr/>
-        </p:nvPicPr>
-        <p:blipFill>
-          <a:blip r:embed="rId2"/>
-          <a:stretch>
-            <a:fillRect/>
-          </a:stretch>
-        </p:blipFill>
-        <p:spPr>
-          <a:xfrm>
-            <a:off x="2142289" y="1152510"/>
-            <a:ext cx="4859421" cy="3887537"/>
-          </a:xfrm>
-          <a:prstGeom prst="rect">
-            <a:avLst/>
-          </a:prstGeom>
-        </p:spPr>
-      </p:pic>
-    </p:spTree>
-    <p:extLst>
-      <p:ext uri="{BB962C8B-B14F-4D97-AF65-F5344CB8AC3E}">
-        <p14:creationId xmlns:p14="http://schemas.microsoft.com/office/powerpoint/2010/main" val="4071935302"/>
       </p:ext>
     </p:extLst>
   </p:cSld>
@@ -11404,6 +12204,537 @@
       </p:grpSpPr>
       <p:sp>
         <p:nvSpPr>
+          <p:cNvPr id="5" name="Content Placeholder 4">
+            <a:extLst>
+              <a:ext uri="{FF2B5EF4-FFF2-40B4-BE49-F238E27FC236}">
+                <a16:creationId xmlns:a16="http://schemas.microsoft.com/office/drawing/2014/main" id="{0FE295BD-6CD2-6846-AF3A-CA0AE1986E1A}"/>
+              </a:ext>
+            </a:extLst>
+          </p:cNvPr>
+          <p:cNvSpPr>
+            <a:spLocks noGrp="1"/>
+          </p:cNvSpPr>
+          <p:nvPr>
+            <p:ph sz="quarter" idx="13"/>
+          </p:nvPr>
+        </p:nvSpPr>
+        <p:spPr>
+          <a:xfrm>
+            <a:off x="467481" y="1095555"/>
+            <a:ext cx="8206256" cy="4456159"/>
+          </a:xfrm>
+        </p:spPr>
+        <p:txBody>
+          <a:bodyPr/>
+          <a:lstStyle/>
+          <a:p>
+            <a:pPr marL="0" indent="0">
+              <a:buNone/>
+            </a:pPr>
+            <a:r>
+              <a:rPr lang="en-US" sz="2400" cap="none" dirty="0"/>
+              <a:t>The Discrete Fourier Transform is an equation that converts </a:t>
+            </a:r>
+            <a:r>
+              <a:rPr lang="en-US" sz="2400" dirty="0"/>
+              <a:t>the </a:t>
+            </a:r>
+            <a:r>
+              <a:rPr lang="en-US" sz="2400" cap="none" dirty="0"/>
+              <a:t>time domain signal into its frequency domain equivalence. The Inverse Discrete Fourier Transform is its inverse. </a:t>
+            </a:r>
+          </a:p>
+        </p:txBody>
+      </p:sp>
+      <p:sp>
+        <p:nvSpPr>
+          <p:cNvPr id="2" name="Title 1">
+            <a:extLst>
+              <a:ext uri="{FF2B5EF4-FFF2-40B4-BE49-F238E27FC236}">
+                <a16:creationId xmlns:a16="http://schemas.microsoft.com/office/drawing/2014/main" id="{EDE419EF-0E46-9E4D-8C75-4293CAE61F27}"/>
+              </a:ext>
+            </a:extLst>
+          </p:cNvPr>
+          <p:cNvSpPr>
+            <a:spLocks noGrp="1"/>
+          </p:cNvSpPr>
+          <p:nvPr>
+            <p:ph type="title"/>
+          </p:nvPr>
+        </p:nvSpPr>
+        <p:spPr>
+          <a:xfrm>
+            <a:off x="624264" y="426416"/>
+            <a:ext cx="7922594" cy="669139"/>
+          </a:xfrm>
+        </p:spPr>
+        <p:txBody>
+          <a:bodyPr/>
+          <a:lstStyle/>
+          <a:p>
+            <a:pPr algn="l"/>
+            <a:r>
+              <a:rPr lang="en-US" cap="none" dirty="0"/>
+              <a:t>Discrete Fourier Transform (DFT)</a:t>
+            </a:r>
+          </a:p>
+        </p:txBody>
+      </p:sp>
+      <p:pic>
+        <p:nvPicPr>
+          <p:cNvPr id="6" name="Picture 5">
+            <a:extLst>
+              <a:ext uri="{FF2B5EF4-FFF2-40B4-BE49-F238E27FC236}">
+                <a16:creationId xmlns:a16="http://schemas.microsoft.com/office/drawing/2014/main" id="{2DD9A9C7-2DD0-1B47-AE4F-244E98467D2A}"/>
+              </a:ext>
+            </a:extLst>
+          </p:cNvPr>
+          <p:cNvPicPr>
+            <a:picLocks noChangeAspect="1"/>
+          </p:cNvPicPr>
+          <p:nvPr/>
+        </p:nvPicPr>
+        <p:blipFill>
+          <a:blip r:embed="rId3"/>
+          <a:stretch>
+            <a:fillRect/>
+          </a:stretch>
+        </p:blipFill>
+        <p:spPr>
+          <a:xfrm>
+            <a:off x="5009822" y="2608522"/>
+            <a:ext cx="3537036" cy="2402515"/>
+          </a:xfrm>
+          <a:prstGeom prst="rect">
+            <a:avLst/>
+          </a:prstGeom>
+        </p:spPr>
+      </p:pic>
+      <p:pic>
+        <p:nvPicPr>
+          <p:cNvPr id="7" name="Picture 6">
+            <a:extLst>
+              <a:ext uri="{FF2B5EF4-FFF2-40B4-BE49-F238E27FC236}">
+                <a16:creationId xmlns:a16="http://schemas.microsoft.com/office/drawing/2014/main" id="{E20A6B2E-8C92-6A4F-B347-0B0B5C7D920B}"/>
+              </a:ext>
+            </a:extLst>
+          </p:cNvPr>
+          <p:cNvPicPr>
+            <a:picLocks noChangeAspect="1"/>
+          </p:cNvPicPr>
+          <p:nvPr/>
+        </p:nvPicPr>
+        <p:blipFill>
+          <a:blip r:embed="rId4"/>
+          <a:stretch>
+            <a:fillRect/>
+          </a:stretch>
+        </p:blipFill>
+        <p:spPr>
+          <a:xfrm>
+            <a:off x="244698" y="2552515"/>
+            <a:ext cx="3212513" cy="2384715"/>
+          </a:xfrm>
+          <a:prstGeom prst="rect">
+            <a:avLst/>
+          </a:prstGeom>
+        </p:spPr>
+      </p:pic>
+      <p:cxnSp>
+        <p:nvCxnSpPr>
+          <p:cNvPr id="8" name="Straight Arrow Connector 7">
+            <a:extLst>
+              <a:ext uri="{FF2B5EF4-FFF2-40B4-BE49-F238E27FC236}">
+                <a16:creationId xmlns:a16="http://schemas.microsoft.com/office/drawing/2014/main" id="{405CF9EA-DFEA-1749-9565-5BCE4BDAFA3C}"/>
+              </a:ext>
+            </a:extLst>
+          </p:cNvPr>
+          <p:cNvCxnSpPr>
+            <a:cxnSpLocks/>
+          </p:cNvCxnSpPr>
+          <p:nvPr/>
+        </p:nvCxnSpPr>
+        <p:spPr>
+          <a:xfrm>
+            <a:off x="3839224" y="3437223"/>
+            <a:ext cx="721874" cy="0"/>
+          </a:xfrm>
+          <a:prstGeom prst="straightConnector1">
+            <a:avLst/>
+          </a:prstGeom>
+          <a:ln w="50800">
+            <a:tailEnd type="triangle"/>
+          </a:ln>
+        </p:spPr>
+        <p:style>
+          <a:lnRef idx="1">
+            <a:schemeClr val="accent1"/>
+          </a:lnRef>
+          <a:fillRef idx="0">
+            <a:schemeClr val="accent1"/>
+          </a:fillRef>
+          <a:effectRef idx="0">
+            <a:schemeClr val="accent1"/>
+          </a:effectRef>
+          <a:fontRef idx="minor">
+            <a:schemeClr val="tx1"/>
+          </a:fontRef>
+        </p:style>
+      </p:cxnSp>
+      <p:sp>
+        <p:nvSpPr>
+          <p:cNvPr id="3" name="TextBox 2">
+            <a:extLst>
+              <a:ext uri="{FF2B5EF4-FFF2-40B4-BE49-F238E27FC236}">
+                <a16:creationId xmlns:a16="http://schemas.microsoft.com/office/drawing/2014/main" id="{586E861C-357F-144B-BD56-E7B680D1B9CE}"/>
+              </a:ext>
+            </a:extLst>
+          </p:cNvPr>
+          <p:cNvSpPr txBox="1"/>
+          <p:nvPr/>
+        </p:nvSpPr>
+        <p:spPr>
+          <a:xfrm>
+            <a:off x="3801654" y="2825655"/>
+            <a:ext cx="797013" cy="553998"/>
+          </a:xfrm>
+          <a:prstGeom prst="rect">
+            <a:avLst/>
+          </a:prstGeom>
+          <a:noFill/>
+        </p:spPr>
+        <p:txBody>
+          <a:bodyPr wrap="none" rtlCol="0">
+            <a:spAutoFit/>
+          </a:bodyPr>
+          <a:lstStyle/>
+          <a:p>
+            <a:r>
+              <a:rPr lang="en-US" sz="3000" b="1" dirty="0"/>
+              <a:t>DFT</a:t>
+            </a:r>
+          </a:p>
+        </p:txBody>
+      </p:sp>
+      <p:sp>
+        <p:nvSpPr>
+          <p:cNvPr id="9" name="TextBox 8">
+            <a:extLst>
+              <a:ext uri="{FF2B5EF4-FFF2-40B4-BE49-F238E27FC236}">
+                <a16:creationId xmlns:a16="http://schemas.microsoft.com/office/drawing/2014/main" id="{6D862721-1479-6E41-9600-CAF5CA823452}"/>
+              </a:ext>
+            </a:extLst>
+          </p:cNvPr>
+          <p:cNvSpPr txBox="1"/>
+          <p:nvPr/>
+        </p:nvSpPr>
+        <p:spPr>
+          <a:xfrm>
+            <a:off x="3785317" y="4428089"/>
+            <a:ext cx="896399" cy="553998"/>
+          </a:xfrm>
+          <a:prstGeom prst="rect">
+            <a:avLst/>
+          </a:prstGeom>
+          <a:noFill/>
+        </p:spPr>
+        <p:txBody>
+          <a:bodyPr wrap="none" rtlCol="0">
+            <a:spAutoFit/>
+          </a:bodyPr>
+          <a:lstStyle/>
+          <a:p>
+            <a:r>
+              <a:rPr lang="en-US" sz="3000" b="1" dirty="0"/>
+              <a:t>IDFT</a:t>
+            </a:r>
+          </a:p>
+        </p:txBody>
+      </p:sp>
+      <p:cxnSp>
+        <p:nvCxnSpPr>
+          <p:cNvPr id="10" name="Straight Arrow Connector 9">
+            <a:extLst>
+              <a:ext uri="{FF2B5EF4-FFF2-40B4-BE49-F238E27FC236}">
+                <a16:creationId xmlns:a16="http://schemas.microsoft.com/office/drawing/2014/main" id="{344BB244-CFE7-E348-934F-DD24C3233891}"/>
+              </a:ext>
+            </a:extLst>
+          </p:cNvPr>
+          <p:cNvCxnSpPr>
+            <a:cxnSpLocks/>
+          </p:cNvCxnSpPr>
+          <p:nvPr/>
+        </p:nvCxnSpPr>
+        <p:spPr>
+          <a:xfrm flipH="1">
+            <a:off x="3801654" y="4428089"/>
+            <a:ext cx="759444" cy="0"/>
+          </a:xfrm>
+          <a:prstGeom prst="straightConnector1">
+            <a:avLst/>
+          </a:prstGeom>
+          <a:ln w="50800">
+            <a:tailEnd type="triangle"/>
+          </a:ln>
+        </p:spPr>
+        <p:style>
+          <a:lnRef idx="1">
+            <a:schemeClr val="accent1"/>
+          </a:lnRef>
+          <a:fillRef idx="0">
+            <a:schemeClr val="accent1"/>
+          </a:fillRef>
+          <a:effectRef idx="0">
+            <a:schemeClr val="accent1"/>
+          </a:effectRef>
+          <a:fontRef idx="minor">
+            <a:schemeClr val="tx1"/>
+          </a:fontRef>
+        </p:style>
+      </p:cxnSp>
+      <p:sp>
+        <p:nvSpPr>
+          <p:cNvPr id="11" name="TextBox 10">
+            <a:extLst>
+              <a:ext uri="{FF2B5EF4-FFF2-40B4-BE49-F238E27FC236}">
+                <a16:creationId xmlns:a16="http://schemas.microsoft.com/office/drawing/2014/main" id="{87D8AA64-CCD3-9C4D-B7C6-8BD3150C7E7E}"/>
+              </a:ext>
+            </a:extLst>
+          </p:cNvPr>
+          <p:cNvSpPr txBox="1"/>
+          <p:nvPr/>
+        </p:nvSpPr>
+        <p:spPr>
+          <a:xfrm>
+            <a:off x="937292" y="5208869"/>
+            <a:ext cx="2036135" cy="492443"/>
+          </a:xfrm>
+          <a:prstGeom prst="rect">
+            <a:avLst/>
+          </a:prstGeom>
+          <a:noFill/>
+        </p:spPr>
+        <p:txBody>
+          <a:bodyPr wrap="none" rtlCol="0">
+            <a:spAutoFit/>
+          </a:bodyPr>
+          <a:lstStyle/>
+          <a:p>
+            <a:r>
+              <a:rPr lang="en-US" sz="2600" b="1" dirty="0"/>
+              <a:t>Time Domain</a:t>
+            </a:r>
+          </a:p>
+        </p:txBody>
+      </p:sp>
+      <p:sp>
+        <p:nvSpPr>
+          <p:cNvPr id="12" name="TextBox 11">
+            <a:extLst>
+              <a:ext uri="{FF2B5EF4-FFF2-40B4-BE49-F238E27FC236}">
+                <a16:creationId xmlns:a16="http://schemas.microsoft.com/office/drawing/2014/main" id="{252A137D-D8E4-0549-95A5-E1F831CEA446}"/>
+              </a:ext>
+            </a:extLst>
+          </p:cNvPr>
+          <p:cNvSpPr txBox="1"/>
+          <p:nvPr/>
+        </p:nvSpPr>
+        <p:spPr>
+          <a:xfrm>
+            <a:off x="5380232" y="5218438"/>
+            <a:ext cx="2796215" cy="492443"/>
+          </a:xfrm>
+          <a:prstGeom prst="rect">
+            <a:avLst/>
+          </a:prstGeom>
+          <a:noFill/>
+        </p:spPr>
+        <p:txBody>
+          <a:bodyPr wrap="none" rtlCol="0">
+            <a:spAutoFit/>
+          </a:bodyPr>
+          <a:lstStyle/>
+          <a:p>
+            <a:r>
+              <a:rPr lang="en-US" sz="2600" b="1" dirty="0"/>
+              <a:t>Frequency Domain</a:t>
+            </a:r>
+          </a:p>
+        </p:txBody>
+      </p:sp>
+    </p:spTree>
+    <p:extLst>
+      <p:ext uri="{BB962C8B-B14F-4D97-AF65-F5344CB8AC3E}">
+        <p14:creationId xmlns:p14="http://schemas.microsoft.com/office/powerpoint/2010/main" val="1577355346"/>
+      </p:ext>
+    </p:extLst>
+  </p:cSld>
+  <p:clrMapOvr>
+    <a:masterClrMapping/>
+  </p:clrMapOvr>
+</p:sld>
+</file>
+
+<file path=ppt/slides/slide21.xml><?xml version="1.0" encoding="utf-8"?>
+<p:sld xmlns:a="http://schemas.openxmlformats.org/drawingml/2006/main" xmlns:r="http://schemas.openxmlformats.org/officeDocument/2006/relationships" xmlns:p="http://schemas.openxmlformats.org/presentationml/2006/main">
+  <p:cSld>
+    <p:spTree>
+      <p:nvGrpSpPr>
+        <p:cNvPr id="1" name=""/>
+        <p:cNvGrpSpPr/>
+        <p:nvPr/>
+      </p:nvGrpSpPr>
+      <p:grpSpPr>
+        <a:xfrm>
+          <a:off x="0" y="0"/>
+          <a:ext cx="0" cy="0"/>
+          <a:chOff x="0" y="0"/>
+          <a:chExt cx="0" cy="0"/>
+        </a:xfrm>
+      </p:grpSpPr>
+      <p:sp>
+        <p:nvSpPr>
+          <p:cNvPr id="2" name="Title 1">
+            <a:extLst>
+              <a:ext uri="{FF2B5EF4-FFF2-40B4-BE49-F238E27FC236}">
+                <a16:creationId xmlns:a16="http://schemas.microsoft.com/office/drawing/2014/main" id="{EDE419EF-0E46-9E4D-8C75-4293CAE61F27}"/>
+              </a:ext>
+            </a:extLst>
+          </p:cNvPr>
+          <p:cNvSpPr>
+            <a:spLocks noGrp="1"/>
+          </p:cNvSpPr>
+          <p:nvPr>
+            <p:ph type="title"/>
+          </p:nvPr>
+        </p:nvSpPr>
+        <p:spPr>
+          <a:xfrm>
+            <a:off x="624264" y="366276"/>
+            <a:ext cx="7922594" cy="770192"/>
+          </a:xfrm>
+        </p:spPr>
+        <p:txBody>
+          <a:bodyPr/>
+          <a:lstStyle/>
+          <a:p>
+            <a:pPr algn="l"/>
+            <a:r>
+              <a:rPr lang="en-US" cap="none" dirty="0"/>
+              <a:t>What is the Discrete Fourier Transform?</a:t>
+            </a:r>
+          </a:p>
+        </p:txBody>
+      </p:sp>
+      <p:sp>
+        <p:nvSpPr>
+          <p:cNvPr id="9" name="Content Placeholder 8">
+            <a:extLst>
+              <a:ext uri="{FF2B5EF4-FFF2-40B4-BE49-F238E27FC236}">
+                <a16:creationId xmlns:a16="http://schemas.microsoft.com/office/drawing/2014/main" id="{DBAE1AD4-EF52-6147-ADEA-2184E3DCD49F}"/>
+              </a:ext>
+            </a:extLst>
+          </p:cNvPr>
+          <p:cNvSpPr>
+            <a:spLocks noGrp="1"/>
+          </p:cNvSpPr>
+          <p:nvPr>
+            <p:ph sz="quarter" idx="13"/>
+          </p:nvPr>
+        </p:nvSpPr>
+        <p:spPr>
+          <a:xfrm>
+            <a:off x="231820" y="1136468"/>
+            <a:ext cx="8680360" cy="4415245"/>
+          </a:xfrm>
+        </p:spPr>
+        <p:txBody>
+          <a:bodyPr>
+            <a:normAutofit/>
+          </a:bodyPr>
+          <a:lstStyle/>
+          <a:p>
+            <a:pPr marL="0" indent="0">
+              <a:buNone/>
+            </a:pPr>
+            <a:endParaRPr lang="en-US" sz="2200" cap="none" dirty="0"/>
+          </a:p>
+          <a:p>
+            <a:pPr marL="0" indent="0">
+              <a:buNone/>
+            </a:pPr>
+            <a:endParaRPr lang="en-US" sz="2200" cap="none" dirty="0"/>
+          </a:p>
+          <a:p>
+            <a:pPr marL="0" indent="0">
+              <a:buNone/>
+            </a:pPr>
+            <a:endParaRPr lang="en-US" sz="2200" cap="none" dirty="0"/>
+          </a:p>
+        </p:txBody>
+      </p:sp>
+      <p:pic>
+        <p:nvPicPr>
+          <p:cNvPr id="4" name="Picture 3">
+            <a:extLst>
+              <a:ext uri="{FF2B5EF4-FFF2-40B4-BE49-F238E27FC236}">
+                <a16:creationId xmlns:a16="http://schemas.microsoft.com/office/drawing/2014/main" id="{EBF32642-2120-AE43-8148-CED99EAB17ED}"/>
+              </a:ext>
+            </a:extLst>
+          </p:cNvPr>
+          <p:cNvPicPr>
+            <a:picLocks noChangeAspect="1"/>
+          </p:cNvPicPr>
+          <p:nvPr/>
+        </p:nvPicPr>
+        <p:blipFill>
+          <a:blip r:embed="rId2"/>
+          <a:stretch>
+            <a:fillRect/>
+          </a:stretch>
+        </p:blipFill>
+        <p:spPr>
+          <a:xfrm>
+            <a:off x="2142289" y="1152510"/>
+            <a:ext cx="4859421" cy="3887537"/>
+          </a:xfrm>
+          <a:prstGeom prst="rect">
+            <a:avLst/>
+          </a:prstGeom>
+        </p:spPr>
+      </p:pic>
+    </p:spTree>
+    <p:extLst>
+      <p:ext uri="{BB962C8B-B14F-4D97-AF65-F5344CB8AC3E}">
+        <p14:creationId xmlns:p14="http://schemas.microsoft.com/office/powerpoint/2010/main" val="4071935302"/>
+      </p:ext>
+    </p:extLst>
+  </p:cSld>
+  <p:clrMapOvr>
+    <a:masterClrMapping/>
+  </p:clrMapOvr>
+</p:sld>
+</file>
+
+<file path=ppt/slides/slide22.xml><?xml version="1.0" encoding="utf-8"?>
+<p:sld xmlns:a="http://schemas.openxmlformats.org/drawingml/2006/main" xmlns:r="http://schemas.openxmlformats.org/officeDocument/2006/relationships" xmlns:p="http://schemas.openxmlformats.org/presentationml/2006/main">
+  <p:cSld>
+    <p:spTree>
+      <p:nvGrpSpPr>
+        <p:cNvPr id="1" name=""/>
+        <p:cNvGrpSpPr/>
+        <p:nvPr/>
+      </p:nvGrpSpPr>
+      <p:grpSpPr>
+        <a:xfrm>
+          <a:off x="0" y="0"/>
+          <a:ext cx="0" cy="0"/>
+          <a:chOff x="0" y="0"/>
+          <a:chExt cx="0" cy="0"/>
+        </a:xfrm>
+      </p:grpSpPr>
+      <p:sp>
+        <p:nvSpPr>
           <p:cNvPr id="2" name="Title 1">
             <a:extLst>
               <a:ext uri="{FF2B5EF4-FFF2-40B4-BE49-F238E27FC236}">
@@ -11526,7 +12857,7 @@
 </p:sld>
 </file>
 
-<file path=ppt/slides/slide21.xml><?xml version="1.0" encoding="utf-8"?>
+<file path=ppt/slides/slide23.xml><?xml version="1.0" encoding="utf-8"?>
 <p:sld xmlns:a="http://schemas.openxmlformats.org/drawingml/2006/main" xmlns:r="http://schemas.openxmlformats.org/officeDocument/2006/relationships" xmlns:p="http://schemas.openxmlformats.org/presentationml/2006/main">
   <p:cSld>
     <p:spTree>
@@ -11667,7 +12998,7 @@
 </p:sld>
 </file>
 
-<file path=ppt/slides/slide22.xml><?xml version="1.0" encoding="utf-8"?>
+<file path=ppt/slides/slide24.xml><?xml version="1.0" encoding="utf-8"?>
 <p:sld xmlns:a="http://schemas.openxmlformats.org/drawingml/2006/main" xmlns:r="http://schemas.openxmlformats.org/officeDocument/2006/relationships" xmlns:p="http://schemas.openxmlformats.org/presentationml/2006/main">
   <p:cSld>
     <p:spTree>
@@ -11808,7 +13139,7 @@
 </p:sld>
 </file>
 
-<file path=ppt/slides/slide23.xml><?xml version="1.0" encoding="utf-8"?>
+<file path=ppt/slides/slide25.xml><?xml version="1.0" encoding="utf-8"?>
 <p:sld xmlns:a="http://schemas.openxmlformats.org/drawingml/2006/main" xmlns:r="http://schemas.openxmlformats.org/officeDocument/2006/relationships" xmlns:p="http://schemas.openxmlformats.org/presentationml/2006/main">
   <p:cSld>
     <p:spTree>
@@ -11949,7 +13280,7 @@
 </p:sld>
 </file>
 
-<file path=ppt/slides/slide24.xml><?xml version="1.0" encoding="utf-8"?>
+<file path=ppt/slides/slide26.xml><?xml version="1.0" encoding="utf-8"?>
 <p:sld xmlns:a="http://schemas.openxmlformats.org/drawingml/2006/main" xmlns:r="http://schemas.openxmlformats.org/officeDocument/2006/relationships" xmlns:p="http://schemas.openxmlformats.org/presentationml/2006/main">
   <p:cSld>
     <p:spTree>
@@ -11994,21 +13325,36 @@
           </a:bodyPr>
           <a:lstStyle/>
           <a:p>
+            <a:pPr marL="0" indent="0">
+              <a:buNone/>
+            </a:pPr>
+            <a:endParaRPr lang="en-US" sz="2200" cap="none" dirty="0"/>
+          </a:p>
+          <a:p>
+            <a:pPr marL="0" indent="0">
+              <a:buNone/>
+            </a:pPr>
             <a:r>
               <a:rPr lang="en-US" sz="2200" cap="none" dirty="0"/>
-              <a:t>Digital audio is simply sampling from a continuous, analog function at some sampling rate producing an array of numbers.</a:t>
-            </a:r>
-          </a:p>
-          <a:p>
+              <a:t>1) Digital audio is simply sampling from a continuous, analog function at some sampling rate producing an array or list of numbers.</a:t>
+            </a:r>
+          </a:p>
+          <a:p>
+            <a:pPr marL="0" indent="0">
+              <a:buNone/>
+            </a:pPr>
             <a:r>
               <a:rPr lang="en-US" sz="2200" cap="none" dirty="0"/>
-              <a:t>Sinusoids take on the form 				       .</a:t>
-            </a:r>
-          </a:p>
-          <a:p>
+              <a:t>2) Sinusoids take on the form 				       .</a:t>
+            </a:r>
+          </a:p>
+          <a:p>
+            <a:pPr marL="0" indent="0">
+              <a:buNone/>
+            </a:pPr>
             <a:r>
               <a:rPr lang="en-US" sz="2200" cap="none" dirty="0"/>
-              <a:t>Pitch is our brain’s perception of frequency. (logarithm scale)</a:t>
+              <a:t>3) Pitch is our brain’s perception of frequency. (logarithm scale)</a:t>
             </a:r>
           </a:p>
           <a:p>
@@ -12019,15 +13365,21 @@
             </a:r>
           </a:p>
           <a:p>
+            <a:pPr marL="0" indent="0">
+              <a:buNone/>
+            </a:pPr>
             <a:r>
               <a:rPr lang="en-US" sz="2200" cap="none" dirty="0"/>
-              <a:t>Time and Frequency domains are two equivalent representation of a signal. </a:t>
-            </a:r>
-          </a:p>
-          <a:p>
+              <a:t>4) Time and Frequency domains are two equivalent representations of a signal. </a:t>
+            </a:r>
+          </a:p>
+          <a:p>
+            <a:pPr marL="0" indent="0">
+              <a:buNone/>
+            </a:pPr>
             <a:r>
               <a:rPr lang="en-US" sz="2200" cap="none" dirty="0"/>
-              <a:t>The Discrete Fourier Transform and the Inverse Discrete Fourier Transform allows us to go back and forth between representations.</a:t>
+              <a:t>5) The Discrete Fourier Transform and the Inverse Discrete Fourier Transform allows us to go back and forth between representations.</a:t>
             </a:r>
           </a:p>
           <a:p>
@@ -12099,7 +13451,7 @@
         </p:blipFill>
         <p:spPr>
           <a:xfrm>
-            <a:off x="3767222" y="2087145"/>
+            <a:off x="3931608" y="2206480"/>
             <a:ext cx="2743200" cy="342900"/>
           </a:xfrm>
           <a:prstGeom prst="rect">
@@ -12153,7 +13505,7 @@
                                         <p:tgtEl>
                                           <p:spTgt spid="5">
                                             <p:txEl>
-                                              <p:pRg st="0" end="0"/>
+                                              <p:pRg st="1" end="1"/>
                                             </p:txEl>
                                           </p:spTgt>
                                         </p:tgtEl>
@@ -12202,7 +13554,7 @@
                                         <p:tgtEl>
                                           <p:spTgt spid="5">
                                             <p:txEl>
-                                              <p:pRg st="1" end="1"/>
+                                              <p:pRg st="2" end="2"/>
                                             </p:txEl>
                                           </p:spTgt>
                                         </p:tgtEl>
@@ -12278,7 +13630,7 @@
                                         <p:tgtEl>
                                           <p:spTgt spid="5">
                                             <p:txEl>
-                                              <p:pRg st="2" end="2"/>
+                                              <p:pRg st="3" end="3"/>
                                             </p:txEl>
                                           </p:spTgt>
                                         </p:tgtEl>
@@ -12327,7 +13679,7 @@
                                         <p:tgtEl>
                                           <p:spTgt spid="5">
                                             <p:txEl>
-                                              <p:pRg st="3" end="3"/>
+                                              <p:pRg st="4" end="4"/>
                                             </p:txEl>
                                           </p:spTgt>
                                         </p:tgtEl>
@@ -12376,7 +13728,7 @@
                                         <p:tgtEl>
                                           <p:spTgt spid="5">
                                             <p:txEl>
-                                              <p:pRg st="4" end="4"/>
+                                              <p:pRg st="5" end="5"/>
                                             </p:txEl>
                                           </p:spTgt>
                                         </p:tgtEl>
@@ -12425,7 +13777,7 @@
                                         <p:tgtEl>
                                           <p:spTgt spid="5">
                                             <p:txEl>
-                                              <p:pRg st="5" end="5"/>
+                                              <p:pRg st="6" end="6"/>
                                             </p:txEl>
                                           </p:spTgt>
                                         </p:tgtEl>
@@ -12471,7 +13823,7 @@
 </p:sld>
 </file>
 
-<file path=ppt/slides/slide25.xml><?xml version="1.0" encoding="utf-8"?>
+<file path=ppt/slides/slide27.xml><?xml version="1.0" encoding="utf-8"?>
 <p:sld xmlns:a="http://schemas.openxmlformats.org/drawingml/2006/main" xmlns:r="http://schemas.openxmlformats.org/officeDocument/2006/relationships" xmlns:p="http://schemas.openxmlformats.org/presentationml/2006/main">
   <p:cSld>
     <p:spTree>
@@ -14457,7 +15809,7 @@
         </p:blipFill>
         <p:spPr>
           <a:xfrm>
-            <a:off x="3484515" y="1093975"/>
+            <a:off x="3484515" y="1114523"/>
             <a:ext cx="1397000" cy="342900"/>
           </a:xfrm>
           <a:prstGeom prst="rect">
@@ -14809,7 +16161,26 @@
             <a:pPr marL="0" indent="0">
               <a:buNone/>
             </a:pPr>
-            <a:endParaRPr lang="en-US" sz="2200" cap="none" dirty="0"/>
+            <a:r>
+              <a:rPr lang="en-US" sz="2200" cap="none" dirty="0"/>
+              <a:t>In general, the sinusoids				   and  </a:t>
+            </a:r>
+          </a:p>
+          <a:p>
+            <a:pPr marL="0" indent="0">
+              <a:buNone/>
+            </a:pPr>
+            <a:endParaRPr lang="en-US" sz="2400" cap="none" dirty="0"/>
+          </a:p>
+          <a:p>
+            <a:pPr marL="0" indent="0">
+              <a:buNone/>
+            </a:pPr>
+            <a:r>
+              <a:rPr lang="en-US" sz="2400" dirty="0"/>
+              <a:t>has</a:t>
+            </a:r>
+            <a:endParaRPr lang="en-US" sz="2400" cap="none" dirty="0"/>
           </a:p>
           <a:p>
             <a:pPr marL="0" indent="0">
@@ -14821,22 +16192,28 @@
             <a:pPr marL="0" indent="0">
               <a:buNone/>
             </a:pPr>
-            <a:endParaRPr lang="en-US" sz="2400" cap="none" dirty="0"/>
-          </a:p>
-          <a:p>
-            <a:pPr marL="0" indent="0">
-              <a:buNone/>
-            </a:pPr>
-            <a:r>
-              <a:rPr lang="en-US" sz="2400" cap="none" dirty="0"/>
-              <a:t>where</a:t>
-            </a:r>
+            <a:endParaRPr lang="en-US" sz="2200" dirty="0"/>
           </a:p>
           <a:p>
             <a:pPr marL="0" indent="0">
               <a:buNone/>
             </a:pPr>
             <a:endParaRPr lang="en-US" sz="2200" cap="none" dirty="0"/>
+          </a:p>
+          <a:p>
+            <a:pPr marL="0" indent="0">
+              <a:buNone/>
+            </a:pPr>
+            <a:endParaRPr lang="en-US" sz="2200" cap="none" dirty="0"/>
+          </a:p>
+          <a:p>
+            <a:pPr marL="0" indent="0">
+              <a:buNone/>
+            </a:pPr>
+            <a:r>
+              <a:rPr lang="en-US" sz="2200" dirty="0"/>
+              <a:t>Note: For simplicity, we'll ignore the phase of the sinusoids although the phase is an important attribute in digital audio/signal processing.  Here's the full sinusoid with phase "phi":</a:t>
+            </a:r>
           </a:p>
           <a:p>
             <a:pPr marL="0" indent="0">
@@ -14939,10 +16316,10 @@
       </p:sp>
       <p:pic>
         <p:nvPicPr>
-          <p:cNvPr id="3" name="Picture 2">
+          <p:cNvPr id="12" name="Picture 11">
             <a:extLst>
               <a:ext uri="{FF2B5EF4-FFF2-40B4-BE49-F238E27FC236}">
-                <a16:creationId xmlns:a16="http://schemas.microsoft.com/office/drawing/2014/main" id="{A9BFBDE1-F74D-9047-A5B1-701AD600AF3C}"/>
+                <a16:creationId xmlns:a16="http://schemas.microsoft.com/office/drawing/2014/main" id="{08383E22-FB1C-D745-A437-4DA16967490A}"/>
               </a:ext>
             </a:extLst>
           </p:cNvPr>
@@ -14959,37 +16336,7 @@
         </p:blipFill>
         <p:spPr>
           <a:xfrm>
-            <a:off x="583036" y="1580544"/>
-            <a:ext cx="6896100" cy="368300"/>
-          </a:xfrm>
-          <a:prstGeom prst="rect">
-            <a:avLst/>
-          </a:prstGeom>
-        </p:spPr>
-      </p:pic>
-      <p:pic>
-        <p:nvPicPr>
-          <p:cNvPr id="12" name="Picture 11">
-            <a:extLst>
-              <a:ext uri="{FF2B5EF4-FFF2-40B4-BE49-F238E27FC236}">
-                <a16:creationId xmlns:a16="http://schemas.microsoft.com/office/drawing/2014/main" id="{08383E22-FB1C-D745-A437-4DA16967490A}"/>
-              </a:ext>
-            </a:extLst>
-          </p:cNvPr>
-          <p:cNvPicPr>
-            <a:picLocks noChangeAspect="1"/>
-          </p:cNvPicPr>
-          <p:nvPr/>
-        </p:nvPicPr>
-        <p:blipFill>
-          <a:blip r:embed="rId4"/>
-          <a:stretch>
-            <a:fillRect/>
-          </a:stretch>
-        </p:blipFill>
-        <p:spPr>
-          <a:xfrm>
-            <a:off x="583036" y="2902306"/>
+            <a:off x="583036" y="2499350"/>
             <a:ext cx="3530600" cy="800100"/>
           </a:xfrm>
           <a:prstGeom prst="rect">
@@ -15012,14 +16359,14 @@
           <p:nvPr/>
         </p:nvPicPr>
         <p:blipFill>
-          <a:blip r:embed="rId5"/>
+          <a:blip r:embed="rId4"/>
           <a:stretch>
             <a:fillRect/>
           </a:stretch>
         </p:blipFill>
         <p:spPr>
           <a:xfrm>
-            <a:off x="1489567" y="2349174"/>
+            <a:off x="1155407" y="1984453"/>
             <a:ext cx="2286000" cy="317500"/>
           </a:xfrm>
           <a:prstGeom prst="rect">
@@ -15042,6 +16389,36 @@
           <p:nvPr/>
         </p:nvPicPr>
         <p:blipFill>
+          <a:blip r:embed="rId5"/>
+          <a:stretch>
+            <a:fillRect/>
+          </a:stretch>
+        </p:blipFill>
+        <p:spPr>
+          <a:xfrm>
+            <a:off x="3664052" y="1993187"/>
+            <a:ext cx="3086100" cy="304800"/>
+          </a:xfrm>
+          <a:prstGeom prst="rect">
+            <a:avLst/>
+          </a:prstGeom>
+        </p:spPr>
+      </p:pic>
+      <p:pic>
+        <p:nvPicPr>
+          <p:cNvPr id="4" name="Picture 3">
+            <a:extLst>
+              <a:ext uri="{FF2B5EF4-FFF2-40B4-BE49-F238E27FC236}">
+                <a16:creationId xmlns:a16="http://schemas.microsoft.com/office/drawing/2014/main" id="{8BB19512-B1A8-B442-8170-31E17570D1F4}"/>
+              </a:ext>
+            </a:extLst>
+          </p:cNvPr>
+          <p:cNvPicPr>
+            <a:picLocks noChangeAspect="1"/>
+          </p:cNvPicPr>
+          <p:nvPr/>
+        </p:nvPicPr>
+        <p:blipFill>
           <a:blip r:embed="rId6"/>
           <a:stretch>
             <a:fillRect/>
@@ -15049,8 +16426,68 @@
         </p:blipFill>
         <p:spPr>
           <a:xfrm>
-            <a:off x="3943022" y="2361312"/>
-            <a:ext cx="3086100" cy="304800"/>
+            <a:off x="3377410" y="1111517"/>
+            <a:ext cx="2108662" cy="333421"/>
+          </a:xfrm>
+          <a:prstGeom prst="rect">
+            <a:avLst/>
+          </a:prstGeom>
+        </p:spPr>
+      </p:pic>
+      <p:pic>
+        <p:nvPicPr>
+          <p:cNvPr id="7" name="Picture 6">
+            <a:extLst>
+              <a:ext uri="{FF2B5EF4-FFF2-40B4-BE49-F238E27FC236}">
+                <a16:creationId xmlns:a16="http://schemas.microsoft.com/office/drawing/2014/main" id="{ED5D7DCB-74F8-4C4A-9AE0-23EB74526FEA}"/>
+              </a:ext>
+            </a:extLst>
+          </p:cNvPr>
+          <p:cNvPicPr>
+            <a:picLocks noChangeAspect="1"/>
+          </p:cNvPicPr>
+          <p:nvPr/>
+        </p:nvPicPr>
+        <p:blipFill>
+          <a:blip r:embed="rId7"/>
+          <a:stretch>
+            <a:fillRect/>
+          </a:stretch>
+        </p:blipFill>
+        <p:spPr>
+          <a:xfrm>
+            <a:off x="6199291" y="1077166"/>
+            <a:ext cx="2108662" cy="327817"/>
+          </a:xfrm>
+          <a:prstGeom prst="rect">
+            <a:avLst/>
+          </a:prstGeom>
+        </p:spPr>
+      </p:pic>
+      <p:pic>
+        <p:nvPicPr>
+          <p:cNvPr id="8" name="Picture 7">
+            <a:extLst>
+              <a:ext uri="{FF2B5EF4-FFF2-40B4-BE49-F238E27FC236}">
+                <a16:creationId xmlns:a16="http://schemas.microsoft.com/office/drawing/2014/main" id="{E034E86E-FB70-704E-A0BC-4CB261EF4DFF}"/>
+              </a:ext>
+            </a:extLst>
+          </p:cNvPr>
+          <p:cNvPicPr>
+            <a:picLocks noChangeAspect="1"/>
+          </p:cNvPicPr>
+          <p:nvPr/>
+        </p:nvPicPr>
+        <p:blipFill>
+          <a:blip r:embed="rId8"/>
+          <a:stretch>
+            <a:fillRect/>
+          </a:stretch>
+        </p:blipFill>
+        <p:spPr>
+          <a:xfrm>
+            <a:off x="2710337" y="4941279"/>
+            <a:ext cx="2806598" cy="347305"/>
           </a:xfrm>
           <a:prstGeom prst="rect">
             <a:avLst/>
@@ -15103,7 +16540,105 @@
                                         <p:tgtEl>
                                           <p:spTgt spid="5">
                                             <p:txEl>
-                                              <p:pRg st="3" end="3"/>
+                                              <p:pRg st="0" end="0"/>
+                                            </p:txEl>
+                                          </p:spTgt>
+                                        </p:tgtEl>
+                                        <p:attrNameLst>
+                                          <p:attrName>style.visibility</p:attrName>
+                                        </p:attrNameLst>
+                                      </p:cBhvr>
+                                      <p:to>
+                                        <p:strVal val="visible"/>
+                                      </p:to>
+                                    </p:set>
+                                  </p:childTnLst>
+                                </p:cTn>
+                              </p:par>
+                            </p:childTnLst>
+                          </p:cTn>
+                        </p:par>
+                      </p:childTnLst>
+                    </p:cTn>
+                  </p:par>
+                  <p:par>
+                    <p:cTn id="7" fill="hold">
+                      <p:stCondLst>
+                        <p:cond delay="indefinite"/>
+                      </p:stCondLst>
+                      <p:childTnLst>
+                        <p:par>
+                          <p:cTn id="8" fill="hold">
+                            <p:stCondLst>
+                              <p:cond delay="0"/>
+                            </p:stCondLst>
+                            <p:childTnLst>
+                              <p:par>
+                                <p:cTn id="9" presetID="1" presetClass="entr" presetSubtype="0" fill="hold" nodeType="clickEffect">
+                                  <p:stCondLst>
+                                    <p:cond delay="0"/>
+                                  </p:stCondLst>
+                                  <p:childTnLst>
+                                    <p:set>
+                                      <p:cBhvr>
+                                        <p:cTn id="10" dur="1" fill="hold">
+                                          <p:stCondLst>
+                                            <p:cond delay="0"/>
+                                          </p:stCondLst>
+                                        </p:cTn>
+                                        <p:tgtEl>
+                                          <p:spTgt spid="5">
+                                            <p:txEl>
+                                              <p:pRg st="2" end="2"/>
+                                            </p:txEl>
+                                          </p:spTgt>
+                                        </p:tgtEl>
+                                        <p:attrNameLst>
+                                          <p:attrName>style.visibility</p:attrName>
+                                        </p:attrNameLst>
+                                      </p:cBhvr>
+                                      <p:to>
+                                        <p:strVal val="visible"/>
+                                      </p:to>
+                                    </p:set>
+                                  </p:childTnLst>
+                                </p:cTn>
+                              </p:par>
+                            </p:childTnLst>
+                          </p:cTn>
+                        </p:par>
+                      </p:childTnLst>
+                    </p:cTn>
+                  </p:par>
+                  <p:par>
+                    <p:cTn id="11" fill="hold">
+                      <p:stCondLst>
+                        <p:cond delay="indefinite"/>
+                      </p:stCondLst>
+                      <p:childTnLst>
+                        <p:par>
+                          <p:cTn id="12" fill="hold">
+                            <p:stCondLst>
+                              <p:cond delay="0"/>
+                            </p:stCondLst>
+                            <p:childTnLst>
+                              <p:par>
+                                <p:cTn id="13" presetID="1" presetClass="entr" presetSubtype="0" fill="hold" nodeType="clickEffect">
+                                  <p:stCondLst>
+                                    <p:cond delay="0"/>
+                                  </p:stCondLst>
+                                  <p:childTnLst>
+                                    <p:set>
+                                      <p:cBhvr>
+                                        <p:cTn id="14" dur="1" fill="hold">
+                                          <p:stCondLst>
+                                            <p:cond delay="0"/>
+                                          </p:stCondLst>
+                                        </p:cTn>
+                                        <p:tgtEl>
+                                          <p:spTgt spid="5">
+                                            <p:txEl>
+                                              <p:pRg st="7" end="7"/>
                                             </p:txEl>
                                           </p:spTgt>
                                         </p:tgtEl>
@@ -15119,14 +16654,14 @@
                                 </p:cTn>
                               </p:par>
                               <p:par>
-                                <p:cTn id="7" presetID="1" presetClass="entr" presetSubtype="0" fill="hold" nodeType="withEffect">
+                                <p:cTn id="15" presetID="1" presetClass="entr" presetSubtype="0" fill="hold" nodeType="withEffect">
                                   <p:stCondLst>
                                     <p:cond delay="0"/>
                                   </p:stCondLst>
                                   <p:childTnLst>
                                     <p:set>
                                       <p:cBhvr>
-                                        <p:cTn id="8" dur="1" fill="hold">
+                                        <p:cTn id="16" dur="1" fill="hold">
                                           <p:stCondLst>
                                             <p:cond delay="0"/>
                                           </p:stCondLst>
@@ -15152,26 +16687,26 @@
                     </p:cTn>
                   </p:par>
                   <p:par>
-                    <p:cTn id="9" fill="hold">
+                    <p:cTn id="17" fill="hold">
                       <p:stCondLst>
                         <p:cond delay="indefinite"/>
                       </p:stCondLst>
                       <p:childTnLst>
                         <p:par>
-                          <p:cTn id="10" fill="hold">
+                          <p:cTn id="18" fill="hold">
                             <p:stCondLst>
                               <p:cond delay="0"/>
                             </p:stCondLst>
                             <p:childTnLst>
                               <p:par>
-                                <p:cTn id="11" presetID="1" presetClass="entr" presetSubtype="0" fill="hold" nodeType="clickEffect">
+                                <p:cTn id="19" presetID="1" presetClass="entr" presetSubtype="0" fill="hold" nodeType="clickEffect">
                                   <p:stCondLst>
                                     <p:cond delay="0"/>
                                   </p:stCondLst>
                                   <p:childTnLst>
                                     <p:set>
                                       <p:cBhvr>
-                                        <p:cTn id="12" dur="1" fill="hold">
+                                        <p:cTn id="20" dur="1" fill="hold">
                                           <p:stCondLst>
                                             <p:cond delay="0"/>
                                           </p:stCondLst>
@@ -15197,26 +16732,26 @@
                     </p:cTn>
                   </p:par>
                   <p:par>
-                    <p:cTn id="13" fill="hold">
+                    <p:cTn id="21" fill="hold">
                       <p:stCondLst>
                         <p:cond delay="indefinite"/>
                       </p:stCondLst>
                       <p:childTnLst>
                         <p:par>
-                          <p:cTn id="14" fill="hold">
+                          <p:cTn id="22" fill="hold">
                             <p:stCondLst>
                               <p:cond delay="0"/>
                             </p:stCondLst>
                             <p:childTnLst>
                               <p:par>
-                                <p:cTn id="15" presetID="1" presetClass="entr" presetSubtype="0" fill="hold" nodeType="clickEffect">
+                                <p:cTn id="23" presetID="1" presetClass="entr" presetSubtype="0" fill="hold" nodeType="clickEffect">
                                   <p:stCondLst>
                                     <p:cond delay="0"/>
                                   </p:stCondLst>
                                   <p:childTnLst>
                                     <p:set>
                                       <p:cBhvr>
-                                        <p:cTn id="16" dur="1" fill="hold">
+                                        <p:cTn id="24" dur="1" fill="hold">
                                           <p:stCondLst>
                                             <p:cond delay="0"/>
                                           </p:stCondLst>

--- a/courses/apcsp/lect16.pptx
+++ b/courses/apcsp/lect16.pptx
@@ -5,36 +5,35 @@
     <p:sldMasterId id="2147483791" r:id="rId1"/>
   </p:sldMasterIdLst>
   <p:notesMasterIdLst>
-    <p:notesMasterId r:id="rId29"/>
+    <p:notesMasterId r:id="rId28"/>
   </p:notesMasterIdLst>
   <p:sldIdLst>
     <p:sldId id="256" r:id="rId2"/>
     <p:sldId id="300" r:id="rId3"/>
     <p:sldId id="297" r:id="rId4"/>
     <p:sldId id="258" r:id="rId5"/>
-    <p:sldId id="263" r:id="rId6"/>
-    <p:sldId id="270" r:id="rId7"/>
-    <p:sldId id="268" r:id="rId8"/>
-    <p:sldId id="298" r:id="rId9"/>
-    <p:sldId id="276" r:id="rId10"/>
-    <p:sldId id="279" r:id="rId11"/>
-    <p:sldId id="319" r:id="rId12"/>
-    <p:sldId id="320" r:id="rId13"/>
-    <p:sldId id="277" r:id="rId14"/>
-    <p:sldId id="278" r:id="rId15"/>
-    <p:sldId id="289" r:id="rId16"/>
-    <p:sldId id="290" r:id="rId17"/>
-    <p:sldId id="282" r:id="rId18"/>
-    <p:sldId id="295" r:id="rId19"/>
-    <p:sldId id="286" r:id="rId20"/>
-    <p:sldId id="287" r:id="rId21"/>
-    <p:sldId id="315" r:id="rId22"/>
-    <p:sldId id="316" r:id="rId23"/>
-    <p:sldId id="317" r:id="rId24"/>
-    <p:sldId id="318" r:id="rId25"/>
-    <p:sldId id="299" r:id="rId26"/>
-    <p:sldId id="301" r:id="rId27"/>
-    <p:sldId id="302" r:id="rId28"/>
+    <p:sldId id="321" r:id="rId6"/>
+    <p:sldId id="322" r:id="rId7"/>
+    <p:sldId id="323" r:id="rId8"/>
+    <p:sldId id="263" r:id="rId9"/>
+    <p:sldId id="270" r:id="rId10"/>
+    <p:sldId id="268" r:id="rId11"/>
+    <p:sldId id="298" r:id="rId12"/>
+    <p:sldId id="276" r:id="rId13"/>
+    <p:sldId id="279" r:id="rId14"/>
+    <p:sldId id="319" r:id="rId15"/>
+    <p:sldId id="320" r:id="rId16"/>
+    <p:sldId id="277" r:id="rId17"/>
+    <p:sldId id="278" r:id="rId18"/>
+    <p:sldId id="289" r:id="rId19"/>
+    <p:sldId id="290" r:id="rId20"/>
+    <p:sldId id="282" r:id="rId21"/>
+    <p:sldId id="295" r:id="rId22"/>
+    <p:sldId id="286" r:id="rId23"/>
+    <p:sldId id="287" r:id="rId24"/>
+    <p:sldId id="299" r:id="rId25"/>
+    <p:sldId id="301" r:id="rId26"/>
+    <p:sldId id="302" r:id="rId27"/>
   </p:sldIdLst>
   <p:sldSz cx="9144000" cy="5715000" type="screen16x10"/>
   <p:notesSz cx="6858000" cy="9144000"/>
@@ -1989,7 +1988,7 @@
           <a:p>
             <a:fld id="{6EDD99D2-A624-5E4F-A4E3-584054837B5A}" type="datetimeFigureOut">
               <a:rPr lang="en-US" smtClean="0"/>
-              <a:t>2/7/20</a:t>
+              <a:t>2/10/20</a:t>
             </a:fld>
             <a:endParaRPr lang="en-US"/>
           </a:p>
@@ -2376,7 +2375,7 @@
           <a:p>
             <a:fld id="{D04ABF8B-8FC0-C447-A567-214E2A1C8CF1}" type="slidenum">
               <a:rPr lang="en-US" smtClean="0"/>
-              <a:t>5</a:t>
+              <a:t>8</a:t>
             </a:fld>
             <a:endParaRPr lang="en-US"/>
           </a:p>
@@ -2498,7 +2497,7 @@
           <a:p>
             <a:fld id="{D04ABF8B-8FC0-C447-A567-214E2A1C8CF1}" type="slidenum">
               <a:rPr lang="en-US" smtClean="0"/>
-              <a:t>16</a:t>
+              <a:t>19</a:t>
             </a:fld>
             <a:endParaRPr lang="en-US"/>
           </a:p>
@@ -2740,7 +2739,7 @@
           <a:p>
             <a:fld id="{D04ABF8B-8FC0-C447-A567-214E2A1C8CF1}" type="slidenum">
               <a:rPr lang="en-US" smtClean="0"/>
-              <a:t>17</a:t>
+              <a:t>20</a:t>
             </a:fld>
             <a:endParaRPr lang="en-US"/>
           </a:p>
@@ -2982,7 +2981,7 @@
           <a:p>
             <a:fld id="{D04ABF8B-8FC0-C447-A567-214E2A1C8CF1}" type="slidenum">
               <a:rPr lang="en-US" smtClean="0"/>
-              <a:t>18</a:t>
+              <a:t>21</a:t>
             </a:fld>
             <a:endParaRPr lang="en-US"/>
           </a:p>
@@ -3224,7 +3223,7 @@
           <a:p>
             <a:fld id="{D04ABF8B-8FC0-C447-A567-214E2A1C8CF1}" type="slidenum">
               <a:rPr lang="en-US" smtClean="0"/>
-              <a:t>19</a:t>
+              <a:t>22</a:t>
             </a:fld>
             <a:endParaRPr lang="en-US"/>
           </a:p>
@@ -3466,7 +3465,7 @@
           <a:p>
             <a:fld id="{D04ABF8B-8FC0-C447-A567-214E2A1C8CF1}" type="slidenum">
               <a:rPr lang="en-US" smtClean="0"/>
-              <a:t>20</a:t>
+              <a:t>23</a:t>
             </a:fld>
             <a:endParaRPr lang="en-US"/>
           </a:p>
@@ -3708,7 +3707,7 @@
           <a:p>
             <a:fld id="{D04ABF8B-8FC0-C447-A567-214E2A1C8CF1}" type="slidenum">
               <a:rPr lang="en-US" smtClean="0"/>
-              <a:t>26</a:t>
+              <a:t>25</a:t>
             </a:fld>
             <a:endParaRPr lang="en-US"/>
           </a:p>
@@ -3950,7 +3949,7 @@
           <a:p>
             <a:fld id="{D04ABF8B-8FC0-C447-A567-214E2A1C8CF1}" type="slidenum">
               <a:rPr lang="en-US" smtClean="0"/>
-              <a:t>27</a:t>
+              <a:t>26</a:t>
             </a:fld>
             <a:endParaRPr lang="en-US"/>
           </a:p>
@@ -4048,7 +4047,7 @@
           <a:p>
             <a:fld id="{D04ABF8B-8FC0-C447-A567-214E2A1C8CF1}" type="slidenum">
               <a:rPr lang="en-US" smtClean="0"/>
-              <a:t>8</a:t>
+              <a:t>11</a:t>
             </a:fld>
             <a:endParaRPr lang="en-US"/>
           </a:p>
@@ -4223,7 +4222,7 @@
           <a:p>
             <a:fld id="{D04ABF8B-8FC0-C447-A567-214E2A1C8CF1}" type="slidenum">
               <a:rPr lang="en-US" smtClean="0"/>
-              <a:t>9</a:t>
+              <a:t>12</a:t>
             </a:fld>
             <a:endParaRPr lang="en-US"/>
           </a:p>
@@ -4345,7 +4344,7 @@
           <a:p>
             <a:fld id="{D04ABF8B-8FC0-C447-A567-214E2A1C8CF1}" type="slidenum">
               <a:rPr lang="en-US" smtClean="0"/>
-              <a:t>10</a:t>
+              <a:t>13</a:t>
             </a:fld>
             <a:endParaRPr lang="en-US"/>
           </a:p>
@@ -4467,7 +4466,7 @@
           <a:p>
             <a:fld id="{D04ABF8B-8FC0-C447-A567-214E2A1C8CF1}" type="slidenum">
               <a:rPr lang="en-US" smtClean="0"/>
-              <a:t>11</a:t>
+              <a:t>14</a:t>
             </a:fld>
             <a:endParaRPr lang="en-US"/>
           </a:p>
@@ -4589,7 +4588,7 @@
           <a:p>
             <a:fld id="{D04ABF8B-8FC0-C447-A567-214E2A1C8CF1}" type="slidenum">
               <a:rPr lang="en-US" smtClean="0"/>
-              <a:t>12</a:t>
+              <a:t>15</a:t>
             </a:fld>
             <a:endParaRPr lang="en-US"/>
           </a:p>
@@ -4687,7 +4686,7 @@
           <a:p>
             <a:fld id="{D04ABF8B-8FC0-C447-A567-214E2A1C8CF1}" type="slidenum">
               <a:rPr lang="en-US" smtClean="0"/>
-              <a:t>13</a:t>
+              <a:t>16</a:t>
             </a:fld>
             <a:endParaRPr lang="en-US"/>
           </a:p>
@@ -4929,7 +4928,7 @@
           <a:p>
             <a:fld id="{D04ABF8B-8FC0-C447-A567-214E2A1C8CF1}" type="slidenum">
               <a:rPr lang="en-US" smtClean="0"/>
-              <a:t>14</a:t>
+              <a:t>17</a:t>
             </a:fld>
             <a:endParaRPr lang="en-US"/>
           </a:p>
@@ -5051,7 +5050,7 @@
           <a:p>
             <a:fld id="{D04ABF8B-8FC0-C447-A567-214E2A1C8CF1}" type="slidenum">
               <a:rPr lang="en-US" smtClean="0"/>
-              <a:t>15</a:t>
+              <a:t>18</a:t>
             </a:fld>
             <a:endParaRPr lang="en-US"/>
           </a:p>
@@ -5201,7 +5200,7 @@
           <a:p>
             <a:fld id="{4AAD347D-5ACD-4C99-B74B-A9C85AD731AF}" type="datetimeFigureOut">
               <a:rPr lang="en-US" smtClean="0"/>
-              <a:t>2/7/20</a:t>
+              <a:t>2/10/20</a:t>
             </a:fld>
             <a:endParaRPr lang="en-US" dirty="0"/>
           </a:p>
@@ -5371,7 +5370,7 @@
           <a:p>
             <a:fld id="{4509A250-FF31-4206-8172-F9D3106AACB1}" type="datetimeFigureOut">
               <a:rPr lang="en-US" smtClean="0"/>
-              <a:t>2/7/20</a:t>
+              <a:t>2/10/20</a:t>
             </a:fld>
             <a:endParaRPr lang="en-US" dirty="0"/>
           </a:p>
@@ -5551,7 +5550,7 @@
           <a:p>
             <a:fld id="{4509A250-FF31-4206-8172-F9D3106AACB1}" type="datetimeFigureOut">
               <a:rPr lang="en-US" smtClean="0"/>
-              <a:t>2/7/20</a:t>
+              <a:t>2/10/20</a:t>
             </a:fld>
             <a:endParaRPr lang="en-US" dirty="0"/>
           </a:p>
@@ -5756,7 +5755,7 @@
           <a:p>
             <a:fld id="{48A87A34-81AB-432B-8DAE-1953F412C126}" type="datetimeFigureOut">
               <a:rPr lang="en-US" smtClean="0"/>
-              <a:t>2/7/20</a:t>
+              <a:t>2/10/20</a:t>
             </a:fld>
             <a:endParaRPr lang="en-US" dirty="0"/>
           </a:p>
@@ -5926,7 +5925,7 @@
           <a:p>
             <a:fld id="{4509A250-FF31-4206-8172-F9D3106AACB1}" type="datetimeFigureOut">
               <a:rPr lang="en-US" smtClean="0"/>
-              <a:t>2/7/20</a:t>
+              <a:t>2/10/20</a:t>
             </a:fld>
             <a:endParaRPr lang="en-US" dirty="0"/>
           </a:p>
@@ -6172,7 +6171,7 @@
           <a:p>
             <a:fld id="{9796027F-7875-4030-9381-8BD8C4F21935}" type="datetimeFigureOut">
               <a:rPr lang="en-US" smtClean="0"/>
-              <a:t>2/7/20</a:t>
+              <a:t>2/10/20</a:t>
             </a:fld>
             <a:endParaRPr lang="en-US" dirty="0"/>
           </a:p>
@@ -6404,7 +6403,7 @@
           <a:p>
             <a:fld id="{9796027F-7875-4030-9381-8BD8C4F21935}" type="datetimeFigureOut">
               <a:rPr lang="en-US" smtClean="0"/>
-              <a:t>2/7/20</a:t>
+              <a:t>2/10/20</a:t>
             </a:fld>
             <a:endParaRPr lang="en-US" dirty="0"/>
           </a:p>
@@ -6771,7 +6770,7 @@
           <a:p>
             <a:fld id="{9796027F-7875-4030-9381-8BD8C4F21935}" type="datetimeFigureOut">
               <a:rPr lang="en-US" smtClean="0"/>
-              <a:t>2/7/20</a:t>
+              <a:t>2/10/20</a:t>
             </a:fld>
             <a:endParaRPr lang="en-US" dirty="0"/>
           </a:p>
@@ -6889,7 +6888,7 @@
           <a:p>
             <a:fld id="{4509A250-FF31-4206-8172-F9D3106AACB1}" type="datetimeFigureOut">
               <a:rPr lang="en-US" smtClean="0"/>
-              <a:t>2/7/20</a:t>
+              <a:t>2/10/20</a:t>
             </a:fld>
             <a:endParaRPr lang="en-US" dirty="0"/>
           </a:p>
@@ -6984,7 +6983,7 @@
           <a:p>
             <a:fld id="{4509A250-FF31-4206-8172-F9D3106AACB1}" type="datetimeFigureOut">
               <a:rPr lang="en-US" smtClean="0"/>
-              <a:t>2/7/20</a:t>
+              <a:t>2/10/20</a:t>
             </a:fld>
             <a:endParaRPr lang="en-US" dirty="0"/>
           </a:p>
@@ -7261,7 +7260,7 @@
           <a:p>
             <a:fld id="{4509A250-FF31-4206-8172-F9D3106AACB1}" type="datetimeFigureOut">
               <a:rPr lang="en-US" smtClean="0"/>
-              <a:t>2/7/20</a:t>
+              <a:t>2/10/20</a:t>
             </a:fld>
             <a:endParaRPr lang="en-US" dirty="0"/>
           </a:p>
@@ -7518,7 +7517,7 @@
           <a:p>
             <a:fld id="{4509A250-FF31-4206-8172-F9D3106AACB1}" type="datetimeFigureOut">
               <a:rPr lang="en-US" smtClean="0"/>
-              <a:t>2/7/20</a:t>
+              <a:t>2/10/20</a:t>
             </a:fld>
             <a:endParaRPr lang="en-US" dirty="0"/>
           </a:p>
@@ -7731,7 +7730,7 @@
           <a:p>
             <a:fld id="{4AAD347D-5ACD-4C99-B74B-A9C85AD731AF}" type="datetimeFigureOut">
               <a:rPr lang="en-US" smtClean="0"/>
-              <a:t>2/7/20</a:t>
+              <a:t>2/10/20</a:t>
             </a:fld>
             <a:endParaRPr lang="en-US" dirty="0"/>
           </a:p>
@@ -8620,6 +8619,1355 @@
             <a:pPr algn="l"/>
             <a:r>
               <a:rPr lang="en-US" cap="none" dirty="0"/>
+              <a:t>Sine </a:t>
+            </a:r>
+            <a:r>
+              <a:rPr lang="en-US" dirty="0"/>
+              <a:t>and Cosine Wave</a:t>
+            </a:r>
+            <a:endParaRPr lang="en-US" cap="none" dirty="0"/>
+          </a:p>
+        </p:txBody>
+      </p:sp>
+      <p:sp>
+        <p:nvSpPr>
+          <p:cNvPr id="4" name="Content Placeholder 3">
+            <a:extLst>
+              <a:ext uri="{FF2B5EF4-FFF2-40B4-BE49-F238E27FC236}">
+                <a16:creationId xmlns:a16="http://schemas.microsoft.com/office/drawing/2014/main" id="{864D3036-8B0F-5C44-90AB-7558ABA4CDEC}"/>
+              </a:ext>
+            </a:extLst>
+          </p:cNvPr>
+          <p:cNvSpPr>
+            <a:spLocks noGrp="1"/>
+          </p:cNvSpPr>
+          <p:nvPr>
+            <p:ph sz="quarter" idx="13"/>
+          </p:nvPr>
+        </p:nvSpPr>
+        <p:spPr>
+          <a:xfrm>
+            <a:off x="444137" y="1095555"/>
+            <a:ext cx="8294914" cy="4443096"/>
+          </a:xfrm>
+        </p:spPr>
+        <p:txBody>
+          <a:bodyPr>
+            <a:normAutofit/>
+          </a:bodyPr>
+          <a:lstStyle/>
+          <a:p>
+            <a:pPr marL="0" indent="0">
+              <a:buNone/>
+            </a:pPr>
+            <a:endParaRPr lang="en-US" sz="2200" cap="none" dirty="0"/>
+          </a:p>
+        </p:txBody>
+      </p:sp>
+      <p:pic>
+        <p:nvPicPr>
+          <p:cNvPr id="10" name="Picture 9">
+            <a:extLst>
+              <a:ext uri="{FF2B5EF4-FFF2-40B4-BE49-F238E27FC236}">
+                <a16:creationId xmlns:a16="http://schemas.microsoft.com/office/drawing/2014/main" id="{650C67DA-2E87-1747-BA41-E0CE9AEB8CFC}"/>
+              </a:ext>
+            </a:extLst>
+          </p:cNvPr>
+          <p:cNvPicPr>
+            <a:picLocks noChangeAspect="1"/>
+          </p:cNvPicPr>
+          <p:nvPr/>
+        </p:nvPicPr>
+        <p:blipFill>
+          <a:blip r:embed="rId2"/>
+          <a:stretch>
+            <a:fillRect/>
+          </a:stretch>
+        </p:blipFill>
+        <p:spPr>
+          <a:xfrm>
+            <a:off x="156977" y="3072473"/>
+            <a:ext cx="3975284" cy="1389871"/>
+          </a:xfrm>
+          <a:prstGeom prst="rect">
+            <a:avLst/>
+          </a:prstGeom>
+        </p:spPr>
+      </p:pic>
+      <p:pic>
+        <p:nvPicPr>
+          <p:cNvPr id="5" name="Picture 4">
+            <a:extLst>
+              <a:ext uri="{FF2B5EF4-FFF2-40B4-BE49-F238E27FC236}">
+                <a16:creationId xmlns:a16="http://schemas.microsoft.com/office/drawing/2014/main" id="{F1BDBDFC-6F05-874E-B5E7-BF50D596C726}"/>
+              </a:ext>
+            </a:extLst>
+          </p:cNvPr>
+          <p:cNvPicPr>
+            <a:picLocks noChangeAspect="1"/>
+          </p:cNvPicPr>
+          <p:nvPr/>
+        </p:nvPicPr>
+        <p:blipFill>
+          <a:blip r:embed="rId3"/>
+          <a:stretch>
+            <a:fillRect/>
+          </a:stretch>
+        </p:blipFill>
+        <p:spPr>
+          <a:xfrm>
+            <a:off x="1249269" y="2231242"/>
+            <a:ext cx="1790700" cy="419100"/>
+          </a:xfrm>
+          <a:prstGeom prst="rect">
+            <a:avLst/>
+          </a:prstGeom>
+        </p:spPr>
+      </p:pic>
+      <p:pic>
+        <p:nvPicPr>
+          <p:cNvPr id="6" name="Picture 5">
+            <a:extLst>
+              <a:ext uri="{FF2B5EF4-FFF2-40B4-BE49-F238E27FC236}">
+                <a16:creationId xmlns:a16="http://schemas.microsoft.com/office/drawing/2014/main" id="{DC2ADE00-0058-4947-8D40-FB4063150780}"/>
+              </a:ext>
+            </a:extLst>
+          </p:cNvPr>
+          <p:cNvPicPr>
+            <a:picLocks noChangeAspect="1"/>
+          </p:cNvPicPr>
+          <p:nvPr/>
+        </p:nvPicPr>
+        <p:blipFill>
+          <a:blip r:embed="rId4"/>
+          <a:stretch>
+            <a:fillRect/>
+          </a:stretch>
+        </p:blipFill>
+        <p:spPr>
+          <a:xfrm>
+            <a:off x="4606135" y="3087970"/>
+            <a:ext cx="4026470" cy="1389871"/>
+          </a:xfrm>
+          <a:prstGeom prst="rect">
+            <a:avLst/>
+          </a:prstGeom>
+        </p:spPr>
+      </p:pic>
+      <p:pic>
+        <p:nvPicPr>
+          <p:cNvPr id="7" name="Picture 6">
+            <a:extLst>
+              <a:ext uri="{FF2B5EF4-FFF2-40B4-BE49-F238E27FC236}">
+                <a16:creationId xmlns:a16="http://schemas.microsoft.com/office/drawing/2014/main" id="{7531D228-5349-514D-9C6F-361E809FC1B1}"/>
+              </a:ext>
+            </a:extLst>
+          </p:cNvPr>
+          <p:cNvPicPr>
+            <a:picLocks noChangeAspect="1"/>
+          </p:cNvPicPr>
+          <p:nvPr/>
+        </p:nvPicPr>
+        <p:blipFill>
+          <a:blip r:embed="rId5"/>
+          <a:stretch>
+            <a:fillRect/>
+          </a:stretch>
+        </p:blipFill>
+        <p:spPr>
+          <a:xfrm>
+            <a:off x="6104033" y="2191735"/>
+            <a:ext cx="1727200" cy="393700"/>
+          </a:xfrm>
+          <a:prstGeom prst="rect">
+            <a:avLst/>
+          </a:prstGeom>
+        </p:spPr>
+      </p:pic>
+    </p:spTree>
+    <p:extLst>
+      <p:ext uri="{BB962C8B-B14F-4D97-AF65-F5344CB8AC3E}">
+        <p14:creationId xmlns:p14="http://schemas.microsoft.com/office/powerpoint/2010/main" val="3159966455"/>
+      </p:ext>
+    </p:extLst>
+  </p:cSld>
+  <p:clrMapOvr>
+    <a:masterClrMapping/>
+  </p:clrMapOvr>
+</p:sld>
+</file>
+
+<file path=ppt/slides/slide11.xml><?xml version="1.0" encoding="utf-8"?>
+<p:sld xmlns:a="http://schemas.openxmlformats.org/drawingml/2006/main" xmlns:r="http://schemas.openxmlformats.org/officeDocument/2006/relationships" xmlns:p="http://schemas.openxmlformats.org/presentationml/2006/main">
+  <p:cSld>
+    <p:spTree>
+      <p:nvGrpSpPr>
+        <p:cNvPr id="1" name=""/>
+        <p:cNvGrpSpPr/>
+        <p:nvPr/>
+      </p:nvGrpSpPr>
+      <p:grpSpPr>
+        <a:xfrm>
+          <a:off x="0" y="0"/>
+          <a:ext cx="0" cy="0"/>
+          <a:chOff x="0" y="0"/>
+          <a:chExt cx="0" cy="0"/>
+        </a:xfrm>
+      </p:grpSpPr>
+      <p:sp>
+        <p:nvSpPr>
+          <p:cNvPr id="2" name="Title 1">
+            <a:extLst>
+              <a:ext uri="{FF2B5EF4-FFF2-40B4-BE49-F238E27FC236}">
+                <a16:creationId xmlns:a16="http://schemas.microsoft.com/office/drawing/2014/main" id="{EDE419EF-0E46-9E4D-8C75-4293CAE61F27}"/>
+              </a:ext>
+            </a:extLst>
+          </p:cNvPr>
+          <p:cNvSpPr>
+            <a:spLocks noGrp="1"/>
+          </p:cNvSpPr>
+          <p:nvPr>
+            <p:ph type="title"/>
+          </p:nvPr>
+        </p:nvSpPr>
+        <p:spPr>
+          <a:xfrm>
+            <a:off x="624264" y="426416"/>
+            <a:ext cx="7922594" cy="669139"/>
+          </a:xfrm>
+        </p:spPr>
+        <p:txBody>
+          <a:bodyPr/>
+          <a:lstStyle/>
+          <a:p>
+            <a:pPr algn="l"/>
+            <a:r>
+              <a:rPr lang="en-US" cap="none" dirty="0"/>
+              <a:t>Sinusoids</a:t>
+            </a:r>
+          </a:p>
+        </p:txBody>
+      </p:sp>
+      <p:sp>
+        <p:nvSpPr>
+          <p:cNvPr id="4" name="Content Placeholder 3">
+            <a:extLst>
+              <a:ext uri="{FF2B5EF4-FFF2-40B4-BE49-F238E27FC236}">
+                <a16:creationId xmlns:a16="http://schemas.microsoft.com/office/drawing/2014/main" id="{864D3036-8B0F-5C44-90AB-7558ABA4CDEC}"/>
+              </a:ext>
+            </a:extLst>
+          </p:cNvPr>
+          <p:cNvSpPr>
+            <a:spLocks noGrp="1"/>
+          </p:cNvSpPr>
+          <p:nvPr>
+            <p:ph sz="quarter" idx="13"/>
+          </p:nvPr>
+        </p:nvSpPr>
+        <p:spPr>
+          <a:xfrm>
+            <a:off x="444137" y="1095555"/>
+            <a:ext cx="8294914" cy="4443096"/>
+          </a:xfrm>
+        </p:spPr>
+        <p:txBody>
+          <a:bodyPr>
+            <a:normAutofit/>
+          </a:bodyPr>
+          <a:lstStyle/>
+          <a:p>
+            <a:pPr marL="0" indent="0">
+              <a:buNone/>
+            </a:pPr>
+            <a:r>
+              <a:rPr lang="en-US" sz="2200" cap="none" dirty="0"/>
+              <a:t>Both the		     and		    completes one cycle in      seconds: </a:t>
+            </a:r>
+          </a:p>
+          <a:p>
+            <a:pPr marL="0" indent="0">
+              <a:buNone/>
+            </a:pPr>
+            <a:endParaRPr lang="en-US" sz="2200" cap="none" dirty="0"/>
+          </a:p>
+          <a:p>
+            <a:pPr marL="0" indent="0">
+              <a:buNone/>
+            </a:pPr>
+            <a:r>
+              <a:rPr lang="en-US" sz="2200" cap="none" dirty="0"/>
+              <a:t> </a:t>
+            </a:r>
+          </a:p>
+          <a:p>
+            <a:pPr marL="0" indent="0">
+              <a:buNone/>
+            </a:pPr>
+            <a:endParaRPr lang="en-US" sz="2200" cap="none" dirty="0"/>
+          </a:p>
+          <a:p>
+            <a:pPr marL="0" indent="0">
+              <a:buNone/>
+            </a:pPr>
+            <a:endParaRPr lang="en-US" sz="2200" cap="none" dirty="0"/>
+          </a:p>
+        </p:txBody>
+      </p:sp>
+      <p:pic>
+        <p:nvPicPr>
+          <p:cNvPr id="3" name="Picture 2">
+            <a:extLst>
+              <a:ext uri="{FF2B5EF4-FFF2-40B4-BE49-F238E27FC236}">
+                <a16:creationId xmlns:a16="http://schemas.microsoft.com/office/drawing/2014/main" id="{CE0586FE-71FE-DC44-93A3-8D5B3DA8F3B1}"/>
+              </a:ext>
+            </a:extLst>
+          </p:cNvPr>
+          <p:cNvPicPr>
+            <a:picLocks noChangeAspect="1"/>
+          </p:cNvPicPr>
+          <p:nvPr/>
+        </p:nvPicPr>
+        <p:blipFill>
+          <a:blip r:embed="rId3"/>
+          <a:stretch>
+            <a:fillRect/>
+          </a:stretch>
+        </p:blipFill>
+        <p:spPr>
+          <a:xfrm>
+            <a:off x="1602947" y="1122352"/>
+            <a:ext cx="1358900" cy="342900"/>
+          </a:xfrm>
+          <a:prstGeom prst="rect">
+            <a:avLst/>
+          </a:prstGeom>
+        </p:spPr>
+      </p:pic>
+      <p:pic>
+        <p:nvPicPr>
+          <p:cNvPr id="6" name="Picture 5">
+            <a:extLst>
+              <a:ext uri="{FF2B5EF4-FFF2-40B4-BE49-F238E27FC236}">
+                <a16:creationId xmlns:a16="http://schemas.microsoft.com/office/drawing/2014/main" id="{EE827FCF-1104-304A-9837-86405E38B9B9}"/>
+              </a:ext>
+            </a:extLst>
+          </p:cNvPr>
+          <p:cNvPicPr>
+            <a:picLocks noChangeAspect="1"/>
+          </p:cNvPicPr>
+          <p:nvPr/>
+        </p:nvPicPr>
+        <p:blipFill>
+          <a:blip r:embed="rId4"/>
+          <a:stretch>
+            <a:fillRect/>
+          </a:stretch>
+        </p:blipFill>
+        <p:spPr>
+          <a:xfrm>
+            <a:off x="3484515" y="1114523"/>
+            <a:ext cx="1397000" cy="342900"/>
+          </a:xfrm>
+          <a:prstGeom prst="rect">
+            <a:avLst/>
+          </a:prstGeom>
+        </p:spPr>
+      </p:pic>
+      <p:pic>
+        <p:nvPicPr>
+          <p:cNvPr id="7" name="Picture 6">
+            <a:extLst>
+              <a:ext uri="{FF2B5EF4-FFF2-40B4-BE49-F238E27FC236}">
+                <a16:creationId xmlns:a16="http://schemas.microsoft.com/office/drawing/2014/main" id="{02E0F4AF-3AD8-7340-96EF-1F5DABDDFA43}"/>
+              </a:ext>
+            </a:extLst>
+          </p:cNvPr>
+          <p:cNvPicPr>
+            <a:picLocks noChangeAspect="1"/>
+          </p:cNvPicPr>
+          <p:nvPr/>
+        </p:nvPicPr>
+        <p:blipFill>
+          <a:blip r:embed="rId5"/>
+          <a:stretch>
+            <a:fillRect/>
+          </a:stretch>
+        </p:blipFill>
+        <p:spPr>
+          <a:xfrm>
+            <a:off x="7640830" y="1160267"/>
+            <a:ext cx="317500" cy="215900"/>
+          </a:xfrm>
+          <a:prstGeom prst="rect">
+            <a:avLst/>
+          </a:prstGeom>
+        </p:spPr>
+      </p:pic>
+      <p:pic>
+        <p:nvPicPr>
+          <p:cNvPr id="9" name="Picture 8">
+            <a:extLst>
+              <a:ext uri="{FF2B5EF4-FFF2-40B4-BE49-F238E27FC236}">
+                <a16:creationId xmlns:a16="http://schemas.microsoft.com/office/drawing/2014/main" id="{C9A786FB-43A9-7F48-86B4-2D1AEC4C0723}"/>
+              </a:ext>
+            </a:extLst>
+          </p:cNvPr>
+          <p:cNvPicPr>
+            <a:picLocks noChangeAspect="1"/>
+          </p:cNvPicPr>
+          <p:nvPr/>
+        </p:nvPicPr>
+        <p:blipFill>
+          <a:blip r:embed="rId6"/>
+          <a:stretch>
+            <a:fillRect/>
+          </a:stretch>
+        </p:blipFill>
+        <p:spPr>
+          <a:xfrm>
+            <a:off x="794611" y="3371900"/>
+            <a:ext cx="7581900" cy="342900"/>
+          </a:xfrm>
+          <a:prstGeom prst="rect">
+            <a:avLst/>
+          </a:prstGeom>
+        </p:spPr>
+      </p:pic>
+      <p:pic>
+        <p:nvPicPr>
+          <p:cNvPr id="10" name="Picture 9">
+            <a:extLst>
+              <a:ext uri="{FF2B5EF4-FFF2-40B4-BE49-F238E27FC236}">
+                <a16:creationId xmlns:a16="http://schemas.microsoft.com/office/drawing/2014/main" id="{F58CF33A-820E-3F46-8BD4-32CBD1E76CA4}"/>
+              </a:ext>
+            </a:extLst>
+          </p:cNvPr>
+          <p:cNvPicPr>
+            <a:picLocks noChangeAspect="1"/>
+          </p:cNvPicPr>
+          <p:nvPr/>
+        </p:nvPicPr>
+        <p:blipFill>
+          <a:blip r:embed="rId7"/>
+          <a:stretch>
+            <a:fillRect/>
+          </a:stretch>
+        </p:blipFill>
+        <p:spPr>
+          <a:xfrm>
+            <a:off x="1112865" y="2404943"/>
+            <a:ext cx="6604000" cy="342900"/>
+          </a:xfrm>
+          <a:prstGeom prst="rect">
+            <a:avLst/>
+          </a:prstGeom>
+        </p:spPr>
+      </p:pic>
+      <p:pic>
+        <p:nvPicPr>
+          <p:cNvPr id="13" name="Picture 12">
+            <a:extLst>
+              <a:ext uri="{FF2B5EF4-FFF2-40B4-BE49-F238E27FC236}">
+                <a16:creationId xmlns:a16="http://schemas.microsoft.com/office/drawing/2014/main" id="{D32174B4-0A4B-B74A-A472-32BBCA7FA95C}"/>
+              </a:ext>
+            </a:extLst>
+          </p:cNvPr>
+          <p:cNvPicPr>
+            <a:picLocks noChangeAspect="1"/>
+          </p:cNvPicPr>
+          <p:nvPr/>
+        </p:nvPicPr>
+        <p:blipFill>
+          <a:blip r:embed="rId8"/>
+          <a:stretch>
+            <a:fillRect/>
+          </a:stretch>
+        </p:blipFill>
+        <p:spPr>
+          <a:xfrm>
+            <a:off x="858111" y="4383939"/>
+            <a:ext cx="7454900" cy="342900"/>
+          </a:xfrm>
+          <a:prstGeom prst="rect">
+            <a:avLst/>
+          </a:prstGeom>
+        </p:spPr>
+      </p:pic>
+    </p:spTree>
+    <p:extLst>
+      <p:ext uri="{BB962C8B-B14F-4D97-AF65-F5344CB8AC3E}">
+        <p14:creationId xmlns:p14="http://schemas.microsoft.com/office/powerpoint/2010/main" val="4010278027"/>
+      </p:ext>
+    </p:extLst>
+  </p:cSld>
+  <p:clrMapOvr>
+    <a:masterClrMapping/>
+  </p:clrMapOvr>
+  <p:timing>
+    <p:tnLst>
+      <p:par>
+        <p:cTn id="1" dur="indefinite" restart="never" nodeType="tmRoot">
+          <p:childTnLst>
+            <p:seq concurrent="1" nextAc="seek">
+              <p:cTn id="2" dur="indefinite" nodeType="mainSeq">
+                <p:childTnLst>
+                  <p:par>
+                    <p:cTn id="3" fill="hold">
+                      <p:stCondLst>
+                        <p:cond delay="indefinite"/>
+                      </p:stCondLst>
+                      <p:childTnLst>
+                        <p:par>
+                          <p:cTn id="4" fill="hold">
+                            <p:stCondLst>
+                              <p:cond delay="0"/>
+                            </p:stCondLst>
+                            <p:childTnLst>
+                              <p:par>
+                                <p:cTn id="5" presetID="1" presetClass="entr" presetSubtype="0" fill="hold" nodeType="clickEffect">
+                                  <p:stCondLst>
+                                    <p:cond delay="0"/>
+                                  </p:stCondLst>
+                                  <p:childTnLst>
+                                    <p:set>
+                                      <p:cBhvr>
+                                        <p:cTn id="6" dur="1" fill="hold">
+                                          <p:stCondLst>
+                                            <p:cond delay="0"/>
+                                          </p:stCondLst>
+                                        </p:cTn>
+                                        <p:tgtEl>
+                                          <p:spTgt spid="10"/>
+                                        </p:tgtEl>
+                                        <p:attrNameLst>
+                                          <p:attrName>style.visibility</p:attrName>
+                                        </p:attrNameLst>
+                                      </p:cBhvr>
+                                      <p:to>
+                                        <p:strVal val="visible"/>
+                                      </p:to>
+                                    </p:set>
+                                  </p:childTnLst>
+                                </p:cTn>
+                              </p:par>
+                            </p:childTnLst>
+                          </p:cTn>
+                        </p:par>
+                      </p:childTnLst>
+                    </p:cTn>
+                  </p:par>
+                  <p:par>
+                    <p:cTn id="7" fill="hold">
+                      <p:stCondLst>
+                        <p:cond delay="indefinite"/>
+                      </p:stCondLst>
+                      <p:childTnLst>
+                        <p:par>
+                          <p:cTn id="8" fill="hold">
+                            <p:stCondLst>
+                              <p:cond delay="0"/>
+                            </p:stCondLst>
+                            <p:childTnLst>
+                              <p:par>
+                                <p:cTn id="9" presetID="1" presetClass="entr" presetSubtype="0" fill="hold" nodeType="clickEffect">
+                                  <p:stCondLst>
+                                    <p:cond delay="0"/>
+                                  </p:stCondLst>
+                                  <p:childTnLst>
+                                    <p:set>
+                                      <p:cBhvr>
+                                        <p:cTn id="10" dur="1" fill="hold">
+                                          <p:stCondLst>
+                                            <p:cond delay="0"/>
+                                          </p:stCondLst>
+                                        </p:cTn>
+                                        <p:tgtEl>
+                                          <p:spTgt spid="9"/>
+                                        </p:tgtEl>
+                                        <p:attrNameLst>
+                                          <p:attrName>style.visibility</p:attrName>
+                                        </p:attrNameLst>
+                                      </p:cBhvr>
+                                      <p:to>
+                                        <p:strVal val="visible"/>
+                                      </p:to>
+                                    </p:set>
+                                  </p:childTnLst>
+                                </p:cTn>
+                              </p:par>
+                            </p:childTnLst>
+                          </p:cTn>
+                        </p:par>
+                      </p:childTnLst>
+                    </p:cTn>
+                  </p:par>
+                  <p:par>
+                    <p:cTn id="11" fill="hold">
+                      <p:stCondLst>
+                        <p:cond delay="indefinite"/>
+                      </p:stCondLst>
+                      <p:childTnLst>
+                        <p:par>
+                          <p:cTn id="12" fill="hold">
+                            <p:stCondLst>
+                              <p:cond delay="0"/>
+                            </p:stCondLst>
+                            <p:childTnLst>
+                              <p:par>
+                                <p:cTn id="13" presetID="1" presetClass="entr" presetSubtype="0" fill="hold" nodeType="clickEffect">
+                                  <p:stCondLst>
+                                    <p:cond delay="0"/>
+                                  </p:stCondLst>
+                                  <p:childTnLst>
+                                    <p:set>
+                                      <p:cBhvr>
+                                        <p:cTn id="14" dur="1" fill="hold">
+                                          <p:stCondLst>
+                                            <p:cond delay="0"/>
+                                          </p:stCondLst>
+                                        </p:cTn>
+                                        <p:tgtEl>
+                                          <p:spTgt spid="13"/>
+                                        </p:tgtEl>
+                                        <p:attrNameLst>
+                                          <p:attrName>style.visibility</p:attrName>
+                                        </p:attrNameLst>
+                                      </p:cBhvr>
+                                      <p:to>
+                                        <p:strVal val="visible"/>
+                                      </p:to>
+                                    </p:set>
+                                  </p:childTnLst>
+                                </p:cTn>
+                              </p:par>
+                            </p:childTnLst>
+                          </p:cTn>
+                        </p:par>
+                      </p:childTnLst>
+                    </p:cTn>
+                  </p:par>
+                </p:childTnLst>
+              </p:cTn>
+              <p:prevCondLst>
+                <p:cond evt="onPrev" delay="0">
+                  <p:tgtEl>
+                    <p:sldTgt/>
+                  </p:tgtEl>
+                </p:cond>
+              </p:prevCondLst>
+              <p:nextCondLst>
+                <p:cond evt="onNext" delay="0">
+                  <p:tgtEl>
+                    <p:sldTgt/>
+                  </p:tgtEl>
+                </p:cond>
+              </p:nextCondLst>
+            </p:seq>
+          </p:childTnLst>
+        </p:cTn>
+      </p:par>
+    </p:tnLst>
+  </p:timing>
+</p:sld>
+</file>
+
+<file path=ppt/slides/slide12.xml><?xml version="1.0" encoding="utf-8"?>
+<p:sld xmlns:a="http://schemas.openxmlformats.org/drawingml/2006/main" xmlns:r="http://schemas.openxmlformats.org/officeDocument/2006/relationships" xmlns:p="http://schemas.openxmlformats.org/presentationml/2006/main">
+  <p:cSld>
+    <p:spTree>
+      <p:nvGrpSpPr>
+        <p:cNvPr id="1" name=""/>
+        <p:cNvGrpSpPr/>
+        <p:nvPr/>
+      </p:nvGrpSpPr>
+      <p:grpSpPr>
+        <a:xfrm>
+          <a:off x="0" y="0"/>
+          <a:ext cx="0" cy="0"/>
+          <a:chOff x="0" y="0"/>
+          <a:chExt cx="0" cy="0"/>
+        </a:xfrm>
+      </p:grpSpPr>
+      <p:sp>
+        <p:nvSpPr>
+          <p:cNvPr id="5" name="Content Placeholder 4">
+            <a:extLst>
+              <a:ext uri="{FF2B5EF4-FFF2-40B4-BE49-F238E27FC236}">
+                <a16:creationId xmlns:a16="http://schemas.microsoft.com/office/drawing/2014/main" id="{0FE295BD-6CD2-6846-AF3A-CA0AE1986E1A}"/>
+              </a:ext>
+            </a:extLst>
+          </p:cNvPr>
+          <p:cNvSpPr>
+            <a:spLocks noGrp="1"/>
+          </p:cNvSpPr>
+          <p:nvPr>
+            <p:ph sz="quarter" idx="13"/>
+          </p:nvPr>
+        </p:nvSpPr>
+        <p:spPr>
+          <a:xfrm>
+            <a:off x="467481" y="1095555"/>
+            <a:ext cx="8206256" cy="4456159"/>
+          </a:xfrm>
+        </p:spPr>
+        <p:txBody>
+          <a:bodyPr/>
+          <a:lstStyle/>
+          <a:p>
+            <a:pPr marL="0" indent="0">
+              <a:buNone/>
+            </a:pPr>
+            <a:r>
+              <a:rPr lang="en-US" sz="2200" cap="none" dirty="0"/>
+              <a:t>In general, the sinusoids				   and  </a:t>
+            </a:r>
+          </a:p>
+          <a:p>
+            <a:pPr marL="0" indent="0">
+              <a:buNone/>
+            </a:pPr>
+            <a:endParaRPr lang="en-US" sz="2400" cap="none" dirty="0"/>
+          </a:p>
+          <a:p>
+            <a:pPr marL="0" indent="0">
+              <a:buNone/>
+            </a:pPr>
+            <a:r>
+              <a:rPr lang="en-US" sz="2400" dirty="0"/>
+              <a:t>has</a:t>
+            </a:r>
+            <a:endParaRPr lang="en-US" sz="2400" cap="none" dirty="0"/>
+          </a:p>
+          <a:p>
+            <a:pPr marL="0" indent="0">
+              <a:buNone/>
+            </a:pPr>
+            <a:endParaRPr lang="en-US" sz="2200" cap="none" dirty="0"/>
+          </a:p>
+          <a:p>
+            <a:pPr marL="0" indent="0">
+              <a:buNone/>
+            </a:pPr>
+            <a:endParaRPr lang="en-US" sz="2200" dirty="0"/>
+          </a:p>
+          <a:p>
+            <a:pPr marL="0" indent="0">
+              <a:buNone/>
+            </a:pPr>
+            <a:endParaRPr lang="en-US" sz="2200" cap="none" dirty="0"/>
+          </a:p>
+          <a:p>
+            <a:pPr marL="0" indent="0">
+              <a:buNone/>
+            </a:pPr>
+            <a:endParaRPr lang="en-US" sz="2200" cap="none" dirty="0"/>
+          </a:p>
+          <a:p>
+            <a:pPr marL="0" indent="0">
+              <a:buNone/>
+            </a:pPr>
+            <a:r>
+              <a:rPr lang="en-US" sz="2200" dirty="0"/>
+              <a:t>Note: For simplicity, we'll ignore the phase of the sinusoids although the phase is an important attribute in digital audio/signal processing.  Here's the full sinusoid with phase "phi":</a:t>
+            </a:r>
+          </a:p>
+          <a:p>
+            <a:pPr marL="0" indent="0">
+              <a:buNone/>
+            </a:pPr>
+            <a:endParaRPr lang="en-US" sz="2200" cap="none" dirty="0"/>
+          </a:p>
+          <a:p>
+            <a:pPr marL="0" indent="0">
+              <a:buNone/>
+            </a:pPr>
+            <a:endParaRPr lang="en-US" sz="2400" cap="none" dirty="0"/>
+          </a:p>
+          <a:p>
+            <a:pPr marL="0" indent="0">
+              <a:buNone/>
+            </a:pPr>
+            <a:endParaRPr lang="en-US" sz="2400" cap="none" dirty="0"/>
+          </a:p>
+          <a:p>
+            <a:pPr marL="0" indent="0">
+              <a:buNone/>
+            </a:pPr>
+            <a:r>
+              <a:rPr lang="en-US" sz="2400" cap="none" dirty="0"/>
+              <a:t>					 </a:t>
+            </a:r>
+          </a:p>
+          <a:p>
+            <a:pPr marL="0" indent="0">
+              <a:buNone/>
+            </a:pPr>
+            <a:endParaRPr lang="en-US" sz="2400" cap="none" dirty="0"/>
+          </a:p>
+          <a:p>
+            <a:pPr marL="0" indent="0">
+              <a:buNone/>
+            </a:pPr>
+            <a:endParaRPr lang="en-US" sz="2400" cap="none" dirty="0"/>
+          </a:p>
+          <a:p>
+            <a:pPr marL="0" indent="0">
+              <a:buNone/>
+            </a:pPr>
+            <a:endParaRPr lang="en-US" sz="2400" cap="none" dirty="0"/>
+          </a:p>
+          <a:p>
+            <a:pPr marL="0" indent="0">
+              <a:buNone/>
+            </a:pPr>
+            <a:endParaRPr lang="en-US" sz="2400" cap="none" dirty="0"/>
+          </a:p>
+          <a:p>
+            <a:pPr marL="0" indent="0">
+              <a:buNone/>
+            </a:pPr>
+            <a:endParaRPr lang="en-US" sz="2400" cap="none" dirty="0"/>
+          </a:p>
+          <a:p>
+            <a:pPr marL="0" indent="0">
+              <a:buNone/>
+            </a:pPr>
+            <a:endParaRPr lang="en-US" sz="2400" cap="none" dirty="0"/>
+          </a:p>
+        </p:txBody>
+      </p:sp>
+      <p:sp>
+        <p:nvSpPr>
+          <p:cNvPr id="2" name="Title 1">
+            <a:extLst>
+              <a:ext uri="{FF2B5EF4-FFF2-40B4-BE49-F238E27FC236}">
+                <a16:creationId xmlns:a16="http://schemas.microsoft.com/office/drawing/2014/main" id="{EDE419EF-0E46-9E4D-8C75-4293CAE61F27}"/>
+              </a:ext>
+            </a:extLst>
+          </p:cNvPr>
+          <p:cNvSpPr>
+            <a:spLocks noGrp="1"/>
+          </p:cNvSpPr>
+          <p:nvPr>
+            <p:ph type="title"/>
+          </p:nvPr>
+        </p:nvSpPr>
+        <p:spPr>
+          <a:xfrm>
+            <a:off x="624264" y="426416"/>
+            <a:ext cx="7922594" cy="669139"/>
+          </a:xfrm>
+        </p:spPr>
+        <p:txBody>
+          <a:bodyPr/>
+          <a:lstStyle/>
+          <a:p>
+            <a:pPr algn="l"/>
+            <a:r>
+              <a:rPr lang="en-US" cap="none" dirty="0"/>
+              <a:t>Real Sinusoids</a:t>
+            </a:r>
+          </a:p>
+        </p:txBody>
+      </p:sp>
+      <p:pic>
+        <p:nvPicPr>
+          <p:cNvPr id="12" name="Picture 11">
+            <a:extLst>
+              <a:ext uri="{FF2B5EF4-FFF2-40B4-BE49-F238E27FC236}">
+                <a16:creationId xmlns:a16="http://schemas.microsoft.com/office/drawing/2014/main" id="{08383E22-FB1C-D745-A437-4DA16967490A}"/>
+              </a:ext>
+            </a:extLst>
+          </p:cNvPr>
+          <p:cNvPicPr>
+            <a:picLocks noChangeAspect="1"/>
+          </p:cNvPicPr>
+          <p:nvPr/>
+        </p:nvPicPr>
+        <p:blipFill>
+          <a:blip r:embed="rId3"/>
+          <a:stretch>
+            <a:fillRect/>
+          </a:stretch>
+        </p:blipFill>
+        <p:spPr>
+          <a:xfrm>
+            <a:off x="583036" y="2499350"/>
+            <a:ext cx="3530600" cy="800100"/>
+          </a:xfrm>
+          <a:prstGeom prst="rect">
+            <a:avLst/>
+          </a:prstGeom>
+        </p:spPr>
+      </p:pic>
+      <p:pic>
+        <p:nvPicPr>
+          <p:cNvPr id="17" name="Picture 16">
+            <a:extLst>
+              <a:ext uri="{FF2B5EF4-FFF2-40B4-BE49-F238E27FC236}">
+                <a16:creationId xmlns:a16="http://schemas.microsoft.com/office/drawing/2014/main" id="{EA0B9056-0D2C-7943-B079-1A13BF02322D}"/>
+              </a:ext>
+            </a:extLst>
+          </p:cNvPr>
+          <p:cNvPicPr>
+            <a:picLocks noChangeAspect="1"/>
+          </p:cNvPicPr>
+          <p:nvPr/>
+        </p:nvPicPr>
+        <p:blipFill>
+          <a:blip r:embed="rId4"/>
+          <a:stretch>
+            <a:fillRect/>
+          </a:stretch>
+        </p:blipFill>
+        <p:spPr>
+          <a:xfrm>
+            <a:off x="1155407" y="1984453"/>
+            <a:ext cx="2286000" cy="317500"/>
+          </a:xfrm>
+          <a:prstGeom prst="rect">
+            <a:avLst/>
+          </a:prstGeom>
+        </p:spPr>
+      </p:pic>
+      <p:pic>
+        <p:nvPicPr>
+          <p:cNvPr id="6" name="Picture 5">
+            <a:extLst>
+              <a:ext uri="{FF2B5EF4-FFF2-40B4-BE49-F238E27FC236}">
+                <a16:creationId xmlns:a16="http://schemas.microsoft.com/office/drawing/2014/main" id="{CCCC1A55-C5EA-8743-85A0-1FC2A23A0B14}"/>
+              </a:ext>
+            </a:extLst>
+          </p:cNvPr>
+          <p:cNvPicPr>
+            <a:picLocks noChangeAspect="1"/>
+          </p:cNvPicPr>
+          <p:nvPr/>
+        </p:nvPicPr>
+        <p:blipFill>
+          <a:blip r:embed="rId5"/>
+          <a:stretch>
+            <a:fillRect/>
+          </a:stretch>
+        </p:blipFill>
+        <p:spPr>
+          <a:xfrm>
+            <a:off x="3664052" y="1993187"/>
+            <a:ext cx="3086100" cy="304800"/>
+          </a:xfrm>
+          <a:prstGeom prst="rect">
+            <a:avLst/>
+          </a:prstGeom>
+        </p:spPr>
+      </p:pic>
+      <p:pic>
+        <p:nvPicPr>
+          <p:cNvPr id="4" name="Picture 3">
+            <a:extLst>
+              <a:ext uri="{FF2B5EF4-FFF2-40B4-BE49-F238E27FC236}">
+                <a16:creationId xmlns:a16="http://schemas.microsoft.com/office/drawing/2014/main" id="{8BB19512-B1A8-B442-8170-31E17570D1F4}"/>
+              </a:ext>
+            </a:extLst>
+          </p:cNvPr>
+          <p:cNvPicPr>
+            <a:picLocks noChangeAspect="1"/>
+          </p:cNvPicPr>
+          <p:nvPr/>
+        </p:nvPicPr>
+        <p:blipFill>
+          <a:blip r:embed="rId6"/>
+          <a:stretch>
+            <a:fillRect/>
+          </a:stretch>
+        </p:blipFill>
+        <p:spPr>
+          <a:xfrm>
+            <a:off x="3377410" y="1111517"/>
+            <a:ext cx="2108662" cy="333421"/>
+          </a:xfrm>
+          <a:prstGeom prst="rect">
+            <a:avLst/>
+          </a:prstGeom>
+        </p:spPr>
+      </p:pic>
+      <p:pic>
+        <p:nvPicPr>
+          <p:cNvPr id="7" name="Picture 6">
+            <a:extLst>
+              <a:ext uri="{FF2B5EF4-FFF2-40B4-BE49-F238E27FC236}">
+                <a16:creationId xmlns:a16="http://schemas.microsoft.com/office/drawing/2014/main" id="{ED5D7DCB-74F8-4C4A-9AE0-23EB74526FEA}"/>
+              </a:ext>
+            </a:extLst>
+          </p:cNvPr>
+          <p:cNvPicPr>
+            <a:picLocks noChangeAspect="1"/>
+          </p:cNvPicPr>
+          <p:nvPr/>
+        </p:nvPicPr>
+        <p:blipFill>
+          <a:blip r:embed="rId7"/>
+          <a:stretch>
+            <a:fillRect/>
+          </a:stretch>
+        </p:blipFill>
+        <p:spPr>
+          <a:xfrm>
+            <a:off x="6199291" y="1097714"/>
+            <a:ext cx="2108662" cy="327817"/>
+          </a:xfrm>
+          <a:prstGeom prst="rect">
+            <a:avLst/>
+          </a:prstGeom>
+        </p:spPr>
+      </p:pic>
+      <p:pic>
+        <p:nvPicPr>
+          <p:cNvPr id="8" name="Picture 7">
+            <a:extLst>
+              <a:ext uri="{FF2B5EF4-FFF2-40B4-BE49-F238E27FC236}">
+                <a16:creationId xmlns:a16="http://schemas.microsoft.com/office/drawing/2014/main" id="{E034E86E-FB70-704E-A0BC-4CB261EF4DFF}"/>
+              </a:ext>
+            </a:extLst>
+          </p:cNvPr>
+          <p:cNvPicPr>
+            <a:picLocks noChangeAspect="1"/>
+          </p:cNvPicPr>
+          <p:nvPr/>
+        </p:nvPicPr>
+        <p:blipFill>
+          <a:blip r:embed="rId8"/>
+          <a:stretch>
+            <a:fillRect/>
+          </a:stretch>
+        </p:blipFill>
+        <p:spPr>
+          <a:xfrm>
+            <a:off x="2710337" y="4941279"/>
+            <a:ext cx="2806598" cy="347305"/>
+          </a:xfrm>
+          <a:prstGeom prst="rect">
+            <a:avLst/>
+          </a:prstGeom>
+        </p:spPr>
+      </p:pic>
+    </p:spTree>
+    <p:extLst>
+      <p:ext uri="{BB962C8B-B14F-4D97-AF65-F5344CB8AC3E}">
+        <p14:creationId xmlns:p14="http://schemas.microsoft.com/office/powerpoint/2010/main" val="3456962804"/>
+      </p:ext>
+    </p:extLst>
+  </p:cSld>
+  <p:clrMapOvr>
+    <a:masterClrMapping/>
+  </p:clrMapOvr>
+  <p:timing>
+    <p:tnLst>
+      <p:par>
+        <p:cTn id="1" dur="indefinite" restart="never" nodeType="tmRoot">
+          <p:childTnLst>
+            <p:seq concurrent="1" nextAc="seek">
+              <p:cTn id="2" dur="indefinite" nodeType="mainSeq">
+                <p:childTnLst>
+                  <p:par>
+                    <p:cTn id="3" fill="hold">
+                      <p:stCondLst>
+                        <p:cond delay="indefinite"/>
+                      </p:stCondLst>
+                      <p:childTnLst>
+                        <p:par>
+                          <p:cTn id="4" fill="hold">
+                            <p:stCondLst>
+                              <p:cond delay="0"/>
+                            </p:stCondLst>
+                            <p:childTnLst>
+                              <p:par>
+                                <p:cTn id="5" presetID="1" presetClass="entr" presetSubtype="0" fill="hold" nodeType="clickEffect">
+                                  <p:stCondLst>
+                                    <p:cond delay="0"/>
+                                  </p:stCondLst>
+                                  <p:childTnLst>
+                                    <p:set>
+                                      <p:cBhvr>
+                                        <p:cTn id="6" dur="1" fill="hold">
+                                          <p:stCondLst>
+                                            <p:cond delay="0"/>
+                                          </p:stCondLst>
+                                        </p:cTn>
+                                        <p:tgtEl>
+                                          <p:spTgt spid="17"/>
+                                        </p:tgtEl>
+                                        <p:attrNameLst>
+                                          <p:attrName>style.visibility</p:attrName>
+                                        </p:attrNameLst>
+                                      </p:cBhvr>
+                                      <p:to>
+                                        <p:strVal val="visible"/>
+                                      </p:to>
+                                    </p:set>
+                                  </p:childTnLst>
+                                </p:cTn>
+                              </p:par>
+                            </p:childTnLst>
+                          </p:cTn>
+                        </p:par>
+                      </p:childTnLst>
+                    </p:cTn>
+                  </p:par>
+                  <p:par>
+                    <p:cTn id="7" fill="hold">
+                      <p:stCondLst>
+                        <p:cond delay="indefinite"/>
+                      </p:stCondLst>
+                      <p:childTnLst>
+                        <p:par>
+                          <p:cTn id="8" fill="hold">
+                            <p:stCondLst>
+                              <p:cond delay="0"/>
+                            </p:stCondLst>
+                            <p:childTnLst>
+                              <p:par>
+                                <p:cTn id="9" presetID="1" presetClass="entr" presetSubtype="0" fill="hold" nodeType="clickEffect">
+                                  <p:stCondLst>
+                                    <p:cond delay="0"/>
+                                  </p:stCondLst>
+                                  <p:childTnLst>
+                                    <p:set>
+                                      <p:cBhvr>
+                                        <p:cTn id="10" dur="1" fill="hold">
+                                          <p:stCondLst>
+                                            <p:cond delay="0"/>
+                                          </p:stCondLst>
+                                        </p:cTn>
+                                        <p:tgtEl>
+                                          <p:spTgt spid="6"/>
+                                        </p:tgtEl>
+                                        <p:attrNameLst>
+                                          <p:attrName>style.visibility</p:attrName>
+                                        </p:attrNameLst>
+                                      </p:cBhvr>
+                                      <p:to>
+                                        <p:strVal val="visible"/>
+                                      </p:to>
+                                    </p:set>
+                                  </p:childTnLst>
+                                </p:cTn>
+                              </p:par>
+                            </p:childTnLst>
+                          </p:cTn>
+                        </p:par>
+                      </p:childTnLst>
+                    </p:cTn>
+                  </p:par>
+                  <p:par>
+                    <p:cTn id="11" fill="hold">
+                      <p:stCondLst>
+                        <p:cond delay="indefinite"/>
+                      </p:stCondLst>
+                      <p:childTnLst>
+                        <p:par>
+                          <p:cTn id="12" fill="hold">
+                            <p:stCondLst>
+                              <p:cond delay="0"/>
+                            </p:stCondLst>
+                            <p:childTnLst>
+                              <p:par>
+                                <p:cTn id="13" presetID="1" presetClass="entr" presetSubtype="0" fill="hold" nodeType="clickEffect">
+                                  <p:stCondLst>
+                                    <p:cond delay="0"/>
+                                  </p:stCondLst>
+                                  <p:childTnLst>
+                                    <p:set>
+                                      <p:cBhvr>
+                                        <p:cTn id="14" dur="1" fill="hold">
+                                          <p:stCondLst>
+                                            <p:cond delay="0"/>
+                                          </p:stCondLst>
+                                        </p:cTn>
+                                        <p:tgtEl>
+                                          <p:spTgt spid="12"/>
+                                        </p:tgtEl>
+                                        <p:attrNameLst>
+                                          <p:attrName>style.visibility</p:attrName>
+                                        </p:attrNameLst>
+                                      </p:cBhvr>
+                                      <p:to>
+                                        <p:strVal val="visible"/>
+                                      </p:to>
+                                    </p:set>
+                                  </p:childTnLst>
+                                </p:cTn>
+                              </p:par>
+                            </p:childTnLst>
+                          </p:cTn>
+                        </p:par>
+                      </p:childTnLst>
+                    </p:cTn>
+                  </p:par>
+                  <p:par>
+                    <p:cTn id="15" fill="hold">
+                      <p:stCondLst>
+                        <p:cond delay="indefinite"/>
+                      </p:stCondLst>
+                      <p:childTnLst>
+                        <p:par>
+                          <p:cTn id="16" fill="hold">
+                            <p:stCondLst>
+                              <p:cond delay="0"/>
+                            </p:stCondLst>
+                            <p:childTnLst>
+                              <p:par>
+                                <p:cTn id="17" presetID="1" presetClass="entr" presetSubtype="0" fill="hold" nodeType="clickEffect">
+                                  <p:stCondLst>
+                                    <p:cond delay="0"/>
+                                  </p:stCondLst>
+                                  <p:childTnLst>
+                                    <p:set>
+                                      <p:cBhvr>
+                                        <p:cTn id="18" dur="1" fill="hold">
+                                          <p:stCondLst>
+                                            <p:cond delay="0"/>
+                                          </p:stCondLst>
+                                        </p:cTn>
+                                        <p:tgtEl>
+                                          <p:spTgt spid="5">
+                                            <p:txEl>
+                                              <p:pRg st="7" end="7"/>
+                                            </p:txEl>
+                                          </p:spTgt>
+                                        </p:tgtEl>
+                                        <p:attrNameLst>
+                                          <p:attrName>style.visibility</p:attrName>
+                                        </p:attrNameLst>
+                                      </p:cBhvr>
+                                      <p:to>
+                                        <p:strVal val="visible"/>
+                                      </p:to>
+                                    </p:set>
+                                  </p:childTnLst>
+                                </p:cTn>
+                              </p:par>
+                            </p:childTnLst>
+                          </p:cTn>
+                        </p:par>
+                      </p:childTnLst>
+                    </p:cTn>
+                  </p:par>
+                  <p:par>
+                    <p:cTn id="19" fill="hold">
+                      <p:stCondLst>
+                        <p:cond delay="indefinite"/>
+                      </p:stCondLst>
+                      <p:childTnLst>
+                        <p:par>
+                          <p:cTn id="20" fill="hold">
+                            <p:stCondLst>
+                              <p:cond delay="0"/>
+                            </p:stCondLst>
+                            <p:childTnLst>
+                              <p:par>
+                                <p:cTn id="21" presetID="1" presetClass="entr" presetSubtype="0" fill="hold" nodeType="clickEffect">
+                                  <p:stCondLst>
+                                    <p:cond delay="0"/>
+                                  </p:stCondLst>
+                                  <p:childTnLst>
+                                    <p:set>
+                                      <p:cBhvr>
+                                        <p:cTn id="22" dur="1" fill="hold">
+                                          <p:stCondLst>
+                                            <p:cond delay="0"/>
+                                          </p:stCondLst>
+                                        </p:cTn>
+                                        <p:tgtEl>
+                                          <p:spTgt spid="8"/>
+                                        </p:tgtEl>
+                                        <p:attrNameLst>
+                                          <p:attrName>style.visibility</p:attrName>
+                                        </p:attrNameLst>
+                                      </p:cBhvr>
+                                      <p:to>
+                                        <p:strVal val="visible"/>
+                                      </p:to>
+                                    </p:set>
+                                  </p:childTnLst>
+                                </p:cTn>
+                              </p:par>
+                            </p:childTnLst>
+                          </p:cTn>
+                        </p:par>
+                      </p:childTnLst>
+                    </p:cTn>
+                  </p:par>
+                </p:childTnLst>
+              </p:cTn>
+              <p:prevCondLst>
+                <p:cond evt="onPrev" delay="0">
+                  <p:tgtEl>
+                    <p:sldTgt/>
+                  </p:tgtEl>
+                </p:cond>
+              </p:prevCondLst>
+              <p:nextCondLst>
+                <p:cond evt="onNext" delay="0">
+                  <p:tgtEl>
+                    <p:sldTgt/>
+                  </p:tgtEl>
+                </p:cond>
+              </p:nextCondLst>
+            </p:seq>
+          </p:childTnLst>
+        </p:cTn>
+      </p:par>
+    </p:tnLst>
+  </p:timing>
+</p:sld>
+</file>
+
+<file path=ppt/slides/slide13.xml><?xml version="1.0" encoding="utf-8"?>
+<p:sld xmlns:a="http://schemas.openxmlformats.org/drawingml/2006/main" xmlns:r="http://schemas.openxmlformats.org/officeDocument/2006/relationships" xmlns:p="http://schemas.openxmlformats.org/presentationml/2006/main">
+  <p:cSld>
+    <p:spTree>
+      <p:nvGrpSpPr>
+        <p:cNvPr id="1" name=""/>
+        <p:cNvGrpSpPr/>
+        <p:nvPr/>
+      </p:nvGrpSpPr>
+      <p:grpSpPr>
+        <a:xfrm>
+          <a:off x="0" y="0"/>
+          <a:ext cx="0" cy="0"/>
+          <a:chOff x="0" y="0"/>
+          <a:chExt cx="0" cy="0"/>
+        </a:xfrm>
+      </p:grpSpPr>
+      <p:sp>
+        <p:nvSpPr>
+          <p:cNvPr id="2" name="Title 1">
+            <a:extLst>
+              <a:ext uri="{FF2B5EF4-FFF2-40B4-BE49-F238E27FC236}">
+                <a16:creationId xmlns:a16="http://schemas.microsoft.com/office/drawing/2014/main" id="{EDE419EF-0E46-9E4D-8C75-4293CAE61F27}"/>
+              </a:ext>
+            </a:extLst>
+          </p:cNvPr>
+          <p:cNvSpPr>
+            <a:spLocks noGrp="1"/>
+          </p:cNvSpPr>
+          <p:nvPr>
+            <p:ph type="title"/>
+          </p:nvPr>
+        </p:nvSpPr>
+        <p:spPr>
+          <a:xfrm>
+            <a:off x="624264" y="426416"/>
+            <a:ext cx="7922594" cy="669139"/>
+          </a:xfrm>
+        </p:spPr>
+        <p:txBody>
+          <a:bodyPr/>
+          <a:lstStyle/>
+          <a:p>
+            <a:pPr algn="l"/>
+            <a:r>
+              <a:rPr lang="en-US" cap="none" dirty="0"/>
               <a:t>An Example </a:t>
             </a:r>
           </a:p>
@@ -8955,7 +10303,7 @@
 </p:sld>
 </file>
 
-<file path=ppt/slides/slide11.xml><?xml version="1.0" encoding="utf-8"?>
+<file path=ppt/slides/slide14.xml><?xml version="1.0" encoding="utf-8"?>
 <p:sld xmlns:a="http://schemas.openxmlformats.org/drawingml/2006/main" xmlns:r="http://schemas.openxmlformats.org/officeDocument/2006/relationships" xmlns:p="http://schemas.openxmlformats.org/presentationml/2006/main">
   <p:cSld>
     <p:spTree>
@@ -9428,7 +10776,7 @@
         </p:blipFill>
         <p:spPr>
           <a:xfrm>
-            <a:off x="5142730" y="2375325"/>
+            <a:off x="4988619" y="2971225"/>
             <a:ext cx="3867706" cy="2244120"/>
           </a:xfrm>
           <a:prstGeom prst="rect">
@@ -9436,6 +10784,133 @@
           </a:prstGeom>
         </p:spPr>
       </p:pic>
+      <p:sp>
+        <p:nvSpPr>
+          <p:cNvPr id="5" name="TextBox 4">
+            <a:extLst>
+              <a:ext uri="{FF2B5EF4-FFF2-40B4-BE49-F238E27FC236}">
+                <a16:creationId xmlns:a16="http://schemas.microsoft.com/office/drawing/2014/main" id="{1073AB78-8FF2-BA4B-824C-08253509C06E}"/>
+              </a:ext>
+            </a:extLst>
+          </p:cNvPr>
+          <p:cNvSpPr txBox="1"/>
+          <p:nvPr/>
+        </p:nvSpPr>
+        <p:spPr>
+          <a:xfrm>
+            <a:off x="5496673" y="1807111"/>
+            <a:ext cx="2496621" cy="646331"/>
+          </a:xfrm>
+          <a:prstGeom prst="rect">
+            <a:avLst/>
+          </a:prstGeom>
+          <a:noFill/>
+        </p:spPr>
+        <p:txBody>
+          <a:bodyPr wrap="square" rtlCol="0">
+            <a:spAutoFit/>
+          </a:bodyPr>
+          <a:lstStyle/>
+          <a:p>
+            <a:r>
+              <a:rPr lang="en-US" sz="1800" dirty="0">
+                <a:solidFill>
+                  <a:srgbClr val="FF0000"/>
+                </a:solidFill>
+              </a:rPr>
+              <a:t>The five points include the two endpoints.</a:t>
+            </a:r>
+          </a:p>
+        </p:txBody>
+      </p:sp>
+      <p:cxnSp>
+        <p:nvCxnSpPr>
+          <p:cNvPr id="8" name="Straight Arrow Connector 7">
+            <a:extLst>
+              <a:ext uri="{FF2B5EF4-FFF2-40B4-BE49-F238E27FC236}">
+                <a16:creationId xmlns:a16="http://schemas.microsoft.com/office/drawing/2014/main" id="{265269F9-4090-594A-A269-2E06136C24DD}"/>
+              </a:ext>
+            </a:extLst>
+          </p:cNvPr>
+          <p:cNvCxnSpPr>
+            <a:cxnSpLocks/>
+          </p:cNvCxnSpPr>
+          <p:nvPr/>
+        </p:nvCxnSpPr>
+        <p:spPr>
+          <a:xfrm flipH="1">
+            <a:off x="5610386" y="2647919"/>
+            <a:ext cx="827365" cy="1206342"/>
+          </a:xfrm>
+          <a:prstGeom prst="straightConnector1">
+            <a:avLst/>
+          </a:prstGeom>
+          <a:ln w="25400">
+            <a:solidFill>
+              <a:schemeClr val="tx1"/>
+            </a:solidFill>
+            <a:tailEnd type="triangle"/>
+          </a:ln>
+        </p:spPr>
+        <p:style>
+          <a:lnRef idx="1">
+            <a:schemeClr val="accent1"/>
+          </a:lnRef>
+          <a:fillRef idx="0">
+            <a:schemeClr val="accent1"/>
+          </a:fillRef>
+          <a:effectRef idx="0">
+            <a:schemeClr val="accent1"/>
+          </a:effectRef>
+          <a:fontRef idx="minor">
+            <a:schemeClr val="tx1"/>
+          </a:fontRef>
+        </p:style>
+      </p:cxnSp>
+      <p:cxnSp>
+        <p:nvCxnSpPr>
+          <p:cNvPr id="10" name="Straight Arrow Connector 9">
+            <a:extLst>
+              <a:ext uri="{FF2B5EF4-FFF2-40B4-BE49-F238E27FC236}">
+                <a16:creationId xmlns:a16="http://schemas.microsoft.com/office/drawing/2014/main" id="{6E12AF68-73EB-D140-BDD3-2E7CACC989BC}"/>
+              </a:ext>
+            </a:extLst>
+          </p:cNvPr>
+          <p:cNvCxnSpPr>
+            <a:cxnSpLocks/>
+          </p:cNvCxnSpPr>
+          <p:nvPr/>
+        </p:nvCxnSpPr>
+        <p:spPr>
+          <a:xfrm>
+            <a:off x="6744983" y="2493176"/>
+            <a:ext cx="1326561" cy="1361085"/>
+          </a:xfrm>
+          <a:prstGeom prst="straightConnector1">
+            <a:avLst/>
+          </a:prstGeom>
+          <a:ln w="25400">
+            <a:solidFill>
+              <a:schemeClr val="tx1"/>
+            </a:solidFill>
+            <a:tailEnd type="triangle"/>
+          </a:ln>
+        </p:spPr>
+        <p:style>
+          <a:lnRef idx="1">
+            <a:schemeClr val="accent1"/>
+          </a:lnRef>
+          <a:fillRef idx="0">
+            <a:schemeClr val="accent1"/>
+          </a:fillRef>
+          <a:effectRef idx="0">
+            <a:schemeClr val="accent1"/>
+          </a:effectRef>
+          <a:fontRef idx="minor">
+            <a:schemeClr val="tx1"/>
+          </a:fontRef>
+        </p:style>
+      </p:cxnSp>
     </p:spTree>
     <p:extLst>
       <p:ext uri="{BB962C8B-B14F-4D97-AF65-F5344CB8AC3E}">
@@ -9446,10 +10921,502 @@
   <p:clrMapOvr>
     <a:masterClrMapping/>
   </p:clrMapOvr>
+  <p:timing>
+    <p:tnLst>
+      <p:par>
+        <p:cTn id="1" dur="indefinite" restart="never" nodeType="tmRoot">
+          <p:childTnLst>
+            <p:seq concurrent="1" nextAc="seek">
+              <p:cTn id="2" dur="indefinite" nodeType="mainSeq">
+                <p:childTnLst>
+                  <p:par>
+                    <p:cTn id="3" fill="hold">
+                      <p:stCondLst>
+                        <p:cond delay="indefinite"/>
+                      </p:stCondLst>
+                      <p:childTnLst>
+                        <p:par>
+                          <p:cTn id="4" fill="hold">
+                            <p:stCondLst>
+                              <p:cond delay="0"/>
+                            </p:stCondLst>
+                            <p:childTnLst>
+                              <p:par>
+                                <p:cTn id="5" presetID="1" presetClass="entr" presetSubtype="0" fill="hold" nodeType="clickEffect">
+                                  <p:stCondLst>
+                                    <p:cond delay="0"/>
+                                  </p:stCondLst>
+                                  <p:childTnLst>
+                                    <p:set>
+                                      <p:cBhvr>
+                                        <p:cTn id="6" dur="1" fill="hold">
+                                          <p:stCondLst>
+                                            <p:cond delay="0"/>
+                                          </p:stCondLst>
+                                        </p:cTn>
+                                        <p:tgtEl>
+                                          <p:spTgt spid="4">
+                                            <p:txEl>
+                                              <p:pRg st="3" end="3"/>
+                                            </p:txEl>
+                                          </p:spTgt>
+                                        </p:tgtEl>
+                                        <p:attrNameLst>
+                                          <p:attrName>style.visibility</p:attrName>
+                                        </p:attrNameLst>
+                                      </p:cBhvr>
+                                      <p:to>
+                                        <p:strVal val="visible"/>
+                                      </p:to>
+                                    </p:set>
+                                  </p:childTnLst>
+                                </p:cTn>
+                              </p:par>
+                              <p:par>
+                                <p:cTn id="7" presetID="1" presetClass="entr" presetSubtype="0" fill="hold" nodeType="withEffect">
+                                  <p:stCondLst>
+                                    <p:cond delay="0"/>
+                                  </p:stCondLst>
+                                  <p:childTnLst>
+                                    <p:set>
+                                      <p:cBhvr>
+                                        <p:cTn id="8" dur="1" fill="hold">
+                                          <p:stCondLst>
+                                            <p:cond delay="0"/>
+                                          </p:stCondLst>
+                                        </p:cTn>
+                                        <p:tgtEl>
+                                          <p:spTgt spid="4">
+                                            <p:txEl>
+                                              <p:pRg st="4" end="4"/>
+                                            </p:txEl>
+                                          </p:spTgt>
+                                        </p:tgtEl>
+                                        <p:attrNameLst>
+                                          <p:attrName>style.visibility</p:attrName>
+                                        </p:attrNameLst>
+                                      </p:cBhvr>
+                                      <p:to>
+                                        <p:strVal val="visible"/>
+                                      </p:to>
+                                    </p:set>
+                                  </p:childTnLst>
+                                </p:cTn>
+                              </p:par>
+                              <p:par>
+                                <p:cTn id="9" presetID="1" presetClass="entr" presetSubtype="0" fill="hold" nodeType="withEffect">
+                                  <p:stCondLst>
+                                    <p:cond delay="0"/>
+                                  </p:stCondLst>
+                                  <p:childTnLst>
+                                    <p:set>
+                                      <p:cBhvr>
+                                        <p:cTn id="10" dur="1" fill="hold">
+                                          <p:stCondLst>
+                                            <p:cond delay="0"/>
+                                          </p:stCondLst>
+                                        </p:cTn>
+                                        <p:tgtEl>
+                                          <p:spTgt spid="4">
+                                            <p:txEl>
+                                              <p:pRg st="5" end="5"/>
+                                            </p:txEl>
+                                          </p:spTgt>
+                                        </p:tgtEl>
+                                        <p:attrNameLst>
+                                          <p:attrName>style.visibility</p:attrName>
+                                        </p:attrNameLst>
+                                      </p:cBhvr>
+                                      <p:to>
+                                        <p:strVal val="visible"/>
+                                      </p:to>
+                                    </p:set>
+                                  </p:childTnLst>
+                                </p:cTn>
+                              </p:par>
+                              <p:par>
+                                <p:cTn id="11" presetID="1" presetClass="entr" presetSubtype="0" fill="hold" nodeType="withEffect">
+                                  <p:stCondLst>
+                                    <p:cond delay="0"/>
+                                  </p:stCondLst>
+                                  <p:childTnLst>
+                                    <p:set>
+                                      <p:cBhvr>
+                                        <p:cTn id="12" dur="1" fill="hold">
+                                          <p:stCondLst>
+                                            <p:cond delay="0"/>
+                                          </p:stCondLst>
+                                        </p:cTn>
+                                        <p:tgtEl>
+                                          <p:spTgt spid="4">
+                                            <p:txEl>
+                                              <p:pRg st="6" end="6"/>
+                                            </p:txEl>
+                                          </p:spTgt>
+                                        </p:tgtEl>
+                                        <p:attrNameLst>
+                                          <p:attrName>style.visibility</p:attrName>
+                                        </p:attrNameLst>
+                                      </p:cBhvr>
+                                      <p:to>
+                                        <p:strVal val="visible"/>
+                                      </p:to>
+                                    </p:set>
+                                  </p:childTnLst>
+                                </p:cTn>
+                              </p:par>
+                            </p:childTnLst>
+                          </p:cTn>
+                        </p:par>
+                      </p:childTnLst>
+                    </p:cTn>
+                  </p:par>
+                  <p:par>
+                    <p:cTn id="13" fill="hold">
+                      <p:stCondLst>
+                        <p:cond delay="indefinite"/>
+                      </p:stCondLst>
+                      <p:childTnLst>
+                        <p:par>
+                          <p:cTn id="14" fill="hold">
+                            <p:stCondLst>
+                              <p:cond delay="0"/>
+                            </p:stCondLst>
+                            <p:childTnLst>
+                              <p:par>
+                                <p:cTn id="15" presetID="1" presetClass="entr" presetSubtype="0" fill="hold" nodeType="clickEffect">
+                                  <p:stCondLst>
+                                    <p:cond delay="0"/>
+                                  </p:stCondLst>
+                                  <p:childTnLst>
+                                    <p:set>
+                                      <p:cBhvr>
+                                        <p:cTn id="16" dur="1" fill="hold">
+                                          <p:stCondLst>
+                                            <p:cond delay="0"/>
+                                          </p:stCondLst>
+                                        </p:cTn>
+                                        <p:tgtEl>
+                                          <p:spTgt spid="4">
+                                            <p:txEl>
+                                              <p:pRg st="7" end="7"/>
+                                            </p:txEl>
+                                          </p:spTgt>
+                                        </p:tgtEl>
+                                        <p:attrNameLst>
+                                          <p:attrName>style.visibility</p:attrName>
+                                        </p:attrNameLst>
+                                      </p:cBhvr>
+                                      <p:to>
+                                        <p:strVal val="visible"/>
+                                      </p:to>
+                                    </p:set>
+                                  </p:childTnLst>
+                                </p:cTn>
+                              </p:par>
+                              <p:par>
+                                <p:cTn id="17" presetID="1" presetClass="entr" presetSubtype="0" fill="hold" nodeType="withEffect">
+                                  <p:stCondLst>
+                                    <p:cond delay="0"/>
+                                  </p:stCondLst>
+                                  <p:childTnLst>
+                                    <p:set>
+                                      <p:cBhvr>
+                                        <p:cTn id="18" dur="1" fill="hold">
+                                          <p:stCondLst>
+                                            <p:cond delay="0"/>
+                                          </p:stCondLst>
+                                        </p:cTn>
+                                        <p:tgtEl>
+                                          <p:spTgt spid="4">
+                                            <p:txEl>
+                                              <p:pRg st="8" end="8"/>
+                                            </p:txEl>
+                                          </p:spTgt>
+                                        </p:tgtEl>
+                                        <p:attrNameLst>
+                                          <p:attrName>style.visibility</p:attrName>
+                                        </p:attrNameLst>
+                                      </p:cBhvr>
+                                      <p:to>
+                                        <p:strVal val="visible"/>
+                                      </p:to>
+                                    </p:set>
+                                  </p:childTnLst>
+                                </p:cTn>
+                              </p:par>
+                            </p:childTnLst>
+                          </p:cTn>
+                        </p:par>
+                      </p:childTnLst>
+                    </p:cTn>
+                  </p:par>
+                  <p:par>
+                    <p:cTn id="19" fill="hold">
+                      <p:stCondLst>
+                        <p:cond delay="indefinite"/>
+                      </p:stCondLst>
+                      <p:childTnLst>
+                        <p:par>
+                          <p:cTn id="20" fill="hold">
+                            <p:stCondLst>
+                              <p:cond delay="0"/>
+                            </p:stCondLst>
+                            <p:childTnLst>
+                              <p:par>
+                                <p:cTn id="21" presetID="1" presetClass="entr" presetSubtype="0" fill="hold" nodeType="clickEffect">
+                                  <p:stCondLst>
+                                    <p:cond delay="0"/>
+                                  </p:stCondLst>
+                                  <p:childTnLst>
+                                    <p:set>
+                                      <p:cBhvr>
+                                        <p:cTn id="22" dur="1" fill="hold">
+                                          <p:stCondLst>
+                                            <p:cond delay="0"/>
+                                          </p:stCondLst>
+                                        </p:cTn>
+                                        <p:tgtEl>
+                                          <p:spTgt spid="4">
+                                            <p:txEl>
+                                              <p:pRg st="9" end="9"/>
+                                            </p:txEl>
+                                          </p:spTgt>
+                                        </p:tgtEl>
+                                        <p:attrNameLst>
+                                          <p:attrName>style.visibility</p:attrName>
+                                        </p:attrNameLst>
+                                      </p:cBhvr>
+                                      <p:to>
+                                        <p:strVal val="visible"/>
+                                      </p:to>
+                                    </p:set>
+                                  </p:childTnLst>
+                                </p:cTn>
+                              </p:par>
+                              <p:par>
+                                <p:cTn id="23" presetID="1" presetClass="entr" presetSubtype="0" fill="hold" nodeType="withEffect">
+                                  <p:stCondLst>
+                                    <p:cond delay="0"/>
+                                  </p:stCondLst>
+                                  <p:childTnLst>
+                                    <p:set>
+                                      <p:cBhvr>
+                                        <p:cTn id="24" dur="1" fill="hold">
+                                          <p:stCondLst>
+                                            <p:cond delay="0"/>
+                                          </p:stCondLst>
+                                        </p:cTn>
+                                        <p:tgtEl>
+                                          <p:spTgt spid="4">
+                                            <p:txEl>
+                                              <p:pRg st="10" end="10"/>
+                                            </p:txEl>
+                                          </p:spTgt>
+                                        </p:tgtEl>
+                                        <p:attrNameLst>
+                                          <p:attrName>style.visibility</p:attrName>
+                                        </p:attrNameLst>
+                                      </p:cBhvr>
+                                      <p:to>
+                                        <p:strVal val="visible"/>
+                                      </p:to>
+                                    </p:set>
+                                  </p:childTnLst>
+                                </p:cTn>
+                              </p:par>
+                              <p:par>
+                                <p:cTn id="25" presetID="1" presetClass="entr" presetSubtype="0" fill="hold" nodeType="withEffect">
+                                  <p:stCondLst>
+                                    <p:cond delay="0"/>
+                                  </p:stCondLst>
+                                  <p:childTnLst>
+                                    <p:set>
+                                      <p:cBhvr>
+                                        <p:cTn id="26" dur="1" fill="hold">
+                                          <p:stCondLst>
+                                            <p:cond delay="0"/>
+                                          </p:stCondLst>
+                                        </p:cTn>
+                                        <p:tgtEl>
+                                          <p:spTgt spid="4">
+                                            <p:txEl>
+                                              <p:pRg st="11" end="11"/>
+                                            </p:txEl>
+                                          </p:spTgt>
+                                        </p:tgtEl>
+                                        <p:attrNameLst>
+                                          <p:attrName>style.visibility</p:attrName>
+                                        </p:attrNameLst>
+                                      </p:cBhvr>
+                                      <p:to>
+                                        <p:strVal val="visible"/>
+                                      </p:to>
+                                    </p:set>
+                                  </p:childTnLst>
+                                </p:cTn>
+                              </p:par>
+                            </p:childTnLst>
+                          </p:cTn>
+                        </p:par>
+                      </p:childTnLst>
+                    </p:cTn>
+                  </p:par>
+                  <p:par>
+                    <p:cTn id="27" fill="hold">
+                      <p:stCondLst>
+                        <p:cond delay="indefinite"/>
+                      </p:stCondLst>
+                      <p:childTnLst>
+                        <p:par>
+                          <p:cTn id="28" fill="hold">
+                            <p:stCondLst>
+                              <p:cond delay="0"/>
+                            </p:stCondLst>
+                            <p:childTnLst>
+                              <p:par>
+                                <p:cTn id="29" presetID="1" presetClass="entr" presetSubtype="0" fill="hold" nodeType="clickEffect">
+                                  <p:stCondLst>
+                                    <p:cond delay="0"/>
+                                  </p:stCondLst>
+                                  <p:childTnLst>
+                                    <p:set>
+                                      <p:cBhvr>
+                                        <p:cTn id="30" dur="1" fill="hold">
+                                          <p:stCondLst>
+                                            <p:cond delay="0"/>
+                                          </p:stCondLst>
+                                        </p:cTn>
+                                        <p:tgtEl>
+                                          <p:spTgt spid="6"/>
+                                        </p:tgtEl>
+                                        <p:attrNameLst>
+                                          <p:attrName>style.visibility</p:attrName>
+                                        </p:attrNameLst>
+                                      </p:cBhvr>
+                                      <p:to>
+                                        <p:strVal val="visible"/>
+                                      </p:to>
+                                    </p:set>
+                                  </p:childTnLst>
+                                </p:cTn>
+                              </p:par>
+                              <p:par>
+                                <p:cTn id="31" presetID="1" presetClass="entr" presetSubtype="0" fill="hold" nodeType="withEffect">
+                                  <p:stCondLst>
+                                    <p:cond delay="0"/>
+                                  </p:stCondLst>
+                                  <p:childTnLst>
+                                    <p:set>
+                                      <p:cBhvr>
+                                        <p:cTn id="32" dur="1" fill="hold">
+                                          <p:stCondLst>
+                                            <p:cond delay="0"/>
+                                          </p:stCondLst>
+                                        </p:cTn>
+                                        <p:tgtEl>
+                                          <p:spTgt spid="8"/>
+                                        </p:tgtEl>
+                                        <p:attrNameLst>
+                                          <p:attrName>style.visibility</p:attrName>
+                                        </p:attrNameLst>
+                                      </p:cBhvr>
+                                      <p:to>
+                                        <p:strVal val="visible"/>
+                                      </p:to>
+                                    </p:set>
+                                  </p:childTnLst>
+                                </p:cTn>
+                              </p:par>
+                              <p:par>
+                                <p:cTn id="33" presetID="1" presetClass="entr" presetSubtype="0" fill="hold" nodeType="withEffect">
+                                  <p:stCondLst>
+                                    <p:cond delay="0"/>
+                                  </p:stCondLst>
+                                  <p:childTnLst>
+                                    <p:set>
+                                      <p:cBhvr>
+                                        <p:cTn id="34" dur="1" fill="hold">
+                                          <p:stCondLst>
+                                            <p:cond delay="0"/>
+                                          </p:stCondLst>
+                                        </p:cTn>
+                                        <p:tgtEl>
+                                          <p:spTgt spid="10"/>
+                                        </p:tgtEl>
+                                        <p:attrNameLst>
+                                          <p:attrName>style.visibility</p:attrName>
+                                        </p:attrNameLst>
+                                      </p:cBhvr>
+                                      <p:to>
+                                        <p:strVal val="visible"/>
+                                      </p:to>
+                                    </p:set>
+                                  </p:childTnLst>
+                                </p:cTn>
+                              </p:par>
+                              <p:par>
+                                <p:cTn id="35" presetID="1" presetClass="entr" presetSubtype="0" fill="hold" grpId="0" nodeType="withEffect">
+                                  <p:stCondLst>
+                                    <p:cond delay="0"/>
+                                  </p:stCondLst>
+                                  <p:childTnLst>
+                                    <p:set>
+                                      <p:cBhvr>
+                                        <p:cTn id="36" dur="1" fill="hold">
+                                          <p:stCondLst>
+                                            <p:cond delay="0"/>
+                                          </p:stCondLst>
+                                        </p:cTn>
+                                        <p:tgtEl>
+                                          <p:spTgt spid="5"/>
+                                        </p:tgtEl>
+                                        <p:attrNameLst>
+                                          <p:attrName>style.visibility</p:attrName>
+                                        </p:attrNameLst>
+                                      </p:cBhvr>
+                                      <p:to>
+                                        <p:strVal val="visible"/>
+                                      </p:to>
+                                    </p:set>
+                                  </p:childTnLst>
+                                </p:cTn>
+                              </p:par>
+                            </p:childTnLst>
+                          </p:cTn>
+                        </p:par>
+                      </p:childTnLst>
+                    </p:cTn>
+                  </p:par>
+                </p:childTnLst>
+              </p:cTn>
+              <p:prevCondLst>
+                <p:cond evt="onPrev" delay="0">
+                  <p:tgtEl>
+                    <p:sldTgt/>
+                  </p:tgtEl>
+                </p:cond>
+              </p:prevCondLst>
+              <p:nextCondLst>
+                <p:cond evt="onNext" delay="0">
+                  <p:tgtEl>
+                    <p:sldTgt/>
+                  </p:tgtEl>
+                </p:cond>
+              </p:nextCondLst>
+            </p:seq>
+          </p:childTnLst>
+        </p:cTn>
+      </p:par>
+    </p:tnLst>
+    <p:bldLst>
+      <p:bldP spid="5" grpId="0"/>
+    </p:bldLst>
+  </p:timing>
 </p:sld>
 </file>
 
-<file path=ppt/slides/slide12.xml><?xml version="1.0" encoding="utf-8"?>
+<file path=ppt/slides/slide15.xml><?xml version="1.0" encoding="utf-8"?>
 <p:sld xmlns:a="http://schemas.openxmlformats.org/drawingml/2006/main" xmlns:r="http://schemas.openxmlformats.org/officeDocument/2006/relationships" xmlns:p="http://schemas.openxmlformats.org/presentationml/2006/main">
   <p:cSld>
     <p:spTree>
@@ -9539,7 +11506,7 @@
             </a:pPr>
             <a:r>
               <a:rPr lang="en-US" sz="2200" dirty="0"/>
-              <a:t>Increasing the number of samples generate a more accurate graph. </a:t>
+              <a:t>Increasing the number of samples generate a smoother graph. Below uses 50 equally-spaced samples. </a:t>
             </a:r>
           </a:p>
           <a:p>
@@ -9557,6 +11524,78 @@
             <a:pPr marL="0" indent="0">
               <a:buNone/>
             </a:pPr>
+            <a:r>
+              <a:rPr lang="en-US" sz="1800" b="1" dirty="0">
+                <a:solidFill>
+                  <a:srgbClr val="34A327"/>
+                </a:solidFill>
+                <a:latin typeface="Inconsolata Medium" panose="020B0609030003000000" pitchFamily="49" charset="77"/>
+              </a:rPr>
+              <a:t>import</a:t>
+            </a:r>
+            <a:r>
+              <a:rPr lang="en-US" sz="1800" b="1" dirty="0">
+                <a:solidFill>
+                  <a:srgbClr val="000000"/>
+                </a:solidFill>
+                <a:latin typeface="Inconsolata Medium" panose="020B0609030003000000" pitchFamily="49" charset="77"/>
+              </a:rPr>
+              <a:t> </a:t>
+            </a:r>
+            <a:r>
+              <a:rPr lang="en-US" sz="1800" b="1" dirty="0" err="1">
+                <a:solidFill>
+                  <a:srgbClr val="3C9FF2"/>
+                </a:solidFill>
+                <a:latin typeface="Inconsolata Medium" panose="020B0609030003000000" pitchFamily="49" charset="77"/>
+              </a:rPr>
+              <a:t>matplotlib.pyplot</a:t>
+            </a:r>
+            <a:r>
+              <a:rPr lang="en-US" sz="1800" b="1" dirty="0">
+                <a:solidFill>
+                  <a:srgbClr val="000000"/>
+                </a:solidFill>
+                <a:latin typeface="Inconsolata Medium" panose="020B0609030003000000" pitchFamily="49" charset="77"/>
+              </a:rPr>
+              <a:t> </a:t>
+            </a:r>
+            <a:r>
+              <a:rPr lang="en-US" sz="1800" b="1" dirty="0">
+                <a:solidFill>
+                  <a:srgbClr val="34A327"/>
+                </a:solidFill>
+                <a:latin typeface="Inconsolata Medium" panose="020B0609030003000000" pitchFamily="49" charset="77"/>
+              </a:rPr>
+              <a:t>as</a:t>
+            </a:r>
+            <a:r>
+              <a:rPr lang="en-US" sz="1800" b="1" dirty="0">
+                <a:solidFill>
+                  <a:srgbClr val="000000"/>
+                </a:solidFill>
+                <a:latin typeface="Inconsolata Medium" panose="020B0609030003000000" pitchFamily="49" charset="77"/>
+              </a:rPr>
+              <a:t> </a:t>
+            </a:r>
+            <a:r>
+              <a:rPr lang="en-US" sz="1800" b="1" dirty="0" err="1">
+                <a:solidFill>
+                  <a:srgbClr val="3C9FF2"/>
+                </a:solidFill>
+                <a:latin typeface="Inconsolata Medium" panose="020B0609030003000000" pitchFamily="49" charset="77"/>
+              </a:rPr>
+              <a:t>plt</a:t>
+            </a:r>
+            <a:r>
+              <a:rPr lang="en-US" sz="1800" b="1" dirty="0">
+                <a:solidFill>
+                  <a:srgbClr val="000000"/>
+                </a:solidFill>
+                <a:latin typeface="Inconsolata Medium" panose="020B0609030003000000" pitchFamily="49" charset="77"/>
+              </a:rPr>
+              <a:t> </a:t>
+            </a:r>
             <a:endParaRPr lang="en-US" sz="1800" b="1" dirty="0">
               <a:solidFill>
                 <a:srgbClr val="34A327"/>
@@ -9569,89 +11608,6 @@
               <a:buNone/>
             </a:pPr>
             <a:r>
-              <a:rPr lang="en-US" sz="1800" b="1" dirty="0">
-                <a:solidFill>
-                  <a:srgbClr val="34A327"/>
-                </a:solidFill>
-                <a:latin typeface="Inconsolata Medium" panose="020B0609030003000000" pitchFamily="49" charset="77"/>
-              </a:rPr>
-              <a:t>import</a:t>
-            </a:r>
-            <a:r>
-              <a:rPr lang="en-US" sz="1800" b="1" dirty="0">
-                <a:solidFill>
-                  <a:srgbClr val="000000"/>
-                </a:solidFill>
-                <a:latin typeface="Inconsolata Medium" panose="020B0609030003000000" pitchFamily="49" charset="77"/>
-              </a:rPr>
-              <a:t> </a:t>
-            </a:r>
-            <a:r>
-              <a:rPr lang="en-US" sz="1800" b="1" dirty="0" err="1">
-                <a:solidFill>
-                  <a:srgbClr val="3C9FF2"/>
-                </a:solidFill>
-                <a:latin typeface="Inconsolata Medium" panose="020B0609030003000000" pitchFamily="49" charset="77"/>
-              </a:rPr>
-              <a:t>matplotlib.pyplot</a:t>
-            </a:r>
-            <a:r>
-              <a:rPr lang="en-US" sz="1800" b="1" dirty="0">
-                <a:solidFill>
-                  <a:srgbClr val="000000"/>
-                </a:solidFill>
-                <a:latin typeface="Inconsolata Medium" panose="020B0609030003000000" pitchFamily="49" charset="77"/>
-              </a:rPr>
-              <a:t> </a:t>
-            </a:r>
-            <a:r>
-              <a:rPr lang="en-US" sz="1800" b="1" dirty="0">
-                <a:solidFill>
-                  <a:srgbClr val="34A327"/>
-                </a:solidFill>
-                <a:latin typeface="Inconsolata Medium" panose="020B0609030003000000" pitchFamily="49" charset="77"/>
-              </a:rPr>
-              <a:t>as</a:t>
-            </a:r>
-            <a:r>
-              <a:rPr lang="en-US" sz="1800" b="1" dirty="0">
-                <a:solidFill>
-                  <a:srgbClr val="000000"/>
-                </a:solidFill>
-                <a:latin typeface="Inconsolata Medium" panose="020B0609030003000000" pitchFamily="49" charset="77"/>
-              </a:rPr>
-              <a:t> </a:t>
-            </a:r>
-            <a:r>
-              <a:rPr lang="en-US" sz="1800" b="1" dirty="0" err="1">
-                <a:solidFill>
-                  <a:srgbClr val="3C9FF2"/>
-                </a:solidFill>
-                <a:latin typeface="Inconsolata Medium" panose="020B0609030003000000" pitchFamily="49" charset="77"/>
-              </a:rPr>
-              <a:t>plt</a:t>
-            </a:r>
-            <a:r>
-              <a:rPr lang="en-US" sz="1800" b="1" dirty="0">
-                <a:solidFill>
-                  <a:srgbClr val="000000"/>
-                </a:solidFill>
-                <a:latin typeface="Inconsolata Medium" panose="020B0609030003000000" pitchFamily="49" charset="77"/>
-              </a:rPr>
-              <a:t> </a:t>
-            </a:r>
-            <a:endParaRPr lang="en-US" sz="1800" b="1" dirty="0">
-              <a:solidFill>
-                <a:srgbClr val="34A327"/>
-              </a:solidFill>
-              <a:latin typeface="Inconsolata Medium" panose="020B0609030003000000" pitchFamily="49" charset="77"/>
-            </a:endParaRPr>
-          </a:p>
-          <a:p>
-            <a:pPr marL="0" indent="0">
-              <a:buNone/>
-            </a:pPr>
-            <a:r>
               <a:rPr lang="en-US" sz="1800" b="1" dirty="0" err="1">
                 <a:latin typeface="Inconsolata Medium" panose="020B0609030003000000" pitchFamily="49" charset="77"/>
               </a:rPr>
@@ -9807,6 +11763,11 @@
               </a:rPr>
               <a:t>)</a:t>
             </a:r>
+          </a:p>
+          <a:p>
+            <a:pPr marL="0" indent="0">
+              <a:buNone/>
+            </a:pPr>
             <a:endParaRPr lang="en-US" sz="1800" b="1" cap="none" dirty="0">
               <a:latin typeface="Inconsolata Medium" panose="020B0609030003000000" pitchFamily="49" charset="77"/>
             </a:endParaRPr>
@@ -9853,10 +11814,258 @@
   <p:clrMapOvr>
     <a:masterClrMapping/>
   </p:clrMapOvr>
+  <p:timing>
+    <p:tnLst>
+      <p:par>
+        <p:cTn id="1" dur="indefinite" restart="never" nodeType="tmRoot">
+          <p:childTnLst>
+            <p:seq concurrent="1" nextAc="seek">
+              <p:cTn id="2" dur="indefinite" nodeType="mainSeq">
+                <p:childTnLst>
+                  <p:par>
+                    <p:cTn id="3" fill="hold">
+                      <p:stCondLst>
+                        <p:cond delay="indefinite"/>
+                      </p:stCondLst>
+                      <p:childTnLst>
+                        <p:par>
+                          <p:cTn id="4" fill="hold">
+                            <p:stCondLst>
+                              <p:cond delay="0"/>
+                            </p:stCondLst>
+                            <p:childTnLst>
+                              <p:par>
+                                <p:cTn id="5" presetID="1" presetClass="entr" presetSubtype="0" fill="hold" nodeType="clickEffect">
+                                  <p:stCondLst>
+                                    <p:cond delay="0"/>
+                                  </p:stCondLst>
+                                  <p:childTnLst>
+                                    <p:set>
+                                      <p:cBhvr>
+                                        <p:cTn id="6" dur="1" fill="hold">
+                                          <p:stCondLst>
+                                            <p:cond delay="0"/>
+                                          </p:stCondLst>
+                                        </p:cTn>
+                                        <p:tgtEl>
+                                          <p:spTgt spid="4">
+                                            <p:txEl>
+                                              <p:pRg st="3" end="3"/>
+                                            </p:txEl>
+                                          </p:spTgt>
+                                        </p:tgtEl>
+                                        <p:attrNameLst>
+                                          <p:attrName>style.visibility</p:attrName>
+                                        </p:attrNameLst>
+                                      </p:cBhvr>
+                                      <p:to>
+                                        <p:strVal val="visible"/>
+                                      </p:to>
+                                    </p:set>
+                                  </p:childTnLst>
+                                </p:cTn>
+                              </p:par>
+                              <p:par>
+                                <p:cTn id="7" presetID="1" presetClass="entr" presetSubtype="0" fill="hold" nodeType="withEffect">
+                                  <p:stCondLst>
+                                    <p:cond delay="0"/>
+                                  </p:stCondLst>
+                                  <p:childTnLst>
+                                    <p:set>
+                                      <p:cBhvr>
+                                        <p:cTn id="8" dur="1" fill="hold">
+                                          <p:stCondLst>
+                                            <p:cond delay="0"/>
+                                          </p:stCondLst>
+                                        </p:cTn>
+                                        <p:tgtEl>
+                                          <p:spTgt spid="4">
+                                            <p:txEl>
+                                              <p:pRg st="4" end="4"/>
+                                            </p:txEl>
+                                          </p:spTgt>
+                                        </p:tgtEl>
+                                        <p:attrNameLst>
+                                          <p:attrName>style.visibility</p:attrName>
+                                        </p:attrNameLst>
+                                      </p:cBhvr>
+                                      <p:to>
+                                        <p:strVal val="visible"/>
+                                      </p:to>
+                                    </p:set>
+                                  </p:childTnLst>
+                                </p:cTn>
+                              </p:par>
+                              <p:par>
+                                <p:cTn id="9" presetID="1" presetClass="entr" presetSubtype="0" fill="hold" nodeType="withEffect">
+                                  <p:stCondLst>
+                                    <p:cond delay="0"/>
+                                  </p:stCondLst>
+                                  <p:childTnLst>
+                                    <p:set>
+                                      <p:cBhvr>
+                                        <p:cTn id="10" dur="1" fill="hold">
+                                          <p:stCondLst>
+                                            <p:cond delay="0"/>
+                                          </p:stCondLst>
+                                        </p:cTn>
+                                        <p:tgtEl>
+                                          <p:spTgt spid="4">
+                                            <p:txEl>
+                                              <p:pRg st="5" end="5"/>
+                                            </p:txEl>
+                                          </p:spTgt>
+                                        </p:tgtEl>
+                                        <p:attrNameLst>
+                                          <p:attrName>style.visibility</p:attrName>
+                                        </p:attrNameLst>
+                                      </p:cBhvr>
+                                      <p:to>
+                                        <p:strVal val="visible"/>
+                                      </p:to>
+                                    </p:set>
+                                  </p:childTnLst>
+                                </p:cTn>
+                              </p:par>
+                              <p:par>
+                                <p:cTn id="11" presetID="1" presetClass="entr" presetSubtype="0" fill="hold" nodeType="withEffect">
+                                  <p:stCondLst>
+                                    <p:cond delay="0"/>
+                                  </p:stCondLst>
+                                  <p:childTnLst>
+                                    <p:set>
+                                      <p:cBhvr>
+                                        <p:cTn id="12" dur="1" fill="hold">
+                                          <p:stCondLst>
+                                            <p:cond delay="0"/>
+                                          </p:stCondLst>
+                                        </p:cTn>
+                                        <p:tgtEl>
+                                          <p:spTgt spid="4">
+                                            <p:txEl>
+                                              <p:pRg st="6" end="6"/>
+                                            </p:txEl>
+                                          </p:spTgt>
+                                        </p:tgtEl>
+                                        <p:attrNameLst>
+                                          <p:attrName>style.visibility</p:attrName>
+                                        </p:attrNameLst>
+                                      </p:cBhvr>
+                                      <p:to>
+                                        <p:strVal val="visible"/>
+                                      </p:to>
+                                    </p:set>
+                                  </p:childTnLst>
+                                </p:cTn>
+                              </p:par>
+                              <p:par>
+                                <p:cTn id="13" presetID="1" presetClass="entr" presetSubtype="0" fill="hold" nodeType="withEffect">
+                                  <p:stCondLst>
+                                    <p:cond delay="0"/>
+                                  </p:stCondLst>
+                                  <p:childTnLst>
+                                    <p:set>
+                                      <p:cBhvr>
+                                        <p:cTn id="14" dur="1" fill="hold">
+                                          <p:stCondLst>
+                                            <p:cond delay="0"/>
+                                          </p:stCondLst>
+                                        </p:cTn>
+                                        <p:tgtEl>
+                                          <p:spTgt spid="4">
+                                            <p:txEl>
+                                              <p:pRg st="7" end="7"/>
+                                            </p:txEl>
+                                          </p:spTgt>
+                                        </p:tgtEl>
+                                        <p:attrNameLst>
+                                          <p:attrName>style.visibility</p:attrName>
+                                        </p:attrNameLst>
+                                      </p:cBhvr>
+                                      <p:to>
+                                        <p:strVal val="visible"/>
+                                      </p:to>
+                                    </p:set>
+                                  </p:childTnLst>
+                                </p:cTn>
+                              </p:par>
+                            </p:childTnLst>
+                          </p:cTn>
+                        </p:par>
+                      </p:childTnLst>
+                    </p:cTn>
+                  </p:par>
+                  <p:par>
+                    <p:cTn id="15" fill="hold">
+                      <p:stCondLst>
+                        <p:cond delay="indefinite"/>
+                      </p:stCondLst>
+                      <p:childTnLst>
+                        <p:par>
+                          <p:cTn id="16" fill="hold">
+                            <p:stCondLst>
+                              <p:cond delay="0"/>
+                            </p:stCondLst>
+                            <p:childTnLst>
+                              <p:par>
+                                <p:cTn id="17" presetID="1" presetClass="entr" presetSubtype="0" fill="hold" nodeType="clickEffect">
+                                  <p:stCondLst>
+                                    <p:cond delay="0"/>
+                                  </p:stCondLst>
+                                  <p:childTnLst>
+                                    <p:set>
+                                      <p:cBhvr>
+                                        <p:cTn id="18" dur="1" fill="hold">
+                                          <p:stCondLst>
+                                            <p:cond delay="0"/>
+                                          </p:stCondLst>
+                                        </p:cTn>
+                                        <p:tgtEl>
+                                          <p:spTgt spid="5"/>
+                                        </p:tgtEl>
+                                        <p:attrNameLst>
+                                          <p:attrName>style.visibility</p:attrName>
+                                        </p:attrNameLst>
+                                      </p:cBhvr>
+                                      <p:to>
+                                        <p:strVal val="visible"/>
+                                      </p:to>
+                                    </p:set>
+                                  </p:childTnLst>
+                                </p:cTn>
+                              </p:par>
+                            </p:childTnLst>
+                          </p:cTn>
+                        </p:par>
+                      </p:childTnLst>
+                    </p:cTn>
+                  </p:par>
+                </p:childTnLst>
+              </p:cTn>
+              <p:prevCondLst>
+                <p:cond evt="onPrev" delay="0">
+                  <p:tgtEl>
+                    <p:sldTgt/>
+                  </p:tgtEl>
+                </p:cond>
+              </p:prevCondLst>
+              <p:nextCondLst>
+                <p:cond evt="onNext" delay="0">
+                  <p:tgtEl>
+                    <p:sldTgt/>
+                  </p:tgtEl>
+                </p:cond>
+              </p:nextCondLst>
+            </p:seq>
+          </p:childTnLst>
+        </p:cTn>
+      </p:par>
+    </p:tnLst>
+  </p:timing>
 </p:sld>
 </file>
 
-<file path=ppt/slides/slide13.xml><?xml version="1.0" encoding="utf-8"?>
+<file path=ppt/slides/slide16.xml><?xml version="1.0" encoding="utf-8"?>
 <p:sld xmlns:a="http://schemas.openxmlformats.org/drawingml/2006/main" xmlns:r="http://schemas.openxmlformats.org/officeDocument/2006/relationships" xmlns:p="http://schemas.openxmlformats.org/presentationml/2006/main">
   <p:cSld>
     <p:spTree>
@@ -9923,6 +12132,16 @@
             <a:pPr marL="0" indent="0">
               <a:buNone/>
             </a:pPr>
+            <a:endParaRPr lang="en-US" sz="2200" cap="none" dirty="0"/>
+          </a:p>
+          <a:p>
+            <a:pPr marL="0" indent="0">
+              <a:buNone/>
+            </a:pPr>
+            <a:r>
+              <a:rPr lang="en-US" sz="2200" dirty="0"/>
+              <a:t>We'll simulate the above sound using Python in the lab for this lecture and will hear that it simulates the sound generated by a tuning fork.</a:t>
+            </a:r>
             <a:endParaRPr lang="en-US" sz="2200" cap="none" dirty="0"/>
           </a:p>
           <a:p>
@@ -10070,8 +12289,8 @@
         </p:blipFill>
         <p:spPr>
           <a:xfrm>
-            <a:off x="1859824" y="2540455"/>
-            <a:ext cx="4725164" cy="2603797"/>
+            <a:off x="5045037" y="3429000"/>
+            <a:ext cx="4070388" cy="2242983"/>
           </a:xfrm>
           <a:prstGeom prst="rect">
             <a:avLst/>
@@ -10088,10 +12307,134 @@
   <p:clrMapOvr>
     <a:masterClrMapping/>
   </p:clrMapOvr>
+  <p:timing>
+    <p:tnLst>
+      <p:par>
+        <p:cTn id="1" dur="indefinite" restart="never" nodeType="tmRoot">
+          <p:childTnLst>
+            <p:seq concurrent="1" nextAc="seek">
+              <p:cTn id="2" dur="indefinite" nodeType="mainSeq">
+                <p:childTnLst>
+                  <p:par>
+                    <p:cTn id="3" fill="hold">
+                      <p:stCondLst>
+                        <p:cond delay="indefinite"/>
+                      </p:stCondLst>
+                      <p:childTnLst>
+                        <p:par>
+                          <p:cTn id="4" fill="hold">
+                            <p:stCondLst>
+                              <p:cond delay="0"/>
+                            </p:stCondLst>
+                            <p:childTnLst>
+                              <p:par>
+                                <p:cTn id="5" presetID="1" presetClass="entr" presetSubtype="0" fill="hold" nodeType="clickEffect">
+                                  <p:stCondLst>
+                                    <p:cond delay="0"/>
+                                  </p:stCondLst>
+                                  <p:childTnLst>
+                                    <p:set>
+                                      <p:cBhvr>
+                                        <p:cTn id="6" dur="1" fill="hold">
+                                          <p:stCondLst>
+                                            <p:cond delay="0"/>
+                                          </p:stCondLst>
+                                        </p:cTn>
+                                        <p:tgtEl>
+                                          <p:spTgt spid="5">
+                                            <p:txEl>
+                                              <p:pRg st="4" end="4"/>
+                                            </p:txEl>
+                                          </p:spTgt>
+                                        </p:tgtEl>
+                                        <p:attrNameLst>
+                                          <p:attrName>style.visibility</p:attrName>
+                                        </p:attrNameLst>
+                                      </p:cBhvr>
+                                      <p:to>
+                                        <p:strVal val="visible"/>
+                                      </p:to>
+                                    </p:set>
+                                  </p:childTnLst>
+                                </p:cTn>
+                              </p:par>
+                            </p:childTnLst>
+                          </p:cTn>
+                        </p:par>
+                      </p:childTnLst>
+                    </p:cTn>
+                  </p:par>
+                  <p:par>
+                    <p:cTn id="7" fill="hold">
+                      <p:stCondLst>
+                        <p:cond delay="indefinite"/>
+                      </p:stCondLst>
+                      <p:childTnLst>
+                        <p:par>
+                          <p:cTn id="8" fill="hold">
+                            <p:stCondLst>
+                              <p:cond delay="0"/>
+                            </p:stCondLst>
+                            <p:childTnLst>
+                              <p:par>
+                                <p:cTn id="9" presetID="1" presetClass="entr" presetSubtype="0" fill="hold" nodeType="clickEffect">
+                                  <p:stCondLst>
+                                    <p:cond delay="0"/>
+                                  </p:stCondLst>
+                                  <p:childTnLst>
+                                    <p:set>
+                                      <p:cBhvr>
+                                        <p:cTn id="10" dur="1" fill="hold">
+                                          <p:stCondLst>
+                                            <p:cond delay="0"/>
+                                          </p:stCondLst>
+                                        </p:cTn>
+                                        <p:tgtEl>
+                                          <p:spTgt spid="6"/>
+                                        </p:tgtEl>
+                                        <p:attrNameLst>
+                                          <p:attrName>style.visibility</p:attrName>
+                                        </p:attrNameLst>
+                                      </p:cBhvr>
+                                      <p:to>
+                                        <p:strVal val="visible"/>
+                                      </p:to>
+                                    </p:set>
+                                  </p:childTnLst>
+                                </p:cTn>
+                              </p:par>
+                            </p:childTnLst>
+                          </p:cTn>
+                        </p:par>
+                      </p:childTnLst>
+                    </p:cTn>
+                  </p:par>
+                </p:childTnLst>
+              </p:cTn>
+              <p:prevCondLst>
+                <p:cond evt="onPrev" delay="0">
+                  <p:tgtEl>
+                    <p:sldTgt/>
+                  </p:tgtEl>
+                </p:cond>
+              </p:prevCondLst>
+              <p:nextCondLst>
+                <p:cond evt="onNext" delay="0">
+                  <p:tgtEl>
+                    <p:sldTgt/>
+                  </p:tgtEl>
+                </p:cond>
+              </p:nextCondLst>
+            </p:seq>
+          </p:childTnLst>
+        </p:cTn>
+      </p:par>
+    </p:tnLst>
+  </p:timing>
 </p:sld>
 </file>
 
-<file path=ppt/slides/slide14.xml><?xml version="1.0" encoding="utf-8"?>
+<file path=ppt/slides/slide17.xml><?xml version="1.0" encoding="utf-8"?>
 <p:sld xmlns:a="http://schemas.openxmlformats.org/drawingml/2006/main" xmlns:r="http://schemas.openxmlformats.org/officeDocument/2006/relationships" xmlns:p="http://schemas.openxmlformats.org/presentationml/2006/main">
   <p:cSld>
     <p:spTree>
@@ -10487,7 +12830,7 @@
 </p:sld>
 </file>
 
-<file path=ppt/slides/slide15.xml><?xml version="1.0" encoding="utf-8"?>
+<file path=ppt/slides/slide18.xml><?xml version="1.0" encoding="utf-8"?>
 <p:sld xmlns:a="http://schemas.openxmlformats.org/drawingml/2006/main" xmlns:r="http://schemas.openxmlformats.org/officeDocument/2006/relationships" xmlns:p="http://schemas.openxmlformats.org/presentationml/2006/main">
   <p:cSld>
     <p:spTree>
@@ -10910,7 +13253,7 @@
 </p:sld>
 </file>
 
-<file path=ppt/slides/slide16.xml><?xml version="1.0" encoding="utf-8"?>
+<file path=ppt/slides/slide19.xml><?xml version="1.0" encoding="utf-8"?>
 <p:sld xmlns:a="http://schemas.openxmlformats.org/drawingml/2006/main" xmlns:r="http://schemas.openxmlformats.org/officeDocument/2006/relationships" xmlns:p="http://schemas.openxmlformats.org/presentationml/2006/main">
   <p:cSld>
     <p:spTree>
@@ -11312,662 +13655,6 @@
 </p:sld>
 </file>
 
-<file path=ppt/slides/slide17.xml><?xml version="1.0" encoding="utf-8"?>
-<p:sld xmlns:a="http://schemas.openxmlformats.org/drawingml/2006/main" xmlns:r="http://schemas.openxmlformats.org/officeDocument/2006/relationships" xmlns:p="http://schemas.openxmlformats.org/presentationml/2006/main">
-  <p:cSld>
-    <p:spTree>
-      <p:nvGrpSpPr>
-        <p:cNvPr id="1" name=""/>
-        <p:cNvGrpSpPr/>
-        <p:nvPr/>
-      </p:nvGrpSpPr>
-      <p:grpSpPr>
-        <a:xfrm>
-          <a:off x="0" y="0"/>
-          <a:ext cx="0" cy="0"/>
-          <a:chOff x="0" y="0"/>
-          <a:chExt cx="0" cy="0"/>
-        </a:xfrm>
-      </p:grpSpPr>
-      <p:sp>
-        <p:nvSpPr>
-          <p:cNvPr id="5" name="Content Placeholder 4">
-            <a:extLst>
-              <a:ext uri="{FF2B5EF4-FFF2-40B4-BE49-F238E27FC236}">
-                <a16:creationId xmlns:a16="http://schemas.microsoft.com/office/drawing/2014/main" id="{0FE295BD-6CD2-6846-AF3A-CA0AE1986E1A}"/>
-              </a:ext>
-            </a:extLst>
-          </p:cNvPr>
-          <p:cNvSpPr>
-            <a:spLocks noGrp="1"/>
-          </p:cNvSpPr>
-          <p:nvPr>
-            <p:ph sz="quarter" idx="13"/>
-          </p:nvPr>
-        </p:nvSpPr>
-        <p:spPr>
-          <a:xfrm>
-            <a:off x="467481" y="1095555"/>
-            <a:ext cx="8206256" cy="4456159"/>
-          </a:xfrm>
-        </p:spPr>
-        <p:txBody>
-          <a:bodyPr>
-            <a:noAutofit/>
-          </a:bodyPr>
-          <a:lstStyle/>
-          <a:p>
-            <a:pPr marL="0" indent="0">
-              <a:buNone/>
-            </a:pPr>
-            <a:endParaRPr lang="en-US" sz="2200" cap="none" dirty="0"/>
-          </a:p>
-          <a:p>
-            <a:pPr marL="0" indent="0">
-              <a:buNone/>
-            </a:pPr>
-            <a:endParaRPr lang="en-US" sz="2200" cap="none" dirty="0"/>
-          </a:p>
-          <a:p>
-            <a:pPr marL="0" indent="0">
-              <a:buNone/>
-            </a:pPr>
-            <a:r>
-              <a:rPr lang="en-US" sz="2200" cap="none" dirty="0"/>
-              <a:t>In the </a:t>
-            </a:r>
-            <a:r>
-              <a:rPr lang="en-US" sz="2200" b="1" cap="none" dirty="0"/>
-              <a:t>time domain</a:t>
-            </a:r>
-            <a:r>
-              <a:rPr lang="en-US" sz="2200" cap="none" dirty="0"/>
-              <a:t>, the voltage/current signal is a function of time. </a:t>
-            </a:r>
-          </a:p>
-          <a:p>
-            <a:pPr marL="0" indent="0">
-              <a:buNone/>
-            </a:pPr>
-            <a:endParaRPr lang="en-US" sz="2200" cap="none" dirty="0"/>
-          </a:p>
-          <a:p>
-            <a:pPr marL="0" indent="0">
-              <a:buNone/>
-            </a:pPr>
-            <a:r>
-              <a:rPr lang="en-US" sz="2200" cap="none" dirty="0"/>
-              <a:t>In the </a:t>
-            </a:r>
-            <a:r>
-              <a:rPr lang="en-US" sz="2200" b="1" cap="none" dirty="0"/>
-              <a:t>frequency domain</a:t>
-            </a:r>
-            <a:r>
-              <a:rPr lang="en-US" sz="2200" cap="none" dirty="0"/>
-              <a:t>, the signal is represented as a function of frequencies that are present in the signal.</a:t>
-            </a:r>
-          </a:p>
-          <a:p>
-            <a:pPr marL="0" indent="0">
-              <a:buNone/>
-            </a:pPr>
-            <a:endParaRPr lang="en-US" sz="2200" cap="none" dirty="0"/>
-          </a:p>
-          <a:p>
-            <a:pPr marL="0" indent="0">
-              <a:buNone/>
-            </a:pPr>
-            <a:r>
-              <a:rPr lang="en-US" sz="2200" cap="none" dirty="0"/>
-              <a:t>.</a:t>
-            </a:r>
-          </a:p>
-        </p:txBody>
-      </p:sp>
-      <p:sp>
-        <p:nvSpPr>
-          <p:cNvPr id="2" name="Title 1">
-            <a:extLst>
-              <a:ext uri="{FF2B5EF4-FFF2-40B4-BE49-F238E27FC236}">
-                <a16:creationId xmlns:a16="http://schemas.microsoft.com/office/drawing/2014/main" id="{EDE419EF-0E46-9E4D-8C75-4293CAE61F27}"/>
-              </a:ext>
-            </a:extLst>
-          </p:cNvPr>
-          <p:cNvSpPr>
-            <a:spLocks noGrp="1"/>
-          </p:cNvSpPr>
-          <p:nvPr>
-            <p:ph type="title"/>
-          </p:nvPr>
-        </p:nvSpPr>
-        <p:spPr>
-          <a:xfrm>
-            <a:off x="624264" y="426416"/>
-            <a:ext cx="7922594" cy="669139"/>
-          </a:xfrm>
-        </p:spPr>
-        <p:txBody>
-          <a:bodyPr/>
-          <a:lstStyle/>
-          <a:p>
-            <a:pPr algn="l"/>
-            <a:r>
-              <a:rPr lang="en-US" cap="none" dirty="0"/>
-              <a:t>Time vs Frequency Domains</a:t>
-            </a:r>
-          </a:p>
-        </p:txBody>
-      </p:sp>
-    </p:spTree>
-    <p:extLst>
-      <p:ext uri="{BB962C8B-B14F-4D97-AF65-F5344CB8AC3E}">
-        <p14:creationId xmlns:p14="http://schemas.microsoft.com/office/powerpoint/2010/main" val="505813736"/>
-      </p:ext>
-    </p:extLst>
-  </p:cSld>
-  <p:clrMapOvr>
-    <a:masterClrMapping/>
-  </p:clrMapOvr>
-  <p:timing>
-    <p:tnLst>
-      <p:par>
-        <p:cTn id="1" dur="indefinite" restart="never" nodeType="tmRoot">
-          <p:childTnLst>
-            <p:seq concurrent="1" nextAc="seek">
-              <p:cTn id="2" dur="indefinite" nodeType="mainSeq">
-                <p:childTnLst>
-                  <p:par>
-                    <p:cTn id="3" fill="hold">
-                      <p:stCondLst>
-                        <p:cond delay="indefinite"/>
-                      </p:stCondLst>
-                      <p:childTnLst>
-                        <p:par>
-                          <p:cTn id="4" fill="hold">
-                            <p:stCondLst>
-                              <p:cond delay="0"/>
-                            </p:stCondLst>
-                            <p:childTnLst>
-                              <p:par>
-                                <p:cTn id="5" presetID="1" presetClass="entr" presetSubtype="0" fill="hold" nodeType="clickEffect">
-                                  <p:stCondLst>
-                                    <p:cond delay="0"/>
-                                  </p:stCondLst>
-                                  <p:childTnLst>
-                                    <p:set>
-                                      <p:cBhvr>
-                                        <p:cTn id="6" dur="1" fill="hold">
-                                          <p:stCondLst>
-                                            <p:cond delay="0"/>
-                                          </p:stCondLst>
-                                        </p:cTn>
-                                        <p:tgtEl>
-                                          <p:spTgt spid="5">
-                                            <p:txEl>
-                                              <p:pRg st="4" end="4"/>
-                                            </p:txEl>
-                                          </p:spTgt>
-                                        </p:tgtEl>
-                                        <p:attrNameLst>
-                                          <p:attrName>style.visibility</p:attrName>
-                                        </p:attrNameLst>
-                                      </p:cBhvr>
-                                      <p:to>
-                                        <p:strVal val="visible"/>
-                                      </p:to>
-                                    </p:set>
-                                  </p:childTnLst>
-                                </p:cTn>
-                              </p:par>
-                            </p:childTnLst>
-                          </p:cTn>
-                        </p:par>
-                      </p:childTnLst>
-                    </p:cTn>
-                  </p:par>
-                </p:childTnLst>
-              </p:cTn>
-              <p:prevCondLst>
-                <p:cond evt="onPrev" delay="0">
-                  <p:tgtEl>
-                    <p:sldTgt/>
-                  </p:tgtEl>
-                </p:cond>
-              </p:prevCondLst>
-              <p:nextCondLst>
-                <p:cond evt="onNext" delay="0">
-                  <p:tgtEl>
-                    <p:sldTgt/>
-                  </p:tgtEl>
-                </p:cond>
-              </p:nextCondLst>
-            </p:seq>
-          </p:childTnLst>
-        </p:cTn>
-      </p:par>
-    </p:tnLst>
-  </p:timing>
-</p:sld>
-</file>
-
-<file path=ppt/slides/slide18.xml><?xml version="1.0" encoding="utf-8"?>
-<p:sld xmlns:a="http://schemas.openxmlformats.org/drawingml/2006/main" xmlns:r="http://schemas.openxmlformats.org/officeDocument/2006/relationships" xmlns:p="http://schemas.openxmlformats.org/presentationml/2006/main">
-  <p:cSld>
-    <p:spTree>
-      <p:nvGrpSpPr>
-        <p:cNvPr id="1" name=""/>
-        <p:cNvGrpSpPr/>
-        <p:nvPr/>
-      </p:nvGrpSpPr>
-      <p:grpSpPr>
-        <a:xfrm>
-          <a:off x="0" y="0"/>
-          <a:ext cx="0" cy="0"/>
-          <a:chOff x="0" y="0"/>
-          <a:chExt cx="0" cy="0"/>
-        </a:xfrm>
-      </p:grpSpPr>
-      <p:sp>
-        <p:nvSpPr>
-          <p:cNvPr id="5" name="Content Placeholder 4">
-            <a:extLst>
-              <a:ext uri="{FF2B5EF4-FFF2-40B4-BE49-F238E27FC236}">
-                <a16:creationId xmlns:a16="http://schemas.microsoft.com/office/drawing/2014/main" id="{0FE295BD-6CD2-6846-AF3A-CA0AE1986E1A}"/>
-              </a:ext>
-            </a:extLst>
-          </p:cNvPr>
-          <p:cNvSpPr>
-            <a:spLocks noGrp="1"/>
-          </p:cNvSpPr>
-          <p:nvPr>
-            <p:ph sz="quarter" idx="13"/>
-          </p:nvPr>
-        </p:nvSpPr>
-        <p:spPr>
-          <a:xfrm>
-            <a:off x="467481" y="1095555"/>
-            <a:ext cx="8206256" cy="4456159"/>
-          </a:xfrm>
-        </p:spPr>
-        <p:txBody>
-          <a:bodyPr>
-            <a:normAutofit/>
-          </a:bodyPr>
-          <a:lstStyle/>
-          <a:p>
-            <a:pPr marL="0" indent="0">
-              <a:buNone/>
-            </a:pPr>
-            <a:r>
-              <a:rPr lang="en-US" sz="2200" dirty="0"/>
-              <a:t>The signal in the time domain is very difficult to analyze. It is hard to know what sound is generated by the plot below. </a:t>
-            </a:r>
-          </a:p>
-          <a:p>
-            <a:pPr marL="0" indent="0">
-              <a:buNone/>
-            </a:pPr>
-            <a:endParaRPr lang="en-US" sz="2200" dirty="0"/>
-          </a:p>
-          <a:p>
-            <a:pPr marL="0" indent="0">
-              <a:buNone/>
-            </a:pPr>
-            <a:r>
-              <a:rPr lang="en-US" sz="2200" dirty="0"/>
-              <a:t>The right plot is the zoomed in version of the left.</a:t>
-            </a:r>
-          </a:p>
-          <a:p>
-            <a:pPr marL="0" indent="0">
-              <a:buNone/>
-            </a:pPr>
-            <a:endParaRPr lang="en-US" sz="2200" dirty="0"/>
-          </a:p>
-          <a:p>
-            <a:pPr marL="0" indent="0">
-              <a:buNone/>
-            </a:pPr>
-            <a:endParaRPr lang="en-US" sz="2200" cap="none" dirty="0"/>
-          </a:p>
-          <a:p>
-            <a:pPr marL="0" indent="0">
-              <a:buNone/>
-            </a:pPr>
-            <a:endParaRPr lang="en-US" sz="2200" cap="none" dirty="0"/>
-          </a:p>
-        </p:txBody>
-      </p:sp>
-      <p:sp>
-        <p:nvSpPr>
-          <p:cNvPr id="2" name="Title 1">
-            <a:extLst>
-              <a:ext uri="{FF2B5EF4-FFF2-40B4-BE49-F238E27FC236}">
-                <a16:creationId xmlns:a16="http://schemas.microsoft.com/office/drawing/2014/main" id="{EDE419EF-0E46-9E4D-8C75-4293CAE61F27}"/>
-              </a:ext>
-            </a:extLst>
-          </p:cNvPr>
-          <p:cNvSpPr>
-            <a:spLocks noGrp="1"/>
-          </p:cNvSpPr>
-          <p:nvPr>
-            <p:ph type="title"/>
-          </p:nvPr>
-        </p:nvSpPr>
-        <p:spPr>
-          <a:xfrm>
-            <a:off x="624264" y="426416"/>
-            <a:ext cx="7922594" cy="669139"/>
-          </a:xfrm>
-        </p:spPr>
-        <p:txBody>
-          <a:bodyPr/>
-          <a:lstStyle/>
-          <a:p>
-            <a:pPr algn="l"/>
-            <a:r>
-              <a:rPr lang="en-US" cap="none" dirty="0"/>
-              <a:t>Time Domain</a:t>
-            </a:r>
-          </a:p>
-        </p:txBody>
-      </p:sp>
-      <p:pic>
-        <p:nvPicPr>
-          <p:cNvPr id="3" name="Picture 2">
-            <a:extLst>
-              <a:ext uri="{FF2B5EF4-FFF2-40B4-BE49-F238E27FC236}">
-                <a16:creationId xmlns:a16="http://schemas.microsoft.com/office/drawing/2014/main" id="{52652FC3-3A1D-BE44-B364-D1FA4337B491}"/>
-              </a:ext>
-            </a:extLst>
-          </p:cNvPr>
-          <p:cNvPicPr>
-            <a:picLocks noChangeAspect="1"/>
-          </p:cNvPicPr>
-          <p:nvPr/>
-        </p:nvPicPr>
-        <p:blipFill>
-          <a:blip r:embed="rId3"/>
-          <a:stretch>
-            <a:fillRect/>
-          </a:stretch>
-        </p:blipFill>
-        <p:spPr>
-          <a:xfrm>
-            <a:off x="4164320" y="2906298"/>
-            <a:ext cx="3821988" cy="2714625"/>
-          </a:xfrm>
-          <a:prstGeom prst="rect">
-            <a:avLst/>
-          </a:prstGeom>
-        </p:spPr>
-      </p:pic>
-      <p:pic>
-        <p:nvPicPr>
-          <p:cNvPr id="4" name="Picture 3">
-            <a:extLst>
-              <a:ext uri="{FF2B5EF4-FFF2-40B4-BE49-F238E27FC236}">
-                <a16:creationId xmlns:a16="http://schemas.microsoft.com/office/drawing/2014/main" id="{72B577F6-D3AE-5247-A4D2-989B0EDB0C0E}"/>
-              </a:ext>
-            </a:extLst>
-          </p:cNvPr>
-          <p:cNvPicPr>
-            <a:picLocks noChangeAspect="1"/>
-          </p:cNvPicPr>
-          <p:nvPr/>
-        </p:nvPicPr>
-        <p:blipFill>
-          <a:blip r:embed="rId4"/>
-          <a:stretch>
-            <a:fillRect/>
-          </a:stretch>
-        </p:blipFill>
-        <p:spPr>
-          <a:xfrm>
-            <a:off x="195209" y="2819798"/>
-            <a:ext cx="3821987" cy="2837140"/>
-          </a:xfrm>
-          <a:prstGeom prst="rect">
-            <a:avLst/>
-          </a:prstGeom>
-        </p:spPr>
-      </p:pic>
-    </p:spTree>
-    <p:extLst>
-      <p:ext uri="{BB962C8B-B14F-4D97-AF65-F5344CB8AC3E}">
-        <p14:creationId xmlns:p14="http://schemas.microsoft.com/office/powerpoint/2010/main" val="3197221098"/>
-      </p:ext>
-    </p:extLst>
-  </p:cSld>
-  <p:clrMapOvr>
-    <a:masterClrMapping/>
-  </p:clrMapOvr>
-</p:sld>
-</file>
-
-<file path=ppt/slides/slide19.xml><?xml version="1.0" encoding="utf-8"?>
-<p:sld xmlns:a="http://schemas.openxmlformats.org/drawingml/2006/main" xmlns:r="http://schemas.openxmlformats.org/officeDocument/2006/relationships" xmlns:p="http://schemas.openxmlformats.org/presentationml/2006/main">
-  <p:cSld>
-    <p:spTree>
-      <p:nvGrpSpPr>
-        <p:cNvPr id="1" name=""/>
-        <p:cNvGrpSpPr/>
-        <p:nvPr/>
-      </p:nvGrpSpPr>
-      <p:grpSpPr>
-        <a:xfrm>
-          <a:off x="0" y="0"/>
-          <a:ext cx="0" cy="0"/>
-          <a:chOff x="0" y="0"/>
-          <a:chExt cx="0" cy="0"/>
-        </a:xfrm>
-      </p:grpSpPr>
-      <p:sp>
-        <p:nvSpPr>
-          <p:cNvPr id="5" name="Content Placeholder 4">
-            <a:extLst>
-              <a:ext uri="{FF2B5EF4-FFF2-40B4-BE49-F238E27FC236}">
-                <a16:creationId xmlns:a16="http://schemas.microsoft.com/office/drawing/2014/main" id="{0FE295BD-6CD2-6846-AF3A-CA0AE1986E1A}"/>
-              </a:ext>
-            </a:extLst>
-          </p:cNvPr>
-          <p:cNvSpPr>
-            <a:spLocks noGrp="1"/>
-          </p:cNvSpPr>
-          <p:nvPr>
-            <p:ph sz="quarter" idx="13"/>
-          </p:nvPr>
-        </p:nvSpPr>
-        <p:spPr>
-          <a:xfrm>
-            <a:off x="467481" y="1095555"/>
-            <a:ext cx="8206256" cy="4456159"/>
-          </a:xfrm>
-        </p:spPr>
-        <p:txBody>
-          <a:bodyPr/>
-          <a:lstStyle/>
-          <a:p>
-            <a:pPr marL="0" indent="0">
-              <a:buNone/>
-            </a:pPr>
-            <a:r>
-              <a:rPr lang="en-US" sz="2200" dirty="0"/>
-              <a:t>Converting the signal into</a:t>
-            </a:r>
-          </a:p>
-          <a:p>
-            <a:pPr marL="0" indent="0">
-              <a:buNone/>
-            </a:pPr>
-            <a:r>
-              <a:rPr lang="en-US" sz="2200" cap="none" dirty="0"/>
-              <a:t>its frequency domain allows</a:t>
-            </a:r>
-          </a:p>
-          <a:p>
-            <a:pPr marL="0" indent="0">
-              <a:buNone/>
-            </a:pPr>
-            <a:r>
-              <a:rPr lang="en-US" sz="2200" dirty="0"/>
-              <a:t>us to understand its frequency</a:t>
-            </a:r>
-          </a:p>
-          <a:p>
-            <a:pPr marL="0" indent="0">
-              <a:buNone/>
-            </a:pPr>
-            <a:r>
-              <a:rPr lang="en-US" sz="2200" cap="none" dirty="0"/>
-              <a:t>content.</a:t>
-            </a:r>
-          </a:p>
-          <a:p>
-            <a:pPr marL="0" indent="0">
-              <a:buNone/>
-            </a:pPr>
-            <a:endParaRPr lang="en-US" sz="2200" cap="none" dirty="0"/>
-          </a:p>
-          <a:p>
-            <a:pPr marL="0" indent="0">
-              <a:buNone/>
-            </a:pPr>
-            <a:r>
-              <a:rPr lang="en-US" sz="2200" cap="none" dirty="0"/>
-              <a:t>What chord is this?</a:t>
-            </a:r>
-          </a:p>
-          <a:p>
-            <a:pPr marL="0" indent="0">
-              <a:buNone/>
-            </a:pPr>
-            <a:r>
-              <a:rPr lang="en-US" sz="2200" cap="none" dirty="0"/>
-              <a:t>440 Hz = A4, 880 Hz = A5, </a:t>
-            </a:r>
-          </a:p>
-          <a:p>
-            <a:pPr marL="0" indent="0">
-              <a:buNone/>
-            </a:pPr>
-            <a:r>
-              <a:rPr lang="en-US" sz="2200" cap="none" dirty="0"/>
-              <a:t>1320 Hz = E6, 1760 Hz = A6,</a:t>
-            </a:r>
-          </a:p>
-          <a:p>
-            <a:pPr marL="0" indent="0">
-              <a:buNone/>
-            </a:pPr>
-            <a:r>
-              <a:rPr lang="en-US" sz="2200" cap="none" dirty="0"/>
-              <a:t>2200 Hz = C#7</a:t>
-            </a:r>
-          </a:p>
-          <a:p>
-            <a:pPr marL="0" indent="0">
-              <a:buNone/>
-            </a:pPr>
-            <a:r>
-              <a:rPr lang="en-US" sz="2200" cap="none" dirty="0"/>
-              <a:t>The set of frequencies in a signal and their magnitudes is called the </a:t>
-            </a:r>
-            <a:r>
-              <a:rPr lang="en-US" sz="2200" b="1" cap="none" dirty="0"/>
-              <a:t>spectrum</a:t>
-            </a:r>
-            <a:r>
-              <a:rPr lang="en-US" sz="2200" cap="none" dirty="0"/>
-              <a:t> of the signal.</a:t>
-            </a:r>
-          </a:p>
-          <a:p>
-            <a:pPr marL="0" indent="0">
-              <a:buNone/>
-            </a:pPr>
-            <a:endParaRPr lang="en-US" sz="2400" cap="none" dirty="0"/>
-          </a:p>
-        </p:txBody>
-      </p:sp>
-      <p:sp>
-        <p:nvSpPr>
-          <p:cNvPr id="2" name="Title 1">
-            <a:extLst>
-              <a:ext uri="{FF2B5EF4-FFF2-40B4-BE49-F238E27FC236}">
-                <a16:creationId xmlns:a16="http://schemas.microsoft.com/office/drawing/2014/main" id="{EDE419EF-0E46-9E4D-8C75-4293CAE61F27}"/>
-              </a:ext>
-            </a:extLst>
-          </p:cNvPr>
-          <p:cNvSpPr>
-            <a:spLocks noGrp="1"/>
-          </p:cNvSpPr>
-          <p:nvPr>
-            <p:ph type="title"/>
-          </p:nvPr>
-        </p:nvSpPr>
-        <p:spPr>
-          <a:xfrm>
-            <a:off x="624264" y="426416"/>
-            <a:ext cx="7922594" cy="669139"/>
-          </a:xfrm>
-        </p:spPr>
-        <p:txBody>
-          <a:bodyPr/>
-          <a:lstStyle/>
-          <a:p>
-            <a:pPr algn="l"/>
-            <a:r>
-              <a:rPr lang="en-US" cap="none" dirty="0"/>
-              <a:t>Frequency Domain</a:t>
-            </a:r>
-          </a:p>
-        </p:txBody>
-      </p:sp>
-      <p:pic>
-        <p:nvPicPr>
-          <p:cNvPr id="6" name="Picture 5">
-            <a:extLst>
-              <a:ext uri="{FF2B5EF4-FFF2-40B4-BE49-F238E27FC236}">
-                <a16:creationId xmlns:a16="http://schemas.microsoft.com/office/drawing/2014/main" id="{2DD9A9C7-2DD0-1B47-AE4F-244E98467D2A}"/>
-              </a:ext>
-            </a:extLst>
-          </p:cNvPr>
-          <p:cNvPicPr>
-            <a:picLocks noChangeAspect="1"/>
-          </p:cNvPicPr>
-          <p:nvPr/>
-        </p:nvPicPr>
-        <p:blipFill>
-          <a:blip r:embed="rId3"/>
-          <a:stretch>
-            <a:fillRect/>
-          </a:stretch>
-        </p:blipFill>
-        <p:spPr>
-          <a:xfrm>
-            <a:off x="4165173" y="1307387"/>
-            <a:ext cx="4876086" cy="3312058"/>
-          </a:xfrm>
-          <a:prstGeom prst="rect">
-            <a:avLst/>
-          </a:prstGeom>
-        </p:spPr>
-      </p:pic>
-    </p:spTree>
-    <p:extLst>
-      <p:ext uri="{BB962C8B-B14F-4D97-AF65-F5344CB8AC3E}">
-        <p14:creationId xmlns:p14="http://schemas.microsoft.com/office/powerpoint/2010/main" val="1403344207"/>
-      </p:ext>
-    </p:extLst>
-  </p:cSld>
-  <p:clrMapOvr>
-    <a:masterClrMapping/>
-  </p:clrMapOvr>
-</p:sld>
-</file>
-
 <file path=ppt/slides/slide2.xml><?xml version="1.0" encoding="utf-8"?>
 <p:sld xmlns:a="http://schemas.openxmlformats.org/drawingml/2006/main" xmlns:r="http://schemas.openxmlformats.org/officeDocument/2006/relationships" xmlns:p="http://schemas.openxmlformats.org/presentationml/2006/main">
   <p:cSld>
@@ -12186,6 +13873,1084 @@
 </file>
 
 <file path=ppt/slides/slide20.xml><?xml version="1.0" encoding="utf-8"?>
+<p:sld xmlns:a="http://schemas.openxmlformats.org/drawingml/2006/main" xmlns:r="http://schemas.openxmlformats.org/officeDocument/2006/relationships" xmlns:p="http://schemas.openxmlformats.org/presentationml/2006/main">
+  <p:cSld>
+    <p:spTree>
+      <p:nvGrpSpPr>
+        <p:cNvPr id="1" name=""/>
+        <p:cNvGrpSpPr/>
+        <p:nvPr/>
+      </p:nvGrpSpPr>
+      <p:grpSpPr>
+        <a:xfrm>
+          <a:off x="0" y="0"/>
+          <a:ext cx="0" cy="0"/>
+          <a:chOff x="0" y="0"/>
+          <a:chExt cx="0" cy="0"/>
+        </a:xfrm>
+      </p:grpSpPr>
+      <p:sp>
+        <p:nvSpPr>
+          <p:cNvPr id="5" name="Content Placeholder 4">
+            <a:extLst>
+              <a:ext uri="{FF2B5EF4-FFF2-40B4-BE49-F238E27FC236}">
+                <a16:creationId xmlns:a16="http://schemas.microsoft.com/office/drawing/2014/main" id="{0FE295BD-6CD2-6846-AF3A-CA0AE1986E1A}"/>
+              </a:ext>
+            </a:extLst>
+          </p:cNvPr>
+          <p:cNvSpPr>
+            <a:spLocks noGrp="1"/>
+          </p:cNvSpPr>
+          <p:nvPr>
+            <p:ph sz="quarter" idx="13"/>
+          </p:nvPr>
+        </p:nvSpPr>
+        <p:spPr>
+          <a:xfrm>
+            <a:off x="467481" y="1095555"/>
+            <a:ext cx="8206256" cy="4456159"/>
+          </a:xfrm>
+        </p:spPr>
+        <p:txBody>
+          <a:bodyPr>
+            <a:noAutofit/>
+          </a:bodyPr>
+          <a:lstStyle/>
+          <a:p>
+            <a:pPr marL="0" indent="0">
+              <a:buNone/>
+            </a:pPr>
+            <a:endParaRPr lang="en-US" sz="2200" cap="none" dirty="0"/>
+          </a:p>
+          <a:p>
+            <a:pPr marL="0" indent="0">
+              <a:buNone/>
+            </a:pPr>
+            <a:endParaRPr lang="en-US" sz="2200" cap="none" dirty="0"/>
+          </a:p>
+          <a:p>
+            <a:pPr marL="0" indent="0">
+              <a:buNone/>
+            </a:pPr>
+            <a:r>
+              <a:rPr lang="en-US" sz="2200" cap="none" dirty="0"/>
+              <a:t>In the </a:t>
+            </a:r>
+            <a:r>
+              <a:rPr lang="en-US" sz="2200" b="1" cap="none" dirty="0"/>
+              <a:t>time domain</a:t>
+            </a:r>
+            <a:r>
+              <a:rPr lang="en-US" sz="2200" cap="none" dirty="0"/>
+              <a:t>, the voltage/current signal is a function of time. </a:t>
+            </a:r>
+          </a:p>
+          <a:p>
+            <a:pPr marL="0" indent="0">
+              <a:buNone/>
+            </a:pPr>
+            <a:endParaRPr lang="en-US" sz="2200" cap="none" dirty="0"/>
+          </a:p>
+          <a:p>
+            <a:pPr marL="0" indent="0">
+              <a:buNone/>
+            </a:pPr>
+            <a:r>
+              <a:rPr lang="en-US" sz="2200" cap="none" dirty="0"/>
+              <a:t>In the </a:t>
+            </a:r>
+            <a:r>
+              <a:rPr lang="en-US" sz="2200" b="1" cap="none" dirty="0"/>
+              <a:t>frequency domain</a:t>
+            </a:r>
+            <a:r>
+              <a:rPr lang="en-US" sz="2200" cap="none" dirty="0"/>
+              <a:t>, the signal is represented as a function of frequencies that are present in the signal.</a:t>
+            </a:r>
+          </a:p>
+          <a:p>
+            <a:pPr marL="0" indent="0">
+              <a:buNone/>
+            </a:pPr>
+            <a:endParaRPr lang="en-US" sz="2200" cap="none" dirty="0"/>
+          </a:p>
+          <a:p>
+            <a:pPr marL="0" indent="0">
+              <a:buNone/>
+            </a:pPr>
+            <a:r>
+              <a:rPr lang="en-US" sz="2200" cap="none" dirty="0"/>
+              <a:t>.</a:t>
+            </a:r>
+          </a:p>
+        </p:txBody>
+      </p:sp>
+      <p:sp>
+        <p:nvSpPr>
+          <p:cNvPr id="2" name="Title 1">
+            <a:extLst>
+              <a:ext uri="{FF2B5EF4-FFF2-40B4-BE49-F238E27FC236}">
+                <a16:creationId xmlns:a16="http://schemas.microsoft.com/office/drawing/2014/main" id="{EDE419EF-0E46-9E4D-8C75-4293CAE61F27}"/>
+              </a:ext>
+            </a:extLst>
+          </p:cNvPr>
+          <p:cNvSpPr>
+            <a:spLocks noGrp="1"/>
+          </p:cNvSpPr>
+          <p:nvPr>
+            <p:ph type="title"/>
+          </p:nvPr>
+        </p:nvSpPr>
+        <p:spPr>
+          <a:xfrm>
+            <a:off x="624264" y="426416"/>
+            <a:ext cx="7922594" cy="669139"/>
+          </a:xfrm>
+        </p:spPr>
+        <p:txBody>
+          <a:bodyPr/>
+          <a:lstStyle/>
+          <a:p>
+            <a:pPr algn="l"/>
+            <a:r>
+              <a:rPr lang="en-US" cap="none" dirty="0"/>
+              <a:t>Time vs Frequency Domains</a:t>
+            </a:r>
+          </a:p>
+        </p:txBody>
+      </p:sp>
+    </p:spTree>
+    <p:extLst>
+      <p:ext uri="{BB962C8B-B14F-4D97-AF65-F5344CB8AC3E}">
+        <p14:creationId xmlns:p14="http://schemas.microsoft.com/office/powerpoint/2010/main" val="505813736"/>
+      </p:ext>
+    </p:extLst>
+  </p:cSld>
+  <p:clrMapOvr>
+    <a:masterClrMapping/>
+  </p:clrMapOvr>
+  <p:timing>
+    <p:tnLst>
+      <p:par>
+        <p:cTn id="1" dur="indefinite" restart="never" nodeType="tmRoot">
+          <p:childTnLst>
+            <p:seq concurrent="1" nextAc="seek">
+              <p:cTn id="2" dur="indefinite" nodeType="mainSeq">
+                <p:childTnLst>
+                  <p:par>
+                    <p:cTn id="3" fill="hold">
+                      <p:stCondLst>
+                        <p:cond delay="indefinite"/>
+                      </p:stCondLst>
+                      <p:childTnLst>
+                        <p:par>
+                          <p:cTn id="4" fill="hold">
+                            <p:stCondLst>
+                              <p:cond delay="0"/>
+                            </p:stCondLst>
+                            <p:childTnLst>
+                              <p:par>
+                                <p:cTn id="5" presetID="1" presetClass="entr" presetSubtype="0" fill="hold" nodeType="clickEffect">
+                                  <p:stCondLst>
+                                    <p:cond delay="0"/>
+                                  </p:stCondLst>
+                                  <p:childTnLst>
+                                    <p:set>
+                                      <p:cBhvr>
+                                        <p:cTn id="6" dur="1" fill="hold">
+                                          <p:stCondLst>
+                                            <p:cond delay="0"/>
+                                          </p:stCondLst>
+                                        </p:cTn>
+                                        <p:tgtEl>
+                                          <p:spTgt spid="5">
+                                            <p:txEl>
+                                              <p:pRg st="4" end="4"/>
+                                            </p:txEl>
+                                          </p:spTgt>
+                                        </p:tgtEl>
+                                        <p:attrNameLst>
+                                          <p:attrName>style.visibility</p:attrName>
+                                        </p:attrNameLst>
+                                      </p:cBhvr>
+                                      <p:to>
+                                        <p:strVal val="visible"/>
+                                      </p:to>
+                                    </p:set>
+                                  </p:childTnLst>
+                                </p:cTn>
+                              </p:par>
+                            </p:childTnLst>
+                          </p:cTn>
+                        </p:par>
+                      </p:childTnLst>
+                    </p:cTn>
+                  </p:par>
+                </p:childTnLst>
+              </p:cTn>
+              <p:prevCondLst>
+                <p:cond evt="onPrev" delay="0">
+                  <p:tgtEl>
+                    <p:sldTgt/>
+                  </p:tgtEl>
+                </p:cond>
+              </p:prevCondLst>
+              <p:nextCondLst>
+                <p:cond evt="onNext" delay="0">
+                  <p:tgtEl>
+                    <p:sldTgt/>
+                  </p:tgtEl>
+                </p:cond>
+              </p:nextCondLst>
+            </p:seq>
+          </p:childTnLst>
+        </p:cTn>
+      </p:par>
+    </p:tnLst>
+  </p:timing>
+</p:sld>
+</file>
+
+<file path=ppt/slides/slide21.xml><?xml version="1.0" encoding="utf-8"?>
+<p:sld xmlns:a="http://schemas.openxmlformats.org/drawingml/2006/main" xmlns:r="http://schemas.openxmlformats.org/officeDocument/2006/relationships" xmlns:p="http://schemas.openxmlformats.org/presentationml/2006/main">
+  <p:cSld>
+    <p:spTree>
+      <p:nvGrpSpPr>
+        <p:cNvPr id="1" name=""/>
+        <p:cNvGrpSpPr/>
+        <p:nvPr/>
+      </p:nvGrpSpPr>
+      <p:grpSpPr>
+        <a:xfrm>
+          <a:off x="0" y="0"/>
+          <a:ext cx="0" cy="0"/>
+          <a:chOff x="0" y="0"/>
+          <a:chExt cx="0" cy="0"/>
+        </a:xfrm>
+      </p:grpSpPr>
+      <p:sp>
+        <p:nvSpPr>
+          <p:cNvPr id="5" name="Content Placeholder 4">
+            <a:extLst>
+              <a:ext uri="{FF2B5EF4-FFF2-40B4-BE49-F238E27FC236}">
+                <a16:creationId xmlns:a16="http://schemas.microsoft.com/office/drawing/2014/main" id="{0FE295BD-6CD2-6846-AF3A-CA0AE1986E1A}"/>
+              </a:ext>
+            </a:extLst>
+          </p:cNvPr>
+          <p:cNvSpPr>
+            <a:spLocks noGrp="1"/>
+          </p:cNvSpPr>
+          <p:nvPr>
+            <p:ph sz="quarter" idx="13"/>
+          </p:nvPr>
+        </p:nvSpPr>
+        <p:spPr>
+          <a:xfrm>
+            <a:off x="467481" y="1095555"/>
+            <a:ext cx="8206256" cy="4456159"/>
+          </a:xfrm>
+        </p:spPr>
+        <p:txBody>
+          <a:bodyPr>
+            <a:normAutofit/>
+          </a:bodyPr>
+          <a:lstStyle/>
+          <a:p>
+            <a:pPr marL="0" indent="0">
+              <a:buNone/>
+            </a:pPr>
+            <a:r>
+              <a:rPr lang="en-US" sz="2200" dirty="0"/>
+              <a:t>The signal in the time domain is very difficult to analyze. It is hard to know what sound is generated by the plot below. </a:t>
+            </a:r>
+          </a:p>
+          <a:p>
+            <a:pPr marL="0" indent="0">
+              <a:buNone/>
+            </a:pPr>
+            <a:endParaRPr lang="en-US" sz="2200" dirty="0"/>
+          </a:p>
+          <a:p>
+            <a:pPr marL="0" indent="0">
+              <a:buNone/>
+            </a:pPr>
+            <a:r>
+              <a:rPr lang="en-US" sz="2200" dirty="0"/>
+              <a:t>The right plot is the zoomed in version of the left.</a:t>
+            </a:r>
+          </a:p>
+          <a:p>
+            <a:pPr marL="0" indent="0">
+              <a:buNone/>
+            </a:pPr>
+            <a:endParaRPr lang="en-US" sz="2200" dirty="0"/>
+          </a:p>
+          <a:p>
+            <a:pPr marL="0" indent="0">
+              <a:buNone/>
+            </a:pPr>
+            <a:endParaRPr lang="en-US" sz="2200" cap="none" dirty="0"/>
+          </a:p>
+          <a:p>
+            <a:pPr marL="0" indent="0">
+              <a:buNone/>
+            </a:pPr>
+            <a:endParaRPr lang="en-US" sz="2200" cap="none" dirty="0"/>
+          </a:p>
+        </p:txBody>
+      </p:sp>
+      <p:sp>
+        <p:nvSpPr>
+          <p:cNvPr id="2" name="Title 1">
+            <a:extLst>
+              <a:ext uri="{FF2B5EF4-FFF2-40B4-BE49-F238E27FC236}">
+                <a16:creationId xmlns:a16="http://schemas.microsoft.com/office/drawing/2014/main" id="{EDE419EF-0E46-9E4D-8C75-4293CAE61F27}"/>
+              </a:ext>
+            </a:extLst>
+          </p:cNvPr>
+          <p:cNvSpPr>
+            <a:spLocks noGrp="1"/>
+          </p:cNvSpPr>
+          <p:nvPr>
+            <p:ph type="title"/>
+          </p:nvPr>
+        </p:nvSpPr>
+        <p:spPr>
+          <a:xfrm>
+            <a:off x="624264" y="426416"/>
+            <a:ext cx="7922594" cy="669139"/>
+          </a:xfrm>
+        </p:spPr>
+        <p:txBody>
+          <a:bodyPr/>
+          <a:lstStyle/>
+          <a:p>
+            <a:pPr algn="l"/>
+            <a:r>
+              <a:rPr lang="en-US" cap="none" dirty="0"/>
+              <a:t>Time Domain</a:t>
+            </a:r>
+          </a:p>
+        </p:txBody>
+      </p:sp>
+      <p:pic>
+        <p:nvPicPr>
+          <p:cNvPr id="3" name="Picture 2">
+            <a:extLst>
+              <a:ext uri="{FF2B5EF4-FFF2-40B4-BE49-F238E27FC236}">
+                <a16:creationId xmlns:a16="http://schemas.microsoft.com/office/drawing/2014/main" id="{52652FC3-3A1D-BE44-B364-D1FA4337B491}"/>
+              </a:ext>
+            </a:extLst>
+          </p:cNvPr>
+          <p:cNvPicPr>
+            <a:picLocks noChangeAspect="1"/>
+          </p:cNvPicPr>
+          <p:nvPr/>
+        </p:nvPicPr>
+        <p:blipFill>
+          <a:blip r:embed="rId3"/>
+          <a:stretch>
+            <a:fillRect/>
+          </a:stretch>
+        </p:blipFill>
+        <p:spPr>
+          <a:xfrm>
+            <a:off x="4164320" y="2906298"/>
+            <a:ext cx="3821988" cy="2714625"/>
+          </a:xfrm>
+          <a:prstGeom prst="rect">
+            <a:avLst/>
+          </a:prstGeom>
+        </p:spPr>
+      </p:pic>
+      <p:pic>
+        <p:nvPicPr>
+          <p:cNvPr id="4" name="Picture 3">
+            <a:extLst>
+              <a:ext uri="{FF2B5EF4-FFF2-40B4-BE49-F238E27FC236}">
+                <a16:creationId xmlns:a16="http://schemas.microsoft.com/office/drawing/2014/main" id="{72B577F6-D3AE-5247-A4D2-989B0EDB0C0E}"/>
+              </a:ext>
+            </a:extLst>
+          </p:cNvPr>
+          <p:cNvPicPr>
+            <a:picLocks noChangeAspect="1"/>
+          </p:cNvPicPr>
+          <p:nvPr/>
+        </p:nvPicPr>
+        <p:blipFill>
+          <a:blip r:embed="rId4"/>
+          <a:stretch>
+            <a:fillRect/>
+          </a:stretch>
+        </p:blipFill>
+        <p:spPr>
+          <a:xfrm>
+            <a:off x="195209" y="2819798"/>
+            <a:ext cx="3821987" cy="2837140"/>
+          </a:xfrm>
+          <a:prstGeom prst="rect">
+            <a:avLst/>
+          </a:prstGeom>
+        </p:spPr>
+      </p:pic>
+    </p:spTree>
+    <p:extLst>
+      <p:ext uri="{BB962C8B-B14F-4D97-AF65-F5344CB8AC3E}">
+        <p14:creationId xmlns:p14="http://schemas.microsoft.com/office/powerpoint/2010/main" val="3197221098"/>
+      </p:ext>
+    </p:extLst>
+  </p:cSld>
+  <p:clrMapOvr>
+    <a:masterClrMapping/>
+  </p:clrMapOvr>
+  <p:timing>
+    <p:tnLst>
+      <p:par>
+        <p:cTn id="1" dur="indefinite" restart="never" nodeType="tmRoot">
+          <p:childTnLst>
+            <p:seq concurrent="1" nextAc="seek">
+              <p:cTn id="2" dur="indefinite" nodeType="mainSeq">
+                <p:childTnLst>
+                  <p:par>
+                    <p:cTn id="3" fill="hold">
+                      <p:stCondLst>
+                        <p:cond delay="indefinite"/>
+                      </p:stCondLst>
+                      <p:childTnLst>
+                        <p:par>
+                          <p:cTn id="4" fill="hold">
+                            <p:stCondLst>
+                              <p:cond delay="0"/>
+                            </p:stCondLst>
+                            <p:childTnLst>
+                              <p:par>
+                                <p:cTn id="5" presetID="1" presetClass="entr" presetSubtype="0" fill="hold" nodeType="clickEffect">
+                                  <p:stCondLst>
+                                    <p:cond delay="0"/>
+                                  </p:stCondLst>
+                                  <p:childTnLst>
+                                    <p:set>
+                                      <p:cBhvr>
+                                        <p:cTn id="6" dur="1" fill="hold">
+                                          <p:stCondLst>
+                                            <p:cond delay="0"/>
+                                          </p:stCondLst>
+                                        </p:cTn>
+                                        <p:tgtEl>
+                                          <p:spTgt spid="4"/>
+                                        </p:tgtEl>
+                                        <p:attrNameLst>
+                                          <p:attrName>style.visibility</p:attrName>
+                                        </p:attrNameLst>
+                                      </p:cBhvr>
+                                      <p:to>
+                                        <p:strVal val="visible"/>
+                                      </p:to>
+                                    </p:set>
+                                  </p:childTnLst>
+                                </p:cTn>
+                              </p:par>
+                              <p:par>
+                                <p:cTn id="7" presetID="1" presetClass="entr" presetSubtype="0" fill="hold" nodeType="withEffect">
+                                  <p:stCondLst>
+                                    <p:cond delay="0"/>
+                                  </p:stCondLst>
+                                  <p:childTnLst>
+                                    <p:set>
+                                      <p:cBhvr>
+                                        <p:cTn id="8" dur="1" fill="hold">
+                                          <p:stCondLst>
+                                            <p:cond delay="0"/>
+                                          </p:stCondLst>
+                                        </p:cTn>
+                                        <p:tgtEl>
+                                          <p:spTgt spid="3"/>
+                                        </p:tgtEl>
+                                        <p:attrNameLst>
+                                          <p:attrName>style.visibility</p:attrName>
+                                        </p:attrNameLst>
+                                      </p:cBhvr>
+                                      <p:to>
+                                        <p:strVal val="visible"/>
+                                      </p:to>
+                                    </p:set>
+                                  </p:childTnLst>
+                                </p:cTn>
+                              </p:par>
+                            </p:childTnLst>
+                          </p:cTn>
+                        </p:par>
+                      </p:childTnLst>
+                    </p:cTn>
+                  </p:par>
+                </p:childTnLst>
+              </p:cTn>
+              <p:prevCondLst>
+                <p:cond evt="onPrev" delay="0">
+                  <p:tgtEl>
+                    <p:sldTgt/>
+                  </p:tgtEl>
+                </p:cond>
+              </p:prevCondLst>
+              <p:nextCondLst>
+                <p:cond evt="onNext" delay="0">
+                  <p:tgtEl>
+                    <p:sldTgt/>
+                  </p:tgtEl>
+                </p:cond>
+              </p:nextCondLst>
+            </p:seq>
+          </p:childTnLst>
+        </p:cTn>
+      </p:par>
+    </p:tnLst>
+  </p:timing>
+</p:sld>
+</file>
+
+<file path=ppt/slides/slide22.xml><?xml version="1.0" encoding="utf-8"?>
+<p:sld xmlns:a="http://schemas.openxmlformats.org/drawingml/2006/main" xmlns:r="http://schemas.openxmlformats.org/officeDocument/2006/relationships" xmlns:p="http://schemas.openxmlformats.org/presentationml/2006/main">
+  <p:cSld>
+    <p:spTree>
+      <p:nvGrpSpPr>
+        <p:cNvPr id="1" name=""/>
+        <p:cNvGrpSpPr/>
+        <p:nvPr/>
+      </p:nvGrpSpPr>
+      <p:grpSpPr>
+        <a:xfrm>
+          <a:off x="0" y="0"/>
+          <a:ext cx="0" cy="0"/>
+          <a:chOff x="0" y="0"/>
+          <a:chExt cx="0" cy="0"/>
+        </a:xfrm>
+      </p:grpSpPr>
+      <p:sp>
+        <p:nvSpPr>
+          <p:cNvPr id="5" name="Content Placeholder 4">
+            <a:extLst>
+              <a:ext uri="{FF2B5EF4-FFF2-40B4-BE49-F238E27FC236}">
+                <a16:creationId xmlns:a16="http://schemas.microsoft.com/office/drawing/2014/main" id="{0FE295BD-6CD2-6846-AF3A-CA0AE1986E1A}"/>
+              </a:ext>
+            </a:extLst>
+          </p:cNvPr>
+          <p:cNvSpPr>
+            <a:spLocks noGrp="1"/>
+          </p:cNvSpPr>
+          <p:nvPr>
+            <p:ph sz="quarter" idx="13"/>
+          </p:nvPr>
+        </p:nvSpPr>
+        <p:spPr>
+          <a:xfrm>
+            <a:off x="467481" y="1095555"/>
+            <a:ext cx="8206256" cy="4456159"/>
+          </a:xfrm>
+        </p:spPr>
+        <p:txBody>
+          <a:bodyPr/>
+          <a:lstStyle/>
+          <a:p>
+            <a:pPr marL="0" indent="0">
+              <a:buNone/>
+            </a:pPr>
+            <a:r>
+              <a:rPr lang="en-US" sz="2200" dirty="0"/>
+              <a:t>Converting the signal into</a:t>
+            </a:r>
+          </a:p>
+          <a:p>
+            <a:pPr marL="0" indent="0">
+              <a:buNone/>
+            </a:pPr>
+            <a:r>
+              <a:rPr lang="en-US" sz="2200" cap="none" dirty="0"/>
+              <a:t>its frequency domain allows</a:t>
+            </a:r>
+          </a:p>
+          <a:p>
+            <a:pPr marL="0" indent="0">
+              <a:buNone/>
+            </a:pPr>
+            <a:r>
+              <a:rPr lang="en-US" sz="2200" dirty="0"/>
+              <a:t>us to understand its frequency</a:t>
+            </a:r>
+          </a:p>
+          <a:p>
+            <a:pPr marL="0" indent="0">
+              <a:buNone/>
+            </a:pPr>
+            <a:r>
+              <a:rPr lang="en-US" sz="2200" cap="none" dirty="0"/>
+              <a:t>content.</a:t>
+            </a:r>
+          </a:p>
+          <a:p>
+            <a:pPr marL="0" indent="0">
+              <a:buNone/>
+            </a:pPr>
+            <a:endParaRPr lang="en-US" sz="2200" cap="none" dirty="0"/>
+          </a:p>
+          <a:p>
+            <a:pPr marL="0" indent="0">
+              <a:buNone/>
+            </a:pPr>
+            <a:r>
+              <a:rPr lang="en-US" sz="2200" cap="none" dirty="0"/>
+              <a:t>What chord is this?</a:t>
+            </a:r>
+          </a:p>
+          <a:p>
+            <a:pPr marL="0" indent="0">
+              <a:buNone/>
+            </a:pPr>
+            <a:r>
+              <a:rPr lang="en-US" sz="2200" cap="none" dirty="0"/>
+              <a:t>440 Hz = A4, 880 Hz = A5, </a:t>
+            </a:r>
+          </a:p>
+          <a:p>
+            <a:pPr marL="0" indent="0">
+              <a:buNone/>
+            </a:pPr>
+            <a:r>
+              <a:rPr lang="en-US" sz="2200" cap="none" dirty="0"/>
+              <a:t>1320 Hz = E6, 1760 Hz = A6,</a:t>
+            </a:r>
+          </a:p>
+          <a:p>
+            <a:pPr marL="0" indent="0">
+              <a:buNone/>
+            </a:pPr>
+            <a:r>
+              <a:rPr lang="en-US" sz="2200" cap="none" dirty="0"/>
+              <a:t>2200 Hz = C#7</a:t>
+            </a:r>
+          </a:p>
+          <a:p>
+            <a:pPr marL="0" indent="0">
+              <a:buNone/>
+            </a:pPr>
+            <a:r>
+              <a:rPr lang="en-US" sz="2200" cap="none" dirty="0"/>
+              <a:t>The set of frequencies in a signal and their magnitudes is called the </a:t>
+            </a:r>
+            <a:r>
+              <a:rPr lang="en-US" sz="2200" b="1" cap="none" dirty="0"/>
+              <a:t>spectrum</a:t>
+            </a:r>
+            <a:r>
+              <a:rPr lang="en-US" sz="2200" cap="none" dirty="0"/>
+              <a:t> of the signal.</a:t>
+            </a:r>
+          </a:p>
+          <a:p>
+            <a:pPr marL="0" indent="0">
+              <a:buNone/>
+            </a:pPr>
+            <a:endParaRPr lang="en-US" sz="2400" cap="none" dirty="0"/>
+          </a:p>
+        </p:txBody>
+      </p:sp>
+      <p:sp>
+        <p:nvSpPr>
+          <p:cNvPr id="2" name="Title 1">
+            <a:extLst>
+              <a:ext uri="{FF2B5EF4-FFF2-40B4-BE49-F238E27FC236}">
+                <a16:creationId xmlns:a16="http://schemas.microsoft.com/office/drawing/2014/main" id="{EDE419EF-0E46-9E4D-8C75-4293CAE61F27}"/>
+              </a:ext>
+            </a:extLst>
+          </p:cNvPr>
+          <p:cNvSpPr>
+            <a:spLocks noGrp="1"/>
+          </p:cNvSpPr>
+          <p:nvPr>
+            <p:ph type="title"/>
+          </p:nvPr>
+        </p:nvSpPr>
+        <p:spPr>
+          <a:xfrm>
+            <a:off x="624264" y="426416"/>
+            <a:ext cx="7922594" cy="669139"/>
+          </a:xfrm>
+        </p:spPr>
+        <p:txBody>
+          <a:bodyPr/>
+          <a:lstStyle/>
+          <a:p>
+            <a:pPr algn="l"/>
+            <a:r>
+              <a:rPr lang="en-US" cap="none" dirty="0"/>
+              <a:t>Frequency Domain</a:t>
+            </a:r>
+          </a:p>
+        </p:txBody>
+      </p:sp>
+      <p:pic>
+        <p:nvPicPr>
+          <p:cNvPr id="6" name="Picture 5">
+            <a:extLst>
+              <a:ext uri="{FF2B5EF4-FFF2-40B4-BE49-F238E27FC236}">
+                <a16:creationId xmlns:a16="http://schemas.microsoft.com/office/drawing/2014/main" id="{2DD9A9C7-2DD0-1B47-AE4F-244E98467D2A}"/>
+              </a:ext>
+            </a:extLst>
+          </p:cNvPr>
+          <p:cNvPicPr>
+            <a:picLocks noChangeAspect="1"/>
+          </p:cNvPicPr>
+          <p:nvPr/>
+        </p:nvPicPr>
+        <p:blipFill>
+          <a:blip r:embed="rId3"/>
+          <a:stretch>
+            <a:fillRect/>
+          </a:stretch>
+        </p:blipFill>
+        <p:spPr>
+          <a:xfrm>
+            <a:off x="4165173" y="1307387"/>
+            <a:ext cx="4876086" cy="3312058"/>
+          </a:xfrm>
+          <a:prstGeom prst="rect">
+            <a:avLst/>
+          </a:prstGeom>
+        </p:spPr>
+      </p:pic>
+    </p:spTree>
+    <p:extLst>
+      <p:ext uri="{BB962C8B-B14F-4D97-AF65-F5344CB8AC3E}">
+        <p14:creationId xmlns:p14="http://schemas.microsoft.com/office/powerpoint/2010/main" val="1403344207"/>
+      </p:ext>
+    </p:extLst>
+  </p:cSld>
+  <p:clrMapOvr>
+    <a:masterClrMapping/>
+  </p:clrMapOvr>
+  <p:timing>
+    <p:tnLst>
+      <p:par>
+        <p:cTn id="1" dur="indefinite" restart="never" nodeType="tmRoot">
+          <p:childTnLst>
+            <p:seq concurrent="1" nextAc="seek">
+              <p:cTn id="2" dur="indefinite" nodeType="mainSeq">
+                <p:childTnLst>
+                  <p:par>
+                    <p:cTn id="3" fill="hold">
+                      <p:stCondLst>
+                        <p:cond delay="indefinite"/>
+                      </p:stCondLst>
+                      <p:childTnLst>
+                        <p:par>
+                          <p:cTn id="4" fill="hold">
+                            <p:stCondLst>
+                              <p:cond delay="0"/>
+                            </p:stCondLst>
+                            <p:childTnLst>
+                              <p:par>
+                                <p:cTn id="5" presetID="1" presetClass="entr" presetSubtype="0" fill="hold" nodeType="clickEffect">
+                                  <p:stCondLst>
+                                    <p:cond delay="0"/>
+                                  </p:stCondLst>
+                                  <p:childTnLst>
+                                    <p:set>
+                                      <p:cBhvr>
+                                        <p:cTn id="6" dur="1" fill="hold">
+                                          <p:stCondLst>
+                                            <p:cond delay="0"/>
+                                          </p:stCondLst>
+                                        </p:cTn>
+                                        <p:tgtEl>
+                                          <p:spTgt spid="6"/>
+                                        </p:tgtEl>
+                                        <p:attrNameLst>
+                                          <p:attrName>style.visibility</p:attrName>
+                                        </p:attrNameLst>
+                                      </p:cBhvr>
+                                      <p:to>
+                                        <p:strVal val="visible"/>
+                                      </p:to>
+                                    </p:set>
+                                  </p:childTnLst>
+                                </p:cTn>
+                              </p:par>
+                            </p:childTnLst>
+                          </p:cTn>
+                        </p:par>
+                      </p:childTnLst>
+                    </p:cTn>
+                  </p:par>
+                  <p:par>
+                    <p:cTn id="7" fill="hold">
+                      <p:stCondLst>
+                        <p:cond delay="indefinite"/>
+                      </p:stCondLst>
+                      <p:childTnLst>
+                        <p:par>
+                          <p:cTn id="8" fill="hold">
+                            <p:stCondLst>
+                              <p:cond delay="0"/>
+                            </p:stCondLst>
+                            <p:childTnLst>
+                              <p:par>
+                                <p:cTn id="9" presetID="1" presetClass="entr" presetSubtype="0" fill="hold" nodeType="clickEffect">
+                                  <p:stCondLst>
+                                    <p:cond delay="0"/>
+                                  </p:stCondLst>
+                                  <p:childTnLst>
+                                    <p:set>
+                                      <p:cBhvr>
+                                        <p:cTn id="10" dur="1" fill="hold">
+                                          <p:stCondLst>
+                                            <p:cond delay="0"/>
+                                          </p:stCondLst>
+                                        </p:cTn>
+                                        <p:tgtEl>
+                                          <p:spTgt spid="5">
+                                            <p:txEl>
+                                              <p:pRg st="5" end="5"/>
+                                            </p:txEl>
+                                          </p:spTgt>
+                                        </p:tgtEl>
+                                        <p:attrNameLst>
+                                          <p:attrName>style.visibility</p:attrName>
+                                        </p:attrNameLst>
+                                      </p:cBhvr>
+                                      <p:to>
+                                        <p:strVal val="visible"/>
+                                      </p:to>
+                                    </p:set>
+                                  </p:childTnLst>
+                                </p:cTn>
+                              </p:par>
+                            </p:childTnLst>
+                          </p:cTn>
+                        </p:par>
+                      </p:childTnLst>
+                    </p:cTn>
+                  </p:par>
+                  <p:par>
+                    <p:cTn id="11" fill="hold">
+                      <p:stCondLst>
+                        <p:cond delay="indefinite"/>
+                      </p:stCondLst>
+                      <p:childTnLst>
+                        <p:par>
+                          <p:cTn id="12" fill="hold">
+                            <p:stCondLst>
+                              <p:cond delay="0"/>
+                            </p:stCondLst>
+                            <p:childTnLst>
+                              <p:par>
+                                <p:cTn id="13" presetID="1" presetClass="entr" presetSubtype="0" fill="hold" nodeType="clickEffect">
+                                  <p:stCondLst>
+                                    <p:cond delay="0"/>
+                                  </p:stCondLst>
+                                  <p:childTnLst>
+                                    <p:set>
+                                      <p:cBhvr>
+                                        <p:cTn id="14" dur="1" fill="hold">
+                                          <p:stCondLst>
+                                            <p:cond delay="0"/>
+                                          </p:stCondLst>
+                                        </p:cTn>
+                                        <p:tgtEl>
+                                          <p:spTgt spid="5">
+                                            <p:txEl>
+                                              <p:pRg st="6" end="6"/>
+                                            </p:txEl>
+                                          </p:spTgt>
+                                        </p:tgtEl>
+                                        <p:attrNameLst>
+                                          <p:attrName>style.visibility</p:attrName>
+                                        </p:attrNameLst>
+                                      </p:cBhvr>
+                                      <p:to>
+                                        <p:strVal val="visible"/>
+                                      </p:to>
+                                    </p:set>
+                                  </p:childTnLst>
+                                </p:cTn>
+                              </p:par>
+                            </p:childTnLst>
+                          </p:cTn>
+                        </p:par>
+                      </p:childTnLst>
+                    </p:cTn>
+                  </p:par>
+                  <p:par>
+                    <p:cTn id="15" fill="hold">
+                      <p:stCondLst>
+                        <p:cond delay="indefinite"/>
+                      </p:stCondLst>
+                      <p:childTnLst>
+                        <p:par>
+                          <p:cTn id="16" fill="hold">
+                            <p:stCondLst>
+                              <p:cond delay="0"/>
+                            </p:stCondLst>
+                            <p:childTnLst>
+                              <p:par>
+                                <p:cTn id="17" presetID="1" presetClass="entr" presetSubtype="0" fill="hold" nodeType="clickEffect">
+                                  <p:stCondLst>
+                                    <p:cond delay="0"/>
+                                  </p:stCondLst>
+                                  <p:childTnLst>
+                                    <p:set>
+                                      <p:cBhvr>
+                                        <p:cTn id="18" dur="1" fill="hold">
+                                          <p:stCondLst>
+                                            <p:cond delay="0"/>
+                                          </p:stCondLst>
+                                        </p:cTn>
+                                        <p:tgtEl>
+                                          <p:spTgt spid="5">
+                                            <p:txEl>
+                                              <p:pRg st="7" end="7"/>
+                                            </p:txEl>
+                                          </p:spTgt>
+                                        </p:tgtEl>
+                                        <p:attrNameLst>
+                                          <p:attrName>style.visibility</p:attrName>
+                                        </p:attrNameLst>
+                                      </p:cBhvr>
+                                      <p:to>
+                                        <p:strVal val="visible"/>
+                                      </p:to>
+                                    </p:set>
+                                  </p:childTnLst>
+                                </p:cTn>
+                              </p:par>
+                            </p:childTnLst>
+                          </p:cTn>
+                        </p:par>
+                      </p:childTnLst>
+                    </p:cTn>
+                  </p:par>
+                  <p:par>
+                    <p:cTn id="19" fill="hold">
+                      <p:stCondLst>
+                        <p:cond delay="indefinite"/>
+                      </p:stCondLst>
+                      <p:childTnLst>
+                        <p:par>
+                          <p:cTn id="20" fill="hold">
+                            <p:stCondLst>
+                              <p:cond delay="0"/>
+                            </p:stCondLst>
+                            <p:childTnLst>
+                              <p:par>
+                                <p:cTn id="21" presetID="1" presetClass="entr" presetSubtype="0" fill="hold" nodeType="clickEffect">
+                                  <p:stCondLst>
+                                    <p:cond delay="0"/>
+                                  </p:stCondLst>
+                                  <p:childTnLst>
+                                    <p:set>
+                                      <p:cBhvr>
+                                        <p:cTn id="22" dur="1" fill="hold">
+                                          <p:stCondLst>
+                                            <p:cond delay="0"/>
+                                          </p:stCondLst>
+                                        </p:cTn>
+                                        <p:tgtEl>
+                                          <p:spTgt spid="5">
+                                            <p:txEl>
+                                              <p:pRg st="8" end="8"/>
+                                            </p:txEl>
+                                          </p:spTgt>
+                                        </p:tgtEl>
+                                        <p:attrNameLst>
+                                          <p:attrName>style.visibility</p:attrName>
+                                        </p:attrNameLst>
+                                      </p:cBhvr>
+                                      <p:to>
+                                        <p:strVal val="visible"/>
+                                      </p:to>
+                                    </p:set>
+                                  </p:childTnLst>
+                                </p:cTn>
+                              </p:par>
+                            </p:childTnLst>
+                          </p:cTn>
+                        </p:par>
+                      </p:childTnLst>
+                    </p:cTn>
+                  </p:par>
+                  <p:par>
+                    <p:cTn id="23" fill="hold">
+                      <p:stCondLst>
+                        <p:cond delay="indefinite"/>
+                      </p:stCondLst>
+                      <p:childTnLst>
+                        <p:par>
+                          <p:cTn id="24" fill="hold">
+                            <p:stCondLst>
+                              <p:cond delay="0"/>
+                            </p:stCondLst>
+                            <p:childTnLst>
+                              <p:par>
+                                <p:cTn id="25" presetID="1" presetClass="entr" presetSubtype="0" fill="hold" nodeType="clickEffect">
+                                  <p:stCondLst>
+                                    <p:cond delay="0"/>
+                                  </p:stCondLst>
+                                  <p:childTnLst>
+                                    <p:set>
+                                      <p:cBhvr>
+                                        <p:cTn id="26" dur="1" fill="hold">
+                                          <p:stCondLst>
+                                            <p:cond delay="0"/>
+                                          </p:stCondLst>
+                                        </p:cTn>
+                                        <p:tgtEl>
+                                          <p:spTgt spid="5">
+                                            <p:txEl>
+                                              <p:pRg st="9" end="9"/>
+                                            </p:txEl>
+                                          </p:spTgt>
+                                        </p:tgtEl>
+                                        <p:attrNameLst>
+                                          <p:attrName>style.visibility</p:attrName>
+                                        </p:attrNameLst>
+                                      </p:cBhvr>
+                                      <p:to>
+                                        <p:strVal val="visible"/>
+                                      </p:to>
+                                    </p:set>
+                                  </p:childTnLst>
+                                </p:cTn>
+                              </p:par>
+                            </p:childTnLst>
+                          </p:cTn>
+                        </p:par>
+                      </p:childTnLst>
+                    </p:cTn>
+                  </p:par>
+                </p:childTnLst>
+              </p:cTn>
+              <p:prevCondLst>
+                <p:cond evt="onPrev" delay="0">
+                  <p:tgtEl>
+                    <p:sldTgt/>
+                  </p:tgtEl>
+                </p:cond>
+              </p:prevCondLst>
+              <p:nextCondLst>
+                <p:cond evt="onNext" delay="0">
+                  <p:tgtEl>
+                    <p:sldTgt/>
+                  </p:tgtEl>
+                </p:cond>
+              </p:nextCondLst>
+            </p:seq>
+          </p:childTnLst>
+        </p:cTn>
+      </p:par>
+    </p:tnLst>
+  </p:timing>
+</p:sld>
+</file>
+
+<file path=ppt/slides/slide23.xml><?xml version="1.0" encoding="utf-8"?>
 <p:sld xmlns:a="http://schemas.openxmlformats.org/drawingml/2006/main" xmlns:r="http://schemas.openxmlformats.org/officeDocument/2006/relationships" xmlns:p="http://schemas.openxmlformats.org/presentationml/2006/main">
   <p:cSld>
     <p:spTree>
@@ -12572,429 +15337,276 @@
   <p:clrMapOvr>
     <a:masterClrMapping/>
   </p:clrMapOvr>
-</p:sld>
-</file>
-
-<file path=ppt/slides/slide21.xml><?xml version="1.0" encoding="utf-8"?>
-<p:sld xmlns:a="http://schemas.openxmlformats.org/drawingml/2006/main" xmlns:r="http://schemas.openxmlformats.org/officeDocument/2006/relationships" xmlns:p="http://schemas.openxmlformats.org/presentationml/2006/main">
-  <p:cSld>
-    <p:spTree>
-      <p:nvGrpSpPr>
-        <p:cNvPr id="1" name=""/>
-        <p:cNvGrpSpPr/>
-        <p:nvPr/>
-      </p:nvGrpSpPr>
-      <p:grpSpPr>
-        <a:xfrm>
-          <a:off x="0" y="0"/>
-          <a:ext cx="0" cy="0"/>
-          <a:chOff x="0" y="0"/>
-          <a:chExt cx="0" cy="0"/>
-        </a:xfrm>
-      </p:grpSpPr>
-      <p:sp>
-        <p:nvSpPr>
-          <p:cNvPr id="2" name="Title 1">
-            <a:extLst>
-              <a:ext uri="{FF2B5EF4-FFF2-40B4-BE49-F238E27FC236}">
-                <a16:creationId xmlns:a16="http://schemas.microsoft.com/office/drawing/2014/main" id="{EDE419EF-0E46-9E4D-8C75-4293CAE61F27}"/>
-              </a:ext>
-            </a:extLst>
-          </p:cNvPr>
-          <p:cNvSpPr>
-            <a:spLocks noGrp="1"/>
-          </p:cNvSpPr>
-          <p:nvPr>
-            <p:ph type="title"/>
-          </p:nvPr>
-        </p:nvSpPr>
-        <p:spPr>
-          <a:xfrm>
-            <a:off x="624264" y="366276"/>
-            <a:ext cx="7922594" cy="770192"/>
-          </a:xfrm>
-        </p:spPr>
-        <p:txBody>
-          <a:bodyPr/>
-          <a:lstStyle/>
-          <a:p>
-            <a:pPr algn="l"/>
-            <a:r>
-              <a:rPr lang="en-US" cap="none" dirty="0"/>
-              <a:t>What is the Discrete Fourier Transform?</a:t>
-            </a:r>
-          </a:p>
-        </p:txBody>
-      </p:sp>
-      <p:sp>
-        <p:nvSpPr>
-          <p:cNvPr id="9" name="Content Placeholder 8">
-            <a:extLst>
-              <a:ext uri="{FF2B5EF4-FFF2-40B4-BE49-F238E27FC236}">
-                <a16:creationId xmlns:a16="http://schemas.microsoft.com/office/drawing/2014/main" id="{DBAE1AD4-EF52-6147-ADEA-2184E3DCD49F}"/>
-              </a:ext>
-            </a:extLst>
-          </p:cNvPr>
-          <p:cNvSpPr>
-            <a:spLocks noGrp="1"/>
-          </p:cNvSpPr>
-          <p:nvPr>
-            <p:ph sz="quarter" idx="13"/>
-          </p:nvPr>
-        </p:nvSpPr>
-        <p:spPr>
-          <a:xfrm>
-            <a:off x="231820" y="1136468"/>
-            <a:ext cx="8680360" cy="4415245"/>
-          </a:xfrm>
-        </p:spPr>
-        <p:txBody>
-          <a:bodyPr>
-            <a:normAutofit/>
-          </a:bodyPr>
-          <a:lstStyle/>
-          <a:p>
-            <a:pPr marL="0" indent="0">
-              <a:buNone/>
-            </a:pPr>
-            <a:endParaRPr lang="en-US" sz="2200" cap="none" dirty="0"/>
-          </a:p>
-          <a:p>
-            <a:pPr marL="0" indent="0">
-              <a:buNone/>
-            </a:pPr>
-            <a:endParaRPr lang="en-US" sz="2200" cap="none" dirty="0"/>
-          </a:p>
-          <a:p>
-            <a:pPr marL="0" indent="0">
-              <a:buNone/>
-            </a:pPr>
-            <a:endParaRPr lang="en-US" sz="2200" cap="none" dirty="0"/>
-          </a:p>
-        </p:txBody>
-      </p:sp>
-      <p:pic>
-        <p:nvPicPr>
-          <p:cNvPr id="4" name="Picture 3">
-            <a:extLst>
-              <a:ext uri="{FF2B5EF4-FFF2-40B4-BE49-F238E27FC236}">
-                <a16:creationId xmlns:a16="http://schemas.microsoft.com/office/drawing/2014/main" id="{EBF32642-2120-AE43-8148-CED99EAB17ED}"/>
-              </a:ext>
-            </a:extLst>
-          </p:cNvPr>
-          <p:cNvPicPr>
-            <a:picLocks noChangeAspect="1"/>
-          </p:cNvPicPr>
-          <p:nvPr/>
-        </p:nvPicPr>
-        <p:blipFill>
-          <a:blip r:embed="rId2"/>
-          <a:stretch>
-            <a:fillRect/>
-          </a:stretch>
-        </p:blipFill>
-        <p:spPr>
-          <a:xfrm>
-            <a:off x="2142289" y="1152510"/>
-            <a:ext cx="4859421" cy="3887537"/>
-          </a:xfrm>
-          <a:prstGeom prst="rect">
-            <a:avLst/>
-          </a:prstGeom>
-        </p:spPr>
-      </p:pic>
-    </p:spTree>
-    <p:extLst>
-      <p:ext uri="{BB962C8B-B14F-4D97-AF65-F5344CB8AC3E}">
-        <p14:creationId xmlns:p14="http://schemas.microsoft.com/office/powerpoint/2010/main" val="4071935302"/>
-      </p:ext>
-    </p:extLst>
-  </p:cSld>
-  <p:clrMapOvr>
-    <a:masterClrMapping/>
-  </p:clrMapOvr>
-</p:sld>
-</file>
-
-<file path=ppt/slides/slide22.xml><?xml version="1.0" encoding="utf-8"?>
-<p:sld xmlns:a="http://schemas.openxmlformats.org/drawingml/2006/main" xmlns:r="http://schemas.openxmlformats.org/officeDocument/2006/relationships" xmlns:p="http://schemas.openxmlformats.org/presentationml/2006/main">
-  <p:cSld>
-    <p:spTree>
-      <p:nvGrpSpPr>
-        <p:cNvPr id="1" name=""/>
-        <p:cNvGrpSpPr/>
-        <p:nvPr/>
-      </p:nvGrpSpPr>
-      <p:grpSpPr>
-        <a:xfrm>
-          <a:off x="0" y="0"/>
-          <a:ext cx="0" cy="0"/>
-          <a:chOff x="0" y="0"/>
-          <a:chExt cx="0" cy="0"/>
-        </a:xfrm>
-      </p:grpSpPr>
-      <p:sp>
-        <p:nvSpPr>
-          <p:cNvPr id="2" name="Title 1">
-            <a:extLst>
-              <a:ext uri="{FF2B5EF4-FFF2-40B4-BE49-F238E27FC236}">
-                <a16:creationId xmlns:a16="http://schemas.microsoft.com/office/drawing/2014/main" id="{EDE419EF-0E46-9E4D-8C75-4293CAE61F27}"/>
-              </a:ext>
-            </a:extLst>
-          </p:cNvPr>
-          <p:cNvSpPr>
-            <a:spLocks noGrp="1"/>
-          </p:cNvSpPr>
-          <p:nvPr>
-            <p:ph type="title"/>
-          </p:nvPr>
-        </p:nvSpPr>
-        <p:spPr>
-          <a:xfrm>
-            <a:off x="624264" y="366276"/>
-            <a:ext cx="7922594" cy="770192"/>
-          </a:xfrm>
-        </p:spPr>
-        <p:txBody>
-          <a:bodyPr/>
-          <a:lstStyle/>
-          <a:p>
-            <a:pPr algn="l"/>
-            <a:r>
-              <a:rPr lang="en-US" cap="none" dirty="0"/>
-              <a:t>What is the Discrete Fourier Transform?</a:t>
-            </a:r>
-          </a:p>
-        </p:txBody>
-      </p:sp>
-      <p:sp>
-        <p:nvSpPr>
-          <p:cNvPr id="9" name="Content Placeholder 8">
-            <a:extLst>
-              <a:ext uri="{FF2B5EF4-FFF2-40B4-BE49-F238E27FC236}">
-                <a16:creationId xmlns:a16="http://schemas.microsoft.com/office/drawing/2014/main" id="{DBAE1AD4-EF52-6147-ADEA-2184E3DCD49F}"/>
-              </a:ext>
-            </a:extLst>
-          </p:cNvPr>
-          <p:cNvSpPr>
-            <a:spLocks noGrp="1"/>
-          </p:cNvSpPr>
-          <p:nvPr>
-            <p:ph sz="quarter" idx="13"/>
-          </p:nvPr>
-        </p:nvSpPr>
-        <p:spPr>
-          <a:xfrm>
-            <a:off x="231820" y="1136468"/>
-            <a:ext cx="8680360" cy="4415245"/>
-          </a:xfrm>
-        </p:spPr>
-        <p:txBody>
-          <a:bodyPr>
-            <a:normAutofit/>
-          </a:bodyPr>
-          <a:lstStyle/>
-          <a:p>
-            <a:pPr marL="0" indent="0">
-              <a:buNone/>
-            </a:pPr>
-            <a:endParaRPr lang="en-US" sz="2200" cap="none" dirty="0"/>
-          </a:p>
-          <a:p>
-            <a:pPr marL="0" indent="0">
-              <a:buNone/>
-            </a:pPr>
-            <a:endParaRPr lang="en-US" sz="2200" cap="none" dirty="0"/>
-          </a:p>
-          <a:p>
-            <a:pPr marL="0" indent="0">
-              <a:buNone/>
-            </a:pPr>
-            <a:endParaRPr lang="en-US" sz="2200" cap="none" dirty="0"/>
-          </a:p>
-        </p:txBody>
-      </p:sp>
-      <p:pic>
-        <p:nvPicPr>
-          <p:cNvPr id="5" name="Picture 4">
-            <a:extLst>
-              <a:ext uri="{FF2B5EF4-FFF2-40B4-BE49-F238E27FC236}">
-                <a16:creationId xmlns:a16="http://schemas.microsoft.com/office/drawing/2014/main" id="{ACB9843F-B7AC-D545-8295-DE3252345380}"/>
-              </a:ext>
-            </a:extLst>
-          </p:cNvPr>
-          <p:cNvPicPr>
-            <a:picLocks noChangeAspect="1"/>
-          </p:cNvPicPr>
-          <p:nvPr/>
-        </p:nvPicPr>
-        <p:blipFill>
-          <a:blip r:embed="rId2"/>
-          <a:stretch>
-            <a:fillRect/>
-          </a:stretch>
-        </p:blipFill>
-        <p:spPr>
-          <a:xfrm>
-            <a:off x="1945105" y="1133773"/>
-            <a:ext cx="5253789" cy="4196689"/>
-          </a:xfrm>
-          <a:prstGeom prst="rect">
-            <a:avLst/>
-          </a:prstGeom>
-        </p:spPr>
-      </p:pic>
-    </p:spTree>
-    <p:extLst>
-      <p:ext uri="{BB962C8B-B14F-4D97-AF65-F5344CB8AC3E}">
-        <p14:creationId xmlns:p14="http://schemas.microsoft.com/office/powerpoint/2010/main" val="2252374608"/>
-      </p:ext>
-    </p:extLst>
-  </p:cSld>
-  <p:clrMapOvr>
-    <a:masterClrMapping/>
-  </p:clrMapOvr>
-</p:sld>
-</file>
-
-<file path=ppt/slides/slide23.xml><?xml version="1.0" encoding="utf-8"?>
-<p:sld xmlns:a="http://schemas.openxmlformats.org/drawingml/2006/main" xmlns:r="http://schemas.openxmlformats.org/officeDocument/2006/relationships" xmlns:p="http://schemas.openxmlformats.org/presentationml/2006/main">
-  <p:cSld>
-    <p:spTree>
-      <p:nvGrpSpPr>
-        <p:cNvPr id="1" name=""/>
-        <p:cNvGrpSpPr/>
-        <p:nvPr/>
-      </p:nvGrpSpPr>
-      <p:grpSpPr>
-        <a:xfrm>
-          <a:off x="0" y="0"/>
-          <a:ext cx="0" cy="0"/>
-          <a:chOff x="0" y="0"/>
-          <a:chExt cx="0" cy="0"/>
-        </a:xfrm>
-      </p:grpSpPr>
-      <p:sp>
-        <p:nvSpPr>
-          <p:cNvPr id="2" name="Title 1">
-            <a:extLst>
-              <a:ext uri="{FF2B5EF4-FFF2-40B4-BE49-F238E27FC236}">
-                <a16:creationId xmlns:a16="http://schemas.microsoft.com/office/drawing/2014/main" id="{EDE419EF-0E46-9E4D-8C75-4293CAE61F27}"/>
-              </a:ext>
-            </a:extLst>
-          </p:cNvPr>
-          <p:cNvSpPr>
-            <a:spLocks noGrp="1"/>
-          </p:cNvSpPr>
-          <p:nvPr>
-            <p:ph type="title"/>
-          </p:nvPr>
-        </p:nvSpPr>
-        <p:spPr>
-          <a:xfrm>
-            <a:off x="624264" y="366276"/>
-            <a:ext cx="7922594" cy="770192"/>
-          </a:xfrm>
-        </p:spPr>
-        <p:txBody>
-          <a:bodyPr/>
-          <a:lstStyle/>
-          <a:p>
-            <a:pPr algn="l"/>
-            <a:r>
-              <a:rPr lang="en-US" cap="none" dirty="0"/>
-              <a:t>What is the Discrete Fourier Transform?</a:t>
-            </a:r>
-          </a:p>
-        </p:txBody>
-      </p:sp>
-      <p:sp>
-        <p:nvSpPr>
-          <p:cNvPr id="9" name="Content Placeholder 8">
-            <a:extLst>
-              <a:ext uri="{FF2B5EF4-FFF2-40B4-BE49-F238E27FC236}">
-                <a16:creationId xmlns:a16="http://schemas.microsoft.com/office/drawing/2014/main" id="{DBAE1AD4-EF52-6147-ADEA-2184E3DCD49F}"/>
-              </a:ext>
-            </a:extLst>
-          </p:cNvPr>
-          <p:cNvSpPr>
-            <a:spLocks noGrp="1"/>
-          </p:cNvSpPr>
-          <p:nvPr>
-            <p:ph sz="quarter" idx="13"/>
-          </p:nvPr>
-        </p:nvSpPr>
-        <p:spPr>
-          <a:xfrm>
-            <a:off x="231820" y="1136468"/>
-            <a:ext cx="8680360" cy="4415245"/>
-          </a:xfrm>
-        </p:spPr>
-        <p:txBody>
-          <a:bodyPr>
-            <a:normAutofit/>
-          </a:bodyPr>
-          <a:lstStyle/>
-          <a:p>
-            <a:pPr marL="0" indent="0">
-              <a:buNone/>
-            </a:pPr>
-            <a:endParaRPr lang="en-US" sz="2200" cap="none" dirty="0"/>
-          </a:p>
-          <a:p>
-            <a:pPr marL="0" indent="0">
-              <a:buNone/>
-            </a:pPr>
-            <a:endParaRPr lang="en-US" sz="2200" cap="none" dirty="0"/>
-          </a:p>
-          <a:p>
-            <a:pPr marL="0" indent="0">
-              <a:buNone/>
-            </a:pPr>
-            <a:endParaRPr lang="en-US" sz="2200" cap="none" dirty="0"/>
-          </a:p>
-        </p:txBody>
-      </p:sp>
-      <p:pic>
-        <p:nvPicPr>
-          <p:cNvPr id="3" name="Picture 2">
-            <a:extLst>
-              <a:ext uri="{FF2B5EF4-FFF2-40B4-BE49-F238E27FC236}">
-                <a16:creationId xmlns:a16="http://schemas.microsoft.com/office/drawing/2014/main" id="{E821A899-FED9-C540-904A-236F526DC523}"/>
-              </a:ext>
-            </a:extLst>
-          </p:cNvPr>
-          <p:cNvPicPr>
-            <a:picLocks noChangeAspect="1"/>
-          </p:cNvPicPr>
-          <p:nvPr/>
-        </p:nvPicPr>
-        <p:blipFill>
-          <a:blip r:embed="rId2"/>
-          <a:stretch>
-            <a:fillRect/>
-          </a:stretch>
-        </p:blipFill>
-        <p:spPr>
-          <a:xfrm>
-            <a:off x="2031999" y="1136468"/>
-            <a:ext cx="4966561" cy="3995278"/>
-          </a:xfrm>
-          <a:prstGeom prst="rect">
-            <a:avLst/>
-          </a:prstGeom>
-        </p:spPr>
-      </p:pic>
-    </p:spTree>
-    <p:extLst>
-      <p:ext uri="{BB962C8B-B14F-4D97-AF65-F5344CB8AC3E}">
-        <p14:creationId xmlns:p14="http://schemas.microsoft.com/office/powerpoint/2010/main" val="1735796463"/>
-      </p:ext>
-    </p:extLst>
-  </p:cSld>
-  <p:clrMapOvr>
-    <a:masterClrMapping/>
-  </p:clrMapOvr>
+  <p:timing>
+    <p:tnLst>
+      <p:par>
+        <p:cTn id="1" dur="indefinite" restart="never" nodeType="tmRoot">
+          <p:childTnLst>
+            <p:seq concurrent="1" nextAc="seek">
+              <p:cTn id="2" dur="indefinite" nodeType="mainSeq">
+                <p:childTnLst>
+                  <p:par>
+                    <p:cTn id="3" fill="hold">
+                      <p:stCondLst>
+                        <p:cond delay="indefinite"/>
+                      </p:stCondLst>
+                      <p:childTnLst>
+                        <p:par>
+                          <p:cTn id="4" fill="hold">
+                            <p:stCondLst>
+                              <p:cond delay="0"/>
+                            </p:stCondLst>
+                            <p:childTnLst>
+                              <p:par>
+                                <p:cTn id="5" presetID="1" presetClass="entr" presetSubtype="0" fill="hold" nodeType="clickEffect">
+                                  <p:stCondLst>
+                                    <p:cond delay="0"/>
+                                  </p:stCondLst>
+                                  <p:childTnLst>
+                                    <p:set>
+                                      <p:cBhvr>
+                                        <p:cTn id="6" dur="1" fill="hold">
+                                          <p:stCondLst>
+                                            <p:cond delay="0"/>
+                                          </p:stCondLst>
+                                        </p:cTn>
+                                        <p:tgtEl>
+                                          <p:spTgt spid="7"/>
+                                        </p:tgtEl>
+                                        <p:attrNameLst>
+                                          <p:attrName>style.visibility</p:attrName>
+                                        </p:attrNameLst>
+                                      </p:cBhvr>
+                                      <p:to>
+                                        <p:strVal val="visible"/>
+                                      </p:to>
+                                    </p:set>
+                                  </p:childTnLst>
+                                </p:cTn>
+                              </p:par>
+                              <p:par>
+                                <p:cTn id="7" presetID="1" presetClass="entr" presetSubtype="0" fill="hold" nodeType="withEffect">
+                                  <p:stCondLst>
+                                    <p:cond delay="0"/>
+                                  </p:stCondLst>
+                                  <p:childTnLst>
+                                    <p:set>
+                                      <p:cBhvr>
+                                        <p:cTn id="8" dur="1" fill="hold">
+                                          <p:stCondLst>
+                                            <p:cond delay="0"/>
+                                          </p:stCondLst>
+                                        </p:cTn>
+                                        <p:tgtEl>
+                                          <p:spTgt spid="6"/>
+                                        </p:tgtEl>
+                                        <p:attrNameLst>
+                                          <p:attrName>style.visibility</p:attrName>
+                                        </p:attrNameLst>
+                                      </p:cBhvr>
+                                      <p:to>
+                                        <p:strVal val="visible"/>
+                                      </p:to>
+                                    </p:set>
+                                  </p:childTnLst>
+                                </p:cTn>
+                              </p:par>
+                              <p:par>
+                                <p:cTn id="9" presetID="1" presetClass="entr" presetSubtype="0" fill="hold" nodeType="withEffect">
+                                  <p:stCondLst>
+                                    <p:cond delay="0"/>
+                                  </p:stCondLst>
+                                  <p:childTnLst>
+                                    <p:set>
+                                      <p:cBhvr>
+                                        <p:cTn id="10" dur="1" fill="hold">
+                                          <p:stCondLst>
+                                            <p:cond delay="0"/>
+                                          </p:stCondLst>
+                                        </p:cTn>
+                                        <p:tgtEl>
+                                          <p:spTgt spid="8"/>
+                                        </p:tgtEl>
+                                        <p:attrNameLst>
+                                          <p:attrName>style.visibility</p:attrName>
+                                        </p:attrNameLst>
+                                      </p:cBhvr>
+                                      <p:to>
+                                        <p:strVal val="visible"/>
+                                      </p:to>
+                                    </p:set>
+                                  </p:childTnLst>
+                                </p:cTn>
+                              </p:par>
+                              <p:par>
+                                <p:cTn id="11" presetID="1" presetClass="entr" presetSubtype="0" fill="hold" grpId="0" nodeType="withEffect">
+                                  <p:stCondLst>
+                                    <p:cond delay="0"/>
+                                  </p:stCondLst>
+                                  <p:childTnLst>
+                                    <p:set>
+                                      <p:cBhvr>
+                                        <p:cTn id="12" dur="1" fill="hold">
+                                          <p:stCondLst>
+                                            <p:cond delay="0"/>
+                                          </p:stCondLst>
+                                        </p:cTn>
+                                        <p:tgtEl>
+                                          <p:spTgt spid="3"/>
+                                        </p:tgtEl>
+                                        <p:attrNameLst>
+                                          <p:attrName>style.visibility</p:attrName>
+                                        </p:attrNameLst>
+                                      </p:cBhvr>
+                                      <p:to>
+                                        <p:strVal val="visible"/>
+                                      </p:to>
+                                    </p:set>
+                                  </p:childTnLst>
+                                </p:cTn>
+                              </p:par>
+                              <p:par>
+                                <p:cTn id="13" presetID="1" presetClass="entr" presetSubtype="0" fill="hold" nodeType="withEffect">
+                                  <p:stCondLst>
+                                    <p:cond delay="0"/>
+                                  </p:stCondLst>
+                                  <p:childTnLst>
+                                    <p:set>
+                                      <p:cBhvr>
+                                        <p:cTn id="14" dur="1" fill="hold">
+                                          <p:stCondLst>
+                                            <p:cond delay="0"/>
+                                          </p:stCondLst>
+                                        </p:cTn>
+                                        <p:tgtEl>
+                                          <p:spTgt spid="10"/>
+                                        </p:tgtEl>
+                                        <p:attrNameLst>
+                                          <p:attrName>style.visibility</p:attrName>
+                                        </p:attrNameLst>
+                                      </p:cBhvr>
+                                      <p:to>
+                                        <p:strVal val="visible"/>
+                                      </p:to>
+                                    </p:set>
+                                  </p:childTnLst>
+                                </p:cTn>
+                              </p:par>
+                              <p:par>
+                                <p:cTn id="15" presetID="1" presetClass="entr" presetSubtype="0" fill="hold" grpId="0" nodeType="withEffect">
+                                  <p:stCondLst>
+                                    <p:cond delay="0"/>
+                                  </p:stCondLst>
+                                  <p:childTnLst>
+                                    <p:set>
+                                      <p:cBhvr>
+                                        <p:cTn id="16" dur="1" fill="hold">
+                                          <p:stCondLst>
+                                            <p:cond delay="0"/>
+                                          </p:stCondLst>
+                                        </p:cTn>
+                                        <p:tgtEl>
+                                          <p:spTgt spid="9"/>
+                                        </p:tgtEl>
+                                        <p:attrNameLst>
+                                          <p:attrName>style.visibility</p:attrName>
+                                        </p:attrNameLst>
+                                      </p:cBhvr>
+                                      <p:to>
+                                        <p:strVal val="visible"/>
+                                      </p:to>
+                                    </p:set>
+                                  </p:childTnLst>
+                                </p:cTn>
+                              </p:par>
+                              <p:par>
+                                <p:cTn id="17" presetID="1" presetClass="entr" presetSubtype="0" fill="hold" grpId="0" nodeType="withEffect">
+                                  <p:stCondLst>
+                                    <p:cond delay="0"/>
+                                  </p:stCondLst>
+                                  <p:childTnLst>
+                                    <p:set>
+                                      <p:cBhvr>
+                                        <p:cTn id="18" dur="1" fill="hold">
+                                          <p:stCondLst>
+                                            <p:cond delay="0"/>
+                                          </p:stCondLst>
+                                        </p:cTn>
+                                        <p:tgtEl>
+                                          <p:spTgt spid="11"/>
+                                        </p:tgtEl>
+                                        <p:attrNameLst>
+                                          <p:attrName>style.visibility</p:attrName>
+                                        </p:attrNameLst>
+                                      </p:cBhvr>
+                                      <p:to>
+                                        <p:strVal val="visible"/>
+                                      </p:to>
+                                    </p:set>
+                                  </p:childTnLst>
+                                </p:cTn>
+                              </p:par>
+                              <p:par>
+                                <p:cTn id="19" presetID="1" presetClass="entr" presetSubtype="0" fill="hold" grpId="0" nodeType="withEffect">
+                                  <p:stCondLst>
+                                    <p:cond delay="0"/>
+                                  </p:stCondLst>
+                                  <p:childTnLst>
+                                    <p:set>
+                                      <p:cBhvr>
+                                        <p:cTn id="20" dur="1" fill="hold">
+                                          <p:stCondLst>
+                                            <p:cond delay="0"/>
+                                          </p:stCondLst>
+                                        </p:cTn>
+                                        <p:tgtEl>
+                                          <p:spTgt spid="12"/>
+                                        </p:tgtEl>
+                                        <p:attrNameLst>
+                                          <p:attrName>style.visibility</p:attrName>
+                                        </p:attrNameLst>
+                                      </p:cBhvr>
+                                      <p:to>
+                                        <p:strVal val="visible"/>
+                                      </p:to>
+                                    </p:set>
+                                  </p:childTnLst>
+                                </p:cTn>
+                              </p:par>
+                            </p:childTnLst>
+                          </p:cTn>
+                        </p:par>
+                      </p:childTnLst>
+                    </p:cTn>
+                  </p:par>
+                </p:childTnLst>
+              </p:cTn>
+              <p:prevCondLst>
+                <p:cond evt="onPrev" delay="0">
+                  <p:tgtEl>
+                    <p:sldTgt/>
+                  </p:tgtEl>
+                </p:cond>
+              </p:prevCondLst>
+              <p:nextCondLst>
+                <p:cond evt="onNext" delay="0">
+                  <p:tgtEl>
+                    <p:sldTgt/>
+                  </p:tgtEl>
+                </p:cond>
+              </p:nextCondLst>
+            </p:seq>
+          </p:childTnLst>
+        </p:cTn>
+      </p:par>
+    </p:tnLst>
+    <p:bldLst>
+      <p:bldP spid="3" grpId="0"/>
+      <p:bldP spid="9" grpId="0"/>
+      <p:bldP spid="11" grpId="0"/>
+      <p:bldP spid="12" grpId="0"/>
+    </p:bldLst>
+  </p:timing>
 </p:sld>
 </file>
 
@@ -13044,147 +15656,6 @@
             <a:pPr algn="l"/>
             <a:r>
               <a:rPr lang="en-US" cap="none" dirty="0"/>
-              <a:t>What is the Discrete Fourier Transform?</a:t>
-            </a:r>
-          </a:p>
-        </p:txBody>
-      </p:sp>
-      <p:sp>
-        <p:nvSpPr>
-          <p:cNvPr id="9" name="Content Placeholder 8">
-            <a:extLst>
-              <a:ext uri="{FF2B5EF4-FFF2-40B4-BE49-F238E27FC236}">
-                <a16:creationId xmlns:a16="http://schemas.microsoft.com/office/drawing/2014/main" id="{DBAE1AD4-EF52-6147-ADEA-2184E3DCD49F}"/>
-              </a:ext>
-            </a:extLst>
-          </p:cNvPr>
-          <p:cNvSpPr>
-            <a:spLocks noGrp="1"/>
-          </p:cNvSpPr>
-          <p:nvPr>
-            <p:ph sz="quarter" idx="13"/>
-          </p:nvPr>
-        </p:nvSpPr>
-        <p:spPr>
-          <a:xfrm>
-            <a:off x="231820" y="1136468"/>
-            <a:ext cx="8680360" cy="4415245"/>
-          </a:xfrm>
-        </p:spPr>
-        <p:txBody>
-          <a:bodyPr>
-            <a:normAutofit/>
-          </a:bodyPr>
-          <a:lstStyle/>
-          <a:p>
-            <a:pPr marL="0" indent="0">
-              <a:buNone/>
-            </a:pPr>
-            <a:endParaRPr lang="en-US" sz="2200" cap="none" dirty="0"/>
-          </a:p>
-          <a:p>
-            <a:pPr marL="0" indent="0">
-              <a:buNone/>
-            </a:pPr>
-            <a:endParaRPr lang="en-US" sz="2200" cap="none" dirty="0"/>
-          </a:p>
-          <a:p>
-            <a:pPr marL="0" indent="0">
-              <a:buNone/>
-            </a:pPr>
-            <a:endParaRPr lang="en-US" sz="2200" cap="none" dirty="0"/>
-          </a:p>
-        </p:txBody>
-      </p:sp>
-      <p:pic>
-        <p:nvPicPr>
-          <p:cNvPr id="4" name="Picture 3">
-            <a:extLst>
-              <a:ext uri="{FF2B5EF4-FFF2-40B4-BE49-F238E27FC236}">
-                <a16:creationId xmlns:a16="http://schemas.microsoft.com/office/drawing/2014/main" id="{F622477E-5F36-2541-B821-910C2ED52812}"/>
-              </a:ext>
-            </a:extLst>
-          </p:cNvPr>
-          <p:cNvPicPr>
-            <a:picLocks noChangeAspect="1"/>
-          </p:cNvPicPr>
-          <p:nvPr/>
-        </p:nvPicPr>
-        <p:blipFill>
-          <a:blip r:embed="rId2"/>
-          <a:stretch>
-            <a:fillRect/>
-          </a:stretch>
-        </p:blipFill>
-        <p:spPr>
-          <a:xfrm>
-            <a:off x="1733550" y="1136468"/>
-            <a:ext cx="5099050" cy="4089541"/>
-          </a:xfrm>
-          <a:prstGeom prst="rect">
-            <a:avLst/>
-          </a:prstGeom>
-        </p:spPr>
-      </p:pic>
-    </p:spTree>
-    <p:extLst>
-      <p:ext uri="{BB962C8B-B14F-4D97-AF65-F5344CB8AC3E}">
-        <p14:creationId xmlns:p14="http://schemas.microsoft.com/office/powerpoint/2010/main" val="2815757765"/>
-      </p:ext>
-    </p:extLst>
-  </p:cSld>
-  <p:clrMapOvr>
-    <a:masterClrMapping/>
-  </p:clrMapOvr>
-</p:sld>
-</file>
-
-<file path=ppt/slides/slide25.xml><?xml version="1.0" encoding="utf-8"?>
-<p:sld xmlns:a="http://schemas.openxmlformats.org/drawingml/2006/main" xmlns:r="http://schemas.openxmlformats.org/officeDocument/2006/relationships" xmlns:p="http://schemas.openxmlformats.org/presentationml/2006/main">
-  <p:cSld>
-    <p:spTree>
-      <p:nvGrpSpPr>
-        <p:cNvPr id="1" name=""/>
-        <p:cNvGrpSpPr/>
-        <p:nvPr/>
-      </p:nvGrpSpPr>
-      <p:grpSpPr>
-        <a:xfrm>
-          <a:off x="0" y="0"/>
-          <a:ext cx="0" cy="0"/>
-          <a:chOff x="0" y="0"/>
-          <a:chExt cx="0" cy="0"/>
-        </a:xfrm>
-      </p:grpSpPr>
-      <p:sp>
-        <p:nvSpPr>
-          <p:cNvPr id="2" name="Title 1">
-            <a:extLst>
-              <a:ext uri="{FF2B5EF4-FFF2-40B4-BE49-F238E27FC236}">
-                <a16:creationId xmlns:a16="http://schemas.microsoft.com/office/drawing/2014/main" id="{EDE419EF-0E46-9E4D-8C75-4293CAE61F27}"/>
-              </a:ext>
-            </a:extLst>
-          </p:cNvPr>
-          <p:cNvSpPr>
-            <a:spLocks noGrp="1"/>
-          </p:cNvSpPr>
-          <p:nvPr>
-            <p:ph type="title"/>
-          </p:nvPr>
-        </p:nvSpPr>
-        <p:spPr>
-          <a:xfrm>
-            <a:off x="624264" y="366276"/>
-            <a:ext cx="7922594" cy="770192"/>
-          </a:xfrm>
-        </p:spPr>
-        <p:txBody>
-          <a:bodyPr/>
-          <a:lstStyle/>
-          <a:p>
-            <a:pPr algn="l"/>
-            <a:r>
-              <a:rPr lang="en-US" cap="none" dirty="0"/>
               <a:t>Spectrum Analyzers</a:t>
             </a:r>
           </a:p>
@@ -13280,7 +15751,7 @@
 </p:sld>
 </file>
 
-<file path=ppt/slides/slide26.xml><?xml version="1.0" encoding="utf-8"?>
+<file path=ppt/slides/slide25.xml><?xml version="1.0" encoding="utf-8"?>
 <p:sld xmlns:a="http://schemas.openxmlformats.org/drawingml/2006/main" xmlns:r="http://schemas.openxmlformats.org/officeDocument/2006/relationships" xmlns:p="http://schemas.openxmlformats.org/presentationml/2006/main">
   <p:cSld>
     <p:spTree>
@@ -13823,7 +16294,7 @@
 </p:sld>
 </file>
 
-<file path=ppt/slides/slide27.xml><?xml version="1.0" encoding="utf-8"?>
+<file path=ppt/slides/slide26.xml><?xml version="1.0" encoding="utf-8"?>
 <p:sld xmlns:a="http://schemas.openxmlformats.org/drawingml/2006/main" xmlns:r="http://schemas.openxmlformats.org/officeDocument/2006/relationships" xmlns:p="http://schemas.openxmlformats.org/presentationml/2006/main">
   <p:cSld>
     <p:spTree>
@@ -14531,6 +17002,311 @@
   <p:clrMapOvr>
     <a:masterClrMapping/>
   </p:clrMapOvr>
+  <p:timing>
+    <p:tnLst>
+      <p:par>
+        <p:cTn id="1" dur="indefinite" restart="never" nodeType="tmRoot">
+          <p:childTnLst>
+            <p:seq concurrent="1" nextAc="seek">
+              <p:cTn id="2" dur="indefinite" nodeType="mainSeq">
+                <p:childTnLst>
+                  <p:par>
+                    <p:cTn id="3" fill="hold">
+                      <p:stCondLst>
+                        <p:cond delay="indefinite"/>
+                      </p:stCondLst>
+                      <p:childTnLst>
+                        <p:par>
+                          <p:cTn id="4" fill="hold">
+                            <p:stCondLst>
+                              <p:cond delay="0"/>
+                            </p:stCondLst>
+                            <p:childTnLst>
+                              <p:par>
+                                <p:cTn id="5" presetID="1" presetClass="entr" presetSubtype="0" fill="hold" grpId="0" nodeType="clickEffect">
+                                  <p:stCondLst>
+                                    <p:cond delay="0"/>
+                                  </p:stCondLst>
+                                  <p:childTnLst>
+                                    <p:set>
+                                      <p:cBhvr>
+                                        <p:cTn id="6" dur="1" fill="hold">
+                                          <p:stCondLst>
+                                            <p:cond delay="0"/>
+                                          </p:stCondLst>
+                                        </p:cTn>
+                                        <p:tgtEl>
+                                          <p:spTgt spid="4"/>
+                                        </p:tgtEl>
+                                        <p:attrNameLst>
+                                          <p:attrName>style.visibility</p:attrName>
+                                        </p:attrNameLst>
+                                      </p:cBhvr>
+                                      <p:to>
+                                        <p:strVal val="visible"/>
+                                      </p:to>
+                                    </p:set>
+                                  </p:childTnLst>
+                                </p:cTn>
+                              </p:par>
+                              <p:par>
+                                <p:cTn id="7" presetID="1" presetClass="entr" presetSubtype="0" fill="hold" nodeType="withEffect">
+                                  <p:stCondLst>
+                                    <p:cond delay="0"/>
+                                  </p:stCondLst>
+                                  <p:childTnLst>
+                                    <p:set>
+                                      <p:cBhvr>
+                                        <p:cTn id="8" dur="1" fill="hold">
+                                          <p:stCondLst>
+                                            <p:cond delay="0"/>
+                                          </p:stCondLst>
+                                        </p:cTn>
+                                        <p:tgtEl>
+                                          <p:spTgt spid="11"/>
+                                        </p:tgtEl>
+                                        <p:attrNameLst>
+                                          <p:attrName>style.visibility</p:attrName>
+                                        </p:attrNameLst>
+                                      </p:cBhvr>
+                                      <p:to>
+                                        <p:strVal val="visible"/>
+                                      </p:to>
+                                    </p:set>
+                                  </p:childTnLst>
+                                </p:cTn>
+                              </p:par>
+                            </p:childTnLst>
+                          </p:cTn>
+                        </p:par>
+                      </p:childTnLst>
+                    </p:cTn>
+                  </p:par>
+                  <p:par>
+                    <p:cTn id="9" fill="hold">
+                      <p:stCondLst>
+                        <p:cond delay="indefinite"/>
+                      </p:stCondLst>
+                      <p:childTnLst>
+                        <p:par>
+                          <p:cTn id="10" fill="hold">
+                            <p:stCondLst>
+                              <p:cond delay="0"/>
+                            </p:stCondLst>
+                            <p:childTnLst>
+                              <p:par>
+                                <p:cTn id="11" presetID="1" presetClass="entr" presetSubtype="0" fill="hold" grpId="0" nodeType="clickEffect">
+                                  <p:stCondLst>
+                                    <p:cond delay="0"/>
+                                  </p:stCondLst>
+                                  <p:childTnLst>
+                                    <p:set>
+                                      <p:cBhvr>
+                                        <p:cTn id="12" dur="1" fill="hold">
+                                          <p:stCondLst>
+                                            <p:cond delay="0"/>
+                                          </p:stCondLst>
+                                        </p:cTn>
+                                        <p:tgtEl>
+                                          <p:spTgt spid="10"/>
+                                        </p:tgtEl>
+                                        <p:attrNameLst>
+                                          <p:attrName>style.visibility</p:attrName>
+                                        </p:attrNameLst>
+                                      </p:cBhvr>
+                                      <p:to>
+                                        <p:strVal val="visible"/>
+                                      </p:to>
+                                    </p:set>
+                                  </p:childTnLst>
+                                </p:cTn>
+                              </p:par>
+                              <p:par>
+                                <p:cTn id="13" presetID="1" presetClass="entr" presetSubtype="0" fill="hold" nodeType="withEffect">
+                                  <p:stCondLst>
+                                    <p:cond delay="0"/>
+                                  </p:stCondLst>
+                                  <p:childTnLst>
+                                    <p:set>
+                                      <p:cBhvr>
+                                        <p:cTn id="14" dur="1" fill="hold">
+                                          <p:stCondLst>
+                                            <p:cond delay="0"/>
+                                          </p:stCondLst>
+                                        </p:cTn>
+                                        <p:tgtEl>
+                                          <p:spTgt spid="14"/>
+                                        </p:tgtEl>
+                                        <p:attrNameLst>
+                                          <p:attrName>style.visibility</p:attrName>
+                                        </p:attrNameLst>
+                                      </p:cBhvr>
+                                      <p:to>
+                                        <p:strVal val="visible"/>
+                                      </p:to>
+                                    </p:set>
+                                  </p:childTnLst>
+                                </p:cTn>
+                              </p:par>
+                            </p:childTnLst>
+                          </p:cTn>
+                        </p:par>
+                      </p:childTnLst>
+                    </p:cTn>
+                  </p:par>
+                  <p:par>
+                    <p:cTn id="15" fill="hold">
+                      <p:stCondLst>
+                        <p:cond delay="indefinite"/>
+                      </p:stCondLst>
+                      <p:childTnLst>
+                        <p:par>
+                          <p:cTn id="16" fill="hold">
+                            <p:stCondLst>
+                              <p:cond delay="0"/>
+                            </p:stCondLst>
+                            <p:childTnLst>
+                              <p:par>
+                                <p:cTn id="17" presetID="1" presetClass="entr" presetSubtype="0" fill="hold" nodeType="clickEffect">
+                                  <p:stCondLst>
+                                    <p:cond delay="0"/>
+                                  </p:stCondLst>
+                                  <p:childTnLst>
+                                    <p:set>
+                                      <p:cBhvr>
+                                        <p:cTn id="18" dur="1" fill="hold">
+                                          <p:stCondLst>
+                                            <p:cond delay="0"/>
+                                          </p:stCondLst>
+                                        </p:cTn>
+                                        <p:tgtEl>
+                                          <p:spTgt spid="7"/>
+                                        </p:tgtEl>
+                                        <p:attrNameLst>
+                                          <p:attrName>style.visibility</p:attrName>
+                                        </p:attrNameLst>
+                                      </p:cBhvr>
+                                      <p:to>
+                                        <p:strVal val="visible"/>
+                                      </p:to>
+                                    </p:set>
+                                  </p:childTnLst>
+                                </p:cTn>
+                              </p:par>
+                              <p:par>
+                                <p:cTn id="19" presetID="1" presetClass="entr" presetSubtype="0" fill="hold" nodeType="withEffect">
+                                  <p:stCondLst>
+                                    <p:cond delay="0"/>
+                                  </p:stCondLst>
+                                  <p:childTnLst>
+                                    <p:set>
+                                      <p:cBhvr>
+                                        <p:cTn id="20" dur="1" fill="hold">
+                                          <p:stCondLst>
+                                            <p:cond delay="0"/>
+                                          </p:stCondLst>
+                                        </p:cTn>
+                                        <p:tgtEl>
+                                          <p:spTgt spid="6"/>
+                                        </p:tgtEl>
+                                        <p:attrNameLst>
+                                          <p:attrName>style.visibility</p:attrName>
+                                        </p:attrNameLst>
+                                      </p:cBhvr>
+                                      <p:to>
+                                        <p:strVal val="visible"/>
+                                      </p:to>
+                                    </p:set>
+                                  </p:childTnLst>
+                                </p:cTn>
+                              </p:par>
+                              <p:par>
+                                <p:cTn id="21" presetID="1" presetClass="entr" presetSubtype="0" fill="hold" nodeType="withEffect">
+                                  <p:stCondLst>
+                                    <p:cond delay="0"/>
+                                  </p:stCondLst>
+                                  <p:childTnLst>
+                                    <p:set>
+                                      <p:cBhvr>
+                                        <p:cTn id="22" dur="1" fill="hold">
+                                          <p:stCondLst>
+                                            <p:cond delay="0"/>
+                                          </p:stCondLst>
+                                        </p:cTn>
+                                        <p:tgtEl>
+                                          <p:spTgt spid="20"/>
+                                        </p:tgtEl>
+                                        <p:attrNameLst>
+                                          <p:attrName>style.visibility</p:attrName>
+                                        </p:attrNameLst>
+                                      </p:cBhvr>
+                                      <p:to>
+                                        <p:strVal val="visible"/>
+                                      </p:to>
+                                    </p:set>
+                                  </p:childTnLst>
+                                </p:cTn>
+                              </p:par>
+                              <p:par>
+                                <p:cTn id="23" presetID="1" presetClass="entr" presetSubtype="0" fill="hold" grpId="0" nodeType="withEffect">
+                                  <p:stCondLst>
+                                    <p:cond delay="0"/>
+                                  </p:stCondLst>
+                                  <p:childTnLst>
+                                    <p:set>
+                                      <p:cBhvr>
+                                        <p:cTn id="24" dur="1" fill="hold">
+                                          <p:stCondLst>
+                                            <p:cond delay="0"/>
+                                          </p:stCondLst>
+                                        </p:cTn>
+                                        <p:tgtEl>
+                                          <p:spTgt spid="5"/>
+                                        </p:tgtEl>
+                                        <p:attrNameLst>
+                                          <p:attrName>style.visibility</p:attrName>
+                                        </p:attrNameLst>
+                                      </p:cBhvr>
+                                      <p:to>
+                                        <p:strVal val="visible"/>
+                                      </p:to>
+                                    </p:set>
+                                  </p:childTnLst>
+                                </p:cTn>
+                              </p:par>
+                            </p:childTnLst>
+                          </p:cTn>
+                        </p:par>
+                      </p:childTnLst>
+                    </p:cTn>
+                  </p:par>
+                </p:childTnLst>
+              </p:cTn>
+              <p:prevCondLst>
+                <p:cond evt="onPrev" delay="0">
+                  <p:tgtEl>
+                    <p:sldTgt/>
+                  </p:tgtEl>
+                </p:cond>
+              </p:prevCondLst>
+              <p:nextCondLst>
+                <p:cond evt="onNext" delay="0">
+                  <p:tgtEl>
+                    <p:sldTgt/>
+                  </p:tgtEl>
+                </p:cond>
+              </p:nextCondLst>
+            </p:seq>
+          </p:childTnLst>
+        </p:cTn>
+      </p:par>
+    </p:tnLst>
+    <p:bldLst>
+      <p:bldP spid="4" grpId="0"/>
+      <p:bldP spid="5" grpId="0"/>
+      <p:bldP spid="10" grpId="0"/>
+    </p:bldLst>
+  </p:timing>
 </p:sld>
 </file>
 
@@ -14668,7 +17444,7 @@
         </p:nvSpPr>
         <p:spPr>
           <a:xfrm>
-            <a:off x="4650348" y="3426717"/>
+            <a:off x="4585561" y="3201316"/>
             <a:ext cx="4023389" cy="769441"/>
           </a:xfrm>
           <a:prstGeom prst="rect">
@@ -14830,10 +17606,10 @@
       </p:cxnSp>
       <p:sp>
         <p:nvSpPr>
-          <p:cNvPr id="3" name="TextBox 2">
+          <p:cNvPr id="9" name="TextBox 8">
             <a:extLst>
               <a:ext uri="{FF2B5EF4-FFF2-40B4-BE49-F238E27FC236}">
-                <a16:creationId xmlns:a16="http://schemas.microsoft.com/office/drawing/2014/main" id="{4DF53F29-E824-B641-AEE3-01806269C852}"/>
+                <a16:creationId xmlns:a16="http://schemas.microsoft.com/office/drawing/2014/main" id="{03AC6CFC-8D03-C54E-A130-AC5FA56C011A}"/>
               </a:ext>
             </a:extLst>
           </p:cNvPr>
@@ -14842,8 +17618,8 @@
         </p:nvSpPr>
         <p:spPr>
           <a:xfrm>
-            <a:off x="0" y="5084050"/>
-            <a:ext cx="9199441" cy="677750"/>
+            <a:off x="4546748" y="4068765"/>
+            <a:ext cx="4023389" cy="1107996"/>
           </a:xfrm>
           <a:prstGeom prst="rect">
             <a:avLst/>
@@ -14851,18 +17627,15 @@
           <a:noFill/>
         </p:spPr>
         <p:txBody>
-          <a:bodyPr wrap="none" rtlCol="0">
+          <a:bodyPr wrap="square" rtlCol="0">
             <a:spAutoFit/>
           </a:bodyPr>
           <a:lstStyle/>
           <a:p>
             <a:r>
-              <a:rPr lang="en-US" sz="2400" dirty="0"/>
-              <a:t>It is amazing that a digital sound file is simply an array or list of numbers!</a:t>
-            </a:r>
-          </a:p>
-          <a:p>
-            <a:endParaRPr lang="en-US" dirty="0"/>
+              <a:rPr lang="en-US" sz="2200" dirty="0"/>
+              <a:t>This allows for easy recording (just stores a list of numbers) of audio!</a:t>
+            </a:r>
           </a:p>
         </p:txBody>
       </p:sp>
@@ -15073,6 +17846,51 @@
                       </p:childTnLst>
                     </p:cTn>
                   </p:par>
+                  <p:par>
+                    <p:cTn id="19" fill="hold">
+                      <p:stCondLst>
+                        <p:cond delay="indefinite"/>
+                      </p:stCondLst>
+                      <p:childTnLst>
+                        <p:par>
+                          <p:cTn id="20" fill="hold">
+                            <p:stCondLst>
+                              <p:cond delay="0"/>
+                            </p:stCondLst>
+                            <p:childTnLst>
+                              <p:par>
+                                <p:cTn id="21" presetID="1" presetClass="entr" presetSubtype="0" fill="hold" grpId="0" nodeType="clickEffect">
+                                  <p:stCondLst>
+                                    <p:cond delay="0"/>
+                                  </p:stCondLst>
+                                  <p:childTnLst>
+                                    <p:set>
+                                      <p:cBhvr>
+                                        <p:cTn id="22" dur="1" fill="hold">
+                                          <p:stCondLst>
+                                            <p:cond delay="0"/>
+                                          </p:stCondLst>
+                                        </p:cTn>
+                                        <p:tgtEl>
+                                          <p:spTgt spid="9"/>
+                                        </p:tgtEl>
+                                        <p:attrNameLst>
+                                          <p:attrName>style.visibility</p:attrName>
+                                        </p:attrNameLst>
+                                      </p:cBhvr>
+                                      <p:to>
+                                        <p:strVal val="visible"/>
+                                      </p:to>
+                                    </p:set>
+                                  </p:childTnLst>
+                                </p:cTn>
+                              </p:par>
+                            </p:childTnLst>
+                          </p:cTn>
+                        </p:par>
+                      </p:childTnLst>
+                    </p:cTn>
+                  </p:par>
                 </p:childTnLst>
               </p:cTn>
               <p:prevCondLst>
@@ -15098,12 +17916,1753 @@
       <p:bldP spid="7" grpId="0"/>
       <p:bldP spid="13" grpId="0"/>
       <p:bldP spid="14" grpId="0"/>
+      <p:bldP spid="9" grpId="0"/>
     </p:bldLst>
   </p:timing>
 </p:sld>
 </file>
 
 <file path=ppt/slides/slide5.xml><?xml version="1.0" encoding="utf-8"?>
+<p:sld xmlns:a="http://schemas.openxmlformats.org/drawingml/2006/main" xmlns:r="http://schemas.openxmlformats.org/officeDocument/2006/relationships" xmlns:p="http://schemas.openxmlformats.org/presentationml/2006/main">
+  <p:cSld>
+    <p:spTree>
+      <p:nvGrpSpPr>
+        <p:cNvPr id="1" name=""/>
+        <p:cNvGrpSpPr/>
+        <p:nvPr/>
+      </p:nvGrpSpPr>
+      <p:grpSpPr>
+        <a:xfrm>
+          <a:off x="0" y="0"/>
+          <a:ext cx="0" cy="0"/>
+          <a:chOff x="0" y="0"/>
+          <a:chExt cx="0" cy="0"/>
+        </a:xfrm>
+      </p:grpSpPr>
+      <p:sp>
+        <p:nvSpPr>
+          <p:cNvPr id="5" name="Content Placeholder 4">
+            <a:extLst>
+              <a:ext uri="{FF2B5EF4-FFF2-40B4-BE49-F238E27FC236}">
+                <a16:creationId xmlns:a16="http://schemas.microsoft.com/office/drawing/2014/main" id="{0FE295BD-6CD2-6846-AF3A-CA0AE1986E1A}"/>
+              </a:ext>
+            </a:extLst>
+          </p:cNvPr>
+          <p:cNvSpPr>
+            <a:spLocks noGrp="1"/>
+          </p:cNvSpPr>
+          <p:nvPr>
+            <p:ph sz="quarter" idx="13"/>
+          </p:nvPr>
+        </p:nvSpPr>
+        <p:spPr>
+          <a:xfrm>
+            <a:off x="111020" y="1095555"/>
+            <a:ext cx="8206256" cy="4456159"/>
+          </a:xfrm>
+        </p:spPr>
+        <p:txBody>
+          <a:bodyPr/>
+          <a:lstStyle/>
+          <a:p>
+            <a:pPr marL="0" indent="0">
+              <a:buNone/>
+            </a:pPr>
+            <a:r>
+              <a:rPr lang="en-US" sz="2400" dirty="0"/>
+              <a:t>It is amazing that a digital sound file is </a:t>
+            </a:r>
+          </a:p>
+          <a:p>
+            <a:pPr marL="0" indent="0">
+              <a:buNone/>
+            </a:pPr>
+            <a:r>
+              <a:rPr lang="en-US" sz="2400" dirty="0"/>
+              <a:t>simply an array or list of numbers!</a:t>
+            </a:r>
+          </a:p>
+          <a:p>
+            <a:pPr marL="0" indent="0">
+              <a:buNone/>
+            </a:pPr>
+            <a:endParaRPr lang="en-US" sz="2400" dirty="0"/>
+          </a:p>
+          <a:p>
+            <a:pPr marL="0" indent="0">
+              <a:buNone/>
+            </a:pPr>
+            <a:r>
+              <a:rPr lang="en-US" sz="2400" dirty="0"/>
+              <a:t>The "</a:t>
+            </a:r>
+            <a:r>
+              <a:rPr lang="en-US" sz="2400" dirty="0" err="1"/>
+              <a:t>file.txt</a:t>
+            </a:r>
+            <a:r>
+              <a:rPr lang="en-US" sz="2400" dirty="0"/>
+              <a:t>" file on the right is a list </a:t>
+            </a:r>
+          </a:p>
+          <a:p>
+            <a:pPr marL="0" indent="0">
+              <a:buNone/>
+            </a:pPr>
+            <a:r>
+              <a:rPr lang="en-US" sz="2400" dirty="0"/>
+              <a:t>of numbers sampled from an audio </a:t>
+            </a:r>
+          </a:p>
+          <a:p>
+            <a:pPr marL="0" indent="0">
+              <a:buNone/>
+            </a:pPr>
+            <a:r>
+              <a:rPr lang="en-US" sz="2400" dirty="0"/>
+              <a:t>recording at the rate of 44,100 </a:t>
+            </a:r>
+          </a:p>
+          <a:p>
+            <a:pPr marL="0" indent="0">
+              <a:buNone/>
+            </a:pPr>
+            <a:r>
+              <a:rPr lang="en-US" sz="2400" dirty="0"/>
+              <a:t>samples per second.</a:t>
+            </a:r>
+          </a:p>
+          <a:p>
+            <a:pPr marL="0" indent="0">
+              <a:buNone/>
+            </a:pPr>
+            <a:endParaRPr lang="en-US" sz="2400" dirty="0"/>
+          </a:p>
+          <a:p>
+            <a:pPr marL="0" indent="0">
+              <a:buNone/>
+            </a:pPr>
+            <a:r>
+              <a:rPr lang="en-US" sz="2400" dirty="0"/>
+              <a:t>Let's load them using Python. Then </a:t>
+            </a:r>
+          </a:p>
+          <a:p>
+            <a:pPr marL="0" indent="0">
+              <a:buNone/>
+            </a:pPr>
+            <a:r>
+              <a:rPr lang="en-US" sz="2400" dirty="0"/>
+              <a:t>send them to the speakers!</a:t>
+            </a:r>
+          </a:p>
+          <a:p>
+            <a:pPr marL="0" indent="0">
+              <a:buNone/>
+            </a:pPr>
+            <a:endParaRPr lang="en-US" sz="2400" dirty="0"/>
+          </a:p>
+        </p:txBody>
+      </p:sp>
+      <p:sp>
+        <p:nvSpPr>
+          <p:cNvPr id="2" name="Title 1">
+            <a:extLst>
+              <a:ext uri="{FF2B5EF4-FFF2-40B4-BE49-F238E27FC236}">
+                <a16:creationId xmlns:a16="http://schemas.microsoft.com/office/drawing/2014/main" id="{EDE419EF-0E46-9E4D-8C75-4293CAE61F27}"/>
+              </a:ext>
+            </a:extLst>
+          </p:cNvPr>
+          <p:cNvSpPr>
+            <a:spLocks noGrp="1"/>
+          </p:cNvSpPr>
+          <p:nvPr>
+            <p:ph type="title"/>
+          </p:nvPr>
+        </p:nvSpPr>
+        <p:spPr>
+          <a:xfrm>
+            <a:off x="624264" y="426416"/>
+            <a:ext cx="7922594" cy="669139"/>
+          </a:xfrm>
+        </p:spPr>
+        <p:txBody>
+          <a:bodyPr/>
+          <a:lstStyle/>
+          <a:p>
+            <a:r>
+              <a:rPr lang="en-US" dirty="0"/>
+              <a:t>Play A List of Numbers as Audio</a:t>
+            </a:r>
+            <a:endParaRPr lang="en-US" cap="none" dirty="0"/>
+          </a:p>
+        </p:txBody>
+      </p:sp>
+      <p:pic>
+        <p:nvPicPr>
+          <p:cNvPr id="4" name="Picture 3">
+            <a:extLst>
+              <a:ext uri="{FF2B5EF4-FFF2-40B4-BE49-F238E27FC236}">
+                <a16:creationId xmlns:a16="http://schemas.microsoft.com/office/drawing/2014/main" id="{2595F039-3F63-F744-911C-14907665E29D}"/>
+              </a:ext>
+            </a:extLst>
+          </p:cNvPr>
+          <p:cNvPicPr>
+            <a:picLocks noChangeAspect="1"/>
+          </p:cNvPicPr>
+          <p:nvPr/>
+        </p:nvPicPr>
+        <p:blipFill>
+          <a:blip r:embed="rId2"/>
+          <a:stretch>
+            <a:fillRect/>
+          </a:stretch>
+        </p:blipFill>
+        <p:spPr>
+          <a:xfrm>
+            <a:off x="4926183" y="951549"/>
+            <a:ext cx="4111158" cy="4172366"/>
+          </a:xfrm>
+          <a:prstGeom prst="rect">
+            <a:avLst/>
+          </a:prstGeom>
+        </p:spPr>
+      </p:pic>
+    </p:spTree>
+    <p:extLst>
+      <p:ext uri="{BB962C8B-B14F-4D97-AF65-F5344CB8AC3E}">
+        <p14:creationId xmlns:p14="http://schemas.microsoft.com/office/powerpoint/2010/main" val="2143873717"/>
+      </p:ext>
+    </p:extLst>
+  </p:cSld>
+  <p:clrMapOvr>
+    <a:masterClrMapping/>
+  </p:clrMapOvr>
+  <p:timing>
+    <p:tnLst>
+      <p:par>
+        <p:cTn id="1" dur="indefinite" restart="never" nodeType="tmRoot">
+          <p:childTnLst>
+            <p:seq concurrent="1" nextAc="seek">
+              <p:cTn id="2" dur="indefinite" nodeType="mainSeq">
+                <p:childTnLst>
+                  <p:par>
+                    <p:cTn id="3" fill="hold">
+                      <p:stCondLst>
+                        <p:cond delay="indefinite"/>
+                      </p:stCondLst>
+                      <p:childTnLst>
+                        <p:par>
+                          <p:cTn id="4" fill="hold">
+                            <p:stCondLst>
+                              <p:cond delay="0"/>
+                            </p:stCondLst>
+                            <p:childTnLst>
+                              <p:par>
+                                <p:cTn id="5" presetID="1" presetClass="entr" presetSubtype="0" fill="hold" nodeType="clickEffect">
+                                  <p:stCondLst>
+                                    <p:cond delay="0"/>
+                                  </p:stCondLst>
+                                  <p:childTnLst>
+                                    <p:set>
+                                      <p:cBhvr>
+                                        <p:cTn id="6" dur="1" fill="hold">
+                                          <p:stCondLst>
+                                            <p:cond delay="0"/>
+                                          </p:stCondLst>
+                                        </p:cTn>
+                                        <p:tgtEl>
+                                          <p:spTgt spid="5">
+                                            <p:txEl>
+                                              <p:pRg st="3" end="3"/>
+                                            </p:txEl>
+                                          </p:spTgt>
+                                        </p:tgtEl>
+                                        <p:attrNameLst>
+                                          <p:attrName>style.visibility</p:attrName>
+                                        </p:attrNameLst>
+                                      </p:cBhvr>
+                                      <p:to>
+                                        <p:strVal val="visible"/>
+                                      </p:to>
+                                    </p:set>
+                                  </p:childTnLst>
+                                </p:cTn>
+                              </p:par>
+                              <p:par>
+                                <p:cTn id="7" presetID="1" presetClass="entr" presetSubtype="0" fill="hold" nodeType="withEffect">
+                                  <p:stCondLst>
+                                    <p:cond delay="0"/>
+                                  </p:stCondLst>
+                                  <p:childTnLst>
+                                    <p:set>
+                                      <p:cBhvr>
+                                        <p:cTn id="8" dur="1" fill="hold">
+                                          <p:stCondLst>
+                                            <p:cond delay="0"/>
+                                          </p:stCondLst>
+                                        </p:cTn>
+                                        <p:tgtEl>
+                                          <p:spTgt spid="5">
+                                            <p:txEl>
+                                              <p:pRg st="4" end="4"/>
+                                            </p:txEl>
+                                          </p:spTgt>
+                                        </p:tgtEl>
+                                        <p:attrNameLst>
+                                          <p:attrName>style.visibility</p:attrName>
+                                        </p:attrNameLst>
+                                      </p:cBhvr>
+                                      <p:to>
+                                        <p:strVal val="visible"/>
+                                      </p:to>
+                                    </p:set>
+                                  </p:childTnLst>
+                                </p:cTn>
+                              </p:par>
+                              <p:par>
+                                <p:cTn id="9" presetID="1" presetClass="entr" presetSubtype="0" fill="hold" nodeType="withEffect">
+                                  <p:stCondLst>
+                                    <p:cond delay="0"/>
+                                  </p:stCondLst>
+                                  <p:childTnLst>
+                                    <p:set>
+                                      <p:cBhvr>
+                                        <p:cTn id="10" dur="1" fill="hold">
+                                          <p:stCondLst>
+                                            <p:cond delay="0"/>
+                                          </p:stCondLst>
+                                        </p:cTn>
+                                        <p:tgtEl>
+                                          <p:spTgt spid="5">
+                                            <p:txEl>
+                                              <p:pRg st="5" end="5"/>
+                                            </p:txEl>
+                                          </p:spTgt>
+                                        </p:tgtEl>
+                                        <p:attrNameLst>
+                                          <p:attrName>style.visibility</p:attrName>
+                                        </p:attrNameLst>
+                                      </p:cBhvr>
+                                      <p:to>
+                                        <p:strVal val="visible"/>
+                                      </p:to>
+                                    </p:set>
+                                  </p:childTnLst>
+                                </p:cTn>
+                              </p:par>
+                              <p:par>
+                                <p:cTn id="11" presetID="1" presetClass="entr" presetSubtype="0" fill="hold" nodeType="withEffect">
+                                  <p:stCondLst>
+                                    <p:cond delay="0"/>
+                                  </p:stCondLst>
+                                  <p:childTnLst>
+                                    <p:set>
+                                      <p:cBhvr>
+                                        <p:cTn id="12" dur="1" fill="hold">
+                                          <p:stCondLst>
+                                            <p:cond delay="0"/>
+                                          </p:stCondLst>
+                                        </p:cTn>
+                                        <p:tgtEl>
+                                          <p:spTgt spid="5">
+                                            <p:txEl>
+                                              <p:pRg st="6" end="6"/>
+                                            </p:txEl>
+                                          </p:spTgt>
+                                        </p:tgtEl>
+                                        <p:attrNameLst>
+                                          <p:attrName>style.visibility</p:attrName>
+                                        </p:attrNameLst>
+                                      </p:cBhvr>
+                                      <p:to>
+                                        <p:strVal val="visible"/>
+                                      </p:to>
+                                    </p:set>
+                                  </p:childTnLst>
+                                </p:cTn>
+                              </p:par>
+                              <p:par>
+                                <p:cTn id="13" presetID="1" presetClass="entr" presetSubtype="0" fill="hold" nodeType="withEffect">
+                                  <p:stCondLst>
+                                    <p:cond delay="0"/>
+                                  </p:stCondLst>
+                                  <p:childTnLst>
+                                    <p:set>
+                                      <p:cBhvr>
+                                        <p:cTn id="14" dur="1" fill="hold">
+                                          <p:stCondLst>
+                                            <p:cond delay="0"/>
+                                          </p:stCondLst>
+                                        </p:cTn>
+                                        <p:tgtEl>
+                                          <p:spTgt spid="4"/>
+                                        </p:tgtEl>
+                                        <p:attrNameLst>
+                                          <p:attrName>style.visibility</p:attrName>
+                                        </p:attrNameLst>
+                                      </p:cBhvr>
+                                      <p:to>
+                                        <p:strVal val="visible"/>
+                                      </p:to>
+                                    </p:set>
+                                  </p:childTnLst>
+                                </p:cTn>
+                              </p:par>
+                            </p:childTnLst>
+                          </p:cTn>
+                        </p:par>
+                      </p:childTnLst>
+                    </p:cTn>
+                  </p:par>
+                  <p:par>
+                    <p:cTn id="15" fill="hold">
+                      <p:stCondLst>
+                        <p:cond delay="indefinite"/>
+                      </p:stCondLst>
+                      <p:childTnLst>
+                        <p:par>
+                          <p:cTn id="16" fill="hold">
+                            <p:stCondLst>
+                              <p:cond delay="0"/>
+                            </p:stCondLst>
+                            <p:childTnLst>
+                              <p:par>
+                                <p:cTn id="17" presetID="1" presetClass="entr" presetSubtype="0" fill="hold" nodeType="clickEffect">
+                                  <p:stCondLst>
+                                    <p:cond delay="0"/>
+                                  </p:stCondLst>
+                                  <p:childTnLst>
+                                    <p:set>
+                                      <p:cBhvr>
+                                        <p:cTn id="18" dur="1" fill="hold">
+                                          <p:stCondLst>
+                                            <p:cond delay="0"/>
+                                          </p:stCondLst>
+                                        </p:cTn>
+                                        <p:tgtEl>
+                                          <p:spTgt spid="5">
+                                            <p:txEl>
+                                              <p:pRg st="8" end="8"/>
+                                            </p:txEl>
+                                          </p:spTgt>
+                                        </p:tgtEl>
+                                        <p:attrNameLst>
+                                          <p:attrName>style.visibility</p:attrName>
+                                        </p:attrNameLst>
+                                      </p:cBhvr>
+                                      <p:to>
+                                        <p:strVal val="visible"/>
+                                      </p:to>
+                                    </p:set>
+                                  </p:childTnLst>
+                                </p:cTn>
+                              </p:par>
+                              <p:par>
+                                <p:cTn id="19" presetID="1" presetClass="entr" presetSubtype="0" fill="hold" nodeType="withEffect">
+                                  <p:stCondLst>
+                                    <p:cond delay="0"/>
+                                  </p:stCondLst>
+                                  <p:childTnLst>
+                                    <p:set>
+                                      <p:cBhvr>
+                                        <p:cTn id="20" dur="1" fill="hold">
+                                          <p:stCondLst>
+                                            <p:cond delay="0"/>
+                                          </p:stCondLst>
+                                        </p:cTn>
+                                        <p:tgtEl>
+                                          <p:spTgt spid="5">
+                                            <p:txEl>
+                                              <p:pRg st="9" end="9"/>
+                                            </p:txEl>
+                                          </p:spTgt>
+                                        </p:tgtEl>
+                                        <p:attrNameLst>
+                                          <p:attrName>style.visibility</p:attrName>
+                                        </p:attrNameLst>
+                                      </p:cBhvr>
+                                      <p:to>
+                                        <p:strVal val="visible"/>
+                                      </p:to>
+                                    </p:set>
+                                  </p:childTnLst>
+                                </p:cTn>
+                              </p:par>
+                            </p:childTnLst>
+                          </p:cTn>
+                        </p:par>
+                      </p:childTnLst>
+                    </p:cTn>
+                  </p:par>
+                </p:childTnLst>
+              </p:cTn>
+              <p:prevCondLst>
+                <p:cond evt="onPrev" delay="0">
+                  <p:tgtEl>
+                    <p:sldTgt/>
+                  </p:tgtEl>
+                </p:cond>
+              </p:prevCondLst>
+              <p:nextCondLst>
+                <p:cond evt="onNext" delay="0">
+                  <p:tgtEl>
+                    <p:sldTgt/>
+                  </p:tgtEl>
+                </p:cond>
+              </p:nextCondLst>
+            </p:seq>
+          </p:childTnLst>
+        </p:cTn>
+      </p:par>
+    </p:tnLst>
+  </p:timing>
+</p:sld>
+</file>
+
+<file path=ppt/slides/slide6.xml><?xml version="1.0" encoding="utf-8"?>
+<p:sld xmlns:a="http://schemas.openxmlformats.org/drawingml/2006/main" xmlns:r="http://schemas.openxmlformats.org/officeDocument/2006/relationships" xmlns:p="http://schemas.openxmlformats.org/presentationml/2006/main">
+  <p:cSld>
+    <p:spTree>
+      <p:nvGrpSpPr>
+        <p:cNvPr id="1" name=""/>
+        <p:cNvGrpSpPr/>
+        <p:nvPr/>
+      </p:nvGrpSpPr>
+      <p:grpSpPr>
+        <a:xfrm>
+          <a:off x="0" y="0"/>
+          <a:ext cx="0" cy="0"/>
+          <a:chOff x="0" y="0"/>
+          <a:chExt cx="0" cy="0"/>
+        </a:xfrm>
+      </p:grpSpPr>
+      <p:sp>
+        <p:nvSpPr>
+          <p:cNvPr id="5" name="Content Placeholder 4">
+            <a:extLst>
+              <a:ext uri="{FF2B5EF4-FFF2-40B4-BE49-F238E27FC236}">
+                <a16:creationId xmlns:a16="http://schemas.microsoft.com/office/drawing/2014/main" id="{0FE295BD-6CD2-6846-AF3A-CA0AE1986E1A}"/>
+              </a:ext>
+            </a:extLst>
+          </p:cNvPr>
+          <p:cNvSpPr>
+            <a:spLocks noGrp="1"/>
+          </p:cNvSpPr>
+          <p:nvPr>
+            <p:ph sz="quarter" idx="13"/>
+          </p:nvPr>
+        </p:nvSpPr>
+        <p:spPr>
+          <a:xfrm>
+            <a:off x="308136" y="1095555"/>
+            <a:ext cx="8365601" cy="4619445"/>
+          </a:xfrm>
+        </p:spPr>
+        <p:txBody>
+          <a:bodyPr/>
+          <a:lstStyle/>
+          <a:p>
+            <a:pPr marL="0" indent="0">
+              <a:buNone/>
+            </a:pPr>
+            <a:r>
+              <a:rPr lang="en-US" sz="2400" b="1" dirty="0">
+                <a:solidFill>
+                  <a:srgbClr val="34A327"/>
+                </a:solidFill>
+                <a:latin typeface="Inconsolata Medium" panose="020B0609030003000000" pitchFamily="49" charset="77"/>
+              </a:rPr>
+              <a:t>from </a:t>
+            </a:r>
+            <a:r>
+              <a:rPr lang="en-US" sz="2400" b="1" dirty="0" err="1">
+                <a:solidFill>
+                  <a:srgbClr val="3C9FF2"/>
+                </a:solidFill>
+                <a:latin typeface="Inconsolata Medium" panose="020B0609030003000000" pitchFamily="49" charset="77"/>
+              </a:rPr>
+              <a:t>IPython.display</a:t>
+            </a:r>
+            <a:r>
+              <a:rPr lang="en-US" sz="2400" b="1" dirty="0">
+                <a:solidFill>
+                  <a:srgbClr val="34A327"/>
+                </a:solidFill>
+                <a:latin typeface="Inconsolata Medium" panose="020B0609030003000000" pitchFamily="49" charset="77"/>
+              </a:rPr>
+              <a:t> import </a:t>
+            </a:r>
+            <a:r>
+              <a:rPr lang="en-US" sz="2400" b="1" dirty="0">
+                <a:solidFill>
+                  <a:srgbClr val="3C9FF2"/>
+                </a:solidFill>
+                <a:latin typeface="Inconsolata Medium" panose="020B0609030003000000" pitchFamily="49" charset="77"/>
+              </a:rPr>
+              <a:t>Audio</a:t>
+            </a:r>
+            <a:endParaRPr lang="en-US" sz="2400" b="1" dirty="0">
+              <a:solidFill>
+                <a:srgbClr val="34A327"/>
+              </a:solidFill>
+              <a:latin typeface="Inconsolata Medium" panose="020B0609030003000000" pitchFamily="49" charset="77"/>
+            </a:endParaRPr>
+          </a:p>
+          <a:p>
+            <a:pPr marL="0" indent="0">
+              <a:buNone/>
+            </a:pPr>
+            <a:r>
+              <a:rPr lang="en-US" sz="2400" b="1" dirty="0">
+                <a:solidFill>
+                  <a:srgbClr val="34A327"/>
+                </a:solidFill>
+                <a:latin typeface="Inconsolata Medium" panose="020B0609030003000000" pitchFamily="49" charset="77"/>
+              </a:rPr>
+              <a:t>import </a:t>
+            </a:r>
+            <a:r>
+              <a:rPr lang="en-US" sz="2400" b="1" dirty="0" err="1">
+                <a:solidFill>
+                  <a:srgbClr val="3C9FF2"/>
+                </a:solidFill>
+                <a:latin typeface="Inconsolata Medium" panose="020B0609030003000000" pitchFamily="49" charset="77"/>
+              </a:rPr>
+              <a:t>numpy</a:t>
+            </a:r>
+            <a:r>
+              <a:rPr lang="en-US" sz="2400" b="1" dirty="0">
+                <a:solidFill>
+                  <a:srgbClr val="34A327"/>
+                </a:solidFill>
+                <a:latin typeface="Inconsolata Medium" panose="020B0609030003000000" pitchFamily="49" charset="77"/>
+              </a:rPr>
+              <a:t> as </a:t>
+            </a:r>
+            <a:r>
+              <a:rPr lang="en-US" sz="2400" b="1" dirty="0">
+                <a:solidFill>
+                  <a:srgbClr val="3C9FF2"/>
+                </a:solidFill>
+                <a:latin typeface="Inconsolata Medium" panose="020B0609030003000000" pitchFamily="49" charset="77"/>
+              </a:rPr>
+              <a:t>np</a:t>
+            </a:r>
+            <a:endParaRPr lang="en-US" sz="2400" b="1" dirty="0">
+              <a:solidFill>
+                <a:srgbClr val="34A327"/>
+              </a:solidFill>
+              <a:latin typeface="Inconsolata Medium" panose="020B0609030003000000" pitchFamily="49" charset="77"/>
+            </a:endParaRPr>
+          </a:p>
+          <a:p>
+            <a:pPr marL="0" indent="0">
+              <a:buNone/>
+            </a:pPr>
+            <a:r>
+              <a:rPr lang="en-US" sz="2400" b="1" dirty="0">
+                <a:solidFill>
+                  <a:srgbClr val="34A327"/>
+                </a:solidFill>
+                <a:latin typeface="Inconsolata Medium" panose="020B0609030003000000" pitchFamily="49" charset="77"/>
+              </a:rPr>
+              <a:t>import</a:t>
+            </a:r>
+            <a:r>
+              <a:rPr lang="en-US" sz="2400" b="1" dirty="0">
+                <a:solidFill>
+                  <a:srgbClr val="000000"/>
+                </a:solidFill>
+                <a:latin typeface="Inconsolata Medium" panose="020B0609030003000000" pitchFamily="49" charset="77"/>
+              </a:rPr>
+              <a:t> </a:t>
+            </a:r>
+            <a:r>
+              <a:rPr lang="en-US" sz="2400" b="1" dirty="0" err="1">
+                <a:solidFill>
+                  <a:srgbClr val="3C9FF2"/>
+                </a:solidFill>
+                <a:latin typeface="Inconsolata Medium" panose="020B0609030003000000" pitchFamily="49" charset="77"/>
+              </a:rPr>
+              <a:t>matplotlib.pyplot</a:t>
+            </a:r>
+            <a:r>
+              <a:rPr lang="en-US" sz="2400" b="1" dirty="0">
+                <a:solidFill>
+                  <a:srgbClr val="000000"/>
+                </a:solidFill>
+                <a:latin typeface="Inconsolata Medium" panose="020B0609030003000000" pitchFamily="49" charset="77"/>
+              </a:rPr>
+              <a:t> </a:t>
+            </a:r>
+            <a:r>
+              <a:rPr lang="en-US" sz="2400" b="1" dirty="0">
+                <a:solidFill>
+                  <a:srgbClr val="34A327"/>
+                </a:solidFill>
+                <a:latin typeface="Inconsolata Medium" panose="020B0609030003000000" pitchFamily="49" charset="77"/>
+              </a:rPr>
+              <a:t>as</a:t>
+            </a:r>
+            <a:r>
+              <a:rPr lang="en-US" sz="2400" b="1" dirty="0">
+                <a:solidFill>
+                  <a:srgbClr val="000000"/>
+                </a:solidFill>
+                <a:latin typeface="Inconsolata Medium" panose="020B0609030003000000" pitchFamily="49" charset="77"/>
+              </a:rPr>
+              <a:t> </a:t>
+            </a:r>
+            <a:r>
+              <a:rPr lang="en-US" sz="2400" b="1" dirty="0" err="1">
+                <a:solidFill>
+                  <a:srgbClr val="3C9FF2"/>
+                </a:solidFill>
+                <a:latin typeface="Inconsolata Medium" panose="020B0609030003000000" pitchFamily="49" charset="77"/>
+              </a:rPr>
+              <a:t>plt</a:t>
+            </a:r>
+            <a:r>
+              <a:rPr lang="en-US" sz="2400" b="1" dirty="0">
+                <a:solidFill>
+                  <a:srgbClr val="000000"/>
+                </a:solidFill>
+                <a:latin typeface="Inconsolata Medium" panose="020B0609030003000000" pitchFamily="49" charset="77"/>
+              </a:rPr>
+              <a:t> </a:t>
+            </a:r>
+          </a:p>
+          <a:p>
+            <a:pPr marL="0" indent="0">
+              <a:buNone/>
+            </a:pPr>
+            <a:r>
+              <a:rPr lang="en-US" sz="2400" b="1" dirty="0" err="1">
+                <a:latin typeface="Inconsolata Medium" panose="020B0609030003000000" pitchFamily="49" charset="77"/>
+              </a:rPr>
+              <a:t>ys</a:t>
+            </a:r>
+            <a:r>
+              <a:rPr lang="en-US" sz="2400" b="1" dirty="0">
+                <a:latin typeface="Inconsolata Medium" panose="020B0609030003000000" pitchFamily="49" charset="77"/>
+              </a:rPr>
+              <a:t> = </a:t>
+            </a:r>
+            <a:r>
+              <a:rPr lang="en-US" sz="2400" b="1" dirty="0" err="1">
+                <a:latin typeface="Inconsolata Medium" panose="020B0609030003000000" pitchFamily="49" charset="77"/>
+              </a:rPr>
+              <a:t>np.loadtxt</a:t>
+            </a:r>
+            <a:r>
+              <a:rPr lang="en-US" sz="2400" b="1" dirty="0">
+                <a:latin typeface="Inconsolata Medium" panose="020B0609030003000000" pitchFamily="49" charset="77"/>
+              </a:rPr>
+              <a:t>("</a:t>
+            </a:r>
+            <a:r>
+              <a:rPr lang="en-US" sz="2400" b="1" dirty="0" err="1">
+                <a:latin typeface="Inconsolata Medium" panose="020B0609030003000000" pitchFamily="49" charset="77"/>
+              </a:rPr>
+              <a:t>file.txt</a:t>
+            </a:r>
+            <a:r>
+              <a:rPr lang="en-US" sz="2400" b="1" dirty="0">
+                <a:latin typeface="Inconsolata Medium" panose="020B0609030003000000" pitchFamily="49" charset="77"/>
+              </a:rPr>
+              <a:t>")</a:t>
+            </a:r>
+          </a:p>
+          <a:p>
+            <a:pPr marL="0" indent="0">
+              <a:buNone/>
+            </a:pPr>
+            <a:r>
+              <a:rPr lang="en-US" sz="2400" b="1" dirty="0">
+                <a:latin typeface="Inconsolata Medium" panose="020B0609030003000000" pitchFamily="49" charset="77"/>
+              </a:rPr>
+              <a:t>print(</a:t>
+            </a:r>
+            <a:r>
+              <a:rPr lang="en-US" sz="2400" b="1" dirty="0" err="1">
+                <a:latin typeface="Inconsolata Medium" panose="020B0609030003000000" pitchFamily="49" charset="77"/>
+              </a:rPr>
+              <a:t>ys</a:t>
+            </a:r>
+            <a:r>
+              <a:rPr lang="en-US" sz="2400" b="1" dirty="0">
+                <a:latin typeface="Inconsolata Medium" panose="020B0609030003000000" pitchFamily="49" charset="77"/>
+              </a:rPr>
+              <a:t>)</a:t>
+            </a:r>
+          </a:p>
+          <a:p>
+            <a:pPr marL="0" indent="0">
+              <a:buNone/>
+            </a:pPr>
+            <a:r>
+              <a:rPr lang="en-US" sz="2400" b="1" dirty="0">
+                <a:latin typeface="Inconsolata Medium" panose="020B0609030003000000" pitchFamily="49" charset="77"/>
+              </a:rPr>
+              <a:t>array([ 37., 36., 34., ..., 246., 262., 275.])</a:t>
+            </a:r>
+          </a:p>
+          <a:p>
+            <a:pPr marL="0" indent="0">
+              <a:buNone/>
+            </a:pPr>
+            <a:endParaRPr lang="en-US" sz="2400" dirty="0"/>
+          </a:p>
+          <a:p>
+            <a:pPr marL="0" indent="0">
+              <a:buNone/>
+            </a:pPr>
+            <a:r>
+              <a:rPr lang="en-US" sz="2400" b="1" dirty="0">
+                <a:latin typeface="Inconsolata Medium" panose="020B0609030003000000" pitchFamily="49" charset="77"/>
+              </a:rPr>
+              <a:t>Audio(</a:t>
+            </a:r>
+            <a:r>
+              <a:rPr lang="en-US" sz="2400" b="1" dirty="0" err="1">
+                <a:latin typeface="Inconsolata Medium" panose="020B0609030003000000" pitchFamily="49" charset="77"/>
+              </a:rPr>
+              <a:t>ys</a:t>
+            </a:r>
+            <a:r>
+              <a:rPr lang="en-US" sz="2400" b="1" dirty="0">
+                <a:latin typeface="Inconsolata Medium" panose="020B0609030003000000" pitchFamily="49" charset="77"/>
+              </a:rPr>
+              <a:t>, rate = 44100)</a:t>
+            </a:r>
+            <a:endParaRPr lang="en-US" sz="2400" dirty="0"/>
+          </a:p>
+          <a:p>
+            <a:pPr marL="0" indent="0">
+              <a:buNone/>
+            </a:pPr>
+            <a:endParaRPr lang="en-US" sz="2400" dirty="0"/>
+          </a:p>
+          <a:p>
+            <a:pPr marL="0" indent="0">
+              <a:buNone/>
+            </a:pPr>
+            <a:r>
+              <a:rPr lang="en-US" sz="2400" dirty="0"/>
+              <a:t>See the </a:t>
+            </a:r>
+            <a:r>
+              <a:rPr lang="en-US" sz="2400" dirty="0" err="1"/>
+              <a:t>Jupter</a:t>
+            </a:r>
+            <a:r>
+              <a:rPr lang="en-US" sz="2400" dirty="0"/>
+              <a:t> Notebook Lab for this lecture to play the above audio.</a:t>
+            </a:r>
+          </a:p>
+        </p:txBody>
+      </p:sp>
+      <p:sp>
+        <p:nvSpPr>
+          <p:cNvPr id="2" name="Title 1">
+            <a:extLst>
+              <a:ext uri="{FF2B5EF4-FFF2-40B4-BE49-F238E27FC236}">
+                <a16:creationId xmlns:a16="http://schemas.microsoft.com/office/drawing/2014/main" id="{EDE419EF-0E46-9E4D-8C75-4293CAE61F27}"/>
+              </a:ext>
+            </a:extLst>
+          </p:cNvPr>
+          <p:cNvSpPr>
+            <a:spLocks noGrp="1"/>
+          </p:cNvSpPr>
+          <p:nvPr>
+            <p:ph type="title"/>
+          </p:nvPr>
+        </p:nvSpPr>
+        <p:spPr>
+          <a:xfrm>
+            <a:off x="624264" y="426416"/>
+            <a:ext cx="7922594" cy="669139"/>
+          </a:xfrm>
+        </p:spPr>
+        <p:txBody>
+          <a:bodyPr/>
+          <a:lstStyle/>
+          <a:p>
+            <a:pPr algn="l"/>
+            <a:r>
+              <a:rPr lang="en-US" cap="none" dirty="0"/>
+              <a:t>Play A List of Numbers as Audio</a:t>
+            </a:r>
+          </a:p>
+        </p:txBody>
+      </p:sp>
+      <p:sp>
+        <p:nvSpPr>
+          <p:cNvPr id="4" name="TextBox 3">
+            <a:extLst>
+              <a:ext uri="{FF2B5EF4-FFF2-40B4-BE49-F238E27FC236}">
+                <a16:creationId xmlns:a16="http://schemas.microsoft.com/office/drawing/2014/main" id="{5D4877F3-3EF1-8B42-8377-9CB91BE8F1AC}"/>
+              </a:ext>
+            </a:extLst>
+          </p:cNvPr>
+          <p:cNvSpPr txBox="1"/>
+          <p:nvPr/>
+        </p:nvSpPr>
+        <p:spPr>
+          <a:xfrm>
+            <a:off x="5894743" y="1410950"/>
+            <a:ext cx="2941121" cy="1107996"/>
+          </a:xfrm>
+          <a:prstGeom prst="rect">
+            <a:avLst/>
+          </a:prstGeom>
+          <a:noFill/>
+        </p:spPr>
+        <p:txBody>
+          <a:bodyPr wrap="square" rtlCol="0">
+            <a:spAutoFit/>
+          </a:bodyPr>
+          <a:lstStyle/>
+          <a:p>
+            <a:r>
+              <a:rPr lang="en-US" sz="2200" dirty="0">
+                <a:solidFill>
+                  <a:srgbClr val="FF0000"/>
+                </a:solidFill>
+              </a:rPr>
+              <a:t>The following code is best run in a </a:t>
+            </a:r>
+            <a:r>
+              <a:rPr lang="en-US" sz="2200" dirty="0" err="1">
+                <a:solidFill>
+                  <a:srgbClr val="FF0000"/>
+                </a:solidFill>
+              </a:rPr>
+              <a:t>Jupyter</a:t>
+            </a:r>
+            <a:r>
+              <a:rPr lang="en-US" sz="2200" dirty="0">
+                <a:solidFill>
+                  <a:srgbClr val="FF0000"/>
+                </a:solidFill>
+              </a:rPr>
+              <a:t> notebook. </a:t>
+            </a:r>
+          </a:p>
+        </p:txBody>
+      </p:sp>
+    </p:spTree>
+    <p:extLst>
+      <p:ext uri="{BB962C8B-B14F-4D97-AF65-F5344CB8AC3E}">
+        <p14:creationId xmlns:p14="http://schemas.microsoft.com/office/powerpoint/2010/main" val="568782374"/>
+      </p:ext>
+    </p:extLst>
+  </p:cSld>
+  <p:clrMapOvr>
+    <a:masterClrMapping/>
+  </p:clrMapOvr>
+  <p:timing>
+    <p:tnLst>
+      <p:par>
+        <p:cTn id="1" dur="indefinite" restart="never" nodeType="tmRoot">
+          <p:childTnLst>
+            <p:seq concurrent="1" nextAc="seek">
+              <p:cTn id="2" dur="indefinite" nodeType="mainSeq">
+                <p:childTnLst>
+                  <p:par>
+                    <p:cTn id="3" fill="hold">
+                      <p:stCondLst>
+                        <p:cond delay="indefinite"/>
+                        <p:cond evt="onBegin" delay="0">
+                          <p:tn val="2"/>
+                        </p:cond>
+                      </p:stCondLst>
+                      <p:childTnLst>
+                        <p:par>
+                          <p:cTn id="4" fill="hold">
+                            <p:stCondLst>
+                              <p:cond delay="0"/>
+                            </p:stCondLst>
+                            <p:childTnLst>
+                              <p:par>
+                                <p:cTn id="5" presetID="1" presetClass="entr" presetSubtype="0" fill="hold" grpId="0" nodeType="withEffect">
+                                  <p:stCondLst>
+                                    <p:cond delay="0"/>
+                                  </p:stCondLst>
+                                  <p:childTnLst>
+                                    <p:set>
+                                      <p:cBhvr>
+                                        <p:cTn id="6" dur="1" fill="hold">
+                                          <p:stCondLst>
+                                            <p:cond delay="0"/>
+                                          </p:stCondLst>
+                                        </p:cTn>
+                                        <p:tgtEl>
+                                          <p:spTgt spid="4"/>
+                                        </p:tgtEl>
+                                        <p:attrNameLst>
+                                          <p:attrName>style.visibility</p:attrName>
+                                        </p:attrNameLst>
+                                      </p:cBhvr>
+                                      <p:to>
+                                        <p:strVal val="visible"/>
+                                      </p:to>
+                                    </p:set>
+                                  </p:childTnLst>
+                                </p:cTn>
+                              </p:par>
+                            </p:childTnLst>
+                          </p:cTn>
+                        </p:par>
+                      </p:childTnLst>
+                    </p:cTn>
+                  </p:par>
+                  <p:par>
+                    <p:cTn id="7" fill="hold">
+                      <p:stCondLst>
+                        <p:cond delay="indefinite"/>
+                      </p:stCondLst>
+                      <p:childTnLst>
+                        <p:par>
+                          <p:cTn id="8" fill="hold">
+                            <p:stCondLst>
+                              <p:cond delay="0"/>
+                            </p:stCondLst>
+                            <p:childTnLst>
+                              <p:par>
+                                <p:cTn id="9" presetID="1" presetClass="entr" presetSubtype="0" fill="hold" nodeType="clickEffect">
+                                  <p:stCondLst>
+                                    <p:cond delay="0"/>
+                                  </p:stCondLst>
+                                  <p:childTnLst>
+                                    <p:set>
+                                      <p:cBhvr>
+                                        <p:cTn id="10" dur="1" fill="hold">
+                                          <p:stCondLst>
+                                            <p:cond delay="0"/>
+                                          </p:stCondLst>
+                                        </p:cTn>
+                                        <p:tgtEl>
+                                          <p:spTgt spid="5">
+                                            <p:txEl>
+                                              <p:pRg st="3" end="3"/>
+                                            </p:txEl>
+                                          </p:spTgt>
+                                        </p:tgtEl>
+                                        <p:attrNameLst>
+                                          <p:attrName>style.visibility</p:attrName>
+                                        </p:attrNameLst>
+                                      </p:cBhvr>
+                                      <p:to>
+                                        <p:strVal val="visible"/>
+                                      </p:to>
+                                    </p:set>
+                                  </p:childTnLst>
+                                </p:cTn>
+                              </p:par>
+                            </p:childTnLst>
+                          </p:cTn>
+                        </p:par>
+                      </p:childTnLst>
+                    </p:cTn>
+                  </p:par>
+                  <p:par>
+                    <p:cTn id="11" fill="hold">
+                      <p:stCondLst>
+                        <p:cond delay="indefinite"/>
+                      </p:stCondLst>
+                      <p:childTnLst>
+                        <p:par>
+                          <p:cTn id="12" fill="hold">
+                            <p:stCondLst>
+                              <p:cond delay="0"/>
+                            </p:stCondLst>
+                            <p:childTnLst>
+                              <p:par>
+                                <p:cTn id="13" presetID="1" presetClass="entr" presetSubtype="0" fill="hold" nodeType="clickEffect">
+                                  <p:stCondLst>
+                                    <p:cond delay="0"/>
+                                  </p:stCondLst>
+                                  <p:childTnLst>
+                                    <p:set>
+                                      <p:cBhvr>
+                                        <p:cTn id="14" dur="1" fill="hold">
+                                          <p:stCondLst>
+                                            <p:cond delay="0"/>
+                                          </p:stCondLst>
+                                        </p:cTn>
+                                        <p:tgtEl>
+                                          <p:spTgt spid="5">
+                                            <p:txEl>
+                                              <p:pRg st="4" end="4"/>
+                                            </p:txEl>
+                                          </p:spTgt>
+                                        </p:tgtEl>
+                                        <p:attrNameLst>
+                                          <p:attrName>style.visibility</p:attrName>
+                                        </p:attrNameLst>
+                                      </p:cBhvr>
+                                      <p:to>
+                                        <p:strVal val="visible"/>
+                                      </p:to>
+                                    </p:set>
+                                  </p:childTnLst>
+                                </p:cTn>
+                              </p:par>
+                            </p:childTnLst>
+                          </p:cTn>
+                        </p:par>
+                      </p:childTnLst>
+                    </p:cTn>
+                  </p:par>
+                  <p:par>
+                    <p:cTn id="15" fill="hold">
+                      <p:stCondLst>
+                        <p:cond delay="indefinite"/>
+                      </p:stCondLst>
+                      <p:childTnLst>
+                        <p:par>
+                          <p:cTn id="16" fill="hold">
+                            <p:stCondLst>
+                              <p:cond delay="0"/>
+                            </p:stCondLst>
+                            <p:childTnLst>
+                              <p:par>
+                                <p:cTn id="17" presetID="1" presetClass="entr" presetSubtype="0" fill="hold" nodeType="clickEffect">
+                                  <p:stCondLst>
+                                    <p:cond delay="0"/>
+                                  </p:stCondLst>
+                                  <p:childTnLst>
+                                    <p:set>
+                                      <p:cBhvr>
+                                        <p:cTn id="18" dur="1" fill="hold">
+                                          <p:stCondLst>
+                                            <p:cond delay="0"/>
+                                          </p:stCondLst>
+                                        </p:cTn>
+                                        <p:tgtEl>
+                                          <p:spTgt spid="5">
+                                            <p:txEl>
+                                              <p:pRg st="5" end="5"/>
+                                            </p:txEl>
+                                          </p:spTgt>
+                                        </p:tgtEl>
+                                        <p:attrNameLst>
+                                          <p:attrName>style.visibility</p:attrName>
+                                        </p:attrNameLst>
+                                      </p:cBhvr>
+                                      <p:to>
+                                        <p:strVal val="visible"/>
+                                      </p:to>
+                                    </p:set>
+                                  </p:childTnLst>
+                                </p:cTn>
+                              </p:par>
+                            </p:childTnLst>
+                          </p:cTn>
+                        </p:par>
+                      </p:childTnLst>
+                    </p:cTn>
+                  </p:par>
+                  <p:par>
+                    <p:cTn id="19" fill="hold">
+                      <p:stCondLst>
+                        <p:cond delay="indefinite"/>
+                      </p:stCondLst>
+                      <p:childTnLst>
+                        <p:par>
+                          <p:cTn id="20" fill="hold">
+                            <p:stCondLst>
+                              <p:cond delay="0"/>
+                            </p:stCondLst>
+                            <p:childTnLst>
+                              <p:par>
+                                <p:cTn id="21" presetID="1" presetClass="entr" presetSubtype="0" fill="hold" nodeType="clickEffect">
+                                  <p:stCondLst>
+                                    <p:cond delay="0"/>
+                                  </p:stCondLst>
+                                  <p:childTnLst>
+                                    <p:set>
+                                      <p:cBhvr>
+                                        <p:cTn id="22" dur="1" fill="hold">
+                                          <p:stCondLst>
+                                            <p:cond delay="0"/>
+                                          </p:stCondLst>
+                                        </p:cTn>
+                                        <p:tgtEl>
+                                          <p:spTgt spid="5">
+                                            <p:txEl>
+                                              <p:pRg st="7" end="7"/>
+                                            </p:txEl>
+                                          </p:spTgt>
+                                        </p:tgtEl>
+                                        <p:attrNameLst>
+                                          <p:attrName>style.visibility</p:attrName>
+                                        </p:attrNameLst>
+                                      </p:cBhvr>
+                                      <p:to>
+                                        <p:strVal val="visible"/>
+                                      </p:to>
+                                    </p:set>
+                                  </p:childTnLst>
+                                </p:cTn>
+                              </p:par>
+                            </p:childTnLst>
+                          </p:cTn>
+                        </p:par>
+                      </p:childTnLst>
+                    </p:cTn>
+                  </p:par>
+                  <p:par>
+                    <p:cTn id="23" fill="hold">
+                      <p:stCondLst>
+                        <p:cond delay="indefinite"/>
+                      </p:stCondLst>
+                      <p:childTnLst>
+                        <p:par>
+                          <p:cTn id="24" fill="hold">
+                            <p:stCondLst>
+                              <p:cond delay="0"/>
+                            </p:stCondLst>
+                            <p:childTnLst>
+                              <p:par>
+                                <p:cTn id="25" presetID="1" presetClass="entr" presetSubtype="0" fill="hold" nodeType="clickEffect">
+                                  <p:stCondLst>
+                                    <p:cond delay="0"/>
+                                  </p:stCondLst>
+                                  <p:childTnLst>
+                                    <p:set>
+                                      <p:cBhvr>
+                                        <p:cTn id="26" dur="1" fill="hold">
+                                          <p:stCondLst>
+                                            <p:cond delay="0"/>
+                                          </p:stCondLst>
+                                        </p:cTn>
+                                        <p:tgtEl>
+                                          <p:spTgt spid="5">
+                                            <p:txEl>
+                                              <p:pRg st="9" end="9"/>
+                                            </p:txEl>
+                                          </p:spTgt>
+                                        </p:tgtEl>
+                                        <p:attrNameLst>
+                                          <p:attrName>style.visibility</p:attrName>
+                                        </p:attrNameLst>
+                                      </p:cBhvr>
+                                      <p:to>
+                                        <p:strVal val="visible"/>
+                                      </p:to>
+                                    </p:set>
+                                  </p:childTnLst>
+                                </p:cTn>
+                              </p:par>
+                            </p:childTnLst>
+                          </p:cTn>
+                        </p:par>
+                      </p:childTnLst>
+                    </p:cTn>
+                  </p:par>
+                </p:childTnLst>
+              </p:cTn>
+              <p:prevCondLst>
+                <p:cond evt="onPrev" delay="0">
+                  <p:tgtEl>
+                    <p:sldTgt/>
+                  </p:tgtEl>
+                </p:cond>
+              </p:prevCondLst>
+              <p:nextCondLst>
+                <p:cond evt="onNext" delay="0">
+                  <p:tgtEl>
+                    <p:sldTgt/>
+                  </p:tgtEl>
+                </p:cond>
+              </p:nextCondLst>
+            </p:seq>
+          </p:childTnLst>
+        </p:cTn>
+      </p:par>
+    </p:tnLst>
+    <p:bldLst>
+      <p:bldP spid="4" grpId="0"/>
+    </p:bldLst>
+  </p:timing>
+</p:sld>
+</file>
+
+<file path=ppt/slides/slide7.xml><?xml version="1.0" encoding="utf-8"?>
+<p:sld xmlns:a="http://schemas.openxmlformats.org/drawingml/2006/main" xmlns:r="http://schemas.openxmlformats.org/officeDocument/2006/relationships" xmlns:p="http://schemas.openxmlformats.org/presentationml/2006/main">
+  <p:cSld>
+    <p:spTree>
+      <p:nvGrpSpPr>
+        <p:cNvPr id="1" name=""/>
+        <p:cNvGrpSpPr/>
+        <p:nvPr/>
+      </p:nvGrpSpPr>
+      <p:grpSpPr>
+        <a:xfrm>
+          <a:off x="0" y="0"/>
+          <a:ext cx="0" cy="0"/>
+          <a:chOff x="0" y="0"/>
+          <a:chExt cx="0" cy="0"/>
+        </a:xfrm>
+      </p:grpSpPr>
+      <p:sp>
+        <p:nvSpPr>
+          <p:cNvPr id="5" name="Content Placeholder 4">
+            <a:extLst>
+              <a:ext uri="{FF2B5EF4-FFF2-40B4-BE49-F238E27FC236}">
+                <a16:creationId xmlns:a16="http://schemas.microsoft.com/office/drawing/2014/main" id="{0FE295BD-6CD2-6846-AF3A-CA0AE1986E1A}"/>
+              </a:ext>
+            </a:extLst>
+          </p:cNvPr>
+          <p:cNvSpPr>
+            <a:spLocks noGrp="1"/>
+          </p:cNvSpPr>
+          <p:nvPr>
+            <p:ph sz="quarter" idx="13"/>
+          </p:nvPr>
+        </p:nvSpPr>
+        <p:spPr>
+          <a:xfrm>
+            <a:off x="111020" y="1095555"/>
+            <a:ext cx="8206256" cy="4456159"/>
+          </a:xfrm>
+        </p:spPr>
+        <p:txBody>
+          <a:bodyPr>
+            <a:normAutofit/>
+          </a:bodyPr>
+          <a:lstStyle/>
+          <a:p>
+            <a:pPr marL="0" indent="0">
+              <a:buNone/>
+            </a:pPr>
+            <a:endParaRPr lang="en-US" sz="2200" dirty="0"/>
+          </a:p>
+          <a:p>
+            <a:pPr marL="0" indent="0">
+              <a:buNone/>
+            </a:pPr>
+            <a:r>
+              <a:rPr lang="en-US" sz="2200" dirty="0"/>
+              <a:t>Physics behind the following explanation</a:t>
+            </a:r>
+          </a:p>
+          <a:p>
+            <a:pPr marL="0" indent="0">
+              <a:buNone/>
+            </a:pPr>
+            <a:r>
+              <a:rPr lang="en-US" sz="2200" dirty="0"/>
+              <a:t>is beyond the scope of this course.</a:t>
+            </a:r>
+          </a:p>
+          <a:p>
+            <a:pPr marL="0" indent="0">
+              <a:buNone/>
+            </a:pPr>
+            <a:endParaRPr lang="en-US" sz="2200" dirty="0"/>
+          </a:p>
+          <a:p>
+            <a:pPr marL="0" indent="0">
+              <a:buNone/>
+            </a:pPr>
+            <a:r>
+              <a:rPr lang="en-US" sz="2200" dirty="0"/>
+              <a:t>The numbers here are proportional to the </a:t>
+            </a:r>
+          </a:p>
+          <a:p>
+            <a:pPr marL="0" indent="0">
+              <a:buNone/>
+            </a:pPr>
+            <a:r>
+              <a:rPr lang="en-US" sz="2200" dirty="0"/>
+              <a:t>instantaneous velocities of the speaker cone. </a:t>
+            </a:r>
+          </a:p>
+          <a:p>
+            <a:pPr marL="0" indent="0">
+              <a:buNone/>
+            </a:pPr>
+            <a:r>
+              <a:rPr lang="en-US" sz="2200" dirty="0"/>
+              <a:t>(Smith) </a:t>
+            </a:r>
+          </a:p>
+          <a:p>
+            <a:pPr marL="0" indent="0">
+              <a:buNone/>
+            </a:pPr>
+            <a:endParaRPr lang="en-US" sz="2200" dirty="0"/>
+          </a:p>
+          <a:p>
+            <a:pPr marL="0" indent="0">
+              <a:buNone/>
+            </a:pPr>
+            <a:r>
+              <a:rPr lang="en-US" sz="2200" dirty="0"/>
+              <a:t>This means that your speaker has to move 44,100 </a:t>
+            </a:r>
+          </a:p>
+          <a:p>
+            <a:pPr marL="0" indent="0">
+              <a:buNone/>
+            </a:pPr>
+            <a:r>
+              <a:rPr lang="en-US" sz="2200" dirty="0"/>
+              <a:t>times a second to faithfully reproduce this </a:t>
+            </a:r>
+          </a:p>
+          <a:p>
+            <a:pPr marL="0" indent="0">
+              <a:buNone/>
+            </a:pPr>
+            <a:r>
+              <a:rPr lang="en-US" sz="2200" dirty="0"/>
+              <a:t>piano note sound!</a:t>
+            </a:r>
+          </a:p>
+          <a:p>
+            <a:pPr marL="0" indent="0">
+              <a:buNone/>
+            </a:pPr>
+            <a:endParaRPr lang="en-US" sz="2200" dirty="0"/>
+          </a:p>
+        </p:txBody>
+      </p:sp>
+      <p:sp>
+        <p:nvSpPr>
+          <p:cNvPr id="2" name="Title 1">
+            <a:extLst>
+              <a:ext uri="{FF2B5EF4-FFF2-40B4-BE49-F238E27FC236}">
+                <a16:creationId xmlns:a16="http://schemas.microsoft.com/office/drawing/2014/main" id="{EDE419EF-0E46-9E4D-8C75-4293CAE61F27}"/>
+              </a:ext>
+            </a:extLst>
+          </p:cNvPr>
+          <p:cNvSpPr>
+            <a:spLocks noGrp="1"/>
+          </p:cNvSpPr>
+          <p:nvPr>
+            <p:ph type="title"/>
+          </p:nvPr>
+        </p:nvSpPr>
+        <p:spPr>
+          <a:xfrm>
+            <a:off x="624264" y="426416"/>
+            <a:ext cx="7922594" cy="669139"/>
+          </a:xfrm>
+        </p:spPr>
+        <p:txBody>
+          <a:bodyPr/>
+          <a:lstStyle/>
+          <a:p>
+            <a:r>
+              <a:rPr lang="en-US" dirty="0"/>
+              <a:t>Play A List of Numbers as Audio</a:t>
+            </a:r>
+            <a:endParaRPr lang="en-US" cap="none" dirty="0"/>
+          </a:p>
+        </p:txBody>
+      </p:sp>
+      <p:pic>
+        <p:nvPicPr>
+          <p:cNvPr id="4" name="Picture 3">
+            <a:extLst>
+              <a:ext uri="{FF2B5EF4-FFF2-40B4-BE49-F238E27FC236}">
+                <a16:creationId xmlns:a16="http://schemas.microsoft.com/office/drawing/2014/main" id="{2595F039-3F63-F744-911C-14907665E29D}"/>
+              </a:ext>
+            </a:extLst>
+          </p:cNvPr>
+          <p:cNvPicPr>
+            <a:picLocks noChangeAspect="1"/>
+          </p:cNvPicPr>
+          <p:nvPr/>
+        </p:nvPicPr>
+        <p:blipFill>
+          <a:blip r:embed="rId2"/>
+          <a:stretch>
+            <a:fillRect/>
+          </a:stretch>
+        </p:blipFill>
+        <p:spPr>
+          <a:xfrm>
+            <a:off x="6080272" y="1095555"/>
+            <a:ext cx="2952708" cy="3837427"/>
+          </a:xfrm>
+          <a:prstGeom prst="rect">
+            <a:avLst/>
+          </a:prstGeom>
+        </p:spPr>
+      </p:pic>
+    </p:spTree>
+    <p:extLst>
+      <p:ext uri="{BB962C8B-B14F-4D97-AF65-F5344CB8AC3E}">
+        <p14:creationId xmlns:p14="http://schemas.microsoft.com/office/powerpoint/2010/main" val="2704015828"/>
+      </p:ext>
+    </p:extLst>
+  </p:cSld>
+  <p:clrMapOvr>
+    <a:masterClrMapping/>
+  </p:clrMapOvr>
+  <p:timing>
+    <p:tnLst>
+      <p:par>
+        <p:cTn id="1" dur="indefinite" restart="never" nodeType="tmRoot">
+          <p:childTnLst>
+            <p:seq concurrent="1" nextAc="seek">
+              <p:cTn id="2" dur="indefinite" nodeType="mainSeq">
+                <p:childTnLst>
+                  <p:par>
+                    <p:cTn id="3" fill="hold">
+                      <p:stCondLst>
+                        <p:cond delay="indefinite"/>
+                      </p:stCondLst>
+                      <p:childTnLst>
+                        <p:par>
+                          <p:cTn id="4" fill="hold">
+                            <p:stCondLst>
+                              <p:cond delay="0"/>
+                            </p:stCondLst>
+                            <p:childTnLst>
+                              <p:par>
+                                <p:cTn id="5" presetID="1" presetClass="entr" presetSubtype="0" fill="hold" nodeType="clickEffect">
+                                  <p:stCondLst>
+                                    <p:cond delay="0"/>
+                                  </p:stCondLst>
+                                  <p:childTnLst>
+                                    <p:set>
+                                      <p:cBhvr>
+                                        <p:cTn id="6" dur="1" fill="hold">
+                                          <p:stCondLst>
+                                            <p:cond delay="0"/>
+                                          </p:stCondLst>
+                                        </p:cTn>
+                                        <p:tgtEl>
+                                          <p:spTgt spid="5">
+                                            <p:txEl>
+                                              <p:pRg st="4" end="4"/>
+                                            </p:txEl>
+                                          </p:spTgt>
+                                        </p:tgtEl>
+                                        <p:attrNameLst>
+                                          <p:attrName>style.visibility</p:attrName>
+                                        </p:attrNameLst>
+                                      </p:cBhvr>
+                                      <p:to>
+                                        <p:strVal val="visible"/>
+                                      </p:to>
+                                    </p:set>
+                                  </p:childTnLst>
+                                </p:cTn>
+                              </p:par>
+                              <p:par>
+                                <p:cTn id="7" presetID="1" presetClass="entr" presetSubtype="0" fill="hold" nodeType="withEffect">
+                                  <p:stCondLst>
+                                    <p:cond delay="0"/>
+                                  </p:stCondLst>
+                                  <p:childTnLst>
+                                    <p:set>
+                                      <p:cBhvr>
+                                        <p:cTn id="8" dur="1" fill="hold">
+                                          <p:stCondLst>
+                                            <p:cond delay="0"/>
+                                          </p:stCondLst>
+                                        </p:cTn>
+                                        <p:tgtEl>
+                                          <p:spTgt spid="5">
+                                            <p:txEl>
+                                              <p:pRg st="5" end="5"/>
+                                            </p:txEl>
+                                          </p:spTgt>
+                                        </p:tgtEl>
+                                        <p:attrNameLst>
+                                          <p:attrName>style.visibility</p:attrName>
+                                        </p:attrNameLst>
+                                      </p:cBhvr>
+                                      <p:to>
+                                        <p:strVal val="visible"/>
+                                      </p:to>
+                                    </p:set>
+                                  </p:childTnLst>
+                                </p:cTn>
+                              </p:par>
+                              <p:par>
+                                <p:cTn id="9" presetID="1" presetClass="entr" presetSubtype="0" fill="hold" nodeType="withEffect">
+                                  <p:stCondLst>
+                                    <p:cond delay="0"/>
+                                  </p:stCondLst>
+                                  <p:childTnLst>
+                                    <p:set>
+                                      <p:cBhvr>
+                                        <p:cTn id="10" dur="1" fill="hold">
+                                          <p:stCondLst>
+                                            <p:cond delay="0"/>
+                                          </p:stCondLst>
+                                        </p:cTn>
+                                        <p:tgtEl>
+                                          <p:spTgt spid="5">
+                                            <p:txEl>
+                                              <p:pRg st="6" end="6"/>
+                                            </p:txEl>
+                                          </p:spTgt>
+                                        </p:tgtEl>
+                                        <p:attrNameLst>
+                                          <p:attrName>style.visibility</p:attrName>
+                                        </p:attrNameLst>
+                                      </p:cBhvr>
+                                      <p:to>
+                                        <p:strVal val="visible"/>
+                                      </p:to>
+                                    </p:set>
+                                  </p:childTnLst>
+                                </p:cTn>
+                              </p:par>
+                            </p:childTnLst>
+                          </p:cTn>
+                        </p:par>
+                      </p:childTnLst>
+                    </p:cTn>
+                  </p:par>
+                  <p:par>
+                    <p:cTn id="11" fill="hold">
+                      <p:stCondLst>
+                        <p:cond delay="indefinite"/>
+                      </p:stCondLst>
+                      <p:childTnLst>
+                        <p:par>
+                          <p:cTn id="12" fill="hold">
+                            <p:stCondLst>
+                              <p:cond delay="0"/>
+                            </p:stCondLst>
+                            <p:childTnLst>
+                              <p:par>
+                                <p:cTn id="13" presetID="1" presetClass="entr" presetSubtype="0" fill="hold" nodeType="clickEffect">
+                                  <p:stCondLst>
+                                    <p:cond delay="0"/>
+                                  </p:stCondLst>
+                                  <p:childTnLst>
+                                    <p:set>
+                                      <p:cBhvr>
+                                        <p:cTn id="14" dur="1" fill="hold">
+                                          <p:stCondLst>
+                                            <p:cond delay="0"/>
+                                          </p:stCondLst>
+                                        </p:cTn>
+                                        <p:tgtEl>
+                                          <p:spTgt spid="5">
+                                            <p:txEl>
+                                              <p:pRg st="8" end="8"/>
+                                            </p:txEl>
+                                          </p:spTgt>
+                                        </p:tgtEl>
+                                        <p:attrNameLst>
+                                          <p:attrName>style.visibility</p:attrName>
+                                        </p:attrNameLst>
+                                      </p:cBhvr>
+                                      <p:to>
+                                        <p:strVal val="visible"/>
+                                      </p:to>
+                                    </p:set>
+                                  </p:childTnLst>
+                                </p:cTn>
+                              </p:par>
+                              <p:par>
+                                <p:cTn id="15" presetID="1" presetClass="entr" presetSubtype="0" fill="hold" nodeType="withEffect">
+                                  <p:stCondLst>
+                                    <p:cond delay="0"/>
+                                  </p:stCondLst>
+                                  <p:childTnLst>
+                                    <p:set>
+                                      <p:cBhvr>
+                                        <p:cTn id="16" dur="1" fill="hold">
+                                          <p:stCondLst>
+                                            <p:cond delay="0"/>
+                                          </p:stCondLst>
+                                        </p:cTn>
+                                        <p:tgtEl>
+                                          <p:spTgt spid="5">
+                                            <p:txEl>
+                                              <p:pRg st="9" end="9"/>
+                                            </p:txEl>
+                                          </p:spTgt>
+                                        </p:tgtEl>
+                                        <p:attrNameLst>
+                                          <p:attrName>style.visibility</p:attrName>
+                                        </p:attrNameLst>
+                                      </p:cBhvr>
+                                      <p:to>
+                                        <p:strVal val="visible"/>
+                                      </p:to>
+                                    </p:set>
+                                  </p:childTnLst>
+                                </p:cTn>
+                              </p:par>
+                              <p:par>
+                                <p:cTn id="17" presetID="1" presetClass="entr" presetSubtype="0" fill="hold" nodeType="withEffect">
+                                  <p:stCondLst>
+                                    <p:cond delay="0"/>
+                                  </p:stCondLst>
+                                  <p:childTnLst>
+                                    <p:set>
+                                      <p:cBhvr>
+                                        <p:cTn id="18" dur="1" fill="hold">
+                                          <p:stCondLst>
+                                            <p:cond delay="0"/>
+                                          </p:stCondLst>
+                                        </p:cTn>
+                                        <p:tgtEl>
+                                          <p:spTgt spid="5">
+                                            <p:txEl>
+                                              <p:pRg st="10" end="10"/>
+                                            </p:txEl>
+                                          </p:spTgt>
+                                        </p:tgtEl>
+                                        <p:attrNameLst>
+                                          <p:attrName>style.visibility</p:attrName>
+                                        </p:attrNameLst>
+                                      </p:cBhvr>
+                                      <p:to>
+                                        <p:strVal val="visible"/>
+                                      </p:to>
+                                    </p:set>
+                                  </p:childTnLst>
+                                </p:cTn>
+                              </p:par>
+                            </p:childTnLst>
+                          </p:cTn>
+                        </p:par>
+                      </p:childTnLst>
+                    </p:cTn>
+                  </p:par>
+                </p:childTnLst>
+              </p:cTn>
+              <p:prevCondLst>
+                <p:cond evt="onPrev" delay="0">
+                  <p:tgtEl>
+                    <p:sldTgt/>
+                  </p:tgtEl>
+                </p:cond>
+              </p:prevCondLst>
+              <p:nextCondLst>
+                <p:cond evt="onNext" delay="0">
+                  <p:tgtEl>
+                    <p:sldTgt/>
+                  </p:tgtEl>
+                </p:cond>
+              </p:nextCondLst>
+            </p:seq>
+          </p:childTnLst>
+        </p:cTn>
+      </p:par>
+    </p:tnLst>
+  </p:timing>
+</p:sld>
+</file>
+
+<file path=ppt/slides/slide8.xml><?xml version="1.0" encoding="utf-8"?>
 <p:sld xmlns:a="http://schemas.openxmlformats.org/drawingml/2006/main" xmlns:r="http://schemas.openxmlformats.org/officeDocument/2006/relationships" xmlns:p="http://schemas.openxmlformats.org/presentationml/2006/main">
   <p:cSld>
     <p:spTree>
@@ -15285,7 +19844,7 @@
 </p:sld>
 </file>
 
-<file path=ppt/slides/slide6.xml><?xml version="1.0" encoding="utf-8"?>
+<file path=ppt/slides/slide9.xml><?xml version="1.0" encoding="utf-8"?>
 <p:sld xmlns:a="http://schemas.openxmlformats.org/drawingml/2006/main" xmlns:r="http://schemas.openxmlformats.org/officeDocument/2006/relationships" xmlns:p="http://schemas.openxmlformats.org/presentationml/2006/main">
   <p:cSld>
     <p:spTree>
@@ -15414,539 +19973,6 @@
   <p:clrMapOvr>
     <a:masterClrMapping/>
   </p:clrMapOvr>
-</p:sld>
-</file>
-
-<file path=ppt/slides/slide7.xml><?xml version="1.0" encoding="utf-8"?>
-<p:sld xmlns:a="http://schemas.openxmlformats.org/drawingml/2006/main" xmlns:r="http://schemas.openxmlformats.org/officeDocument/2006/relationships" xmlns:p="http://schemas.openxmlformats.org/presentationml/2006/main">
-  <p:cSld>
-    <p:spTree>
-      <p:nvGrpSpPr>
-        <p:cNvPr id="1" name=""/>
-        <p:cNvGrpSpPr/>
-        <p:nvPr/>
-      </p:nvGrpSpPr>
-      <p:grpSpPr>
-        <a:xfrm>
-          <a:off x="0" y="0"/>
-          <a:ext cx="0" cy="0"/>
-          <a:chOff x="0" y="0"/>
-          <a:chExt cx="0" cy="0"/>
-        </a:xfrm>
-      </p:grpSpPr>
-      <p:sp>
-        <p:nvSpPr>
-          <p:cNvPr id="2" name="Title 1">
-            <a:extLst>
-              <a:ext uri="{FF2B5EF4-FFF2-40B4-BE49-F238E27FC236}">
-                <a16:creationId xmlns:a16="http://schemas.microsoft.com/office/drawing/2014/main" id="{EDE419EF-0E46-9E4D-8C75-4293CAE61F27}"/>
-              </a:ext>
-            </a:extLst>
-          </p:cNvPr>
-          <p:cNvSpPr>
-            <a:spLocks noGrp="1"/>
-          </p:cNvSpPr>
-          <p:nvPr>
-            <p:ph type="title"/>
-          </p:nvPr>
-        </p:nvSpPr>
-        <p:spPr>
-          <a:xfrm>
-            <a:off x="624264" y="426416"/>
-            <a:ext cx="7922594" cy="669139"/>
-          </a:xfrm>
-        </p:spPr>
-        <p:txBody>
-          <a:bodyPr/>
-          <a:lstStyle/>
-          <a:p>
-            <a:pPr algn="l"/>
-            <a:r>
-              <a:rPr lang="en-US" cap="none" dirty="0"/>
-              <a:t>Sine </a:t>
-            </a:r>
-            <a:r>
-              <a:rPr lang="en-US" dirty="0"/>
-              <a:t>and Cosine Wave</a:t>
-            </a:r>
-            <a:endParaRPr lang="en-US" cap="none" dirty="0"/>
-          </a:p>
-        </p:txBody>
-      </p:sp>
-      <p:sp>
-        <p:nvSpPr>
-          <p:cNvPr id="4" name="Content Placeholder 3">
-            <a:extLst>
-              <a:ext uri="{FF2B5EF4-FFF2-40B4-BE49-F238E27FC236}">
-                <a16:creationId xmlns:a16="http://schemas.microsoft.com/office/drawing/2014/main" id="{864D3036-8B0F-5C44-90AB-7558ABA4CDEC}"/>
-              </a:ext>
-            </a:extLst>
-          </p:cNvPr>
-          <p:cNvSpPr>
-            <a:spLocks noGrp="1"/>
-          </p:cNvSpPr>
-          <p:nvPr>
-            <p:ph sz="quarter" idx="13"/>
-          </p:nvPr>
-        </p:nvSpPr>
-        <p:spPr>
-          <a:xfrm>
-            <a:off x="444137" y="1095555"/>
-            <a:ext cx="8294914" cy="4443096"/>
-          </a:xfrm>
-        </p:spPr>
-        <p:txBody>
-          <a:bodyPr>
-            <a:normAutofit/>
-          </a:bodyPr>
-          <a:lstStyle/>
-          <a:p>
-            <a:pPr marL="0" indent="0">
-              <a:buNone/>
-            </a:pPr>
-            <a:endParaRPr lang="en-US" sz="2200" cap="none" dirty="0"/>
-          </a:p>
-        </p:txBody>
-      </p:sp>
-      <p:pic>
-        <p:nvPicPr>
-          <p:cNvPr id="10" name="Picture 9">
-            <a:extLst>
-              <a:ext uri="{FF2B5EF4-FFF2-40B4-BE49-F238E27FC236}">
-                <a16:creationId xmlns:a16="http://schemas.microsoft.com/office/drawing/2014/main" id="{650C67DA-2E87-1747-BA41-E0CE9AEB8CFC}"/>
-              </a:ext>
-            </a:extLst>
-          </p:cNvPr>
-          <p:cNvPicPr>
-            <a:picLocks noChangeAspect="1"/>
-          </p:cNvPicPr>
-          <p:nvPr/>
-        </p:nvPicPr>
-        <p:blipFill>
-          <a:blip r:embed="rId2"/>
-          <a:stretch>
-            <a:fillRect/>
-          </a:stretch>
-        </p:blipFill>
-        <p:spPr>
-          <a:xfrm>
-            <a:off x="156977" y="3072473"/>
-            <a:ext cx="3975284" cy="1389871"/>
-          </a:xfrm>
-          <a:prstGeom prst="rect">
-            <a:avLst/>
-          </a:prstGeom>
-        </p:spPr>
-      </p:pic>
-      <p:pic>
-        <p:nvPicPr>
-          <p:cNvPr id="5" name="Picture 4">
-            <a:extLst>
-              <a:ext uri="{FF2B5EF4-FFF2-40B4-BE49-F238E27FC236}">
-                <a16:creationId xmlns:a16="http://schemas.microsoft.com/office/drawing/2014/main" id="{F1BDBDFC-6F05-874E-B5E7-BF50D596C726}"/>
-              </a:ext>
-            </a:extLst>
-          </p:cNvPr>
-          <p:cNvPicPr>
-            <a:picLocks noChangeAspect="1"/>
-          </p:cNvPicPr>
-          <p:nvPr/>
-        </p:nvPicPr>
-        <p:blipFill>
-          <a:blip r:embed="rId3"/>
-          <a:stretch>
-            <a:fillRect/>
-          </a:stretch>
-        </p:blipFill>
-        <p:spPr>
-          <a:xfrm>
-            <a:off x="1249269" y="2231242"/>
-            <a:ext cx="1790700" cy="419100"/>
-          </a:xfrm>
-          <a:prstGeom prst="rect">
-            <a:avLst/>
-          </a:prstGeom>
-        </p:spPr>
-      </p:pic>
-      <p:pic>
-        <p:nvPicPr>
-          <p:cNvPr id="6" name="Picture 5">
-            <a:extLst>
-              <a:ext uri="{FF2B5EF4-FFF2-40B4-BE49-F238E27FC236}">
-                <a16:creationId xmlns:a16="http://schemas.microsoft.com/office/drawing/2014/main" id="{DC2ADE00-0058-4947-8D40-FB4063150780}"/>
-              </a:ext>
-            </a:extLst>
-          </p:cNvPr>
-          <p:cNvPicPr>
-            <a:picLocks noChangeAspect="1"/>
-          </p:cNvPicPr>
-          <p:nvPr/>
-        </p:nvPicPr>
-        <p:blipFill>
-          <a:blip r:embed="rId4"/>
-          <a:stretch>
-            <a:fillRect/>
-          </a:stretch>
-        </p:blipFill>
-        <p:spPr>
-          <a:xfrm>
-            <a:off x="4606135" y="3087970"/>
-            <a:ext cx="4026470" cy="1389871"/>
-          </a:xfrm>
-          <a:prstGeom prst="rect">
-            <a:avLst/>
-          </a:prstGeom>
-        </p:spPr>
-      </p:pic>
-      <p:pic>
-        <p:nvPicPr>
-          <p:cNvPr id="7" name="Picture 6">
-            <a:extLst>
-              <a:ext uri="{FF2B5EF4-FFF2-40B4-BE49-F238E27FC236}">
-                <a16:creationId xmlns:a16="http://schemas.microsoft.com/office/drawing/2014/main" id="{7531D228-5349-514D-9C6F-361E809FC1B1}"/>
-              </a:ext>
-            </a:extLst>
-          </p:cNvPr>
-          <p:cNvPicPr>
-            <a:picLocks noChangeAspect="1"/>
-          </p:cNvPicPr>
-          <p:nvPr/>
-        </p:nvPicPr>
-        <p:blipFill>
-          <a:blip r:embed="rId5"/>
-          <a:stretch>
-            <a:fillRect/>
-          </a:stretch>
-        </p:blipFill>
-        <p:spPr>
-          <a:xfrm>
-            <a:off x="6104033" y="2191735"/>
-            <a:ext cx="1727200" cy="393700"/>
-          </a:xfrm>
-          <a:prstGeom prst="rect">
-            <a:avLst/>
-          </a:prstGeom>
-        </p:spPr>
-      </p:pic>
-    </p:spTree>
-    <p:extLst>
-      <p:ext uri="{BB962C8B-B14F-4D97-AF65-F5344CB8AC3E}">
-        <p14:creationId xmlns:p14="http://schemas.microsoft.com/office/powerpoint/2010/main" val="3159966455"/>
-      </p:ext>
-    </p:extLst>
-  </p:cSld>
-  <p:clrMapOvr>
-    <a:masterClrMapping/>
-  </p:clrMapOvr>
-</p:sld>
-</file>
-
-<file path=ppt/slides/slide8.xml><?xml version="1.0" encoding="utf-8"?>
-<p:sld xmlns:a="http://schemas.openxmlformats.org/drawingml/2006/main" xmlns:r="http://schemas.openxmlformats.org/officeDocument/2006/relationships" xmlns:p="http://schemas.openxmlformats.org/presentationml/2006/main">
-  <p:cSld>
-    <p:spTree>
-      <p:nvGrpSpPr>
-        <p:cNvPr id="1" name=""/>
-        <p:cNvGrpSpPr/>
-        <p:nvPr/>
-      </p:nvGrpSpPr>
-      <p:grpSpPr>
-        <a:xfrm>
-          <a:off x="0" y="0"/>
-          <a:ext cx="0" cy="0"/>
-          <a:chOff x="0" y="0"/>
-          <a:chExt cx="0" cy="0"/>
-        </a:xfrm>
-      </p:grpSpPr>
-      <p:sp>
-        <p:nvSpPr>
-          <p:cNvPr id="2" name="Title 1">
-            <a:extLst>
-              <a:ext uri="{FF2B5EF4-FFF2-40B4-BE49-F238E27FC236}">
-                <a16:creationId xmlns:a16="http://schemas.microsoft.com/office/drawing/2014/main" id="{EDE419EF-0E46-9E4D-8C75-4293CAE61F27}"/>
-              </a:ext>
-            </a:extLst>
-          </p:cNvPr>
-          <p:cNvSpPr>
-            <a:spLocks noGrp="1"/>
-          </p:cNvSpPr>
-          <p:nvPr>
-            <p:ph type="title"/>
-          </p:nvPr>
-        </p:nvSpPr>
-        <p:spPr>
-          <a:xfrm>
-            <a:off x="624264" y="426416"/>
-            <a:ext cx="7922594" cy="669139"/>
-          </a:xfrm>
-        </p:spPr>
-        <p:txBody>
-          <a:bodyPr/>
-          <a:lstStyle/>
-          <a:p>
-            <a:pPr algn="l"/>
-            <a:r>
-              <a:rPr lang="en-US" cap="none" dirty="0"/>
-              <a:t>Sinusoids</a:t>
-            </a:r>
-          </a:p>
-        </p:txBody>
-      </p:sp>
-      <p:sp>
-        <p:nvSpPr>
-          <p:cNvPr id="4" name="Content Placeholder 3">
-            <a:extLst>
-              <a:ext uri="{FF2B5EF4-FFF2-40B4-BE49-F238E27FC236}">
-                <a16:creationId xmlns:a16="http://schemas.microsoft.com/office/drawing/2014/main" id="{864D3036-8B0F-5C44-90AB-7558ABA4CDEC}"/>
-              </a:ext>
-            </a:extLst>
-          </p:cNvPr>
-          <p:cNvSpPr>
-            <a:spLocks noGrp="1"/>
-          </p:cNvSpPr>
-          <p:nvPr>
-            <p:ph sz="quarter" idx="13"/>
-          </p:nvPr>
-        </p:nvSpPr>
-        <p:spPr>
-          <a:xfrm>
-            <a:off x="444137" y="1095555"/>
-            <a:ext cx="8294914" cy="4443096"/>
-          </a:xfrm>
-        </p:spPr>
-        <p:txBody>
-          <a:bodyPr>
-            <a:normAutofit/>
-          </a:bodyPr>
-          <a:lstStyle/>
-          <a:p>
-            <a:pPr marL="0" indent="0">
-              <a:buNone/>
-            </a:pPr>
-            <a:r>
-              <a:rPr lang="en-US" sz="2200" cap="none" dirty="0"/>
-              <a:t>Both the		     and		    completes one cycle in      seconds: </a:t>
-            </a:r>
-          </a:p>
-          <a:p>
-            <a:pPr marL="0" indent="0">
-              <a:buNone/>
-            </a:pPr>
-            <a:endParaRPr lang="en-US" sz="2200" cap="none" dirty="0"/>
-          </a:p>
-          <a:p>
-            <a:pPr marL="0" indent="0">
-              <a:buNone/>
-            </a:pPr>
-            <a:r>
-              <a:rPr lang="en-US" sz="2200" cap="none" dirty="0"/>
-              <a:t> </a:t>
-            </a:r>
-          </a:p>
-          <a:p>
-            <a:pPr marL="0" indent="0">
-              <a:buNone/>
-            </a:pPr>
-            <a:endParaRPr lang="en-US" sz="2200" cap="none" dirty="0"/>
-          </a:p>
-          <a:p>
-            <a:pPr marL="0" indent="0">
-              <a:buNone/>
-            </a:pPr>
-            <a:endParaRPr lang="en-US" sz="2200" cap="none" dirty="0"/>
-          </a:p>
-        </p:txBody>
-      </p:sp>
-      <p:pic>
-        <p:nvPicPr>
-          <p:cNvPr id="3" name="Picture 2">
-            <a:extLst>
-              <a:ext uri="{FF2B5EF4-FFF2-40B4-BE49-F238E27FC236}">
-                <a16:creationId xmlns:a16="http://schemas.microsoft.com/office/drawing/2014/main" id="{CE0586FE-71FE-DC44-93A3-8D5B3DA8F3B1}"/>
-              </a:ext>
-            </a:extLst>
-          </p:cNvPr>
-          <p:cNvPicPr>
-            <a:picLocks noChangeAspect="1"/>
-          </p:cNvPicPr>
-          <p:nvPr/>
-        </p:nvPicPr>
-        <p:blipFill>
-          <a:blip r:embed="rId3"/>
-          <a:stretch>
-            <a:fillRect/>
-          </a:stretch>
-        </p:blipFill>
-        <p:spPr>
-          <a:xfrm>
-            <a:off x="1602947" y="1122352"/>
-            <a:ext cx="1358900" cy="342900"/>
-          </a:xfrm>
-          <a:prstGeom prst="rect">
-            <a:avLst/>
-          </a:prstGeom>
-        </p:spPr>
-      </p:pic>
-      <p:pic>
-        <p:nvPicPr>
-          <p:cNvPr id="6" name="Picture 5">
-            <a:extLst>
-              <a:ext uri="{FF2B5EF4-FFF2-40B4-BE49-F238E27FC236}">
-                <a16:creationId xmlns:a16="http://schemas.microsoft.com/office/drawing/2014/main" id="{EE827FCF-1104-304A-9837-86405E38B9B9}"/>
-              </a:ext>
-            </a:extLst>
-          </p:cNvPr>
-          <p:cNvPicPr>
-            <a:picLocks noChangeAspect="1"/>
-          </p:cNvPicPr>
-          <p:nvPr/>
-        </p:nvPicPr>
-        <p:blipFill>
-          <a:blip r:embed="rId4"/>
-          <a:stretch>
-            <a:fillRect/>
-          </a:stretch>
-        </p:blipFill>
-        <p:spPr>
-          <a:xfrm>
-            <a:off x="3484515" y="1114523"/>
-            <a:ext cx="1397000" cy="342900"/>
-          </a:xfrm>
-          <a:prstGeom prst="rect">
-            <a:avLst/>
-          </a:prstGeom>
-        </p:spPr>
-      </p:pic>
-      <p:pic>
-        <p:nvPicPr>
-          <p:cNvPr id="7" name="Picture 6">
-            <a:extLst>
-              <a:ext uri="{FF2B5EF4-FFF2-40B4-BE49-F238E27FC236}">
-                <a16:creationId xmlns:a16="http://schemas.microsoft.com/office/drawing/2014/main" id="{02E0F4AF-3AD8-7340-96EF-1F5DABDDFA43}"/>
-              </a:ext>
-            </a:extLst>
-          </p:cNvPr>
-          <p:cNvPicPr>
-            <a:picLocks noChangeAspect="1"/>
-          </p:cNvPicPr>
-          <p:nvPr/>
-        </p:nvPicPr>
-        <p:blipFill>
-          <a:blip r:embed="rId5"/>
-          <a:stretch>
-            <a:fillRect/>
-          </a:stretch>
-        </p:blipFill>
-        <p:spPr>
-          <a:xfrm>
-            <a:off x="7640830" y="1160267"/>
-            <a:ext cx="317500" cy="215900"/>
-          </a:xfrm>
-          <a:prstGeom prst="rect">
-            <a:avLst/>
-          </a:prstGeom>
-        </p:spPr>
-      </p:pic>
-      <p:pic>
-        <p:nvPicPr>
-          <p:cNvPr id="9" name="Picture 8">
-            <a:extLst>
-              <a:ext uri="{FF2B5EF4-FFF2-40B4-BE49-F238E27FC236}">
-                <a16:creationId xmlns:a16="http://schemas.microsoft.com/office/drawing/2014/main" id="{C9A786FB-43A9-7F48-86B4-2D1AEC4C0723}"/>
-              </a:ext>
-            </a:extLst>
-          </p:cNvPr>
-          <p:cNvPicPr>
-            <a:picLocks noChangeAspect="1"/>
-          </p:cNvPicPr>
-          <p:nvPr/>
-        </p:nvPicPr>
-        <p:blipFill>
-          <a:blip r:embed="rId6"/>
-          <a:stretch>
-            <a:fillRect/>
-          </a:stretch>
-        </p:blipFill>
-        <p:spPr>
-          <a:xfrm>
-            <a:off x="794611" y="3371900"/>
-            <a:ext cx="7581900" cy="342900"/>
-          </a:xfrm>
-          <a:prstGeom prst="rect">
-            <a:avLst/>
-          </a:prstGeom>
-        </p:spPr>
-      </p:pic>
-      <p:pic>
-        <p:nvPicPr>
-          <p:cNvPr id="10" name="Picture 9">
-            <a:extLst>
-              <a:ext uri="{FF2B5EF4-FFF2-40B4-BE49-F238E27FC236}">
-                <a16:creationId xmlns:a16="http://schemas.microsoft.com/office/drawing/2014/main" id="{F58CF33A-820E-3F46-8BD4-32CBD1E76CA4}"/>
-              </a:ext>
-            </a:extLst>
-          </p:cNvPr>
-          <p:cNvPicPr>
-            <a:picLocks noChangeAspect="1"/>
-          </p:cNvPicPr>
-          <p:nvPr/>
-        </p:nvPicPr>
-        <p:blipFill>
-          <a:blip r:embed="rId7"/>
-          <a:stretch>
-            <a:fillRect/>
-          </a:stretch>
-        </p:blipFill>
-        <p:spPr>
-          <a:xfrm>
-            <a:off x="1112865" y="2404943"/>
-            <a:ext cx="6604000" cy="342900"/>
-          </a:xfrm>
-          <a:prstGeom prst="rect">
-            <a:avLst/>
-          </a:prstGeom>
-        </p:spPr>
-      </p:pic>
-      <p:pic>
-        <p:nvPicPr>
-          <p:cNvPr id="13" name="Picture 12">
-            <a:extLst>
-              <a:ext uri="{FF2B5EF4-FFF2-40B4-BE49-F238E27FC236}">
-                <a16:creationId xmlns:a16="http://schemas.microsoft.com/office/drawing/2014/main" id="{D32174B4-0A4B-B74A-A472-32BBCA7FA95C}"/>
-              </a:ext>
-            </a:extLst>
-          </p:cNvPr>
-          <p:cNvPicPr>
-            <a:picLocks noChangeAspect="1"/>
-          </p:cNvPicPr>
-          <p:nvPr/>
-        </p:nvPicPr>
-        <p:blipFill>
-          <a:blip r:embed="rId8"/>
-          <a:stretch>
-            <a:fillRect/>
-          </a:stretch>
-        </p:blipFill>
-        <p:spPr>
-          <a:xfrm>
-            <a:off x="858111" y="4383939"/>
-            <a:ext cx="7454900" cy="342900"/>
-          </a:xfrm>
-          <a:prstGeom prst="rect">
-            <a:avLst/>
-          </a:prstGeom>
-        </p:spPr>
-      </p:pic>
-    </p:spTree>
-    <p:extLst>
-      <p:ext uri="{BB962C8B-B14F-4D97-AF65-F5344CB8AC3E}">
-        <p14:creationId xmlns:p14="http://schemas.microsoft.com/office/powerpoint/2010/main" val="4010278027"/>
-      </p:ext>
-    </p:extLst>
-  </p:cSld>
-  <p:clrMapOvr>
-    <a:masterClrMapping/>
-  </p:clrMapOvr>
   <p:timing>
     <p:tnLst>
       <p:par>
@@ -15981,783 +20007,11 @@
                                           </p:stCondLst>
                                         </p:cTn>
                                         <p:tgtEl>
-                                          <p:spTgt spid="10"/>
-                                        </p:tgtEl>
-                                        <p:attrNameLst>
-                                          <p:attrName>style.visibility</p:attrName>
-                                        </p:attrNameLst>
-                                      </p:cBhvr>
-                                      <p:to>
-                                        <p:strVal val="visible"/>
-                                      </p:to>
-                                    </p:set>
-                                  </p:childTnLst>
-                                </p:cTn>
-                              </p:par>
-                            </p:childTnLst>
-                          </p:cTn>
-                        </p:par>
-                      </p:childTnLst>
-                    </p:cTn>
-                  </p:par>
-                  <p:par>
-                    <p:cTn id="7" fill="hold">
-                      <p:stCondLst>
-                        <p:cond delay="indefinite"/>
-                      </p:stCondLst>
-                      <p:childTnLst>
-                        <p:par>
-                          <p:cTn id="8" fill="hold">
-                            <p:stCondLst>
-                              <p:cond delay="0"/>
-                            </p:stCondLst>
-                            <p:childTnLst>
-                              <p:par>
-                                <p:cTn id="9" presetID="1" presetClass="entr" presetSubtype="0" fill="hold" nodeType="clickEffect">
-                                  <p:stCondLst>
-                                    <p:cond delay="0"/>
-                                  </p:stCondLst>
-                                  <p:childTnLst>
-                                    <p:set>
-                                      <p:cBhvr>
-                                        <p:cTn id="10" dur="1" fill="hold">
-                                          <p:stCondLst>
-                                            <p:cond delay="0"/>
-                                          </p:stCondLst>
-                                        </p:cTn>
-                                        <p:tgtEl>
-                                          <p:spTgt spid="9"/>
-                                        </p:tgtEl>
-                                        <p:attrNameLst>
-                                          <p:attrName>style.visibility</p:attrName>
-                                        </p:attrNameLst>
-                                      </p:cBhvr>
-                                      <p:to>
-                                        <p:strVal val="visible"/>
-                                      </p:to>
-                                    </p:set>
-                                  </p:childTnLst>
-                                </p:cTn>
-                              </p:par>
-                            </p:childTnLst>
-                          </p:cTn>
-                        </p:par>
-                      </p:childTnLst>
-                    </p:cTn>
-                  </p:par>
-                  <p:par>
-                    <p:cTn id="11" fill="hold">
-                      <p:stCondLst>
-                        <p:cond delay="indefinite"/>
-                      </p:stCondLst>
-                      <p:childTnLst>
-                        <p:par>
-                          <p:cTn id="12" fill="hold">
-                            <p:stCondLst>
-                              <p:cond delay="0"/>
-                            </p:stCondLst>
-                            <p:childTnLst>
-                              <p:par>
-                                <p:cTn id="13" presetID="1" presetClass="entr" presetSubtype="0" fill="hold" nodeType="clickEffect">
-                                  <p:stCondLst>
-                                    <p:cond delay="0"/>
-                                  </p:stCondLst>
-                                  <p:childTnLst>
-                                    <p:set>
-                                      <p:cBhvr>
-                                        <p:cTn id="14" dur="1" fill="hold">
-                                          <p:stCondLst>
-                                            <p:cond delay="0"/>
-                                          </p:stCondLst>
-                                        </p:cTn>
-                                        <p:tgtEl>
-                                          <p:spTgt spid="13"/>
-                                        </p:tgtEl>
-                                        <p:attrNameLst>
-                                          <p:attrName>style.visibility</p:attrName>
-                                        </p:attrNameLst>
-                                      </p:cBhvr>
-                                      <p:to>
-                                        <p:strVal val="visible"/>
-                                      </p:to>
-                                    </p:set>
-                                  </p:childTnLst>
-                                </p:cTn>
-                              </p:par>
-                            </p:childTnLst>
-                          </p:cTn>
-                        </p:par>
-                      </p:childTnLst>
-                    </p:cTn>
-                  </p:par>
-                </p:childTnLst>
-              </p:cTn>
-              <p:prevCondLst>
-                <p:cond evt="onPrev" delay="0">
-                  <p:tgtEl>
-                    <p:sldTgt/>
-                  </p:tgtEl>
-                </p:cond>
-              </p:prevCondLst>
-              <p:nextCondLst>
-                <p:cond evt="onNext" delay="0">
-                  <p:tgtEl>
-                    <p:sldTgt/>
-                  </p:tgtEl>
-                </p:cond>
-              </p:nextCondLst>
-            </p:seq>
-          </p:childTnLst>
-        </p:cTn>
-      </p:par>
-    </p:tnLst>
-  </p:timing>
-</p:sld>
-</file>
-
-<file path=ppt/slides/slide9.xml><?xml version="1.0" encoding="utf-8"?>
-<p:sld xmlns:a="http://schemas.openxmlformats.org/drawingml/2006/main" xmlns:r="http://schemas.openxmlformats.org/officeDocument/2006/relationships" xmlns:p="http://schemas.openxmlformats.org/presentationml/2006/main">
-  <p:cSld>
-    <p:spTree>
-      <p:nvGrpSpPr>
-        <p:cNvPr id="1" name=""/>
-        <p:cNvGrpSpPr/>
-        <p:nvPr/>
-      </p:nvGrpSpPr>
-      <p:grpSpPr>
-        <a:xfrm>
-          <a:off x="0" y="0"/>
-          <a:ext cx="0" cy="0"/>
-          <a:chOff x="0" y="0"/>
-          <a:chExt cx="0" cy="0"/>
-        </a:xfrm>
-      </p:grpSpPr>
-      <p:sp>
-        <p:nvSpPr>
-          <p:cNvPr id="5" name="Content Placeholder 4">
-            <a:extLst>
-              <a:ext uri="{FF2B5EF4-FFF2-40B4-BE49-F238E27FC236}">
-                <a16:creationId xmlns:a16="http://schemas.microsoft.com/office/drawing/2014/main" id="{0FE295BD-6CD2-6846-AF3A-CA0AE1986E1A}"/>
-              </a:ext>
-            </a:extLst>
-          </p:cNvPr>
-          <p:cNvSpPr>
-            <a:spLocks noGrp="1"/>
-          </p:cNvSpPr>
-          <p:nvPr>
-            <p:ph sz="quarter" idx="13"/>
-          </p:nvPr>
-        </p:nvSpPr>
-        <p:spPr>
-          <a:xfrm>
-            <a:off x="467481" y="1095555"/>
-            <a:ext cx="8206256" cy="4456159"/>
-          </a:xfrm>
-        </p:spPr>
-        <p:txBody>
-          <a:bodyPr/>
-          <a:lstStyle/>
-          <a:p>
-            <a:pPr marL="0" indent="0">
-              <a:buNone/>
-            </a:pPr>
-            <a:r>
-              <a:rPr lang="en-US" sz="2200" cap="none" dirty="0"/>
-              <a:t>In general, the sinusoids				   and  </a:t>
-            </a:r>
-          </a:p>
-          <a:p>
-            <a:pPr marL="0" indent="0">
-              <a:buNone/>
-            </a:pPr>
-            <a:endParaRPr lang="en-US" sz="2400" cap="none" dirty="0"/>
-          </a:p>
-          <a:p>
-            <a:pPr marL="0" indent="0">
-              <a:buNone/>
-            </a:pPr>
-            <a:r>
-              <a:rPr lang="en-US" sz="2400" dirty="0"/>
-              <a:t>has</a:t>
-            </a:r>
-            <a:endParaRPr lang="en-US" sz="2400" cap="none" dirty="0"/>
-          </a:p>
-          <a:p>
-            <a:pPr marL="0" indent="0">
-              <a:buNone/>
-            </a:pPr>
-            <a:endParaRPr lang="en-US" sz="2200" cap="none" dirty="0"/>
-          </a:p>
-          <a:p>
-            <a:pPr marL="0" indent="0">
-              <a:buNone/>
-            </a:pPr>
-            <a:endParaRPr lang="en-US" sz="2200" dirty="0"/>
-          </a:p>
-          <a:p>
-            <a:pPr marL="0" indent="0">
-              <a:buNone/>
-            </a:pPr>
-            <a:endParaRPr lang="en-US" sz="2200" cap="none" dirty="0"/>
-          </a:p>
-          <a:p>
-            <a:pPr marL="0" indent="0">
-              <a:buNone/>
-            </a:pPr>
-            <a:endParaRPr lang="en-US" sz="2200" cap="none" dirty="0"/>
-          </a:p>
-          <a:p>
-            <a:pPr marL="0" indent="0">
-              <a:buNone/>
-            </a:pPr>
-            <a:r>
-              <a:rPr lang="en-US" sz="2200" dirty="0"/>
-              <a:t>Note: For simplicity, we'll ignore the phase of the sinusoids although the phase is an important attribute in digital audio/signal processing.  Here's the full sinusoid with phase "phi":</a:t>
-            </a:r>
-          </a:p>
-          <a:p>
-            <a:pPr marL="0" indent="0">
-              <a:buNone/>
-            </a:pPr>
-            <a:endParaRPr lang="en-US" sz="2200" cap="none" dirty="0"/>
-          </a:p>
-          <a:p>
-            <a:pPr marL="0" indent="0">
-              <a:buNone/>
-            </a:pPr>
-            <a:endParaRPr lang="en-US" sz="2400" cap="none" dirty="0"/>
-          </a:p>
-          <a:p>
-            <a:pPr marL="0" indent="0">
-              <a:buNone/>
-            </a:pPr>
-            <a:endParaRPr lang="en-US" sz="2400" cap="none" dirty="0"/>
-          </a:p>
-          <a:p>
-            <a:pPr marL="0" indent="0">
-              <a:buNone/>
-            </a:pPr>
-            <a:r>
-              <a:rPr lang="en-US" sz="2400" cap="none" dirty="0"/>
-              <a:t>					 </a:t>
-            </a:r>
-          </a:p>
-          <a:p>
-            <a:pPr marL="0" indent="0">
-              <a:buNone/>
-            </a:pPr>
-            <a:endParaRPr lang="en-US" sz="2400" cap="none" dirty="0"/>
-          </a:p>
-          <a:p>
-            <a:pPr marL="0" indent="0">
-              <a:buNone/>
-            </a:pPr>
-            <a:endParaRPr lang="en-US" sz="2400" cap="none" dirty="0"/>
-          </a:p>
-          <a:p>
-            <a:pPr marL="0" indent="0">
-              <a:buNone/>
-            </a:pPr>
-            <a:endParaRPr lang="en-US" sz="2400" cap="none" dirty="0"/>
-          </a:p>
-          <a:p>
-            <a:pPr marL="0" indent="0">
-              <a:buNone/>
-            </a:pPr>
-            <a:endParaRPr lang="en-US" sz="2400" cap="none" dirty="0"/>
-          </a:p>
-          <a:p>
-            <a:pPr marL="0" indent="0">
-              <a:buNone/>
-            </a:pPr>
-            <a:endParaRPr lang="en-US" sz="2400" cap="none" dirty="0"/>
-          </a:p>
-          <a:p>
-            <a:pPr marL="0" indent="0">
-              <a:buNone/>
-            </a:pPr>
-            <a:endParaRPr lang="en-US" sz="2400" cap="none" dirty="0"/>
-          </a:p>
-        </p:txBody>
-      </p:sp>
-      <p:sp>
-        <p:nvSpPr>
-          <p:cNvPr id="2" name="Title 1">
-            <a:extLst>
-              <a:ext uri="{FF2B5EF4-FFF2-40B4-BE49-F238E27FC236}">
-                <a16:creationId xmlns:a16="http://schemas.microsoft.com/office/drawing/2014/main" id="{EDE419EF-0E46-9E4D-8C75-4293CAE61F27}"/>
-              </a:ext>
-            </a:extLst>
-          </p:cNvPr>
-          <p:cNvSpPr>
-            <a:spLocks noGrp="1"/>
-          </p:cNvSpPr>
-          <p:nvPr>
-            <p:ph type="title"/>
-          </p:nvPr>
-        </p:nvSpPr>
-        <p:spPr>
-          <a:xfrm>
-            <a:off x="624264" y="426416"/>
-            <a:ext cx="7922594" cy="669139"/>
-          </a:xfrm>
-        </p:spPr>
-        <p:txBody>
-          <a:bodyPr/>
-          <a:lstStyle/>
-          <a:p>
-            <a:pPr algn="l"/>
-            <a:r>
-              <a:rPr lang="en-US" cap="none" dirty="0"/>
-              <a:t>Real Sinusoids</a:t>
-            </a:r>
-          </a:p>
-        </p:txBody>
-      </p:sp>
-      <p:pic>
-        <p:nvPicPr>
-          <p:cNvPr id="12" name="Picture 11">
-            <a:extLst>
-              <a:ext uri="{FF2B5EF4-FFF2-40B4-BE49-F238E27FC236}">
-                <a16:creationId xmlns:a16="http://schemas.microsoft.com/office/drawing/2014/main" id="{08383E22-FB1C-D745-A437-4DA16967490A}"/>
-              </a:ext>
-            </a:extLst>
-          </p:cNvPr>
-          <p:cNvPicPr>
-            <a:picLocks noChangeAspect="1"/>
-          </p:cNvPicPr>
-          <p:nvPr/>
-        </p:nvPicPr>
-        <p:blipFill>
-          <a:blip r:embed="rId3"/>
-          <a:stretch>
-            <a:fillRect/>
-          </a:stretch>
-        </p:blipFill>
-        <p:spPr>
-          <a:xfrm>
-            <a:off x="583036" y="2499350"/>
-            <a:ext cx="3530600" cy="800100"/>
-          </a:xfrm>
-          <a:prstGeom prst="rect">
-            <a:avLst/>
-          </a:prstGeom>
-        </p:spPr>
-      </p:pic>
-      <p:pic>
-        <p:nvPicPr>
-          <p:cNvPr id="17" name="Picture 16">
-            <a:extLst>
-              <a:ext uri="{FF2B5EF4-FFF2-40B4-BE49-F238E27FC236}">
-                <a16:creationId xmlns:a16="http://schemas.microsoft.com/office/drawing/2014/main" id="{EA0B9056-0D2C-7943-B079-1A13BF02322D}"/>
-              </a:ext>
-            </a:extLst>
-          </p:cNvPr>
-          <p:cNvPicPr>
-            <a:picLocks noChangeAspect="1"/>
-          </p:cNvPicPr>
-          <p:nvPr/>
-        </p:nvPicPr>
-        <p:blipFill>
-          <a:blip r:embed="rId4"/>
-          <a:stretch>
-            <a:fillRect/>
-          </a:stretch>
-        </p:blipFill>
-        <p:spPr>
-          <a:xfrm>
-            <a:off x="1155407" y="1984453"/>
-            <a:ext cx="2286000" cy="317500"/>
-          </a:xfrm>
-          <a:prstGeom prst="rect">
-            <a:avLst/>
-          </a:prstGeom>
-        </p:spPr>
-      </p:pic>
-      <p:pic>
-        <p:nvPicPr>
-          <p:cNvPr id="6" name="Picture 5">
-            <a:extLst>
-              <a:ext uri="{FF2B5EF4-FFF2-40B4-BE49-F238E27FC236}">
-                <a16:creationId xmlns:a16="http://schemas.microsoft.com/office/drawing/2014/main" id="{CCCC1A55-C5EA-8743-85A0-1FC2A23A0B14}"/>
-              </a:ext>
-            </a:extLst>
-          </p:cNvPr>
-          <p:cNvPicPr>
-            <a:picLocks noChangeAspect="1"/>
-          </p:cNvPicPr>
-          <p:nvPr/>
-        </p:nvPicPr>
-        <p:blipFill>
-          <a:blip r:embed="rId5"/>
-          <a:stretch>
-            <a:fillRect/>
-          </a:stretch>
-        </p:blipFill>
-        <p:spPr>
-          <a:xfrm>
-            <a:off x="3664052" y="1993187"/>
-            <a:ext cx="3086100" cy="304800"/>
-          </a:xfrm>
-          <a:prstGeom prst="rect">
-            <a:avLst/>
-          </a:prstGeom>
-        </p:spPr>
-      </p:pic>
-      <p:pic>
-        <p:nvPicPr>
-          <p:cNvPr id="4" name="Picture 3">
-            <a:extLst>
-              <a:ext uri="{FF2B5EF4-FFF2-40B4-BE49-F238E27FC236}">
-                <a16:creationId xmlns:a16="http://schemas.microsoft.com/office/drawing/2014/main" id="{8BB19512-B1A8-B442-8170-31E17570D1F4}"/>
-              </a:ext>
-            </a:extLst>
-          </p:cNvPr>
-          <p:cNvPicPr>
-            <a:picLocks noChangeAspect="1"/>
-          </p:cNvPicPr>
-          <p:nvPr/>
-        </p:nvPicPr>
-        <p:blipFill>
-          <a:blip r:embed="rId6"/>
-          <a:stretch>
-            <a:fillRect/>
-          </a:stretch>
-        </p:blipFill>
-        <p:spPr>
-          <a:xfrm>
-            <a:off x="3377410" y="1111517"/>
-            <a:ext cx="2108662" cy="333421"/>
-          </a:xfrm>
-          <a:prstGeom prst="rect">
-            <a:avLst/>
-          </a:prstGeom>
-        </p:spPr>
-      </p:pic>
-      <p:pic>
-        <p:nvPicPr>
-          <p:cNvPr id="7" name="Picture 6">
-            <a:extLst>
-              <a:ext uri="{FF2B5EF4-FFF2-40B4-BE49-F238E27FC236}">
-                <a16:creationId xmlns:a16="http://schemas.microsoft.com/office/drawing/2014/main" id="{ED5D7DCB-74F8-4C4A-9AE0-23EB74526FEA}"/>
-              </a:ext>
-            </a:extLst>
-          </p:cNvPr>
-          <p:cNvPicPr>
-            <a:picLocks noChangeAspect="1"/>
-          </p:cNvPicPr>
-          <p:nvPr/>
-        </p:nvPicPr>
-        <p:blipFill>
-          <a:blip r:embed="rId7"/>
-          <a:stretch>
-            <a:fillRect/>
-          </a:stretch>
-        </p:blipFill>
-        <p:spPr>
-          <a:xfrm>
-            <a:off x="6199291" y="1077166"/>
-            <a:ext cx="2108662" cy="327817"/>
-          </a:xfrm>
-          <a:prstGeom prst="rect">
-            <a:avLst/>
-          </a:prstGeom>
-        </p:spPr>
-      </p:pic>
-      <p:pic>
-        <p:nvPicPr>
-          <p:cNvPr id="8" name="Picture 7">
-            <a:extLst>
-              <a:ext uri="{FF2B5EF4-FFF2-40B4-BE49-F238E27FC236}">
-                <a16:creationId xmlns:a16="http://schemas.microsoft.com/office/drawing/2014/main" id="{E034E86E-FB70-704E-A0BC-4CB261EF4DFF}"/>
-              </a:ext>
-            </a:extLst>
-          </p:cNvPr>
-          <p:cNvPicPr>
-            <a:picLocks noChangeAspect="1"/>
-          </p:cNvPicPr>
-          <p:nvPr/>
-        </p:nvPicPr>
-        <p:blipFill>
-          <a:blip r:embed="rId8"/>
-          <a:stretch>
-            <a:fillRect/>
-          </a:stretch>
-        </p:blipFill>
-        <p:spPr>
-          <a:xfrm>
-            <a:off x="2710337" y="4941279"/>
-            <a:ext cx="2806598" cy="347305"/>
-          </a:xfrm>
-          <a:prstGeom prst="rect">
-            <a:avLst/>
-          </a:prstGeom>
-        </p:spPr>
-      </p:pic>
-    </p:spTree>
-    <p:extLst>
-      <p:ext uri="{BB962C8B-B14F-4D97-AF65-F5344CB8AC3E}">
-        <p14:creationId xmlns:p14="http://schemas.microsoft.com/office/powerpoint/2010/main" val="3456962804"/>
-      </p:ext>
-    </p:extLst>
-  </p:cSld>
-  <p:clrMapOvr>
-    <a:masterClrMapping/>
-  </p:clrMapOvr>
-  <p:timing>
-    <p:tnLst>
-      <p:par>
-        <p:cTn id="1" dur="indefinite" restart="never" nodeType="tmRoot">
-          <p:childTnLst>
-            <p:seq concurrent="1" nextAc="seek">
-              <p:cTn id="2" dur="indefinite" nodeType="mainSeq">
-                <p:childTnLst>
-                  <p:par>
-                    <p:cTn id="3" fill="hold">
-                      <p:stCondLst>
-                        <p:cond delay="indefinite"/>
-                      </p:stCondLst>
-                      <p:childTnLst>
-                        <p:par>
-                          <p:cTn id="4" fill="hold">
-                            <p:stCondLst>
-                              <p:cond delay="0"/>
-                            </p:stCondLst>
-                            <p:childTnLst>
-                              <p:par>
-                                <p:cTn id="5" presetID="1" presetClass="entr" presetSubtype="0" fill="hold" nodeType="clickEffect">
-                                  <p:stCondLst>
-                                    <p:cond delay="0"/>
-                                  </p:stCondLst>
-                                  <p:childTnLst>
-                                    <p:set>
-                                      <p:cBhvr>
-                                        <p:cTn id="6" dur="1" fill="hold">
-                                          <p:stCondLst>
-                                            <p:cond delay="0"/>
-                                          </p:stCondLst>
-                                        </p:cTn>
-                                        <p:tgtEl>
-                                          <p:spTgt spid="5">
+                                          <p:spTgt spid="4">
                                             <p:txEl>
                                               <p:pRg st="0" end="0"/>
                                             </p:txEl>
                                           </p:spTgt>
-                                        </p:tgtEl>
-                                        <p:attrNameLst>
-                                          <p:attrName>style.visibility</p:attrName>
-                                        </p:attrNameLst>
-                                      </p:cBhvr>
-                                      <p:to>
-                                        <p:strVal val="visible"/>
-                                      </p:to>
-                                    </p:set>
-                                  </p:childTnLst>
-                                </p:cTn>
-                              </p:par>
-                            </p:childTnLst>
-                          </p:cTn>
-                        </p:par>
-                      </p:childTnLst>
-                    </p:cTn>
-                  </p:par>
-                  <p:par>
-                    <p:cTn id="7" fill="hold">
-                      <p:stCondLst>
-                        <p:cond delay="indefinite"/>
-                      </p:stCondLst>
-                      <p:childTnLst>
-                        <p:par>
-                          <p:cTn id="8" fill="hold">
-                            <p:stCondLst>
-                              <p:cond delay="0"/>
-                            </p:stCondLst>
-                            <p:childTnLst>
-                              <p:par>
-                                <p:cTn id="9" presetID="1" presetClass="entr" presetSubtype="0" fill="hold" nodeType="clickEffect">
-                                  <p:stCondLst>
-                                    <p:cond delay="0"/>
-                                  </p:stCondLst>
-                                  <p:childTnLst>
-                                    <p:set>
-                                      <p:cBhvr>
-                                        <p:cTn id="10" dur="1" fill="hold">
-                                          <p:stCondLst>
-                                            <p:cond delay="0"/>
-                                          </p:stCondLst>
-                                        </p:cTn>
-                                        <p:tgtEl>
-                                          <p:spTgt spid="5">
-                                            <p:txEl>
-                                              <p:pRg st="2" end="2"/>
-                                            </p:txEl>
-                                          </p:spTgt>
-                                        </p:tgtEl>
-                                        <p:attrNameLst>
-                                          <p:attrName>style.visibility</p:attrName>
-                                        </p:attrNameLst>
-                                      </p:cBhvr>
-                                      <p:to>
-                                        <p:strVal val="visible"/>
-                                      </p:to>
-                                    </p:set>
-                                  </p:childTnLst>
-                                </p:cTn>
-                              </p:par>
-                            </p:childTnLst>
-                          </p:cTn>
-                        </p:par>
-                      </p:childTnLst>
-                    </p:cTn>
-                  </p:par>
-                  <p:par>
-                    <p:cTn id="11" fill="hold">
-                      <p:stCondLst>
-                        <p:cond delay="indefinite"/>
-                      </p:stCondLst>
-                      <p:childTnLst>
-                        <p:par>
-                          <p:cTn id="12" fill="hold">
-                            <p:stCondLst>
-                              <p:cond delay="0"/>
-                            </p:stCondLst>
-                            <p:childTnLst>
-                              <p:par>
-                                <p:cTn id="13" presetID="1" presetClass="entr" presetSubtype="0" fill="hold" nodeType="clickEffect">
-                                  <p:stCondLst>
-                                    <p:cond delay="0"/>
-                                  </p:stCondLst>
-                                  <p:childTnLst>
-                                    <p:set>
-                                      <p:cBhvr>
-                                        <p:cTn id="14" dur="1" fill="hold">
-                                          <p:stCondLst>
-                                            <p:cond delay="0"/>
-                                          </p:stCondLst>
-                                        </p:cTn>
-                                        <p:tgtEl>
-                                          <p:spTgt spid="5">
-                                            <p:txEl>
-                                              <p:pRg st="7" end="7"/>
-                                            </p:txEl>
-                                          </p:spTgt>
-                                        </p:tgtEl>
-                                        <p:attrNameLst>
-                                          <p:attrName>style.visibility</p:attrName>
-                                        </p:attrNameLst>
-                                      </p:cBhvr>
-                                      <p:to>
-                                        <p:strVal val="visible"/>
-                                      </p:to>
-                                    </p:set>
-                                  </p:childTnLst>
-                                </p:cTn>
-                              </p:par>
-                              <p:par>
-                                <p:cTn id="15" presetID="1" presetClass="entr" presetSubtype="0" fill="hold" nodeType="withEffect">
-                                  <p:stCondLst>
-                                    <p:cond delay="0"/>
-                                  </p:stCondLst>
-                                  <p:childTnLst>
-                                    <p:set>
-                                      <p:cBhvr>
-                                        <p:cTn id="16" dur="1" fill="hold">
-                                          <p:stCondLst>
-                                            <p:cond delay="0"/>
-                                          </p:stCondLst>
-                                        </p:cTn>
-                                        <p:tgtEl>
-                                          <p:spTgt spid="17"/>
-                                        </p:tgtEl>
-                                        <p:attrNameLst>
-                                          <p:attrName>style.visibility</p:attrName>
-                                        </p:attrNameLst>
-                                      </p:cBhvr>
-                                      <p:to>
-                                        <p:strVal val="visible"/>
-                                      </p:to>
-                                    </p:set>
-                                  </p:childTnLst>
-                                </p:cTn>
-                              </p:par>
-                            </p:childTnLst>
-                          </p:cTn>
-                        </p:par>
-                      </p:childTnLst>
-                    </p:cTn>
-                  </p:par>
-                  <p:par>
-                    <p:cTn id="17" fill="hold">
-                      <p:stCondLst>
-                        <p:cond delay="indefinite"/>
-                      </p:stCondLst>
-                      <p:childTnLst>
-                        <p:par>
-                          <p:cTn id="18" fill="hold">
-                            <p:stCondLst>
-                              <p:cond delay="0"/>
-                            </p:stCondLst>
-                            <p:childTnLst>
-                              <p:par>
-                                <p:cTn id="19" presetID="1" presetClass="entr" presetSubtype="0" fill="hold" nodeType="clickEffect">
-                                  <p:stCondLst>
-                                    <p:cond delay="0"/>
-                                  </p:stCondLst>
-                                  <p:childTnLst>
-                                    <p:set>
-                                      <p:cBhvr>
-                                        <p:cTn id="20" dur="1" fill="hold">
-                                          <p:stCondLst>
-                                            <p:cond delay="0"/>
-                                          </p:stCondLst>
-                                        </p:cTn>
-                                        <p:tgtEl>
-                                          <p:spTgt spid="6"/>
-                                        </p:tgtEl>
-                                        <p:attrNameLst>
-                                          <p:attrName>style.visibility</p:attrName>
-                                        </p:attrNameLst>
-                                      </p:cBhvr>
-                                      <p:to>
-                                        <p:strVal val="visible"/>
-                                      </p:to>
-                                    </p:set>
-                                  </p:childTnLst>
-                                </p:cTn>
-                              </p:par>
-                            </p:childTnLst>
-                          </p:cTn>
-                        </p:par>
-                      </p:childTnLst>
-                    </p:cTn>
-                  </p:par>
-                  <p:par>
-                    <p:cTn id="21" fill="hold">
-                      <p:stCondLst>
-                        <p:cond delay="indefinite"/>
-                      </p:stCondLst>
-                      <p:childTnLst>
-                        <p:par>
-                          <p:cTn id="22" fill="hold">
-                            <p:stCondLst>
-                              <p:cond delay="0"/>
-                            </p:stCondLst>
-                            <p:childTnLst>
-                              <p:par>
-                                <p:cTn id="23" presetID="1" presetClass="entr" presetSubtype="0" fill="hold" nodeType="clickEffect">
-                                  <p:stCondLst>
-                                    <p:cond delay="0"/>
-                                  </p:stCondLst>
-                                  <p:childTnLst>
-                                    <p:set>
-                                      <p:cBhvr>
-                                        <p:cTn id="24" dur="1" fill="hold">
-                                          <p:stCondLst>
-                                            <p:cond delay="0"/>
-                                          </p:stCondLst>
-                                        </p:cTn>
-                                        <p:tgtEl>
-                                          <p:spTgt spid="12"/>
                                         </p:tgtEl>
                                         <p:attrNameLst>
                                           <p:attrName>style.visibility</p:attrName>

--- a/courses/apcsp/lect16.pptx
+++ b/courses/apcsp/lect16.pptx
@@ -5,7 +5,7 @@
     <p:sldMasterId id="2147483791" r:id="rId1"/>
   </p:sldMasterIdLst>
   <p:notesMasterIdLst>
-    <p:notesMasterId r:id="rId28"/>
+    <p:notesMasterId r:id="rId29"/>
   </p:notesMasterIdLst>
   <p:sldIdLst>
     <p:sldId id="256" r:id="rId2"/>
@@ -33,7 +33,8 @@
     <p:sldId id="287" r:id="rId24"/>
     <p:sldId id="299" r:id="rId25"/>
     <p:sldId id="301" r:id="rId26"/>
-    <p:sldId id="302" r:id="rId27"/>
+    <p:sldId id="324" r:id="rId27"/>
+    <p:sldId id="302" r:id="rId28"/>
   </p:sldIdLst>
   <p:sldSz cx="9144000" cy="5715000" type="screen16x10"/>
   <p:notesSz cx="6858000" cy="9144000"/>
@@ -1988,7 +1989,7 @@
           <a:p>
             <a:fld id="{6EDD99D2-A624-5E4F-A4E3-584054837B5A}" type="datetimeFigureOut">
               <a:rPr lang="en-US" smtClean="0"/>
-              <a:t>2/10/20</a:t>
+              <a:t>2/11/20</a:t>
             </a:fld>
             <a:endParaRPr lang="en-US"/>
           </a:p>
@@ -3958,6 +3959,248 @@
     </p:spTree>
     <p:extLst>
       <p:ext uri="{BB962C8B-B14F-4D97-AF65-F5344CB8AC3E}">
+        <p14:creationId xmlns:p14="http://schemas.microsoft.com/office/powerpoint/2010/main" val="1702146957"/>
+      </p:ext>
+    </p:extLst>
+  </p:cSld>
+  <p:clrMapOvr>
+    <a:masterClrMapping/>
+  </p:clrMapOvr>
+</p:notes>
+</file>
+
+<file path=ppt/notesSlides/notesSlide17.xml><?xml version="1.0" encoding="utf-8"?>
+<p:notes xmlns:a="http://schemas.openxmlformats.org/drawingml/2006/main" xmlns:r="http://schemas.openxmlformats.org/officeDocument/2006/relationships" xmlns:p="http://schemas.openxmlformats.org/presentationml/2006/main">
+  <p:cSld>
+    <p:spTree>
+      <p:nvGrpSpPr>
+        <p:cNvPr id="1" name=""/>
+        <p:cNvGrpSpPr/>
+        <p:nvPr/>
+      </p:nvGrpSpPr>
+      <p:grpSpPr>
+        <a:xfrm>
+          <a:off x="0" y="0"/>
+          <a:ext cx="0" cy="0"/>
+          <a:chOff x="0" y="0"/>
+          <a:chExt cx="0" cy="0"/>
+        </a:xfrm>
+      </p:grpSpPr>
+      <p:sp>
+        <p:nvSpPr>
+          <p:cNvPr id="2" name="Slide Image Placeholder 1"/>
+          <p:cNvSpPr>
+            <a:spLocks noGrp="1" noRot="1" noChangeAspect="1"/>
+          </p:cNvSpPr>
+          <p:nvPr>
+            <p:ph type="sldImg"/>
+          </p:nvPr>
+        </p:nvSpPr>
+        <p:spPr/>
+      </p:sp>
+      <p:sp>
+        <p:nvSpPr>
+          <p:cNvPr id="3" name="Notes Placeholder 2"/>
+          <p:cNvSpPr>
+            <a:spLocks noGrp="1"/>
+          </p:cNvSpPr>
+          <p:nvPr>
+            <p:ph type="body" idx="1"/>
+          </p:nvPr>
+        </p:nvSpPr>
+        <p:spPr/>
+        <p:txBody>
+          <a:bodyPr/>
+          <a:lstStyle/>
+          <a:p>
+            <a:r>
+              <a:rPr lang="en-US" sz="1200" kern="1200" dirty="0">
+                <a:solidFill>
+                  <a:schemeClr val="tx1"/>
+                </a:solidFill>
+                <a:effectLst/>
+                <a:latin typeface="+mn-lt"/>
+                <a:ea typeface="+mn-ea"/>
+                <a:cs typeface="+mn-cs"/>
+              </a:rPr>
+              <a:t>y(t)=\sin(2\pi\</a:t>
+            </a:r>
+            <a:r>
+              <a:rPr lang="en-US" sz="1200" kern="1200" dirty="0" err="1">
+                <a:solidFill>
+                  <a:schemeClr val="tx1"/>
+                </a:solidFill>
+                <a:effectLst/>
+                <a:latin typeface="+mn-lt"/>
+                <a:ea typeface="+mn-ea"/>
+                <a:cs typeface="+mn-cs"/>
+              </a:rPr>
+              <a:t>cdot</a:t>
+            </a:r>
+            <a:r>
+              <a:rPr lang="en-US" sz="1200" kern="1200" dirty="0">
+                <a:solidFill>
+                  <a:schemeClr val="tx1"/>
+                </a:solidFill>
+                <a:effectLst/>
+                <a:latin typeface="+mn-lt"/>
+                <a:ea typeface="+mn-ea"/>
+                <a:cs typeface="+mn-cs"/>
+              </a:rPr>
+              <a:t> 261.6\</a:t>
+            </a:r>
+            <a:r>
+              <a:rPr lang="en-US" sz="1200" kern="1200" dirty="0" err="1">
+                <a:solidFill>
+                  <a:schemeClr val="tx1"/>
+                </a:solidFill>
+                <a:effectLst/>
+                <a:latin typeface="+mn-lt"/>
+                <a:ea typeface="+mn-ea"/>
+                <a:cs typeface="+mn-cs"/>
+              </a:rPr>
+              <a:t>cdot</a:t>
+            </a:r>
+            <a:r>
+              <a:rPr lang="en-US" sz="1200" kern="1200" dirty="0">
+                <a:solidFill>
+                  <a:schemeClr val="tx1"/>
+                </a:solidFill>
+                <a:effectLst/>
+                <a:latin typeface="+mn-lt"/>
+                <a:ea typeface="+mn-ea"/>
+                <a:cs typeface="+mn-cs"/>
+              </a:rPr>
+              <a:t> t)+\sin(2\pi\</a:t>
+            </a:r>
+            <a:r>
+              <a:rPr lang="en-US" sz="1200" kern="1200" dirty="0" err="1">
+                <a:solidFill>
+                  <a:schemeClr val="tx1"/>
+                </a:solidFill>
+                <a:effectLst/>
+                <a:latin typeface="+mn-lt"/>
+                <a:ea typeface="+mn-ea"/>
+                <a:cs typeface="+mn-cs"/>
+              </a:rPr>
+              <a:t>cdot</a:t>
+            </a:r>
+            <a:r>
+              <a:rPr lang="en-US" sz="1200" kern="1200" dirty="0">
+                <a:solidFill>
+                  <a:schemeClr val="tx1"/>
+                </a:solidFill>
+                <a:effectLst/>
+                <a:latin typeface="+mn-lt"/>
+                <a:ea typeface="+mn-ea"/>
+                <a:cs typeface="+mn-cs"/>
+              </a:rPr>
+              <a:t> 329.6\</a:t>
+            </a:r>
+            <a:r>
+              <a:rPr lang="en-US" sz="1200" kern="1200" dirty="0" err="1">
+                <a:solidFill>
+                  <a:schemeClr val="tx1"/>
+                </a:solidFill>
+                <a:effectLst/>
+                <a:latin typeface="+mn-lt"/>
+                <a:ea typeface="+mn-ea"/>
+                <a:cs typeface="+mn-cs"/>
+              </a:rPr>
+              <a:t>cdot</a:t>
+            </a:r>
+            <a:r>
+              <a:rPr lang="en-US" sz="1200" kern="1200" dirty="0">
+                <a:solidFill>
+                  <a:schemeClr val="tx1"/>
+                </a:solidFill>
+                <a:effectLst/>
+                <a:latin typeface="+mn-lt"/>
+                <a:ea typeface="+mn-ea"/>
+                <a:cs typeface="+mn-cs"/>
+              </a:rPr>
+              <a:t> t)+\sin(2\pi\</a:t>
+            </a:r>
+            <a:r>
+              <a:rPr lang="en-US" sz="1200" kern="1200" dirty="0" err="1">
+                <a:solidFill>
+                  <a:schemeClr val="tx1"/>
+                </a:solidFill>
+                <a:effectLst/>
+                <a:latin typeface="+mn-lt"/>
+                <a:ea typeface="+mn-ea"/>
+                <a:cs typeface="+mn-cs"/>
+              </a:rPr>
+              <a:t>cdot</a:t>
+            </a:r>
+            <a:r>
+              <a:rPr lang="en-US" sz="1200" kern="1200" dirty="0">
+                <a:solidFill>
+                  <a:schemeClr val="tx1"/>
+                </a:solidFill>
+                <a:effectLst/>
+                <a:latin typeface="+mn-lt"/>
+                <a:ea typeface="+mn-ea"/>
+                <a:cs typeface="+mn-cs"/>
+              </a:rPr>
+              <a:t> 392\</a:t>
+            </a:r>
+            <a:r>
+              <a:rPr lang="en-US" sz="1200" kern="1200" dirty="0" err="1">
+                <a:solidFill>
+                  <a:schemeClr val="tx1"/>
+                </a:solidFill>
+                <a:effectLst/>
+                <a:latin typeface="+mn-lt"/>
+                <a:ea typeface="+mn-ea"/>
+                <a:cs typeface="+mn-cs"/>
+              </a:rPr>
+              <a:t>cdot</a:t>
+            </a:r>
+            <a:r>
+              <a:rPr lang="en-US" sz="1200" kern="1200" dirty="0">
+                <a:solidFill>
+                  <a:schemeClr val="tx1"/>
+                </a:solidFill>
+                <a:effectLst/>
+                <a:latin typeface="+mn-lt"/>
+                <a:ea typeface="+mn-ea"/>
+                <a:cs typeface="+mn-cs"/>
+              </a:rPr>
+              <a:t> t).</a:t>
+            </a:r>
+          </a:p>
+          <a:p>
+            <a:endParaRPr lang="en-US" dirty="0"/>
+          </a:p>
+        </p:txBody>
+      </p:sp>
+      <p:sp>
+        <p:nvSpPr>
+          <p:cNvPr id="4" name="Slide Number Placeholder 3"/>
+          <p:cNvSpPr>
+            <a:spLocks noGrp="1"/>
+          </p:cNvSpPr>
+          <p:nvPr>
+            <p:ph type="sldNum" sz="quarter" idx="10"/>
+          </p:nvPr>
+        </p:nvSpPr>
+        <p:spPr/>
+        <p:txBody>
+          <a:bodyPr/>
+          <a:lstStyle/>
+          <a:p>
+            <a:fld id="{D04ABF8B-8FC0-C447-A567-214E2A1C8CF1}" type="slidenum">
+              <a:rPr lang="en-US" smtClean="0"/>
+              <a:t>27</a:t>
+            </a:fld>
+            <a:endParaRPr lang="en-US"/>
+          </a:p>
+        </p:txBody>
+      </p:sp>
+    </p:spTree>
+    <p:extLst>
+      <p:ext uri="{BB962C8B-B14F-4D97-AF65-F5344CB8AC3E}">
         <p14:creationId xmlns:p14="http://schemas.microsoft.com/office/powerpoint/2010/main" val="2358801639"/>
       </p:ext>
     </p:extLst>
@@ -5200,7 +5443,7 @@
           <a:p>
             <a:fld id="{4AAD347D-5ACD-4C99-B74B-A9C85AD731AF}" type="datetimeFigureOut">
               <a:rPr lang="en-US" smtClean="0"/>
-              <a:t>2/10/20</a:t>
+              <a:t>2/11/20</a:t>
             </a:fld>
             <a:endParaRPr lang="en-US" dirty="0"/>
           </a:p>
@@ -5370,7 +5613,7 @@
           <a:p>
             <a:fld id="{4509A250-FF31-4206-8172-F9D3106AACB1}" type="datetimeFigureOut">
               <a:rPr lang="en-US" smtClean="0"/>
-              <a:t>2/10/20</a:t>
+              <a:t>2/11/20</a:t>
             </a:fld>
             <a:endParaRPr lang="en-US" dirty="0"/>
           </a:p>
@@ -5550,7 +5793,7 @@
           <a:p>
             <a:fld id="{4509A250-FF31-4206-8172-F9D3106AACB1}" type="datetimeFigureOut">
               <a:rPr lang="en-US" smtClean="0"/>
-              <a:t>2/10/20</a:t>
+              <a:t>2/11/20</a:t>
             </a:fld>
             <a:endParaRPr lang="en-US" dirty="0"/>
           </a:p>
@@ -5755,7 +5998,7 @@
           <a:p>
             <a:fld id="{48A87A34-81AB-432B-8DAE-1953F412C126}" type="datetimeFigureOut">
               <a:rPr lang="en-US" smtClean="0"/>
-              <a:t>2/10/20</a:t>
+              <a:t>2/11/20</a:t>
             </a:fld>
             <a:endParaRPr lang="en-US" dirty="0"/>
           </a:p>
@@ -5925,7 +6168,7 @@
           <a:p>
             <a:fld id="{4509A250-FF31-4206-8172-F9D3106AACB1}" type="datetimeFigureOut">
               <a:rPr lang="en-US" smtClean="0"/>
-              <a:t>2/10/20</a:t>
+              <a:t>2/11/20</a:t>
             </a:fld>
             <a:endParaRPr lang="en-US" dirty="0"/>
           </a:p>
@@ -6171,7 +6414,7 @@
           <a:p>
             <a:fld id="{9796027F-7875-4030-9381-8BD8C4F21935}" type="datetimeFigureOut">
               <a:rPr lang="en-US" smtClean="0"/>
-              <a:t>2/10/20</a:t>
+              <a:t>2/11/20</a:t>
             </a:fld>
             <a:endParaRPr lang="en-US" dirty="0"/>
           </a:p>
@@ -6403,7 +6646,7 @@
           <a:p>
             <a:fld id="{9796027F-7875-4030-9381-8BD8C4F21935}" type="datetimeFigureOut">
               <a:rPr lang="en-US" smtClean="0"/>
-              <a:t>2/10/20</a:t>
+              <a:t>2/11/20</a:t>
             </a:fld>
             <a:endParaRPr lang="en-US" dirty="0"/>
           </a:p>
@@ -6770,7 +7013,7 @@
           <a:p>
             <a:fld id="{9796027F-7875-4030-9381-8BD8C4F21935}" type="datetimeFigureOut">
               <a:rPr lang="en-US" smtClean="0"/>
-              <a:t>2/10/20</a:t>
+              <a:t>2/11/20</a:t>
             </a:fld>
             <a:endParaRPr lang="en-US" dirty="0"/>
           </a:p>
@@ -6888,7 +7131,7 @@
           <a:p>
             <a:fld id="{4509A250-FF31-4206-8172-F9D3106AACB1}" type="datetimeFigureOut">
               <a:rPr lang="en-US" smtClean="0"/>
-              <a:t>2/10/20</a:t>
+              <a:t>2/11/20</a:t>
             </a:fld>
             <a:endParaRPr lang="en-US" dirty="0"/>
           </a:p>
@@ -6983,7 +7226,7 @@
           <a:p>
             <a:fld id="{4509A250-FF31-4206-8172-F9D3106AACB1}" type="datetimeFigureOut">
               <a:rPr lang="en-US" smtClean="0"/>
-              <a:t>2/10/20</a:t>
+              <a:t>2/11/20</a:t>
             </a:fld>
             <a:endParaRPr lang="en-US" dirty="0"/>
           </a:p>
@@ -7260,7 +7503,7 @@
           <a:p>
             <a:fld id="{4509A250-FF31-4206-8172-F9D3106AACB1}" type="datetimeFigureOut">
               <a:rPr lang="en-US" smtClean="0"/>
-              <a:t>2/10/20</a:t>
+              <a:t>2/11/20</a:t>
             </a:fld>
             <a:endParaRPr lang="en-US" dirty="0"/>
           </a:p>
@@ -7517,7 +7760,7 @@
           <a:p>
             <a:fld id="{4509A250-FF31-4206-8172-F9D3106AACB1}" type="datetimeFigureOut">
               <a:rPr lang="en-US" smtClean="0"/>
-              <a:t>2/10/20</a:t>
+              <a:t>2/11/20</a:t>
             </a:fld>
             <a:endParaRPr lang="en-US" dirty="0"/>
           </a:p>
@@ -7730,7 +7973,7 @@
           <a:p>
             <a:fld id="{4AAD347D-5ACD-4C99-B74B-A9C85AD731AF}" type="datetimeFigureOut">
               <a:rPr lang="en-US" smtClean="0"/>
-              <a:t>2/10/20</a:t>
+              <a:t>2/11/20</a:t>
             </a:fld>
             <a:endParaRPr lang="en-US" dirty="0"/>
           </a:p>
@@ -8348,17 +8591,25 @@
                   <a:srgbClr val="FFFFFF"/>
                 </a:solidFill>
               </a:rPr>
-              <a:t>Introduction to Digital Audio Processing </a:t>
-            </a:r>
-          </a:p>
-          <a:p>
+              <a:t>Digital Audio Processing with Python</a:t>
+            </a:r>
+          </a:p>
+          <a:p>
+            <a:r>
+              <a:rPr lang="en-US" b="1">
+                <a:solidFill>
+                  <a:srgbClr val="FFFFFF"/>
+                </a:solidFill>
+              </a:rPr>
+              <a:t>Part 1: Audio </a:t>
+            </a:r>
             <a:r>
               <a:rPr lang="en-US" b="1" dirty="0">
                 <a:solidFill>
                   <a:srgbClr val="FFFFFF"/>
                 </a:solidFill>
               </a:rPr>
-              <a:t>with Python</a:t>
+              <a:t>Basics</a:t>
             </a:r>
           </a:p>
         </p:txBody>
@@ -16295,6 +16546,150 @@
 </file>
 
 <file path=ppt/slides/slide26.xml><?xml version="1.0" encoding="utf-8"?>
+<p:sld xmlns:a="http://schemas.openxmlformats.org/drawingml/2006/main" xmlns:r="http://schemas.openxmlformats.org/officeDocument/2006/relationships" xmlns:p="http://schemas.openxmlformats.org/presentationml/2006/main">
+  <p:cSld>
+    <p:spTree>
+      <p:nvGrpSpPr>
+        <p:cNvPr id="1" name=""/>
+        <p:cNvGrpSpPr/>
+        <p:nvPr/>
+      </p:nvGrpSpPr>
+      <p:grpSpPr>
+        <a:xfrm>
+          <a:off x="0" y="0"/>
+          <a:ext cx="0" cy="0"/>
+          <a:chOff x="0" y="0"/>
+          <a:chExt cx="0" cy="0"/>
+        </a:xfrm>
+      </p:grpSpPr>
+      <p:sp>
+        <p:nvSpPr>
+          <p:cNvPr id="5" name="Content Placeholder 4">
+            <a:extLst>
+              <a:ext uri="{FF2B5EF4-FFF2-40B4-BE49-F238E27FC236}">
+                <a16:creationId xmlns:a16="http://schemas.microsoft.com/office/drawing/2014/main" id="{0FE295BD-6CD2-6846-AF3A-CA0AE1986E1A}"/>
+              </a:ext>
+            </a:extLst>
+          </p:cNvPr>
+          <p:cNvSpPr>
+            <a:spLocks noGrp="1"/>
+          </p:cNvSpPr>
+          <p:nvPr>
+            <p:ph sz="quarter" idx="13"/>
+          </p:nvPr>
+        </p:nvSpPr>
+        <p:spPr>
+          <a:xfrm>
+            <a:off x="467481" y="1095555"/>
+            <a:ext cx="8206256" cy="4456159"/>
+          </a:xfrm>
+        </p:spPr>
+        <p:txBody>
+          <a:bodyPr>
+            <a:normAutofit/>
+          </a:bodyPr>
+          <a:lstStyle/>
+          <a:p>
+            <a:pPr marL="0" indent="0">
+              <a:buNone/>
+            </a:pPr>
+            <a:endParaRPr lang="en-US" sz="2200" cap="none" dirty="0"/>
+          </a:p>
+          <a:p>
+            <a:pPr marL="0" indent="0">
+              <a:buNone/>
+            </a:pPr>
+            <a:endParaRPr lang="en-US" sz="2200" dirty="0"/>
+          </a:p>
+          <a:p>
+            <a:pPr marL="0" indent="0">
+              <a:buNone/>
+            </a:pPr>
+            <a:endParaRPr lang="en-US" sz="2200" cap="none"/>
+          </a:p>
+          <a:p>
+            <a:pPr marL="0" indent="0">
+              <a:buNone/>
+            </a:pPr>
+            <a:r>
+              <a:rPr lang="en-US" sz="2200" cap="none"/>
+              <a:t>Download </a:t>
+            </a:r>
+            <a:r>
+              <a:rPr lang="en-US" sz="2200" cap="none" dirty="0"/>
+              <a:t>the </a:t>
+            </a:r>
+            <a:r>
+              <a:rPr lang="en-US" sz="2200" cap="none" dirty="0" err="1"/>
+              <a:t>Jupyter</a:t>
+            </a:r>
+            <a:r>
+              <a:rPr lang="en-US" sz="2200" cap="none" dirty="0"/>
+              <a:t> Notebook from my website and work through the problems. </a:t>
+            </a:r>
+          </a:p>
+          <a:p>
+            <a:pPr marL="0" indent="0">
+              <a:buNone/>
+            </a:pPr>
+            <a:endParaRPr lang="en-US" sz="2200" dirty="0"/>
+          </a:p>
+          <a:p>
+            <a:pPr marL="0" indent="0">
+              <a:buNone/>
+            </a:pPr>
+            <a:endParaRPr lang="en-US" sz="2200" cap="none" dirty="0"/>
+          </a:p>
+        </p:txBody>
+      </p:sp>
+      <p:sp>
+        <p:nvSpPr>
+          <p:cNvPr id="2" name="Title 1">
+            <a:extLst>
+              <a:ext uri="{FF2B5EF4-FFF2-40B4-BE49-F238E27FC236}">
+                <a16:creationId xmlns:a16="http://schemas.microsoft.com/office/drawing/2014/main" id="{EDE419EF-0E46-9E4D-8C75-4293CAE61F27}"/>
+              </a:ext>
+            </a:extLst>
+          </p:cNvPr>
+          <p:cNvSpPr>
+            <a:spLocks noGrp="1"/>
+          </p:cNvSpPr>
+          <p:nvPr>
+            <p:ph type="title"/>
+          </p:nvPr>
+        </p:nvSpPr>
+        <p:spPr>
+          <a:xfrm>
+            <a:off x="624264" y="426416"/>
+            <a:ext cx="7922594" cy="669139"/>
+          </a:xfrm>
+        </p:spPr>
+        <p:txBody>
+          <a:bodyPr/>
+          <a:lstStyle/>
+          <a:p>
+            <a:pPr algn="l"/>
+            <a:r>
+              <a:rPr lang="en-US" cap="none" dirty="0"/>
+              <a:t>Labs</a:t>
+            </a:r>
+          </a:p>
+        </p:txBody>
+      </p:sp>
+    </p:spTree>
+    <p:extLst>
+      <p:ext uri="{BB962C8B-B14F-4D97-AF65-F5344CB8AC3E}">
+        <p14:creationId xmlns:p14="http://schemas.microsoft.com/office/powerpoint/2010/main" val="1316936323"/>
+      </p:ext>
+    </p:extLst>
+  </p:cSld>
+  <p:clrMapOvr>
+    <a:masterClrMapping/>
+  </p:clrMapOvr>
+</p:sld>
+</file>
+
+<file path=ppt/slides/slide27.xml><?xml version="1.0" encoding="utf-8"?>
 <p:sld xmlns:a="http://schemas.openxmlformats.org/drawingml/2006/main" xmlns:r="http://schemas.openxmlformats.org/officeDocument/2006/relationships" xmlns:p="http://schemas.openxmlformats.org/presentationml/2006/main">
   <p:cSld>
     <p:spTree>

--- a/courses/apcsp/lect16.pptx
+++ b/courses/apcsp/lect16.pptx
@@ -5,7 +5,7 @@
     <p:sldMasterId id="2147483791" r:id="rId1"/>
   </p:sldMasterIdLst>
   <p:notesMasterIdLst>
-    <p:notesMasterId r:id="rId29"/>
+    <p:notesMasterId r:id="rId30"/>
   </p:notesMasterIdLst>
   <p:sldIdLst>
     <p:sldId id="256" r:id="rId2"/>
@@ -25,16 +25,17 @@
     <p:sldId id="320" r:id="rId16"/>
     <p:sldId id="277" r:id="rId17"/>
     <p:sldId id="278" r:id="rId18"/>
-    <p:sldId id="289" r:id="rId19"/>
-    <p:sldId id="290" r:id="rId20"/>
-    <p:sldId id="282" r:id="rId21"/>
-    <p:sldId id="295" r:id="rId22"/>
-    <p:sldId id="286" r:id="rId23"/>
-    <p:sldId id="287" r:id="rId24"/>
-    <p:sldId id="299" r:id="rId25"/>
-    <p:sldId id="301" r:id="rId26"/>
-    <p:sldId id="324" r:id="rId27"/>
-    <p:sldId id="302" r:id="rId28"/>
+    <p:sldId id="325" r:id="rId19"/>
+    <p:sldId id="289" r:id="rId20"/>
+    <p:sldId id="290" r:id="rId21"/>
+    <p:sldId id="282" r:id="rId22"/>
+    <p:sldId id="295" r:id="rId23"/>
+    <p:sldId id="286" r:id="rId24"/>
+    <p:sldId id="287" r:id="rId25"/>
+    <p:sldId id="299" r:id="rId26"/>
+    <p:sldId id="301" r:id="rId27"/>
+    <p:sldId id="324" r:id="rId28"/>
+    <p:sldId id="302" r:id="rId29"/>
   </p:sldIdLst>
   <p:sldSz cx="9144000" cy="5715000" type="screen16x10"/>
   <p:notesSz cx="6858000" cy="9144000"/>
@@ -2507,7 +2508,7 @@
     </p:spTree>
     <p:extLst>
       <p:ext uri="{BB962C8B-B14F-4D97-AF65-F5344CB8AC3E}">
-        <p14:creationId xmlns:p14="http://schemas.microsoft.com/office/powerpoint/2010/main" val="1456369744"/>
+        <p14:creationId xmlns:p14="http://schemas.microsoft.com/office/powerpoint/2010/main" val="3121402508"/>
       </p:ext>
     </p:extLst>
   </p:cSld>
@@ -2571,7 +2572,7 @@
                 <a:ea typeface="+mn-ea"/>
                 <a:cs typeface="+mn-cs"/>
               </a:rPr>
-              <a:t>y(t)=\sin(2\pi\</a:t>
+              <a:t>y = 3\sin(2\pi\</a:t>
             </a:r>
             <a:r>
               <a:rPr lang="en-US" sz="1200" kern="1200" dirty="0" err="1">
@@ -2595,127 +2596,7 @@
                 <a:ea typeface="+mn-ea"/>
                 <a:cs typeface="+mn-cs"/>
               </a:rPr>
-              <a:t> 261.6\</a:t>
-            </a:r>
-            <a:r>
-              <a:rPr lang="en-US" sz="1200" kern="1200" dirty="0" err="1">
-                <a:solidFill>
-                  <a:schemeClr val="tx1"/>
-                </a:solidFill>
-                <a:effectLst/>
-                <a:latin typeface="+mn-lt"/>
-                <a:ea typeface="+mn-ea"/>
-                <a:cs typeface="+mn-cs"/>
-              </a:rPr>
-              <a:t>cdot</a:t>
-            </a:r>
-            <a:r>
-              <a:rPr lang="en-US" sz="1200" kern="1200" dirty="0">
-                <a:solidFill>
-                  <a:schemeClr val="tx1"/>
-                </a:solidFill>
-                <a:effectLst/>
-                <a:latin typeface="+mn-lt"/>
-                <a:ea typeface="+mn-ea"/>
-                <a:cs typeface="+mn-cs"/>
-              </a:rPr>
-              <a:t> t)+\sin(2\pi\</a:t>
-            </a:r>
-            <a:r>
-              <a:rPr lang="en-US" sz="1200" kern="1200" dirty="0" err="1">
-                <a:solidFill>
-                  <a:schemeClr val="tx1"/>
-                </a:solidFill>
-                <a:effectLst/>
-                <a:latin typeface="+mn-lt"/>
-                <a:ea typeface="+mn-ea"/>
-                <a:cs typeface="+mn-cs"/>
-              </a:rPr>
-              <a:t>cdot</a:t>
-            </a:r>
-            <a:r>
-              <a:rPr lang="en-US" sz="1200" kern="1200" dirty="0">
-                <a:solidFill>
-                  <a:schemeClr val="tx1"/>
-                </a:solidFill>
-                <a:effectLst/>
-                <a:latin typeface="+mn-lt"/>
-                <a:ea typeface="+mn-ea"/>
-                <a:cs typeface="+mn-cs"/>
-              </a:rPr>
-              <a:t> 329.6\</a:t>
-            </a:r>
-            <a:r>
-              <a:rPr lang="en-US" sz="1200" kern="1200" dirty="0" err="1">
-                <a:solidFill>
-                  <a:schemeClr val="tx1"/>
-                </a:solidFill>
-                <a:effectLst/>
-                <a:latin typeface="+mn-lt"/>
-                <a:ea typeface="+mn-ea"/>
-                <a:cs typeface="+mn-cs"/>
-              </a:rPr>
-              <a:t>cdot</a:t>
-            </a:r>
-            <a:r>
-              <a:rPr lang="en-US" sz="1200" kern="1200" dirty="0">
-                <a:solidFill>
-                  <a:schemeClr val="tx1"/>
-                </a:solidFill>
-                <a:effectLst/>
-                <a:latin typeface="+mn-lt"/>
-                <a:ea typeface="+mn-ea"/>
-                <a:cs typeface="+mn-cs"/>
-              </a:rPr>
-              <a:t> t)+\sin(2\pi\</a:t>
-            </a:r>
-            <a:r>
-              <a:rPr lang="en-US" sz="1200" kern="1200" dirty="0" err="1">
-                <a:solidFill>
-                  <a:schemeClr val="tx1"/>
-                </a:solidFill>
-                <a:effectLst/>
-                <a:latin typeface="+mn-lt"/>
-                <a:ea typeface="+mn-ea"/>
-                <a:cs typeface="+mn-cs"/>
-              </a:rPr>
-              <a:t>cdot</a:t>
-            </a:r>
-            <a:r>
-              <a:rPr lang="en-US" sz="1200" kern="1200" dirty="0">
-                <a:solidFill>
-                  <a:schemeClr val="tx1"/>
-                </a:solidFill>
-                <a:effectLst/>
-                <a:latin typeface="+mn-lt"/>
-                <a:ea typeface="+mn-ea"/>
-                <a:cs typeface="+mn-cs"/>
-              </a:rPr>
-              <a:t> 392\</a:t>
-            </a:r>
-            <a:r>
-              <a:rPr lang="en-US" sz="1200" kern="1200" dirty="0" err="1">
-                <a:solidFill>
-                  <a:schemeClr val="tx1"/>
-                </a:solidFill>
-                <a:effectLst/>
-                <a:latin typeface="+mn-lt"/>
-                <a:ea typeface="+mn-ea"/>
-                <a:cs typeface="+mn-cs"/>
-              </a:rPr>
-              <a:t>cdot</a:t>
-            </a:r>
-            <a:r>
-              <a:rPr lang="en-US" sz="1200" kern="1200" dirty="0">
-                <a:solidFill>
-                  <a:schemeClr val="tx1"/>
-                </a:solidFill>
-                <a:effectLst/>
-                <a:latin typeface="+mn-lt"/>
-                <a:ea typeface="+mn-ea"/>
-                <a:cs typeface="+mn-cs"/>
-              </a:rPr>
-              <a:t> t).</a:t>
+              <a:t> 4t + \pi/2).</a:t>
             </a:r>
           </a:p>
           <a:p>
@@ -2749,7 +2630,7 @@
     </p:spTree>
     <p:extLst>
       <p:ext uri="{BB962C8B-B14F-4D97-AF65-F5344CB8AC3E}">
-        <p14:creationId xmlns:p14="http://schemas.microsoft.com/office/powerpoint/2010/main" val="1859751717"/>
+        <p14:creationId xmlns:p14="http://schemas.microsoft.com/office/powerpoint/2010/main" val="1456369744"/>
       </p:ext>
     </p:extLst>
   </p:cSld>
@@ -2991,7 +2872,7 @@
     </p:spTree>
     <p:extLst>
       <p:ext uri="{BB962C8B-B14F-4D97-AF65-F5344CB8AC3E}">
-        <p14:creationId xmlns:p14="http://schemas.microsoft.com/office/powerpoint/2010/main" val="2125592189"/>
+        <p14:creationId xmlns:p14="http://schemas.microsoft.com/office/powerpoint/2010/main" val="1859751717"/>
       </p:ext>
     </p:extLst>
   </p:cSld>
@@ -3233,7 +3114,7 @@
     </p:spTree>
     <p:extLst>
       <p:ext uri="{BB962C8B-B14F-4D97-AF65-F5344CB8AC3E}">
-        <p14:creationId xmlns:p14="http://schemas.microsoft.com/office/powerpoint/2010/main" val="2850472459"/>
+        <p14:creationId xmlns:p14="http://schemas.microsoft.com/office/powerpoint/2010/main" val="2125592189"/>
       </p:ext>
     </p:extLst>
   </p:cSld>
@@ -3475,7 +3356,7 @@
     </p:spTree>
     <p:extLst>
       <p:ext uri="{BB962C8B-B14F-4D97-AF65-F5344CB8AC3E}">
-        <p14:creationId xmlns:p14="http://schemas.microsoft.com/office/powerpoint/2010/main" val="2650458443"/>
+        <p14:creationId xmlns:p14="http://schemas.microsoft.com/office/powerpoint/2010/main" val="2850472459"/>
       </p:ext>
     </p:extLst>
   </p:cSld>
@@ -3708,7 +3589,7 @@
           <a:p>
             <a:fld id="{D04ABF8B-8FC0-C447-A567-214E2A1C8CF1}" type="slidenum">
               <a:rPr lang="en-US" smtClean="0"/>
-              <a:t>25</a:t>
+              <a:t>24</a:t>
             </a:fld>
             <a:endParaRPr lang="en-US"/>
           </a:p>
@@ -3717,7 +3598,7 @@
     </p:spTree>
     <p:extLst>
       <p:ext uri="{BB962C8B-B14F-4D97-AF65-F5344CB8AC3E}">
-        <p14:creationId xmlns:p14="http://schemas.microsoft.com/office/powerpoint/2010/main" val="1746441188"/>
+        <p14:creationId xmlns:p14="http://schemas.microsoft.com/office/powerpoint/2010/main" val="2650458443"/>
       </p:ext>
     </p:extLst>
   </p:cSld>
@@ -3959,7 +3840,7 @@
     </p:spTree>
     <p:extLst>
       <p:ext uri="{BB962C8B-B14F-4D97-AF65-F5344CB8AC3E}">
-        <p14:creationId xmlns:p14="http://schemas.microsoft.com/office/powerpoint/2010/main" val="1702146957"/>
+        <p14:creationId xmlns:p14="http://schemas.microsoft.com/office/powerpoint/2010/main" val="1746441188"/>
       </p:ext>
     </p:extLst>
   </p:cSld>
@@ -4193,6 +4074,248 @@
             <a:fld id="{D04ABF8B-8FC0-C447-A567-214E2A1C8CF1}" type="slidenum">
               <a:rPr lang="en-US" smtClean="0"/>
               <a:t>27</a:t>
+            </a:fld>
+            <a:endParaRPr lang="en-US"/>
+          </a:p>
+        </p:txBody>
+      </p:sp>
+    </p:spTree>
+    <p:extLst>
+      <p:ext uri="{BB962C8B-B14F-4D97-AF65-F5344CB8AC3E}">
+        <p14:creationId xmlns:p14="http://schemas.microsoft.com/office/powerpoint/2010/main" val="1702146957"/>
+      </p:ext>
+    </p:extLst>
+  </p:cSld>
+  <p:clrMapOvr>
+    <a:masterClrMapping/>
+  </p:clrMapOvr>
+</p:notes>
+</file>
+
+<file path=ppt/notesSlides/notesSlide18.xml><?xml version="1.0" encoding="utf-8"?>
+<p:notes xmlns:a="http://schemas.openxmlformats.org/drawingml/2006/main" xmlns:r="http://schemas.openxmlformats.org/officeDocument/2006/relationships" xmlns:p="http://schemas.openxmlformats.org/presentationml/2006/main">
+  <p:cSld>
+    <p:spTree>
+      <p:nvGrpSpPr>
+        <p:cNvPr id="1" name=""/>
+        <p:cNvGrpSpPr/>
+        <p:nvPr/>
+      </p:nvGrpSpPr>
+      <p:grpSpPr>
+        <a:xfrm>
+          <a:off x="0" y="0"/>
+          <a:ext cx="0" cy="0"/>
+          <a:chOff x="0" y="0"/>
+          <a:chExt cx="0" cy="0"/>
+        </a:xfrm>
+      </p:grpSpPr>
+      <p:sp>
+        <p:nvSpPr>
+          <p:cNvPr id="2" name="Slide Image Placeholder 1"/>
+          <p:cNvSpPr>
+            <a:spLocks noGrp="1" noRot="1" noChangeAspect="1"/>
+          </p:cNvSpPr>
+          <p:nvPr>
+            <p:ph type="sldImg"/>
+          </p:nvPr>
+        </p:nvSpPr>
+        <p:spPr/>
+      </p:sp>
+      <p:sp>
+        <p:nvSpPr>
+          <p:cNvPr id="3" name="Notes Placeholder 2"/>
+          <p:cNvSpPr>
+            <a:spLocks noGrp="1"/>
+          </p:cNvSpPr>
+          <p:nvPr>
+            <p:ph type="body" idx="1"/>
+          </p:nvPr>
+        </p:nvSpPr>
+        <p:spPr/>
+        <p:txBody>
+          <a:bodyPr/>
+          <a:lstStyle/>
+          <a:p>
+            <a:r>
+              <a:rPr lang="en-US" sz="1200" kern="1200" dirty="0">
+                <a:solidFill>
+                  <a:schemeClr val="tx1"/>
+                </a:solidFill>
+                <a:effectLst/>
+                <a:latin typeface="+mn-lt"/>
+                <a:ea typeface="+mn-ea"/>
+                <a:cs typeface="+mn-cs"/>
+              </a:rPr>
+              <a:t>y(t)=\sin(2\pi\</a:t>
+            </a:r>
+            <a:r>
+              <a:rPr lang="en-US" sz="1200" kern="1200" dirty="0" err="1">
+                <a:solidFill>
+                  <a:schemeClr val="tx1"/>
+                </a:solidFill>
+                <a:effectLst/>
+                <a:latin typeface="+mn-lt"/>
+                <a:ea typeface="+mn-ea"/>
+                <a:cs typeface="+mn-cs"/>
+              </a:rPr>
+              <a:t>cdot</a:t>
+            </a:r>
+            <a:r>
+              <a:rPr lang="en-US" sz="1200" kern="1200" dirty="0">
+                <a:solidFill>
+                  <a:schemeClr val="tx1"/>
+                </a:solidFill>
+                <a:effectLst/>
+                <a:latin typeface="+mn-lt"/>
+                <a:ea typeface="+mn-ea"/>
+                <a:cs typeface="+mn-cs"/>
+              </a:rPr>
+              <a:t> 261.6\</a:t>
+            </a:r>
+            <a:r>
+              <a:rPr lang="en-US" sz="1200" kern="1200" dirty="0" err="1">
+                <a:solidFill>
+                  <a:schemeClr val="tx1"/>
+                </a:solidFill>
+                <a:effectLst/>
+                <a:latin typeface="+mn-lt"/>
+                <a:ea typeface="+mn-ea"/>
+                <a:cs typeface="+mn-cs"/>
+              </a:rPr>
+              <a:t>cdot</a:t>
+            </a:r>
+            <a:r>
+              <a:rPr lang="en-US" sz="1200" kern="1200" dirty="0">
+                <a:solidFill>
+                  <a:schemeClr val="tx1"/>
+                </a:solidFill>
+                <a:effectLst/>
+                <a:latin typeface="+mn-lt"/>
+                <a:ea typeface="+mn-ea"/>
+                <a:cs typeface="+mn-cs"/>
+              </a:rPr>
+              <a:t> t)+\sin(2\pi\</a:t>
+            </a:r>
+            <a:r>
+              <a:rPr lang="en-US" sz="1200" kern="1200" dirty="0" err="1">
+                <a:solidFill>
+                  <a:schemeClr val="tx1"/>
+                </a:solidFill>
+                <a:effectLst/>
+                <a:latin typeface="+mn-lt"/>
+                <a:ea typeface="+mn-ea"/>
+                <a:cs typeface="+mn-cs"/>
+              </a:rPr>
+              <a:t>cdot</a:t>
+            </a:r>
+            <a:r>
+              <a:rPr lang="en-US" sz="1200" kern="1200" dirty="0">
+                <a:solidFill>
+                  <a:schemeClr val="tx1"/>
+                </a:solidFill>
+                <a:effectLst/>
+                <a:latin typeface="+mn-lt"/>
+                <a:ea typeface="+mn-ea"/>
+                <a:cs typeface="+mn-cs"/>
+              </a:rPr>
+              <a:t> 329.6\</a:t>
+            </a:r>
+            <a:r>
+              <a:rPr lang="en-US" sz="1200" kern="1200" dirty="0" err="1">
+                <a:solidFill>
+                  <a:schemeClr val="tx1"/>
+                </a:solidFill>
+                <a:effectLst/>
+                <a:latin typeface="+mn-lt"/>
+                <a:ea typeface="+mn-ea"/>
+                <a:cs typeface="+mn-cs"/>
+              </a:rPr>
+              <a:t>cdot</a:t>
+            </a:r>
+            <a:r>
+              <a:rPr lang="en-US" sz="1200" kern="1200" dirty="0">
+                <a:solidFill>
+                  <a:schemeClr val="tx1"/>
+                </a:solidFill>
+                <a:effectLst/>
+                <a:latin typeface="+mn-lt"/>
+                <a:ea typeface="+mn-ea"/>
+                <a:cs typeface="+mn-cs"/>
+              </a:rPr>
+              <a:t> t)+\sin(2\pi\</a:t>
+            </a:r>
+            <a:r>
+              <a:rPr lang="en-US" sz="1200" kern="1200" dirty="0" err="1">
+                <a:solidFill>
+                  <a:schemeClr val="tx1"/>
+                </a:solidFill>
+                <a:effectLst/>
+                <a:latin typeface="+mn-lt"/>
+                <a:ea typeface="+mn-ea"/>
+                <a:cs typeface="+mn-cs"/>
+              </a:rPr>
+              <a:t>cdot</a:t>
+            </a:r>
+            <a:r>
+              <a:rPr lang="en-US" sz="1200" kern="1200" dirty="0">
+                <a:solidFill>
+                  <a:schemeClr val="tx1"/>
+                </a:solidFill>
+                <a:effectLst/>
+                <a:latin typeface="+mn-lt"/>
+                <a:ea typeface="+mn-ea"/>
+                <a:cs typeface="+mn-cs"/>
+              </a:rPr>
+              <a:t> 392\</a:t>
+            </a:r>
+            <a:r>
+              <a:rPr lang="en-US" sz="1200" kern="1200" dirty="0" err="1">
+                <a:solidFill>
+                  <a:schemeClr val="tx1"/>
+                </a:solidFill>
+                <a:effectLst/>
+                <a:latin typeface="+mn-lt"/>
+                <a:ea typeface="+mn-ea"/>
+                <a:cs typeface="+mn-cs"/>
+              </a:rPr>
+              <a:t>cdot</a:t>
+            </a:r>
+            <a:r>
+              <a:rPr lang="en-US" sz="1200" kern="1200" dirty="0">
+                <a:solidFill>
+                  <a:schemeClr val="tx1"/>
+                </a:solidFill>
+                <a:effectLst/>
+                <a:latin typeface="+mn-lt"/>
+                <a:ea typeface="+mn-ea"/>
+                <a:cs typeface="+mn-cs"/>
+              </a:rPr>
+              <a:t> t).</a:t>
+            </a:r>
+          </a:p>
+          <a:p>
+            <a:endParaRPr lang="en-US" dirty="0"/>
+          </a:p>
+        </p:txBody>
+      </p:sp>
+      <p:sp>
+        <p:nvSpPr>
+          <p:cNvPr id="4" name="Slide Number Placeholder 3"/>
+          <p:cNvSpPr>
+            <a:spLocks noGrp="1"/>
+          </p:cNvSpPr>
+          <p:nvPr>
+            <p:ph type="sldNum" sz="quarter" idx="10"/>
+          </p:nvPr>
+        </p:nvSpPr>
+        <p:spPr/>
+        <p:txBody>
+          <a:bodyPr/>
+          <a:lstStyle/>
+          <a:p>
+            <a:fld id="{D04ABF8B-8FC0-C447-A567-214E2A1C8CF1}" type="slidenum">
+              <a:rPr lang="en-US" smtClean="0"/>
+              <a:t>28</a:t>
             </a:fld>
             <a:endParaRPr lang="en-US"/>
           </a:p>
@@ -5302,7 +5425,7 @@
     </p:spTree>
     <p:extLst>
       <p:ext uri="{BB962C8B-B14F-4D97-AF65-F5344CB8AC3E}">
-        <p14:creationId xmlns:p14="http://schemas.microsoft.com/office/powerpoint/2010/main" val="3121402508"/>
+        <p14:creationId xmlns:p14="http://schemas.microsoft.com/office/powerpoint/2010/main" val="847715957"/>
       </p:ext>
     </p:extLst>
   </p:cSld>
@@ -12781,8 +12904,13 @@
             </a:pPr>
             <a:r>
               <a:rPr lang="en-US" sz="2400" cap="none" dirty="0"/>
-              <a:t>We will simulate these sounds in Python in the next lecture.</a:t>
-            </a:r>
+              <a:t>Let's simulate these pur</a:t>
+            </a:r>
+            <a:r>
+              <a:rPr lang="en-US" sz="2400" dirty="0"/>
+              <a:t>e tones in Python.</a:t>
+            </a:r>
+            <a:endParaRPr lang="en-US" sz="2400" cap="none" dirty="0"/>
           </a:p>
           <a:p>
             <a:pPr marL="0" indent="0">
@@ -13126,6 +13254,949 @@
           <a:p>
             <a:pPr algn="l"/>
             <a:r>
+              <a:rPr lang="en-US" dirty="0"/>
+              <a:t>Middle C</a:t>
+            </a:r>
+            <a:endParaRPr lang="en-US" cap="none" dirty="0"/>
+          </a:p>
+        </p:txBody>
+      </p:sp>
+      <p:sp>
+        <p:nvSpPr>
+          <p:cNvPr id="4" name="Content Placeholder 3">
+            <a:extLst>
+              <a:ext uri="{FF2B5EF4-FFF2-40B4-BE49-F238E27FC236}">
+                <a16:creationId xmlns:a16="http://schemas.microsoft.com/office/drawing/2014/main" id="{864D3036-8B0F-5C44-90AB-7558ABA4CDEC}"/>
+              </a:ext>
+            </a:extLst>
+          </p:cNvPr>
+          <p:cNvSpPr>
+            <a:spLocks noGrp="1"/>
+          </p:cNvSpPr>
+          <p:nvPr>
+            <p:ph sz="quarter" idx="13"/>
+          </p:nvPr>
+        </p:nvSpPr>
+        <p:spPr>
+          <a:xfrm>
+            <a:off x="444137" y="1095555"/>
+            <a:ext cx="8294914" cy="4443096"/>
+          </a:xfrm>
+        </p:spPr>
+        <p:txBody>
+          <a:bodyPr>
+            <a:normAutofit/>
+          </a:bodyPr>
+          <a:lstStyle/>
+          <a:p>
+            <a:pPr marL="0" indent="0">
+              <a:buNone/>
+            </a:pPr>
+            <a:r>
+              <a:rPr lang="en-US" sz="2200" dirty="0"/>
+              <a:t>Let's generate a 2 seconds interval of the pure Middle C tone(261.6 Hz) sampled at the frequency rate of 44100 Hz.  </a:t>
+            </a:r>
+            <a:endParaRPr lang="en-US" sz="1800" b="1" dirty="0">
+              <a:solidFill>
+                <a:srgbClr val="34A327"/>
+              </a:solidFill>
+              <a:latin typeface="Inconsolata Medium" panose="020B0609030003000000" pitchFamily="49" charset="77"/>
+            </a:endParaRPr>
+          </a:p>
+          <a:p>
+            <a:pPr marL="0" indent="0">
+              <a:buNone/>
+            </a:pPr>
+            <a:r>
+              <a:rPr lang="en-US" sz="1800" b="1" dirty="0">
+                <a:solidFill>
+                  <a:srgbClr val="34A327"/>
+                </a:solidFill>
+                <a:latin typeface="Inconsolata Medium" panose="020B0609030003000000" pitchFamily="49" charset="77"/>
+              </a:rPr>
+              <a:t>import</a:t>
+            </a:r>
+            <a:r>
+              <a:rPr lang="en-US" sz="1800" b="1" dirty="0">
+                <a:solidFill>
+                  <a:srgbClr val="000000"/>
+                </a:solidFill>
+                <a:latin typeface="Inconsolata Medium" panose="020B0609030003000000" pitchFamily="49" charset="77"/>
+              </a:rPr>
+              <a:t> </a:t>
+            </a:r>
+            <a:r>
+              <a:rPr lang="en-US" sz="1800" b="1" dirty="0" err="1">
+                <a:solidFill>
+                  <a:srgbClr val="3C9FF2"/>
+                </a:solidFill>
+                <a:latin typeface="Inconsolata Medium" panose="020B0609030003000000" pitchFamily="49" charset="77"/>
+              </a:rPr>
+              <a:t>matplotlib.pyplot</a:t>
+            </a:r>
+            <a:r>
+              <a:rPr lang="en-US" sz="1800" b="1" dirty="0">
+                <a:solidFill>
+                  <a:srgbClr val="000000"/>
+                </a:solidFill>
+                <a:latin typeface="Inconsolata Medium" panose="020B0609030003000000" pitchFamily="49" charset="77"/>
+              </a:rPr>
+              <a:t> </a:t>
+            </a:r>
+            <a:r>
+              <a:rPr lang="en-US" sz="1800" b="1" dirty="0">
+                <a:solidFill>
+                  <a:srgbClr val="34A327"/>
+                </a:solidFill>
+                <a:latin typeface="Inconsolata Medium" panose="020B0609030003000000" pitchFamily="49" charset="77"/>
+              </a:rPr>
+              <a:t>as</a:t>
+            </a:r>
+            <a:r>
+              <a:rPr lang="en-US" sz="1800" b="1" dirty="0">
+                <a:solidFill>
+                  <a:srgbClr val="000000"/>
+                </a:solidFill>
+                <a:latin typeface="Inconsolata Medium" panose="020B0609030003000000" pitchFamily="49" charset="77"/>
+              </a:rPr>
+              <a:t> </a:t>
+            </a:r>
+            <a:r>
+              <a:rPr lang="en-US" sz="1800" b="1" dirty="0" err="1">
+                <a:solidFill>
+                  <a:srgbClr val="3C9FF2"/>
+                </a:solidFill>
+                <a:latin typeface="Inconsolata Medium" panose="020B0609030003000000" pitchFamily="49" charset="77"/>
+              </a:rPr>
+              <a:t>plt</a:t>
+            </a:r>
+            <a:r>
+              <a:rPr lang="en-US" sz="1800" b="1" dirty="0">
+                <a:solidFill>
+                  <a:srgbClr val="000000"/>
+                </a:solidFill>
+                <a:latin typeface="Inconsolata Medium" panose="020B0609030003000000" pitchFamily="49" charset="77"/>
+              </a:rPr>
+              <a:t> </a:t>
+            </a:r>
+          </a:p>
+          <a:p>
+            <a:pPr marL="0" indent="0">
+              <a:buNone/>
+            </a:pPr>
+            <a:r>
+              <a:rPr lang="en-US" sz="1800" b="1" dirty="0">
+                <a:solidFill>
+                  <a:srgbClr val="000000"/>
+                </a:solidFill>
+                <a:latin typeface="Inconsolata Medium" panose="020B0609030003000000" pitchFamily="49" charset="77"/>
+              </a:rPr>
+              <a:t>fs = 44100</a:t>
+            </a:r>
+          </a:p>
+          <a:p>
+            <a:pPr marL="0" indent="0">
+              <a:buNone/>
+            </a:pPr>
+            <a:r>
+              <a:rPr lang="en-US" sz="1800" b="1" dirty="0">
+                <a:solidFill>
+                  <a:srgbClr val="000000"/>
+                </a:solidFill>
+                <a:latin typeface="Inconsolata Medium" panose="020B0609030003000000" pitchFamily="49" charset="77"/>
+              </a:rPr>
+              <a:t>L = 2   </a:t>
+            </a:r>
+            <a:r>
+              <a:rPr lang="en-US" sz="1800" b="1" dirty="0">
+                <a:solidFill>
+                  <a:schemeClr val="accent1"/>
+                </a:solidFill>
+                <a:latin typeface="Inconsolata Medium" panose="020B0609030003000000" pitchFamily="49" charset="77"/>
+              </a:rPr>
+              <a:t># in seconds</a:t>
+            </a:r>
+          </a:p>
+          <a:p>
+            <a:pPr marL="0" indent="0">
+              <a:buNone/>
+            </a:pPr>
+            <a:r>
+              <a:rPr lang="en-US" sz="1800" b="1" dirty="0">
+                <a:solidFill>
+                  <a:srgbClr val="000000"/>
+                </a:solidFill>
+                <a:latin typeface="Inconsolata Medium" panose="020B0609030003000000" pitchFamily="49" charset="77"/>
+              </a:rPr>
+              <a:t>N = fs * N    </a:t>
+            </a:r>
+            <a:r>
+              <a:rPr lang="en-US" sz="1800" b="1" dirty="0">
+                <a:solidFill>
+                  <a:schemeClr val="accent1"/>
+                </a:solidFill>
+                <a:latin typeface="Inconsolata Medium" panose="020B0609030003000000" pitchFamily="49" charset="77"/>
+              </a:rPr>
+              <a:t># total samples</a:t>
+            </a:r>
+          </a:p>
+          <a:p>
+            <a:pPr marL="0" indent="0">
+              <a:buNone/>
+            </a:pPr>
+            <a:r>
+              <a:rPr lang="en-US" sz="1800" b="1" dirty="0" err="1">
+                <a:latin typeface="Inconsolata Medium" panose="020B0609030003000000" pitchFamily="49" charset="77"/>
+              </a:rPr>
+              <a:t>ts</a:t>
+            </a:r>
+            <a:r>
+              <a:rPr lang="en-US" sz="1800" b="1" dirty="0">
+                <a:latin typeface="Inconsolata Medium" panose="020B0609030003000000" pitchFamily="49" charset="77"/>
+              </a:rPr>
+              <a:t> = </a:t>
+            </a:r>
+            <a:r>
+              <a:rPr lang="en-US" sz="1800" b="1" dirty="0" err="1">
+                <a:latin typeface="Inconsolata Medium" panose="020B0609030003000000" pitchFamily="49" charset="77"/>
+              </a:rPr>
+              <a:t>np.linspace</a:t>
+            </a:r>
+            <a:r>
+              <a:rPr lang="en-US" sz="1800" b="1" dirty="0">
+                <a:latin typeface="Inconsolata Medium" panose="020B0609030003000000" pitchFamily="49" charset="77"/>
+              </a:rPr>
+              <a:t>(0, L, N, endpoint=False)</a:t>
+            </a:r>
+          </a:p>
+          <a:p>
+            <a:pPr marL="0" indent="0">
+              <a:buNone/>
+            </a:pPr>
+            <a:r>
+              <a:rPr lang="en-US" sz="1800" b="1" dirty="0" err="1">
+                <a:latin typeface="Inconsolata Medium" panose="020B0609030003000000" pitchFamily="49" charset="77"/>
+              </a:rPr>
+              <a:t>ys</a:t>
+            </a:r>
+            <a:r>
+              <a:rPr lang="en-US" sz="1800" b="1" dirty="0">
+                <a:latin typeface="Inconsolata Medium" panose="020B0609030003000000" pitchFamily="49" charset="77"/>
+              </a:rPr>
+              <a:t> = </a:t>
+            </a:r>
+            <a:r>
+              <a:rPr lang="en-US" sz="1800" b="1" dirty="0" err="1">
+                <a:latin typeface="Inconsolata Medium" panose="020B0609030003000000" pitchFamily="49" charset="77"/>
+              </a:rPr>
+              <a:t>np.sin</a:t>
+            </a:r>
+            <a:r>
+              <a:rPr lang="en-US" sz="1800" b="1" dirty="0">
+                <a:latin typeface="Inconsolata Medium" panose="020B0609030003000000" pitchFamily="49" charset="77"/>
+              </a:rPr>
+              <a:t>(2 * </a:t>
+            </a:r>
+            <a:r>
+              <a:rPr lang="en-US" sz="1800" b="1" dirty="0" err="1">
+                <a:latin typeface="Inconsolata Medium" panose="020B0609030003000000" pitchFamily="49" charset="77"/>
+              </a:rPr>
+              <a:t>np.pi</a:t>
+            </a:r>
+            <a:r>
+              <a:rPr lang="en-US" sz="1800" b="1" dirty="0">
+                <a:latin typeface="Inconsolata Medium" panose="020B0609030003000000" pitchFamily="49" charset="77"/>
+              </a:rPr>
+              <a:t> * 261.6 * </a:t>
+            </a:r>
+            <a:r>
+              <a:rPr lang="en-US" sz="1800" b="1" dirty="0" err="1">
+                <a:latin typeface="Inconsolata Medium" panose="020B0609030003000000" pitchFamily="49" charset="77"/>
+              </a:rPr>
+              <a:t>ts</a:t>
+            </a:r>
+            <a:r>
+              <a:rPr lang="en-US" sz="1800" b="1" dirty="0">
+                <a:latin typeface="Inconsolata Medium" panose="020B0609030003000000" pitchFamily="49" charset="77"/>
+              </a:rPr>
+              <a:t>)</a:t>
+            </a:r>
+          </a:p>
+          <a:p>
+            <a:pPr marL="0" indent="0">
+              <a:buNone/>
+            </a:pPr>
+            <a:r>
+              <a:rPr lang="en-US" sz="1800" b="1" dirty="0">
+                <a:solidFill>
+                  <a:schemeClr val="accent1"/>
+                </a:solidFill>
+                <a:latin typeface="Inconsolata Medium" panose="020B0609030003000000" pitchFamily="49" charset="77"/>
+              </a:rPr>
+              <a:t># create Audio</a:t>
+            </a:r>
+          </a:p>
+          <a:p>
+            <a:pPr marL="0" indent="0">
+              <a:buNone/>
+            </a:pPr>
+            <a:r>
+              <a:rPr lang="en-US" sz="1800" b="1" dirty="0">
+                <a:latin typeface="Inconsolata Medium" panose="020B0609030003000000" pitchFamily="49" charset="77"/>
+              </a:rPr>
+              <a:t>Audio(</a:t>
+            </a:r>
+            <a:r>
+              <a:rPr lang="en-US" sz="1800" b="1" dirty="0" err="1">
+                <a:latin typeface="Inconsolata Medium" panose="020B0609030003000000" pitchFamily="49" charset="77"/>
+              </a:rPr>
+              <a:t>ys</a:t>
+            </a:r>
+            <a:r>
+              <a:rPr lang="en-US" sz="1800" b="1" dirty="0">
+                <a:latin typeface="Inconsolata Medium" panose="020B0609030003000000" pitchFamily="49" charset="77"/>
+              </a:rPr>
+              <a:t>, rate=fs)</a:t>
+            </a:r>
+          </a:p>
+          <a:p>
+            <a:pPr marL="0" indent="0">
+              <a:buNone/>
+            </a:pPr>
+            <a:r>
+              <a:rPr lang="en-US" sz="1800" b="1" dirty="0">
+                <a:solidFill>
+                  <a:schemeClr val="accent1"/>
+                </a:solidFill>
+                <a:latin typeface="Inconsolata Medium" panose="020B0609030003000000" pitchFamily="49" charset="77"/>
+              </a:rPr>
+              <a:t># plot it</a:t>
+            </a:r>
+          </a:p>
+          <a:p>
+            <a:pPr marL="0" indent="0">
+              <a:buNone/>
+            </a:pPr>
+            <a:r>
+              <a:rPr lang="en-US" sz="1800" b="1" dirty="0">
+                <a:latin typeface="Inconsolata Medium" panose="020B0609030003000000" pitchFamily="49" charset="77"/>
+              </a:rPr>
+              <a:t>fig, ax = </a:t>
+            </a:r>
+            <a:r>
+              <a:rPr lang="en-US" sz="1800" b="1" dirty="0" err="1">
+                <a:latin typeface="Inconsolata Medium" panose="020B0609030003000000" pitchFamily="49" charset="77"/>
+              </a:rPr>
+              <a:t>plt.subplots</a:t>
+            </a:r>
+            <a:r>
+              <a:rPr lang="en-US" sz="1800" b="1" dirty="0">
+                <a:latin typeface="Inconsolata Medium" panose="020B0609030003000000" pitchFamily="49" charset="77"/>
+              </a:rPr>
+              <a:t>()</a:t>
+            </a:r>
+          </a:p>
+          <a:p>
+            <a:pPr marL="0" indent="0">
+              <a:buNone/>
+            </a:pPr>
+            <a:r>
+              <a:rPr lang="en-US" sz="1800" b="1" dirty="0" err="1">
+                <a:latin typeface="Inconsolata Medium" panose="020B0609030003000000" pitchFamily="49" charset="77"/>
+              </a:rPr>
+              <a:t>ax.plot</a:t>
+            </a:r>
+            <a:r>
+              <a:rPr lang="en-US" sz="1800" b="1" dirty="0">
+                <a:latin typeface="Inconsolata Medium" panose="020B0609030003000000" pitchFamily="49" charset="77"/>
+              </a:rPr>
+              <a:t>(</a:t>
+            </a:r>
+            <a:r>
+              <a:rPr lang="en-US" sz="1800" b="1" dirty="0" err="1">
+                <a:latin typeface="Inconsolata Medium" panose="020B0609030003000000" pitchFamily="49" charset="77"/>
+              </a:rPr>
+              <a:t>ts</a:t>
+            </a:r>
+            <a:r>
+              <a:rPr lang="en-US" sz="1800" b="1" dirty="0">
+                <a:latin typeface="Inconsolata Medium" panose="020B0609030003000000" pitchFamily="49" charset="77"/>
+              </a:rPr>
+              <a:t>, </a:t>
+            </a:r>
+            <a:r>
+              <a:rPr lang="en-US" sz="1800" b="1" dirty="0" err="1">
+                <a:latin typeface="Inconsolata Medium" panose="020B0609030003000000" pitchFamily="49" charset="77"/>
+              </a:rPr>
+              <a:t>ys</a:t>
+            </a:r>
+            <a:r>
+              <a:rPr lang="en-US" sz="1800" b="1" dirty="0">
+                <a:latin typeface="Inconsolata Medium" panose="020B0609030003000000" pitchFamily="49" charset="77"/>
+              </a:rPr>
+              <a:t>)</a:t>
+            </a:r>
+          </a:p>
+          <a:p>
+            <a:pPr marL="0" indent="0">
+              <a:buNone/>
+            </a:pPr>
+            <a:endParaRPr lang="en-US" sz="1800" b="1" cap="none" dirty="0">
+              <a:latin typeface="Inconsolata Medium" panose="020B0609030003000000" pitchFamily="49" charset="77"/>
+            </a:endParaRPr>
+          </a:p>
+        </p:txBody>
+      </p:sp>
+    </p:spTree>
+    <p:extLst>
+      <p:ext uri="{BB962C8B-B14F-4D97-AF65-F5344CB8AC3E}">
+        <p14:creationId xmlns:p14="http://schemas.microsoft.com/office/powerpoint/2010/main" val="3055856695"/>
+      </p:ext>
+    </p:extLst>
+  </p:cSld>
+  <p:clrMapOvr>
+    <a:masterClrMapping/>
+  </p:clrMapOvr>
+  <p:timing>
+    <p:tnLst>
+      <p:par>
+        <p:cTn id="1" dur="indefinite" restart="never" nodeType="tmRoot">
+          <p:childTnLst>
+            <p:seq concurrent="1" nextAc="seek">
+              <p:cTn id="2" dur="indefinite" nodeType="mainSeq">
+                <p:childTnLst>
+                  <p:par>
+                    <p:cTn id="3" fill="hold">
+                      <p:stCondLst>
+                        <p:cond delay="indefinite"/>
+                      </p:stCondLst>
+                      <p:childTnLst>
+                        <p:par>
+                          <p:cTn id="4" fill="hold">
+                            <p:stCondLst>
+                              <p:cond delay="0"/>
+                            </p:stCondLst>
+                            <p:childTnLst>
+                              <p:par>
+                                <p:cTn id="5" presetID="1" presetClass="entr" presetSubtype="0" fill="hold" nodeType="clickEffect">
+                                  <p:stCondLst>
+                                    <p:cond delay="0"/>
+                                  </p:stCondLst>
+                                  <p:childTnLst>
+                                    <p:set>
+                                      <p:cBhvr>
+                                        <p:cTn id="6" dur="1" fill="hold">
+                                          <p:stCondLst>
+                                            <p:cond delay="0"/>
+                                          </p:stCondLst>
+                                        </p:cTn>
+                                        <p:tgtEl>
+                                          <p:spTgt spid="4">
+                                            <p:txEl>
+                                              <p:pRg st="1" end="1"/>
+                                            </p:txEl>
+                                          </p:spTgt>
+                                        </p:tgtEl>
+                                        <p:attrNameLst>
+                                          <p:attrName>style.visibility</p:attrName>
+                                        </p:attrNameLst>
+                                      </p:cBhvr>
+                                      <p:to>
+                                        <p:strVal val="visible"/>
+                                      </p:to>
+                                    </p:set>
+                                  </p:childTnLst>
+                                </p:cTn>
+                              </p:par>
+                            </p:childTnLst>
+                          </p:cTn>
+                        </p:par>
+                      </p:childTnLst>
+                    </p:cTn>
+                  </p:par>
+                  <p:par>
+                    <p:cTn id="7" fill="hold">
+                      <p:stCondLst>
+                        <p:cond delay="indefinite"/>
+                      </p:stCondLst>
+                      <p:childTnLst>
+                        <p:par>
+                          <p:cTn id="8" fill="hold">
+                            <p:stCondLst>
+                              <p:cond delay="0"/>
+                            </p:stCondLst>
+                            <p:childTnLst>
+                              <p:par>
+                                <p:cTn id="9" presetID="1" presetClass="entr" presetSubtype="0" fill="hold" nodeType="clickEffect">
+                                  <p:stCondLst>
+                                    <p:cond delay="0"/>
+                                  </p:stCondLst>
+                                  <p:childTnLst>
+                                    <p:set>
+                                      <p:cBhvr>
+                                        <p:cTn id="10" dur="1" fill="hold">
+                                          <p:stCondLst>
+                                            <p:cond delay="0"/>
+                                          </p:stCondLst>
+                                        </p:cTn>
+                                        <p:tgtEl>
+                                          <p:spTgt spid="4">
+                                            <p:txEl>
+                                              <p:pRg st="2" end="2"/>
+                                            </p:txEl>
+                                          </p:spTgt>
+                                        </p:tgtEl>
+                                        <p:attrNameLst>
+                                          <p:attrName>style.visibility</p:attrName>
+                                        </p:attrNameLst>
+                                      </p:cBhvr>
+                                      <p:to>
+                                        <p:strVal val="visible"/>
+                                      </p:to>
+                                    </p:set>
+                                  </p:childTnLst>
+                                </p:cTn>
+                              </p:par>
+                            </p:childTnLst>
+                          </p:cTn>
+                        </p:par>
+                      </p:childTnLst>
+                    </p:cTn>
+                  </p:par>
+                  <p:par>
+                    <p:cTn id="11" fill="hold">
+                      <p:stCondLst>
+                        <p:cond delay="indefinite"/>
+                      </p:stCondLst>
+                      <p:childTnLst>
+                        <p:par>
+                          <p:cTn id="12" fill="hold">
+                            <p:stCondLst>
+                              <p:cond delay="0"/>
+                            </p:stCondLst>
+                            <p:childTnLst>
+                              <p:par>
+                                <p:cTn id="13" presetID="1" presetClass="entr" presetSubtype="0" fill="hold" nodeType="clickEffect">
+                                  <p:stCondLst>
+                                    <p:cond delay="0"/>
+                                  </p:stCondLst>
+                                  <p:childTnLst>
+                                    <p:set>
+                                      <p:cBhvr>
+                                        <p:cTn id="14" dur="1" fill="hold">
+                                          <p:stCondLst>
+                                            <p:cond delay="0"/>
+                                          </p:stCondLst>
+                                        </p:cTn>
+                                        <p:tgtEl>
+                                          <p:spTgt spid="4">
+                                            <p:txEl>
+                                              <p:pRg st="3" end="3"/>
+                                            </p:txEl>
+                                          </p:spTgt>
+                                        </p:tgtEl>
+                                        <p:attrNameLst>
+                                          <p:attrName>style.visibility</p:attrName>
+                                        </p:attrNameLst>
+                                      </p:cBhvr>
+                                      <p:to>
+                                        <p:strVal val="visible"/>
+                                      </p:to>
+                                    </p:set>
+                                  </p:childTnLst>
+                                </p:cTn>
+                              </p:par>
+                            </p:childTnLst>
+                          </p:cTn>
+                        </p:par>
+                      </p:childTnLst>
+                    </p:cTn>
+                  </p:par>
+                  <p:par>
+                    <p:cTn id="15" fill="hold">
+                      <p:stCondLst>
+                        <p:cond delay="indefinite"/>
+                      </p:stCondLst>
+                      <p:childTnLst>
+                        <p:par>
+                          <p:cTn id="16" fill="hold">
+                            <p:stCondLst>
+                              <p:cond delay="0"/>
+                            </p:stCondLst>
+                            <p:childTnLst>
+                              <p:par>
+                                <p:cTn id="17" presetID="1" presetClass="entr" presetSubtype="0" fill="hold" nodeType="clickEffect">
+                                  <p:stCondLst>
+                                    <p:cond delay="0"/>
+                                  </p:stCondLst>
+                                  <p:childTnLst>
+                                    <p:set>
+                                      <p:cBhvr>
+                                        <p:cTn id="18" dur="1" fill="hold">
+                                          <p:stCondLst>
+                                            <p:cond delay="0"/>
+                                          </p:stCondLst>
+                                        </p:cTn>
+                                        <p:tgtEl>
+                                          <p:spTgt spid="4">
+                                            <p:txEl>
+                                              <p:pRg st="4" end="4"/>
+                                            </p:txEl>
+                                          </p:spTgt>
+                                        </p:tgtEl>
+                                        <p:attrNameLst>
+                                          <p:attrName>style.visibility</p:attrName>
+                                        </p:attrNameLst>
+                                      </p:cBhvr>
+                                      <p:to>
+                                        <p:strVal val="visible"/>
+                                      </p:to>
+                                    </p:set>
+                                  </p:childTnLst>
+                                </p:cTn>
+                              </p:par>
+                            </p:childTnLst>
+                          </p:cTn>
+                        </p:par>
+                      </p:childTnLst>
+                    </p:cTn>
+                  </p:par>
+                  <p:par>
+                    <p:cTn id="19" fill="hold">
+                      <p:stCondLst>
+                        <p:cond delay="indefinite"/>
+                      </p:stCondLst>
+                      <p:childTnLst>
+                        <p:par>
+                          <p:cTn id="20" fill="hold">
+                            <p:stCondLst>
+                              <p:cond delay="0"/>
+                            </p:stCondLst>
+                            <p:childTnLst>
+                              <p:par>
+                                <p:cTn id="21" presetID="1" presetClass="entr" presetSubtype="0" fill="hold" nodeType="clickEffect">
+                                  <p:stCondLst>
+                                    <p:cond delay="0"/>
+                                  </p:stCondLst>
+                                  <p:childTnLst>
+                                    <p:set>
+                                      <p:cBhvr>
+                                        <p:cTn id="22" dur="1" fill="hold">
+                                          <p:stCondLst>
+                                            <p:cond delay="0"/>
+                                          </p:stCondLst>
+                                        </p:cTn>
+                                        <p:tgtEl>
+                                          <p:spTgt spid="4">
+                                            <p:txEl>
+                                              <p:pRg st="0" end="0"/>
+                                            </p:txEl>
+                                          </p:spTgt>
+                                        </p:tgtEl>
+                                        <p:attrNameLst>
+                                          <p:attrName>style.visibility</p:attrName>
+                                        </p:attrNameLst>
+                                      </p:cBhvr>
+                                      <p:to>
+                                        <p:strVal val="visible"/>
+                                      </p:to>
+                                    </p:set>
+                                  </p:childTnLst>
+                                </p:cTn>
+                              </p:par>
+                              <p:par>
+                                <p:cTn id="23" presetID="1" presetClass="entr" presetSubtype="0" fill="hold" nodeType="withEffect">
+                                  <p:stCondLst>
+                                    <p:cond delay="0"/>
+                                  </p:stCondLst>
+                                  <p:childTnLst>
+                                    <p:set>
+                                      <p:cBhvr>
+                                        <p:cTn id="24" dur="1" fill="hold">
+                                          <p:stCondLst>
+                                            <p:cond delay="0"/>
+                                          </p:stCondLst>
+                                        </p:cTn>
+                                        <p:tgtEl>
+                                          <p:spTgt spid="4">
+                                            <p:txEl>
+                                              <p:pRg st="5" end="5"/>
+                                            </p:txEl>
+                                          </p:spTgt>
+                                        </p:tgtEl>
+                                        <p:attrNameLst>
+                                          <p:attrName>style.visibility</p:attrName>
+                                        </p:attrNameLst>
+                                      </p:cBhvr>
+                                      <p:to>
+                                        <p:strVal val="visible"/>
+                                      </p:to>
+                                    </p:set>
+                                  </p:childTnLst>
+                                </p:cTn>
+                              </p:par>
+                              <p:par>
+                                <p:cTn id="25" presetID="1" presetClass="entr" presetSubtype="0" fill="hold" nodeType="withEffect">
+                                  <p:stCondLst>
+                                    <p:cond delay="0"/>
+                                  </p:stCondLst>
+                                  <p:childTnLst>
+                                    <p:set>
+                                      <p:cBhvr>
+                                        <p:cTn id="26" dur="1" fill="hold">
+                                          <p:stCondLst>
+                                            <p:cond delay="0"/>
+                                          </p:stCondLst>
+                                        </p:cTn>
+                                        <p:tgtEl>
+                                          <p:spTgt spid="4">
+                                            <p:txEl>
+                                              <p:pRg st="6" end="6"/>
+                                            </p:txEl>
+                                          </p:spTgt>
+                                        </p:tgtEl>
+                                        <p:attrNameLst>
+                                          <p:attrName>style.visibility</p:attrName>
+                                        </p:attrNameLst>
+                                      </p:cBhvr>
+                                      <p:to>
+                                        <p:strVal val="visible"/>
+                                      </p:to>
+                                    </p:set>
+                                  </p:childTnLst>
+                                </p:cTn>
+                              </p:par>
+                              <p:par>
+                                <p:cTn id="27" presetID="1" presetClass="entr" presetSubtype="0" fill="hold" nodeType="withEffect">
+                                  <p:stCondLst>
+                                    <p:cond delay="0"/>
+                                  </p:stCondLst>
+                                  <p:childTnLst>
+                                    <p:set>
+                                      <p:cBhvr>
+                                        <p:cTn id="28" dur="1" fill="hold">
+                                          <p:stCondLst>
+                                            <p:cond delay="0"/>
+                                          </p:stCondLst>
+                                        </p:cTn>
+                                        <p:tgtEl>
+                                          <p:spTgt spid="4">
+                                            <p:txEl>
+                                              <p:pRg st="7" end="7"/>
+                                            </p:txEl>
+                                          </p:spTgt>
+                                        </p:tgtEl>
+                                        <p:attrNameLst>
+                                          <p:attrName>style.visibility</p:attrName>
+                                        </p:attrNameLst>
+                                      </p:cBhvr>
+                                      <p:to>
+                                        <p:strVal val="visible"/>
+                                      </p:to>
+                                    </p:set>
+                                  </p:childTnLst>
+                                </p:cTn>
+                              </p:par>
+                              <p:par>
+                                <p:cTn id="29" presetID="1" presetClass="entr" presetSubtype="0" fill="hold" nodeType="withEffect">
+                                  <p:stCondLst>
+                                    <p:cond delay="0"/>
+                                  </p:stCondLst>
+                                  <p:childTnLst>
+                                    <p:set>
+                                      <p:cBhvr>
+                                        <p:cTn id="30" dur="1" fill="hold">
+                                          <p:stCondLst>
+                                            <p:cond delay="0"/>
+                                          </p:stCondLst>
+                                        </p:cTn>
+                                        <p:tgtEl>
+                                          <p:spTgt spid="4">
+                                            <p:txEl>
+                                              <p:pRg st="8" end="8"/>
+                                            </p:txEl>
+                                          </p:spTgt>
+                                        </p:tgtEl>
+                                        <p:attrNameLst>
+                                          <p:attrName>style.visibility</p:attrName>
+                                        </p:attrNameLst>
+                                      </p:cBhvr>
+                                      <p:to>
+                                        <p:strVal val="visible"/>
+                                      </p:to>
+                                    </p:set>
+                                  </p:childTnLst>
+                                </p:cTn>
+                              </p:par>
+                              <p:par>
+                                <p:cTn id="31" presetID="1" presetClass="entr" presetSubtype="0" fill="hold" nodeType="withEffect">
+                                  <p:stCondLst>
+                                    <p:cond delay="0"/>
+                                  </p:stCondLst>
+                                  <p:childTnLst>
+                                    <p:set>
+                                      <p:cBhvr>
+                                        <p:cTn id="32" dur="1" fill="hold">
+                                          <p:stCondLst>
+                                            <p:cond delay="0"/>
+                                          </p:stCondLst>
+                                        </p:cTn>
+                                        <p:tgtEl>
+                                          <p:spTgt spid="4">
+                                            <p:txEl>
+                                              <p:pRg st="9" end="9"/>
+                                            </p:txEl>
+                                          </p:spTgt>
+                                        </p:tgtEl>
+                                        <p:attrNameLst>
+                                          <p:attrName>style.visibility</p:attrName>
+                                        </p:attrNameLst>
+                                      </p:cBhvr>
+                                      <p:to>
+                                        <p:strVal val="visible"/>
+                                      </p:to>
+                                    </p:set>
+                                  </p:childTnLst>
+                                </p:cTn>
+                              </p:par>
+                              <p:par>
+                                <p:cTn id="33" presetID="1" presetClass="entr" presetSubtype="0" fill="hold" nodeType="withEffect">
+                                  <p:stCondLst>
+                                    <p:cond delay="0"/>
+                                  </p:stCondLst>
+                                  <p:childTnLst>
+                                    <p:set>
+                                      <p:cBhvr>
+                                        <p:cTn id="34" dur="1" fill="hold">
+                                          <p:stCondLst>
+                                            <p:cond delay="0"/>
+                                          </p:stCondLst>
+                                        </p:cTn>
+                                        <p:tgtEl>
+                                          <p:spTgt spid="4">
+                                            <p:txEl>
+                                              <p:pRg st="10" end="10"/>
+                                            </p:txEl>
+                                          </p:spTgt>
+                                        </p:tgtEl>
+                                        <p:attrNameLst>
+                                          <p:attrName>style.visibility</p:attrName>
+                                        </p:attrNameLst>
+                                      </p:cBhvr>
+                                      <p:to>
+                                        <p:strVal val="visible"/>
+                                      </p:to>
+                                    </p:set>
+                                  </p:childTnLst>
+                                </p:cTn>
+                              </p:par>
+                              <p:par>
+                                <p:cTn id="35" presetID="1" presetClass="entr" presetSubtype="0" fill="hold" nodeType="withEffect">
+                                  <p:stCondLst>
+                                    <p:cond delay="0"/>
+                                  </p:stCondLst>
+                                  <p:childTnLst>
+                                    <p:set>
+                                      <p:cBhvr>
+                                        <p:cTn id="36" dur="1" fill="hold">
+                                          <p:stCondLst>
+                                            <p:cond delay="0"/>
+                                          </p:stCondLst>
+                                        </p:cTn>
+                                        <p:tgtEl>
+                                          <p:spTgt spid="4">
+                                            <p:txEl>
+                                              <p:pRg st="11" end="11"/>
+                                            </p:txEl>
+                                          </p:spTgt>
+                                        </p:tgtEl>
+                                        <p:attrNameLst>
+                                          <p:attrName>style.visibility</p:attrName>
+                                        </p:attrNameLst>
+                                      </p:cBhvr>
+                                      <p:to>
+                                        <p:strVal val="visible"/>
+                                      </p:to>
+                                    </p:set>
+                                  </p:childTnLst>
+                                </p:cTn>
+                              </p:par>
+                            </p:childTnLst>
+                          </p:cTn>
+                        </p:par>
+                      </p:childTnLst>
+                    </p:cTn>
+                  </p:par>
+                </p:childTnLst>
+              </p:cTn>
+              <p:prevCondLst>
+                <p:cond evt="onPrev" delay="0">
+                  <p:tgtEl>
+                    <p:sldTgt/>
+                  </p:tgtEl>
+                </p:cond>
+              </p:prevCondLst>
+              <p:nextCondLst>
+                <p:cond evt="onNext" delay="0">
+                  <p:tgtEl>
+                    <p:sldTgt/>
+                  </p:tgtEl>
+                </p:cond>
+              </p:nextCondLst>
+            </p:seq>
+          </p:childTnLst>
+        </p:cTn>
+      </p:par>
+    </p:tnLst>
+  </p:timing>
+</p:sld>
+</file>
+
+<file path=ppt/slides/slide19.xml><?xml version="1.0" encoding="utf-8"?>
+<p:sld xmlns:a="http://schemas.openxmlformats.org/drawingml/2006/main" xmlns:r="http://schemas.openxmlformats.org/officeDocument/2006/relationships" xmlns:p="http://schemas.openxmlformats.org/presentationml/2006/main">
+  <p:cSld>
+    <p:spTree>
+      <p:nvGrpSpPr>
+        <p:cNvPr id="1" name=""/>
+        <p:cNvGrpSpPr/>
+        <p:nvPr/>
+      </p:nvGrpSpPr>
+      <p:grpSpPr>
+        <a:xfrm>
+          <a:off x="0" y="0"/>
+          <a:ext cx="0" cy="0"/>
+          <a:chOff x="0" y="0"/>
+          <a:chExt cx="0" cy="0"/>
+        </a:xfrm>
+      </p:grpSpPr>
+      <p:sp>
+        <p:nvSpPr>
+          <p:cNvPr id="2" name="Title 1">
+            <a:extLst>
+              <a:ext uri="{FF2B5EF4-FFF2-40B4-BE49-F238E27FC236}">
+                <a16:creationId xmlns:a16="http://schemas.microsoft.com/office/drawing/2014/main" id="{EDE419EF-0E46-9E4D-8C75-4293CAE61F27}"/>
+              </a:ext>
+            </a:extLst>
+          </p:cNvPr>
+          <p:cNvSpPr>
+            <a:spLocks noGrp="1"/>
+          </p:cNvSpPr>
+          <p:nvPr>
+            <p:ph type="title"/>
+          </p:nvPr>
+        </p:nvSpPr>
+        <p:spPr>
+          <a:xfrm>
+            <a:off x="624264" y="426416"/>
+            <a:ext cx="7922594" cy="669139"/>
+          </a:xfrm>
+        </p:spPr>
+        <p:txBody>
+          <a:bodyPr/>
+          <a:lstStyle/>
+          <a:p>
+            <a:pPr algn="l"/>
+            <a:r>
               <a:rPr lang="en-US" cap="none" dirty="0"/>
               <a:t>Loudness vs Pitch</a:t>
             </a:r>
@@ -13504,7 +14575,224 @@
 </p:sld>
 </file>
 
-<file path=ppt/slides/slide19.xml><?xml version="1.0" encoding="utf-8"?>
+<file path=ppt/slides/slide2.xml><?xml version="1.0" encoding="utf-8"?>
+<p:sld xmlns:a="http://schemas.openxmlformats.org/drawingml/2006/main" xmlns:r="http://schemas.openxmlformats.org/officeDocument/2006/relationships" xmlns:p="http://schemas.openxmlformats.org/presentationml/2006/main">
+  <p:cSld>
+    <p:spTree>
+      <p:nvGrpSpPr>
+        <p:cNvPr id="1" name=""/>
+        <p:cNvGrpSpPr/>
+        <p:nvPr/>
+      </p:nvGrpSpPr>
+      <p:grpSpPr>
+        <a:xfrm>
+          <a:off x="0" y="0"/>
+          <a:ext cx="0" cy="0"/>
+          <a:chOff x="0" y="0"/>
+          <a:chExt cx="0" cy="0"/>
+        </a:xfrm>
+      </p:grpSpPr>
+      <p:sp>
+        <p:nvSpPr>
+          <p:cNvPr id="2" name="Title 1">
+            <a:extLst>
+              <a:ext uri="{FF2B5EF4-FFF2-40B4-BE49-F238E27FC236}">
+                <a16:creationId xmlns:a16="http://schemas.microsoft.com/office/drawing/2014/main" id="{EDE419EF-0E46-9E4D-8C75-4293CAE61F27}"/>
+              </a:ext>
+            </a:extLst>
+          </p:cNvPr>
+          <p:cNvSpPr>
+            <a:spLocks noGrp="1"/>
+          </p:cNvSpPr>
+          <p:nvPr>
+            <p:ph type="title"/>
+          </p:nvPr>
+        </p:nvSpPr>
+        <p:spPr>
+          <a:xfrm>
+            <a:off x="624264" y="366276"/>
+            <a:ext cx="7922594" cy="770192"/>
+          </a:xfrm>
+        </p:spPr>
+        <p:txBody>
+          <a:bodyPr/>
+          <a:lstStyle/>
+          <a:p>
+            <a:pPr algn="l"/>
+            <a:r>
+              <a:rPr lang="en-US" cap="none" dirty="0"/>
+              <a:t>Sound</a:t>
+            </a:r>
+          </a:p>
+        </p:txBody>
+      </p:sp>
+      <p:sp>
+        <p:nvSpPr>
+          <p:cNvPr id="9" name="Content Placeholder 8">
+            <a:extLst>
+              <a:ext uri="{FF2B5EF4-FFF2-40B4-BE49-F238E27FC236}">
+                <a16:creationId xmlns:a16="http://schemas.microsoft.com/office/drawing/2014/main" id="{DBAE1AD4-EF52-6147-ADEA-2184E3DCD49F}"/>
+              </a:ext>
+            </a:extLst>
+          </p:cNvPr>
+          <p:cNvSpPr>
+            <a:spLocks noGrp="1"/>
+          </p:cNvSpPr>
+          <p:nvPr>
+            <p:ph sz="quarter" idx="13"/>
+          </p:nvPr>
+        </p:nvSpPr>
+        <p:spPr>
+          <a:xfrm>
+            <a:off x="231820" y="1136468"/>
+            <a:ext cx="8680360" cy="4415245"/>
+          </a:xfrm>
+        </p:spPr>
+        <p:txBody>
+          <a:bodyPr>
+            <a:normAutofit/>
+          </a:bodyPr>
+          <a:lstStyle/>
+          <a:p>
+            <a:pPr marL="0" indent="0">
+              <a:buNone/>
+            </a:pPr>
+            <a:endParaRPr lang="en-US" sz="2200" cap="none" dirty="0"/>
+          </a:p>
+        </p:txBody>
+      </p:sp>
+      <p:cxnSp>
+        <p:nvCxnSpPr>
+          <p:cNvPr id="7" name="Straight Arrow Connector 6">
+            <a:extLst>
+              <a:ext uri="{FF2B5EF4-FFF2-40B4-BE49-F238E27FC236}">
+                <a16:creationId xmlns:a16="http://schemas.microsoft.com/office/drawing/2014/main" id="{3619C27F-E7C8-694B-A58F-1ECF02B0A701}"/>
+              </a:ext>
+            </a:extLst>
+          </p:cNvPr>
+          <p:cNvCxnSpPr>
+            <a:cxnSpLocks/>
+          </p:cNvCxnSpPr>
+          <p:nvPr/>
+        </p:nvCxnSpPr>
+        <p:spPr>
+          <a:xfrm>
+            <a:off x="4702109" y="3994783"/>
+            <a:ext cx="721874" cy="0"/>
+          </a:xfrm>
+          <a:prstGeom prst="straightConnector1">
+            <a:avLst/>
+          </a:prstGeom>
+          <a:ln w="50800">
+            <a:tailEnd type="triangle"/>
+          </a:ln>
+        </p:spPr>
+        <p:style>
+          <a:lnRef idx="1">
+            <a:schemeClr val="accent1"/>
+          </a:lnRef>
+          <a:fillRef idx="0">
+            <a:schemeClr val="accent1"/>
+          </a:fillRef>
+          <a:effectRef idx="0">
+            <a:schemeClr val="accent1"/>
+          </a:effectRef>
+          <a:fontRef idx="minor">
+            <a:schemeClr val="tx1"/>
+          </a:fontRef>
+        </p:style>
+      </p:cxnSp>
+      <p:pic>
+        <p:nvPicPr>
+          <p:cNvPr id="10" name="Picture 9">
+            <a:extLst>
+              <a:ext uri="{FF2B5EF4-FFF2-40B4-BE49-F238E27FC236}">
+                <a16:creationId xmlns:a16="http://schemas.microsoft.com/office/drawing/2014/main" id="{FDE10D26-4903-2741-82A2-D1AFC8B22148}"/>
+              </a:ext>
+            </a:extLst>
+          </p:cNvPr>
+          <p:cNvPicPr>
+            <a:picLocks noChangeAspect="1"/>
+          </p:cNvPicPr>
+          <p:nvPr/>
+        </p:nvPicPr>
+        <p:blipFill>
+          <a:blip r:embed="rId2"/>
+          <a:stretch>
+            <a:fillRect/>
+          </a:stretch>
+        </p:blipFill>
+        <p:spPr>
+          <a:xfrm>
+            <a:off x="1302975" y="1016119"/>
+            <a:ext cx="6702016" cy="3693139"/>
+          </a:xfrm>
+          <a:prstGeom prst="rect">
+            <a:avLst/>
+          </a:prstGeom>
+        </p:spPr>
+      </p:pic>
+      <p:sp>
+        <p:nvSpPr>
+          <p:cNvPr id="11" name="TextBox 10">
+            <a:extLst>
+              <a:ext uri="{FF2B5EF4-FFF2-40B4-BE49-F238E27FC236}">
+                <a16:creationId xmlns:a16="http://schemas.microsoft.com/office/drawing/2014/main" id="{4BA0F3EE-2D8A-5C4C-9589-369697740A33}"/>
+              </a:ext>
+            </a:extLst>
+          </p:cNvPr>
+          <p:cNvSpPr txBox="1"/>
+          <p:nvPr/>
+        </p:nvSpPr>
+        <p:spPr>
+          <a:xfrm>
+            <a:off x="2920598" y="4753390"/>
+            <a:ext cx="3563022" cy="1047082"/>
+          </a:xfrm>
+          <a:prstGeom prst="rect">
+            <a:avLst/>
+          </a:prstGeom>
+          <a:noFill/>
+        </p:spPr>
+        <p:txBody>
+          <a:bodyPr wrap="square" rtlCol="0">
+            <a:spAutoFit/>
+          </a:bodyPr>
+          <a:lstStyle/>
+          <a:p>
+            <a:r>
+              <a:rPr lang="en-US" sz="1600" b="1" dirty="0"/>
+              <a:t>Figure taken from [</a:t>
+            </a:r>
+            <a:r>
+              <a:rPr lang="en-US" sz="1600" b="1" dirty="0" err="1"/>
+              <a:t>Meinard</a:t>
+            </a:r>
+            <a:r>
+              <a:rPr lang="en-US" sz="1600" b="1" dirty="0"/>
+              <a:t> Müller, Fundamentals of Music Processing, Figure 1.17, Springer 2015]</a:t>
+            </a:r>
+            <a:endParaRPr lang="en-US" sz="1600" dirty="0"/>
+          </a:p>
+          <a:p>
+            <a:endParaRPr lang="en-US" dirty="0"/>
+          </a:p>
+        </p:txBody>
+      </p:sp>
+    </p:spTree>
+    <p:extLst>
+      <p:ext uri="{BB962C8B-B14F-4D97-AF65-F5344CB8AC3E}">
+        <p14:creationId xmlns:p14="http://schemas.microsoft.com/office/powerpoint/2010/main" val="1250044703"/>
+      </p:ext>
+    </p:extLst>
+  </p:cSld>
+  <p:clrMapOvr>
+    <a:masterClrMapping/>
+  </p:clrMapOvr>
+</p:sld>
+</file>
+
+<file path=ppt/slides/slide20.xml><?xml version="1.0" encoding="utf-8"?>
 <p:sld xmlns:a="http://schemas.openxmlformats.org/drawingml/2006/main" xmlns:r="http://schemas.openxmlformats.org/officeDocument/2006/relationships" xmlns:p="http://schemas.openxmlformats.org/presentationml/2006/main">
   <p:cSld>
     <p:spTree>
@@ -13906,224 +15194,7 @@
 </p:sld>
 </file>
 
-<file path=ppt/slides/slide2.xml><?xml version="1.0" encoding="utf-8"?>
-<p:sld xmlns:a="http://schemas.openxmlformats.org/drawingml/2006/main" xmlns:r="http://schemas.openxmlformats.org/officeDocument/2006/relationships" xmlns:p="http://schemas.openxmlformats.org/presentationml/2006/main">
-  <p:cSld>
-    <p:spTree>
-      <p:nvGrpSpPr>
-        <p:cNvPr id="1" name=""/>
-        <p:cNvGrpSpPr/>
-        <p:nvPr/>
-      </p:nvGrpSpPr>
-      <p:grpSpPr>
-        <a:xfrm>
-          <a:off x="0" y="0"/>
-          <a:ext cx="0" cy="0"/>
-          <a:chOff x="0" y="0"/>
-          <a:chExt cx="0" cy="0"/>
-        </a:xfrm>
-      </p:grpSpPr>
-      <p:sp>
-        <p:nvSpPr>
-          <p:cNvPr id="2" name="Title 1">
-            <a:extLst>
-              <a:ext uri="{FF2B5EF4-FFF2-40B4-BE49-F238E27FC236}">
-                <a16:creationId xmlns:a16="http://schemas.microsoft.com/office/drawing/2014/main" id="{EDE419EF-0E46-9E4D-8C75-4293CAE61F27}"/>
-              </a:ext>
-            </a:extLst>
-          </p:cNvPr>
-          <p:cNvSpPr>
-            <a:spLocks noGrp="1"/>
-          </p:cNvSpPr>
-          <p:nvPr>
-            <p:ph type="title"/>
-          </p:nvPr>
-        </p:nvSpPr>
-        <p:spPr>
-          <a:xfrm>
-            <a:off x="624264" y="366276"/>
-            <a:ext cx="7922594" cy="770192"/>
-          </a:xfrm>
-        </p:spPr>
-        <p:txBody>
-          <a:bodyPr/>
-          <a:lstStyle/>
-          <a:p>
-            <a:pPr algn="l"/>
-            <a:r>
-              <a:rPr lang="en-US" cap="none" dirty="0"/>
-              <a:t>Sound</a:t>
-            </a:r>
-          </a:p>
-        </p:txBody>
-      </p:sp>
-      <p:sp>
-        <p:nvSpPr>
-          <p:cNvPr id="9" name="Content Placeholder 8">
-            <a:extLst>
-              <a:ext uri="{FF2B5EF4-FFF2-40B4-BE49-F238E27FC236}">
-                <a16:creationId xmlns:a16="http://schemas.microsoft.com/office/drawing/2014/main" id="{DBAE1AD4-EF52-6147-ADEA-2184E3DCD49F}"/>
-              </a:ext>
-            </a:extLst>
-          </p:cNvPr>
-          <p:cNvSpPr>
-            <a:spLocks noGrp="1"/>
-          </p:cNvSpPr>
-          <p:nvPr>
-            <p:ph sz="quarter" idx="13"/>
-          </p:nvPr>
-        </p:nvSpPr>
-        <p:spPr>
-          <a:xfrm>
-            <a:off x="231820" y="1136468"/>
-            <a:ext cx="8680360" cy="4415245"/>
-          </a:xfrm>
-        </p:spPr>
-        <p:txBody>
-          <a:bodyPr>
-            <a:normAutofit/>
-          </a:bodyPr>
-          <a:lstStyle/>
-          <a:p>
-            <a:pPr marL="0" indent="0">
-              <a:buNone/>
-            </a:pPr>
-            <a:endParaRPr lang="en-US" sz="2200" cap="none" dirty="0"/>
-          </a:p>
-        </p:txBody>
-      </p:sp>
-      <p:cxnSp>
-        <p:nvCxnSpPr>
-          <p:cNvPr id="7" name="Straight Arrow Connector 6">
-            <a:extLst>
-              <a:ext uri="{FF2B5EF4-FFF2-40B4-BE49-F238E27FC236}">
-                <a16:creationId xmlns:a16="http://schemas.microsoft.com/office/drawing/2014/main" id="{3619C27F-E7C8-694B-A58F-1ECF02B0A701}"/>
-              </a:ext>
-            </a:extLst>
-          </p:cNvPr>
-          <p:cNvCxnSpPr>
-            <a:cxnSpLocks/>
-          </p:cNvCxnSpPr>
-          <p:nvPr/>
-        </p:nvCxnSpPr>
-        <p:spPr>
-          <a:xfrm>
-            <a:off x="4702109" y="3994783"/>
-            <a:ext cx="721874" cy="0"/>
-          </a:xfrm>
-          <a:prstGeom prst="straightConnector1">
-            <a:avLst/>
-          </a:prstGeom>
-          <a:ln w="50800">
-            <a:tailEnd type="triangle"/>
-          </a:ln>
-        </p:spPr>
-        <p:style>
-          <a:lnRef idx="1">
-            <a:schemeClr val="accent1"/>
-          </a:lnRef>
-          <a:fillRef idx="0">
-            <a:schemeClr val="accent1"/>
-          </a:fillRef>
-          <a:effectRef idx="0">
-            <a:schemeClr val="accent1"/>
-          </a:effectRef>
-          <a:fontRef idx="minor">
-            <a:schemeClr val="tx1"/>
-          </a:fontRef>
-        </p:style>
-      </p:cxnSp>
-      <p:pic>
-        <p:nvPicPr>
-          <p:cNvPr id="10" name="Picture 9">
-            <a:extLst>
-              <a:ext uri="{FF2B5EF4-FFF2-40B4-BE49-F238E27FC236}">
-                <a16:creationId xmlns:a16="http://schemas.microsoft.com/office/drawing/2014/main" id="{FDE10D26-4903-2741-82A2-D1AFC8B22148}"/>
-              </a:ext>
-            </a:extLst>
-          </p:cNvPr>
-          <p:cNvPicPr>
-            <a:picLocks noChangeAspect="1"/>
-          </p:cNvPicPr>
-          <p:nvPr/>
-        </p:nvPicPr>
-        <p:blipFill>
-          <a:blip r:embed="rId2"/>
-          <a:stretch>
-            <a:fillRect/>
-          </a:stretch>
-        </p:blipFill>
-        <p:spPr>
-          <a:xfrm>
-            <a:off x="1302975" y="1016119"/>
-            <a:ext cx="6702016" cy="3693139"/>
-          </a:xfrm>
-          <a:prstGeom prst="rect">
-            <a:avLst/>
-          </a:prstGeom>
-        </p:spPr>
-      </p:pic>
-      <p:sp>
-        <p:nvSpPr>
-          <p:cNvPr id="11" name="TextBox 10">
-            <a:extLst>
-              <a:ext uri="{FF2B5EF4-FFF2-40B4-BE49-F238E27FC236}">
-                <a16:creationId xmlns:a16="http://schemas.microsoft.com/office/drawing/2014/main" id="{4BA0F3EE-2D8A-5C4C-9589-369697740A33}"/>
-              </a:ext>
-            </a:extLst>
-          </p:cNvPr>
-          <p:cNvSpPr txBox="1"/>
-          <p:nvPr/>
-        </p:nvSpPr>
-        <p:spPr>
-          <a:xfrm>
-            <a:off x="2920598" y="4753390"/>
-            <a:ext cx="3563022" cy="1047082"/>
-          </a:xfrm>
-          <a:prstGeom prst="rect">
-            <a:avLst/>
-          </a:prstGeom>
-          <a:noFill/>
-        </p:spPr>
-        <p:txBody>
-          <a:bodyPr wrap="square" rtlCol="0">
-            <a:spAutoFit/>
-          </a:bodyPr>
-          <a:lstStyle/>
-          <a:p>
-            <a:r>
-              <a:rPr lang="en-US" sz="1600" b="1" dirty="0"/>
-              <a:t>Figure taken from [</a:t>
-            </a:r>
-            <a:r>
-              <a:rPr lang="en-US" sz="1600" b="1" dirty="0" err="1"/>
-              <a:t>Meinard</a:t>
-            </a:r>
-            <a:r>
-              <a:rPr lang="en-US" sz="1600" b="1" dirty="0"/>
-              <a:t> Müller, Fundamentals of Music Processing, Figure 1.17, Springer 2015]</a:t>
-            </a:r>
-            <a:endParaRPr lang="en-US" sz="1600" dirty="0"/>
-          </a:p>
-          <a:p>
-            <a:endParaRPr lang="en-US" dirty="0"/>
-          </a:p>
-        </p:txBody>
-      </p:sp>
-    </p:spTree>
-    <p:extLst>
-      <p:ext uri="{BB962C8B-B14F-4D97-AF65-F5344CB8AC3E}">
-        <p14:creationId xmlns:p14="http://schemas.microsoft.com/office/powerpoint/2010/main" val="1250044703"/>
-      </p:ext>
-    </p:extLst>
-  </p:cSld>
-  <p:clrMapOvr>
-    <a:masterClrMapping/>
-  </p:clrMapOvr>
-</p:sld>
-</file>
-
-<file path=ppt/slides/slide20.xml><?xml version="1.0" encoding="utf-8"?>
+<file path=ppt/slides/slide21.xml><?xml version="1.0" encoding="utf-8"?>
 <p:sld xmlns:a="http://schemas.openxmlformats.org/drawingml/2006/main" xmlns:r="http://schemas.openxmlformats.org/officeDocument/2006/relationships" xmlns:p="http://schemas.openxmlformats.org/presentationml/2006/main">
   <p:cSld>
     <p:spTree>
@@ -14362,7 +15433,7 @@
 </p:sld>
 </file>
 
-<file path=ppt/slides/slide21.xml><?xml version="1.0" encoding="utf-8"?>
+<file path=ppt/slides/slide22.xml><?xml version="1.0" encoding="utf-8"?>
 <p:sld xmlns:a="http://schemas.openxmlformats.org/drawingml/2006/main" xmlns:r="http://schemas.openxmlformats.org/officeDocument/2006/relationships" xmlns:p="http://schemas.openxmlformats.org/presentationml/2006/main">
   <p:cSld>
     <p:spTree>
@@ -14659,7 +15730,7 @@
 </p:sld>
 </file>
 
-<file path=ppt/slides/slide22.xml><?xml version="1.0" encoding="utf-8"?>
+<file path=ppt/slides/slide23.xml><?xml version="1.0" encoding="utf-8"?>
 <p:sld xmlns:a="http://schemas.openxmlformats.org/drawingml/2006/main" xmlns:r="http://schemas.openxmlformats.org/officeDocument/2006/relationships" xmlns:p="http://schemas.openxmlformats.org/presentationml/2006/main">
   <p:cSld>
     <p:spTree>
@@ -15201,7 +16272,7 @@
 </p:sld>
 </file>
 
-<file path=ppt/slides/slide23.xml><?xml version="1.0" encoding="utf-8"?>
+<file path=ppt/slides/slide24.xml><?xml version="1.0" encoding="utf-8"?>
 <p:sld xmlns:a="http://schemas.openxmlformats.org/drawingml/2006/main" xmlns:r="http://schemas.openxmlformats.org/officeDocument/2006/relationships" xmlns:p="http://schemas.openxmlformats.org/presentationml/2006/main">
   <p:cSld>
     <p:spTree>
@@ -15861,7 +16932,7 @@
 </p:sld>
 </file>
 
-<file path=ppt/slides/slide24.xml><?xml version="1.0" encoding="utf-8"?>
+<file path=ppt/slides/slide25.xml><?xml version="1.0" encoding="utf-8"?>
 <p:sld xmlns:a="http://schemas.openxmlformats.org/drawingml/2006/main" xmlns:r="http://schemas.openxmlformats.org/officeDocument/2006/relationships" xmlns:p="http://schemas.openxmlformats.org/presentationml/2006/main">
   <p:cSld>
     <p:spTree>
@@ -16002,7 +17073,7 @@
 </p:sld>
 </file>
 
-<file path=ppt/slides/slide25.xml><?xml version="1.0" encoding="utf-8"?>
+<file path=ppt/slides/slide26.xml><?xml version="1.0" encoding="utf-8"?>
 <p:sld xmlns:a="http://schemas.openxmlformats.org/drawingml/2006/main" xmlns:r="http://schemas.openxmlformats.org/officeDocument/2006/relationships" xmlns:p="http://schemas.openxmlformats.org/presentationml/2006/main">
   <p:cSld>
     <p:spTree>
@@ -16545,7 +17616,7 @@
 </p:sld>
 </file>
 
-<file path=ppt/slides/slide26.xml><?xml version="1.0" encoding="utf-8"?>
+<file path=ppt/slides/slide27.xml><?xml version="1.0" encoding="utf-8"?>
 <p:sld xmlns:a="http://schemas.openxmlformats.org/drawingml/2006/main" xmlns:r="http://schemas.openxmlformats.org/officeDocument/2006/relationships" xmlns:p="http://schemas.openxmlformats.org/presentationml/2006/main">
   <p:cSld>
     <p:spTree>
@@ -16689,7 +17760,7 @@
 </p:sld>
 </file>
 
-<file path=ppt/slides/slide27.xml><?xml version="1.0" encoding="utf-8"?>
+<file path=ppt/slides/slide28.xml><?xml version="1.0" encoding="utf-8"?>
 <p:sld xmlns:a="http://schemas.openxmlformats.org/drawingml/2006/main" xmlns:r="http://schemas.openxmlformats.org/officeDocument/2006/relationships" xmlns:p="http://schemas.openxmlformats.org/presentationml/2006/main">
   <p:cSld>
     <p:spTree>

--- a/courses/apcsp/lect16.pptx
+++ b/courses/apcsp/lect16.pptx
@@ -145,38 +145,13 @@
 <file path=ppt/revisionInfo.xml><?xml version="1.0" encoding="utf-8"?>
 <p1510:revInfo xmlns:a="http://schemas.openxmlformats.org/drawingml/2006/main" xmlns:r="http://schemas.openxmlformats.org/officeDocument/2006/relationships" xmlns:p1510="http://schemas.microsoft.com/office/powerpoint/2015/10/main">
   <p1510:revLst>
-    <p1510:client id="{4BE6A6D3-80E1-E648-9A65-3053C53C3489}" v="1" dt="2020-01-13T13:50:10.484"/>
-    <p1510:client id="{6AC26564-89E3-E046-BFB4-F80582D7E17B}" v="2" dt="2020-01-13T13:46:19.953"/>
+    <p1510:client id="{84A9A5E5-5EC5-384E-A243-11BE56621C07}" v="2" dt="2020-02-27T02:57:30.801"/>
   </p1510:revLst>
 </p1510:revInfo>
 </file>
 
 <file path=ppt/changesInfos/changesInfo1.xml><?xml version="1.0" encoding="utf-8"?>
 <pc:chgInfo xmlns:a="http://schemas.openxmlformats.org/drawingml/2006/main" xmlns:r="http://schemas.openxmlformats.org/officeDocument/2006/relationships" xmlns:ac="http://schemas.microsoft.com/office/drawing/2013/main/command" xmlns:pc="http://schemas.microsoft.com/office/powerpoint/2013/main/command">
-  <pc:docChgLst>
-    <pc:chgData name="Long B Nguyen" userId="f59fb8f3-a021-417a-8bc1-65c8d471c621" providerId="ADAL" clId="{B5860C40-AA08-4447-A918-2D2782E0FC0B}"/>
-    <pc:docChg chg="delSld modSld">
-      <pc:chgData name="Long B Nguyen" userId="f59fb8f3-a021-417a-8bc1-65c8d471c621" providerId="ADAL" clId="{B5860C40-AA08-4447-A918-2D2782E0FC0B}" dt="2019-09-16T13:59:20.091" v="35" actId="2696"/>
-      <pc:docMkLst>
-        <pc:docMk/>
-      </pc:docMkLst>
-      <pc:sldChg chg="modSp">
-        <pc:chgData name="Long B Nguyen" userId="f59fb8f3-a021-417a-8bc1-65c8d471c621" providerId="ADAL" clId="{B5860C40-AA08-4447-A918-2D2782E0FC0B}" dt="2019-09-16T13:58:36.640" v="18" actId="20577"/>
-        <pc:sldMkLst>
-          <pc:docMk/>
-          <pc:sldMk cId="4247104139" sldId="256"/>
-        </pc:sldMkLst>
-        <pc:spChg chg="mod">
-          <ac:chgData name="Long B Nguyen" userId="f59fb8f3-a021-417a-8bc1-65c8d471c621" providerId="ADAL" clId="{B5860C40-AA08-4447-A918-2D2782E0FC0B}" dt="2019-09-16T13:58:36.640" v="18" actId="20577"/>
-          <ac:spMkLst>
-            <pc:docMk/>
-            <pc:sldMk cId="4247104139" sldId="256"/>
-            <ac:spMk id="3" creationId="{1BDC47C8-6776-7B44-9CD4-95FC91452D62}"/>
-          </ac:spMkLst>
-        </pc:spChg>
-      </pc:sldChg>
-    </pc:docChg>
-  </pc:docChgLst>
   <pc:docChgLst>
     <pc:chgData name="Long B Nguyen" userId="f59fb8f3-a021-417a-8bc1-65c8d471c621" providerId="ADAL" clId="{4BE6A6D3-80E1-E648-9A65-3053C53C3489}"/>
     <pc:docChg chg="addSld delSld modSld">
@@ -447,190 +422,52 @@
     </pc:docChg>
   </pc:docChgLst>
   <pc:docChgLst>
-    <pc:chgData name="Long B Nguyen" userId="f59fb8f3-a021-417a-8bc1-65c8d471c621" providerId="ADAL" clId="{AA9102B5-DACA-D841-B260-AEEBF90FC60A}"/>
-    <pc:docChg chg="custSel addSld delSld modSld">
-      <pc:chgData name="Long B Nguyen" userId="f59fb8f3-a021-417a-8bc1-65c8d471c621" providerId="ADAL" clId="{AA9102B5-DACA-D841-B260-AEEBF90FC60A}" dt="2020-01-06T17:07:10.515" v="1519" actId="2711"/>
+    <pc:chgData name="Long B Nguyen" userId="f59fb8f3-a021-417a-8bc1-65c8d471c621" providerId="ADAL" clId="{84A9A5E5-5EC5-384E-A243-11BE56621C07}"/>
+    <pc:docChg chg="modSld">
+      <pc:chgData name="Long B Nguyen" userId="f59fb8f3-a021-417a-8bc1-65c8d471c621" providerId="ADAL" clId="{84A9A5E5-5EC5-384E-A243-11BE56621C07}" dt="2020-02-27T02:57:30.800" v="1" actId="20577"/>
       <pc:docMkLst>
         <pc:docMk/>
       </pc:docMkLst>
       <pc:sldChg chg="modSp">
-        <pc:chgData name="Long B Nguyen" userId="f59fb8f3-a021-417a-8bc1-65c8d471c621" providerId="ADAL" clId="{AA9102B5-DACA-D841-B260-AEEBF90FC60A}" dt="2020-01-05T22:05:23.536" v="23" actId="20577"/>
+        <pc:chgData name="Long B Nguyen" userId="f59fb8f3-a021-417a-8bc1-65c8d471c621" providerId="ADAL" clId="{84A9A5E5-5EC5-384E-A243-11BE56621C07}" dt="2020-02-27T02:57:30.800" v="1" actId="20577"/>
         <pc:sldMkLst>
           <pc:docMk/>
-          <pc:sldMk cId="4247104139" sldId="256"/>
+          <pc:sldMk cId="3055856695" sldId="325"/>
         </pc:sldMkLst>
         <pc:spChg chg="mod">
-          <ac:chgData name="Long B Nguyen" userId="f59fb8f3-a021-417a-8bc1-65c8d471c621" providerId="ADAL" clId="{AA9102B5-DACA-D841-B260-AEEBF90FC60A}" dt="2020-01-05T22:05:23.536" v="23" actId="20577"/>
+          <ac:chgData name="Long B Nguyen" userId="f59fb8f3-a021-417a-8bc1-65c8d471c621" providerId="ADAL" clId="{84A9A5E5-5EC5-384E-A243-11BE56621C07}" dt="2020-02-27T02:57:30.800" v="1" actId="20577"/>
           <ac:spMkLst>
             <pc:docMk/>
-            <pc:sldMk cId="4247104139" sldId="256"/>
-            <ac:spMk id="3" creationId="{1BDC47C8-6776-7B44-9CD4-95FC91452D62}"/>
+            <pc:sldMk cId="3055856695" sldId="325"/>
+            <ac:spMk id="4" creationId="{864D3036-8B0F-5C44-90AB-7558ABA4CDEC}"/>
           </ac:spMkLst>
         </pc:spChg>
       </pc:sldChg>
-      <pc:sldChg chg="del">
-        <pc:chgData name="Long B Nguyen" userId="f59fb8f3-a021-417a-8bc1-65c8d471c621" providerId="ADAL" clId="{AA9102B5-DACA-D841-B260-AEEBF90FC60A}" dt="2020-01-05T22:05:52.483" v="41" actId="2696"/>
-        <pc:sldMkLst>
-          <pc:docMk/>
-          <pc:sldMk cId="1438711869" sldId="284"/>
-        </pc:sldMkLst>
-      </pc:sldChg>
-      <pc:sldChg chg="del">
-        <pc:chgData name="Long B Nguyen" userId="f59fb8f3-a021-417a-8bc1-65c8d471c621" providerId="ADAL" clId="{AA9102B5-DACA-D841-B260-AEEBF90FC60A}" dt="2020-01-05T22:05:52.199" v="24" actId="2696"/>
-        <pc:sldMkLst>
-          <pc:docMk/>
-          <pc:sldMk cId="131840209" sldId="286"/>
-        </pc:sldMkLst>
-      </pc:sldChg>
-      <pc:sldChg chg="del">
-        <pc:chgData name="Long B Nguyen" userId="f59fb8f3-a021-417a-8bc1-65c8d471c621" providerId="ADAL" clId="{AA9102B5-DACA-D841-B260-AEEBF90FC60A}" dt="2020-01-05T22:05:52.214" v="25" actId="2696"/>
-        <pc:sldMkLst>
-          <pc:docMk/>
-          <pc:sldMk cId="1816941262" sldId="295"/>
-        </pc:sldMkLst>
-      </pc:sldChg>
-      <pc:sldChg chg="del">
-        <pc:chgData name="Long B Nguyen" userId="f59fb8f3-a021-417a-8bc1-65c8d471c621" providerId="ADAL" clId="{AA9102B5-DACA-D841-B260-AEEBF90FC60A}" dt="2020-01-05T22:05:52.246" v="27" actId="2696"/>
-        <pc:sldMkLst>
-          <pc:docMk/>
-          <pc:sldMk cId="553003360" sldId="296"/>
-        </pc:sldMkLst>
-      </pc:sldChg>
-      <pc:sldChg chg="del">
-        <pc:chgData name="Long B Nguyen" userId="f59fb8f3-a021-417a-8bc1-65c8d471c621" providerId="ADAL" clId="{AA9102B5-DACA-D841-B260-AEEBF90FC60A}" dt="2020-01-05T22:05:52.268" v="28" actId="2696"/>
-        <pc:sldMkLst>
-          <pc:docMk/>
-          <pc:sldMk cId="3006175481" sldId="297"/>
-        </pc:sldMkLst>
-      </pc:sldChg>
-      <pc:sldChg chg="del">
-        <pc:chgData name="Long B Nguyen" userId="f59fb8f3-a021-417a-8bc1-65c8d471c621" providerId="ADAL" clId="{AA9102B5-DACA-D841-B260-AEEBF90FC60A}" dt="2020-01-05T22:05:52.287" v="29" actId="2696"/>
-        <pc:sldMkLst>
-          <pc:docMk/>
-          <pc:sldMk cId="3150557076" sldId="298"/>
-        </pc:sldMkLst>
-      </pc:sldChg>
-      <pc:sldChg chg="del">
-        <pc:chgData name="Long B Nguyen" userId="f59fb8f3-a021-417a-8bc1-65c8d471c621" providerId="ADAL" clId="{AA9102B5-DACA-D841-B260-AEEBF90FC60A}" dt="2020-01-05T22:05:52.442" v="38" actId="2696"/>
-        <pc:sldMkLst>
-          <pc:docMk/>
-          <pc:sldMk cId="128704095" sldId="302"/>
-        </pc:sldMkLst>
-      </pc:sldChg>
-      <pc:sldChg chg="del">
-        <pc:chgData name="Long B Nguyen" userId="f59fb8f3-a021-417a-8bc1-65c8d471c621" providerId="ADAL" clId="{AA9102B5-DACA-D841-B260-AEEBF90FC60A}" dt="2020-01-05T22:05:52.305" v="30" actId="2696"/>
-        <pc:sldMkLst>
-          <pc:docMk/>
-          <pc:sldMk cId="3275945509" sldId="303"/>
-        </pc:sldMkLst>
-      </pc:sldChg>
-      <pc:sldChg chg="del">
-        <pc:chgData name="Long B Nguyen" userId="f59fb8f3-a021-417a-8bc1-65c8d471c621" providerId="ADAL" clId="{AA9102B5-DACA-D841-B260-AEEBF90FC60A}" dt="2020-01-05T22:05:52.321" v="31" actId="2696"/>
-        <pc:sldMkLst>
-          <pc:docMk/>
-          <pc:sldMk cId="406772024" sldId="304"/>
-        </pc:sldMkLst>
-      </pc:sldChg>
-      <pc:sldChg chg="del">
-        <pc:chgData name="Long B Nguyen" userId="f59fb8f3-a021-417a-8bc1-65c8d471c621" providerId="ADAL" clId="{AA9102B5-DACA-D841-B260-AEEBF90FC60A}" dt="2020-01-05T22:05:52.334" v="32" actId="2696"/>
-        <pc:sldMkLst>
-          <pc:docMk/>
-          <pc:sldMk cId="1703902501" sldId="305"/>
-        </pc:sldMkLst>
-      </pc:sldChg>
-      <pc:sldChg chg="del">
-        <pc:chgData name="Long B Nguyen" userId="f59fb8f3-a021-417a-8bc1-65c8d471c621" providerId="ADAL" clId="{AA9102B5-DACA-D841-B260-AEEBF90FC60A}" dt="2020-01-05T22:05:52.461" v="39" actId="2696"/>
-        <pc:sldMkLst>
-          <pc:docMk/>
-          <pc:sldMk cId="3614829039" sldId="306"/>
-        </pc:sldMkLst>
-      </pc:sldChg>
-      <pc:sldChg chg="del">
-        <pc:chgData name="Long B Nguyen" userId="f59fb8f3-a021-417a-8bc1-65c8d471c621" providerId="ADAL" clId="{AA9102B5-DACA-D841-B260-AEEBF90FC60A}" dt="2020-01-05T22:05:52.471" v="40" actId="2696"/>
-        <pc:sldMkLst>
-          <pc:docMk/>
-          <pc:sldMk cId="295911327" sldId="307"/>
-        </pc:sldMkLst>
-      </pc:sldChg>
-      <pc:sldChg chg="del">
-        <pc:chgData name="Long B Nguyen" userId="f59fb8f3-a021-417a-8bc1-65c8d471c621" providerId="ADAL" clId="{AA9102B5-DACA-D841-B260-AEEBF90FC60A}" dt="2020-01-05T22:05:52.353" v="33" actId="2696"/>
-        <pc:sldMkLst>
-          <pc:docMk/>
-          <pc:sldMk cId="67957925" sldId="308"/>
-        </pc:sldMkLst>
-      </pc:sldChg>
-      <pc:sldChg chg="del">
-        <pc:chgData name="Long B Nguyen" userId="f59fb8f3-a021-417a-8bc1-65c8d471c621" providerId="ADAL" clId="{AA9102B5-DACA-D841-B260-AEEBF90FC60A}" dt="2020-01-05T22:05:52.365" v="34" actId="2696"/>
-        <pc:sldMkLst>
-          <pc:docMk/>
-          <pc:sldMk cId="1872435103" sldId="309"/>
-        </pc:sldMkLst>
-      </pc:sldChg>
-      <pc:sldChg chg="del">
-        <pc:chgData name="Long B Nguyen" userId="f59fb8f3-a021-417a-8bc1-65c8d471c621" providerId="ADAL" clId="{AA9102B5-DACA-D841-B260-AEEBF90FC60A}" dt="2020-01-05T22:05:52.385" v="35" actId="2696"/>
-        <pc:sldMkLst>
-          <pc:docMk/>
-          <pc:sldMk cId="4088965571" sldId="310"/>
-        </pc:sldMkLst>
-      </pc:sldChg>
-      <pc:sldChg chg="del">
-        <pc:chgData name="Long B Nguyen" userId="f59fb8f3-a021-417a-8bc1-65c8d471c621" providerId="ADAL" clId="{AA9102B5-DACA-D841-B260-AEEBF90FC60A}" dt="2020-01-05T22:05:52.404" v="36" actId="2696"/>
-        <pc:sldMkLst>
-          <pc:docMk/>
-          <pc:sldMk cId="2255846137" sldId="311"/>
-        </pc:sldMkLst>
-      </pc:sldChg>
-      <pc:sldChg chg="del">
-        <pc:chgData name="Long B Nguyen" userId="f59fb8f3-a021-417a-8bc1-65c8d471c621" providerId="ADAL" clId="{AA9102B5-DACA-D841-B260-AEEBF90FC60A}" dt="2020-01-05T22:05:52.423" v="37" actId="2696"/>
-        <pc:sldMkLst>
-          <pc:docMk/>
-          <pc:sldMk cId="1513627164" sldId="312"/>
-        </pc:sldMkLst>
-      </pc:sldChg>
-      <pc:sldChg chg="del">
-        <pc:chgData name="Long B Nguyen" userId="f59fb8f3-a021-417a-8bc1-65c8d471c621" providerId="ADAL" clId="{AA9102B5-DACA-D841-B260-AEEBF90FC60A}" dt="2020-01-05T22:05:52.231" v="26" actId="2696"/>
-        <pc:sldMkLst>
-          <pc:docMk/>
-          <pc:sldMk cId="2097059918" sldId="313"/>
-        </pc:sldMkLst>
-      </pc:sldChg>
-      <pc:sldChg chg="modSp">
-        <pc:chgData name="Long B Nguyen" userId="f59fb8f3-a021-417a-8bc1-65c8d471c621" providerId="ADAL" clId="{AA9102B5-DACA-D841-B260-AEEBF90FC60A}" dt="2020-01-06T15:37:30.346" v="948" actId="20577"/>
-        <pc:sldMkLst>
-          <pc:docMk/>
-          <pc:sldMk cId="1452600724" sldId="316"/>
-        </pc:sldMkLst>
-        <pc:spChg chg="mod">
-          <ac:chgData name="Long B Nguyen" userId="f59fb8f3-a021-417a-8bc1-65c8d471c621" providerId="ADAL" clId="{AA9102B5-DACA-D841-B260-AEEBF90FC60A}" dt="2020-01-06T15:37:30.346" v="948" actId="20577"/>
-          <ac:spMkLst>
-            <pc:docMk/>
-            <pc:sldMk cId="1452600724" sldId="316"/>
-            <ac:spMk id="9" creationId="{E3B2E017-30B2-884B-A113-B419A2ED51AD}"/>
-          </ac:spMkLst>
-        </pc:spChg>
-      </pc:sldChg>
-      <pc:sldChg chg="del">
-        <pc:chgData name="Long B Nguyen" userId="f59fb8f3-a021-417a-8bc1-65c8d471c621" providerId="ADAL" clId="{AA9102B5-DACA-D841-B260-AEEBF90FC60A}" dt="2020-01-06T15:03:11.354" v="848" actId="2696"/>
-        <pc:sldMkLst>
-          <pc:docMk/>
-          <pc:sldMk cId="1787114790" sldId="317"/>
-        </pc:sldMkLst>
-      </pc:sldChg>
-      <pc:sldChg chg="del">
-        <pc:chgData name="Long B Nguyen" userId="f59fb8f3-a021-417a-8bc1-65c8d471c621" providerId="ADAL" clId="{AA9102B5-DACA-D841-B260-AEEBF90FC60A}" dt="2020-01-05T22:06:12.101" v="42" actId="2696"/>
-        <pc:sldMkLst>
-          <pc:docMk/>
-          <pc:sldMk cId="1215229427" sldId="318"/>
-        </pc:sldMkLst>
-      </pc:sldChg>
-      <pc:sldChg chg="modSp">
-        <pc:chgData name="Long B Nguyen" userId="f59fb8f3-a021-417a-8bc1-65c8d471c621" providerId="ADAL" clId="{AA9102B5-DACA-D841-B260-AEEBF90FC60A}" dt="2020-01-06T01:48:03.413" v="110" actId="20577"/>
+    </pc:docChg>
+  </pc:docChgLst>
+  <pc:docChgLst>
+    <pc:chgData name="Long B Nguyen" userId="f59fb8f3-a021-417a-8bc1-65c8d471c621" providerId="ADAL" clId="{CC9C9D9A-5149-2947-86C0-576F501F60DC}"/>
+    <pc:docChg chg="addSld modSld">
+      <pc:chgData name="Long B Nguyen" userId="f59fb8f3-a021-417a-8bc1-65c8d471c621" providerId="ADAL" clId="{CC9C9D9A-5149-2947-86C0-576F501F60DC}" dt="2020-01-05T21:59:55.597" v="2392" actId="14100"/>
+      <pc:docMkLst>
+        <pc:docMk/>
+      </pc:docMkLst>
+      <pc:sldChg chg="modSp add modAnim">
+        <pc:chgData name="Long B Nguyen" userId="f59fb8f3-a021-417a-8bc1-65c8d471c621" providerId="ADAL" clId="{CC9C9D9A-5149-2947-86C0-576F501F60DC}" dt="2020-01-04T15:49:37.373" v="563" actId="20577"/>
         <pc:sldMkLst>
           <pc:docMk/>
           <pc:sldMk cId="924617162" sldId="319"/>
         </pc:sldMkLst>
         <pc:spChg chg="mod">
-          <ac:chgData name="Long B Nguyen" userId="f59fb8f3-a021-417a-8bc1-65c8d471c621" providerId="ADAL" clId="{AA9102B5-DACA-D841-B260-AEEBF90FC60A}" dt="2020-01-06T01:48:03.413" v="110" actId="20577"/>
+          <ac:chgData name="Long B Nguyen" userId="f59fb8f3-a021-417a-8bc1-65c8d471c621" providerId="ADAL" clId="{CC9C9D9A-5149-2947-86C0-576F501F60DC}" dt="2020-01-04T15:45:14.876" v="4" actId="20577"/>
+          <ac:spMkLst>
+            <pc:docMk/>
+            <pc:sldMk cId="924617162" sldId="319"/>
+            <ac:spMk id="2" creationId="{AA3A228F-61D0-D949-A5E7-F83756230BF8}"/>
+          </ac:spMkLst>
+        </pc:spChg>
+        <pc:spChg chg="mod">
+          <ac:chgData name="Long B Nguyen" userId="f59fb8f3-a021-417a-8bc1-65c8d471c621" providerId="ADAL" clId="{CC9C9D9A-5149-2947-86C0-576F501F60DC}" dt="2020-01-04T15:49:37.373" v="563" actId="20577"/>
           <ac:spMkLst>
             <pc:docMk/>
             <pc:sldMk cId="924617162" sldId="319"/>
@@ -638,14 +475,98 @@
           </ac:spMkLst>
         </pc:spChg>
       </pc:sldChg>
-      <pc:sldChg chg="modSp">
-        <pc:chgData name="Long B Nguyen" userId="f59fb8f3-a021-417a-8bc1-65c8d471c621" providerId="ADAL" clId="{AA9102B5-DACA-D841-B260-AEEBF90FC60A}" dt="2020-01-06T01:56:11.549" v="712" actId="1076"/>
+      <pc:sldChg chg="modSp add">
+        <pc:chgData name="Long B Nguyen" userId="f59fb8f3-a021-417a-8bc1-65c8d471c621" providerId="ADAL" clId="{CC9C9D9A-5149-2947-86C0-576F501F60DC}" dt="2020-01-04T15:57:55.835" v="789" actId="14100"/>
+        <pc:sldMkLst>
+          <pc:docMk/>
+          <pc:sldMk cId="3758830494" sldId="320"/>
+        </pc:sldMkLst>
+        <pc:spChg chg="mod">
+          <ac:chgData name="Long B Nguyen" userId="f59fb8f3-a021-417a-8bc1-65c8d471c621" providerId="ADAL" clId="{CC9C9D9A-5149-2947-86C0-576F501F60DC}" dt="2020-01-04T15:57:52.065" v="788" actId="1076"/>
+          <ac:spMkLst>
+            <pc:docMk/>
+            <pc:sldMk cId="3758830494" sldId="320"/>
+            <ac:spMk id="2" creationId="{AA3A228F-61D0-D949-A5E7-F83756230BF8}"/>
+          </ac:spMkLst>
+        </pc:spChg>
+        <pc:spChg chg="mod">
+          <ac:chgData name="Long B Nguyen" userId="f59fb8f3-a021-417a-8bc1-65c8d471c621" providerId="ADAL" clId="{CC9C9D9A-5149-2947-86C0-576F501F60DC}" dt="2020-01-04T15:57:55.835" v="789" actId="14100"/>
+          <ac:spMkLst>
+            <pc:docMk/>
+            <pc:sldMk cId="3758830494" sldId="320"/>
+            <ac:spMk id="9" creationId="{E3B2E017-30B2-884B-A113-B419A2ED51AD}"/>
+          </ac:spMkLst>
+        </pc:spChg>
+      </pc:sldChg>
+      <pc:sldChg chg="modSp add">
+        <pc:chgData name="Long B Nguyen" userId="f59fb8f3-a021-417a-8bc1-65c8d471c621" providerId="ADAL" clId="{CC9C9D9A-5149-2947-86C0-576F501F60DC}" dt="2020-01-05T21:51:37.442" v="2325" actId="20577"/>
+        <pc:sldMkLst>
+          <pc:docMk/>
+          <pc:sldMk cId="1022945305" sldId="321"/>
+        </pc:sldMkLst>
+        <pc:spChg chg="mod">
+          <ac:chgData name="Long B Nguyen" userId="f59fb8f3-a021-417a-8bc1-65c8d471c621" providerId="ADAL" clId="{CC9C9D9A-5149-2947-86C0-576F501F60DC}" dt="2020-01-05T21:51:37.442" v="2325" actId="20577"/>
+          <ac:spMkLst>
+            <pc:docMk/>
+            <pc:sldMk cId="1022945305" sldId="321"/>
+            <ac:spMk id="2" creationId="{AA3A228F-61D0-D949-A5E7-F83756230BF8}"/>
+          </ac:spMkLst>
+        </pc:spChg>
+        <pc:spChg chg="mod">
+          <ac:chgData name="Long B Nguyen" userId="f59fb8f3-a021-417a-8bc1-65c8d471c621" providerId="ADAL" clId="{CC9C9D9A-5149-2947-86C0-576F501F60DC}" dt="2020-01-05T21:33:21.485" v="2304" actId="20577"/>
+          <ac:spMkLst>
+            <pc:docMk/>
+            <pc:sldMk cId="1022945305" sldId="321"/>
+            <ac:spMk id="9" creationId="{E3B2E017-30B2-884B-A113-B419A2ED51AD}"/>
+          </ac:spMkLst>
+        </pc:spChg>
+      </pc:sldChg>
+      <pc:sldChg chg="modSp add">
+        <pc:chgData name="Long B Nguyen" userId="f59fb8f3-a021-417a-8bc1-65c8d471c621" providerId="ADAL" clId="{CC9C9D9A-5149-2947-86C0-576F501F60DC}" dt="2020-01-04T17:41:57.489" v="1203" actId="20577"/>
+        <pc:sldMkLst>
+          <pc:docMk/>
+          <pc:sldMk cId="3456840474" sldId="322"/>
+        </pc:sldMkLst>
+        <pc:spChg chg="mod">
+          <ac:chgData name="Long B Nguyen" userId="f59fb8f3-a021-417a-8bc1-65c8d471c621" providerId="ADAL" clId="{CC9C9D9A-5149-2947-86C0-576F501F60DC}" dt="2020-01-04T17:41:57.489" v="1203" actId="20577"/>
+          <ac:spMkLst>
+            <pc:docMk/>
+            <pc:sldMk cId="3456840474" sldId="322"/>
+            <ac:spMk id="9" creationId="{E3B2E017-30B2-884B-A113-B419A2ED51AD}"/>
+          </ac:spMkLst>
+        </pc:spChg>
+      </pc:sldChg>
+      <pc:sldChg chg="modSp add">
+        <pc:chgData name="Long B Nguyen" userId="f59fb8f3-a021-417a-8bc1-65c8d471c621" providerId="ADAL" clId="{CC9C9D9A-5149-2947-86C0-576F501F60DC}" dt="2020-01-04T18:38:26.241" v="1214" actId="113"/>
+        <pc:sldMkLst>
+          <pc:docMk/>
+          <pc:sldMk cId="1062075874" sldId="323"/>
+        </pc:sldMkLst>
+        <pc:spChg chg="mod">
+          <ac:chgData name="Long B Nguyen" userId="f59fb8f3-a021-417a-8bc1-65c8d471c621" providerId="ADAL" clId="{CC9C9D9A-5149-2947-86C0-576F501F60DC}" dt="2020-01-04T18:38:26.241" v="1214" actId="113"/>
+          <ac:spMkLst>
+            <pc:docMk/>
+            <pc:sldMk cId="1062075874" sldId="323"/>
+            <ac:spMk id="9" creationId="{E3B2E017-30B2-884B-A113-B419A2ED51AD}"/>
+          </ac:spMkLst>
+        </pc:spChg>
+      </pc:sldChg>
+      <pc:sldChg chg="modSp add">
+        <pc:chgData name="Long B Nguyen" userId="f59fb8f3-a021-417a-8bc1-65c8d471c621" providerId="ADAL" clId="{CC9C9D9A-5149-2947-86C0-576F501F60DC}" dt="2020-01-04T20:58:36.932" v="1972" actId="20577"/>
         <pc:sldMkLst>
           <pc:docMk/>
           <pc:sldMk cId="1310010799" sldId="324"/>
         </pc:sldMkLst>
         <pc:spChg chg="mod">
-          <ac:chgData name="Long B Nguyen" userId="f59fb8f3-a021-417a-8bc1-65c8d471c621" providerId="ADAL" clId="{AA9102B5-DACA-D841-B260-AEEBF90FC60A}" dt="2020-01-06T01:56:11.549" v="712" actId="1076"/>
+          <ac:chgData name="Long B Nguyen" userId="f59fb8f3-a021-417a-8bc1-65c8d471c621" providerId="ADAL" clId="{CC9C9D9A-5149-2947-86C0-576F501F60DC}" dt="2020-01-04T20:55:25.731" v="1962" actId="1076"/>
+          <ac:spMkLst>
+            <pc:docMk/>
+            <pc:sldMk cId="1310010799" sldId="324"/>
+            <ac:spMk id="2" creationId="{AA3A228F-61D0-D949-A5E7-F83756230BF8}"/>
+          </ac:spMkLst>
+        </pc:spChg>
+        <pc:spChg chg="mod">
+          <ac:chgData name="Long B Nguyen" userId="f59fb8f3-a021-417a-8bc1-65c8d471c621" providerId="ADAL" clId="{CC9C9D9A-5149-2947-86C0-576F501F60DC}" dt="2020-01-04T20:58:36.932" v="1972" actId="20577"/>
           <ac:spMkLst>
             <pc:docMk/>
             <pc:sldMk cId="1310010799" sldId="324"/>
@@ -653,14 +574,14 @@
           </ac:spMkLst>
         </pc:spChg>
       </pc:sldChg>
-      <pc:sldChg chg="modSp">
-        <pc:chgData name="Long B Nguyen" userId="f59fb8f3-a021-417a-8bc1-65c8d471c621" providerId="ADAL" clId="{AA9102B5-DACA-D841-B260-AEEBF90FC60A}" dt="2020-01-06T15:35:11.658" v="853" actId="20577"/>
+      <pc:sldChg chg="modSp add">
+        <pc:chgData name="Long B Nguyen" userId="f59fb8f3-a021-417a-8bc1-65c8d471c621" providerId="ADAL" clId="{CC9C9D9A-5149-2947-86C0-576F501F60DC}" dt="2020-01-05T21:27:04.952" v="2119" actId="20577"/>
         <pc:sldMkLst>
           <pc:docMk/>
           <pc:sldMk cId="3314372952" sldId="325"/>
         </pc:sldMkLst>
         <pc:spChg chg="mod">
-          <ac:chgData name="Long B Nguyen" userId="f59fb8f3-a021-417a-8bc1-65c8d471c621" providerId="ADAL" clId="{AA9102B5-DACA-D841-B260-AEEBF90FC60A}" dt="2020-01-06T15:35:11.658" v="853" actId="20577"/>
+          <ac:chgData name="Long B Nguyen" userId="f59fb8f3-a021-417a-8bc1-65c8d471c621" providerId="ADAL" clId="{CC9C9D9A-5149-2947-86C0-576F501F60DC}" dt="2020-01-05T21:26:41.210" v="2114" actId="20577"/>
           <ac:spMkLst>
             <pc:docMk/>
             <pc:sldMk cId="3314372952" sldId="325"/>
@@ -668,7 +589,7 @@
           </ac:spMkLst>
         </pc:spChg>
         <pc:spChg chg="mod">
-          <ac:chgData name="Long B Nguyen" userId="f59fb8f3-a021-417a-8bc1-65c8d471c621" providerId="ADAL" clId="{AA9102B5-DACA-D841-B260-AEEBF90FC60A}" dt="2020-01-06T15:02:45.351" v="846" actId="20577"/>
+          <ac:chgData name="Long B Nguyen" userId="f59fb8f3-a021-417a-8bc1-65c8d471c621" providerId="ADAL" clId="{CC9C9D9A-5149-2947-86C0-576F501F60DC}" dt="2020-01-05T21:27:04.952" v="2119" actId="20577"/>
           <ac:spMkLst>
             <pc:docMk/>
             <pc:sldMk cId="3314372952" sldId="325"/>
@@ -676,518 +597,70 @@
           </ac:spMkLst>
         </pc:spChg>
       </pc:sldChg>
-      <pc:sldChg chg="del">
-        <pc:chgData name="Long B Nguyen" userId="f59fb8f3-a021-417a-8bc1-65c8d471c621" providerId="ADAL" clId="{AA9102B5-DACA-D841-B260-AEEBF90FC60A}" dt="2020-01-06T15:03:07.580" v="847" actId="2696"/>
+      <pc:sldChg chg="modSp add">
+        <pc:chgData name="Long B Nguyen" userId="f59fb8f3-a021-417a-8bc1-65c8d471c621" providerId="ADAL" clId="{CC9C9D9A-5149-2947-86C0-576F501F60DC}" dt="2020-01-05T21:29:58.563" v="2178" actId="20577"/>
         <pc:sldMkLst>
           <pc:docMk/>
           <pc:sldMk cId="3117943122" sldId="326"/>
         </pc:sldMkLst>
-      </pc:sldChg>
-      <pc:sldChg chg="del">
-        <pc:chgData name="Long B Nguyen" userId="f59fb8f3-a021-417a-8bc1-65c8d471c621" providerId="ADAL" clId="{AA9102B5-DACA-D841-B260-AEEBF90FC60A}" dt="2020-01-06T01:49:27.456" v="111" actId="2696"/>
-        <pc:sldMkLst>
-          <pc:docMk/>
-          <pc:sldMk cId="1025618360" sldId="327"/>
-        </pc:sldMkLst>
-      </pc:sldChg>
-      <pc:sldChg chg="modSp add">
-        <pc:chgData name="Long B Nguyen" userId="f59fb8f3-a021-417a-8bc1-65c8d471c621" providerId="ADAL" clId="{AA9102B5-DACA-D841-B260-AEEBF90FC60A}" dt="2020-01-06T15:00:48.763" v="818" actId="113"/>
-        <pc:sldMkLst>
-          <pc:docMk/>
-          <pc:sldMk cId="1724104636" sldId="327"/>
-        </pc:sldMkLst>
         <pc:spChg chg="mod">
-          <ac:chgData name="Long B Nguyen" userId="f59fb8f3-a021-417a-8bc1-65c8d471c621" providerId="ADAL" clId="{AA9102B5-DACA-D841-B260-AEEBF90FC60A}" dt="2020-01-06T15:00:48.763" v="818" actId="113"/>
+          <ac:chgData name="Long B Nguyen" userId="f59fb8f3-a021-417a-8bc1-65c8d471c621" providerId="ADAL" clId="{CC9C9D9A-5149-2947-86C0-576F501F60DC}" dt="2020-01-05T21:29:58.563" v="2178" actId="20577"/>
           <ac:spMkLst>
             <pc:docMk/>
-            <pc:sldMk cId="1724104636" sldId="327"/>
-            <ac:spMk id="9" creationId="{E3B2E017-30B2-884B-A113-B419A2ED51AD}"/>
-          </ac:spMkLst>
-        </pc:spChg>
-      </pc:sldChg>
-      <pc:sldChg chg="modSp">
-        <pc:chgData name="Long B Nguyen" userId="f59fb8f3-a021-417a-8bc1-65c8d471c621" providerId="ADAL" clId="{AA9102B5-DACA-D841-B260-AEEBF90FC60A}" dt="2020-01-06T01:55:34.369" v="708" actId="20577"/>
-        <pc:sldMkLst>
-          <pc:docMk/>
-          <pc:sldMk cId="4294143140" sldId="329"/>
-        </pc:sldMkLst>
-        <pc:spChg chg="mod">
-          <ac:chgData name="Long B Nguyen" userId="f59fb8f3-a021-417a-8bc1-65c8d471c621" providerId="ADAL" clId="{AA9102B5-DACA-D841-B260-AEEBF90FC60A}" dt="2020-01-06T01:55:34.369" v="708" actId="20577"/>
-          <ac:spMkLst>
-            <pc:docMk/>
-            <pc:sldMk cId="4294143140" sldId="329"/>
+            <pc:sldMk cId="3117943122" sldId="326"/>
             <ac:spMk id="9" creationId="{E3B2E017-30B2-884B-A113-B419A2ED51AD}"/>
           </ac:spMkLst>
         </pc:spChg>
       </pc:sldChg>
       <pc:sldChg chg="modSp add">
-        <pc:chgData name="Long B Nguyen" userId="f59fb8f3-a021-417a-8bc1-65c8d471c621" providerId="ADAL" clId="{AA9102B5-DACA-D841-B260-AEEBF90FC60A}" dt="2020-01-06T15:01:01.638" v="819" actId="2711"/>
+        <pc:chgData name="Long B Nguyen" userId="f59fb8f3-a021-417a-8bc1-65c8d471c621" providerId="ADAL" clId="{CC9C9D9A-5149-2947-86C0-576F501F60DC}" dt="2020-01-05T21:59:55.597" v="2392" actId="14100"/>
         <pc:sldMkLst>
           <pc:docMk/>
-          <pc:sldMk cId="3594730708" sldId="330"/>
+          <pc:sldMk cId="1025618360" sldId="327"/>
         </pc:sldMkLst>
         <pc:spChg chg="mod">
-          <ac:chgData name="Long B Nguyen" userId="f59fb8f3-a021-417a-8bc1-65c8d471c621" providerId="ADAL" clId="{AA9102B5-DACA-D841-B260-AEEBF90FC60A}" dt="2020-01-06T15:01:01.638" v="819" actId="2711"/>
+          <ac:chgData name="Long B Nguyen" userId="f59fb8f3-a021-417a-8bc1-65c8d471c621" providerId="ADAL" clId="{CC9C9D9A-5149-2947-86C0-576F501F60DC}" dt="2020-01-05T21:59:55.597" v="2392" actId="14100"/>
           <ac:spMkLst>
             <pc:docMk/>
-            <pc:sldMk cId="3594730708" sldId="330"/>
+            <pc:sldMk cId="1025618360" sldId="327"/>
             <ac:spMk id="9" creationId="{E3B2E017-30B2-884B-A113-B419A2ED51AD}"/>
           </ac:spMkLst>
         </pc:spChg>
       </pc:sldChg>
       <pc:sldChg chg="modSp add">
-        <pc:chgData name="Long B Nguyen" userId="f59fb8f3-a021-417a-8bc1-65c8d471c621" providerId="ADAL" clId="{AA9102B5-DACA-D841-B260-AEEBF90FC60A}" dt="2020-01-06T02:00:17.493" v="815" actId="255"/>
+        <pc:chgData name="Long B Nguyen" userId="f59fb8f3-a021-417a-8bc1-65c8d471c621" providerId="ADAL" clId="{CC9C9D9A-5149-2947-86C0-576F501F60DC}" dt="2020-01-05T21:54:47.081" v="2356" actId="2711"/>
         <pc:sldMkLst>
           <pc:docMk/>
-          <pc:sldMk cId="3870816631" sldId="331"/>
+          <pc:sldMk cId="3894299887" sldId="328"/>
         </pc:sldMkLst>
         <pc:spChg chg="mod">
-          <ac:chgData name="Long B Nguyen" userId="f59fb8f3-a021-417a-8bc1-65c8d471c621" providerId="ADAL" clId="{AA9102B5-DACA-D841-B260-AEEBF90FC60A}" dt="2020-01-06T02:00:17.493" v="815" actId="255"/>
+          <ac:chgData name="Long B Nguyen" userId="f59fb8f3-a021-417a-8bc1-65c8d471c621" providerId="ADAL" clId="{CC9C9D9A-5149-2947-86C0-576F501F60DC}" dt="2020-01-05T21:51:41.306" v="2327" actId="20577"/>
           <ac:spMkLst>
             <pc:docMk/>
-            <pc:sldMk cId="3870816631" sldId="331"/>
+            <pc:sldMk cId="3894299887" sldId="328"/>
+            <ac:spMk id="2" creationId="{AA3A228F-61D0-D949-A5E7-F83756230BF8}"/>
+          </ac:spMkLst>
+        </pc:spChg>
+        <pc:spChg chg="mod">
+          <ac:chgData name="Long B Nguyen" userId="f59fb8f3-a021-417a-8bc1-65c8d471c621" providerId="ADAL" clId="{CC9C9D9A-5149-2947-86C0-576F501F60DC}" dt="2020-01-05T21:54:47.081" v="2356" actId="2711"/>
+          <ac:spMkLst>
+            <pc:docMk/>
+            <pc:sldMk cId="3894299887" sldId="328"/>
             <ac:spMk id="9" creationId="{E3B2E017-30B2-884B-A113-B419A2ED51AD}"/>
           </ac:spMkLst>
         </pc:spChg>
       </pc:sldChg>
-      <pc:sldChg chg="modSp add">
-        <pc:chgData name="Long B Nguyen" userId="f59fb8f3-a021-417a-8bc1-65c8d471c621" providerId="ADAL" clId="{AA9102B5-DACA-D841-B260-AEEBF90FC60A}" dt="2020-01-06T17:07:10.515" v="1519" actId="2711"/>
+      <pc:sldChg chg="add">
+        <pc:chgData name="Long B Nguyen" userId="f59fb8f3-a021-417a-8bc1-65c8d471c621" providerId="ADAL" clId="{CC9C9D9A-5149-2947-86C0-576F501F60DC}" dt="2020-01-05T21:57:38.736" v="2357"/>
         <pc:sldMkLst>
           <pc:docMk/>
-          <pc:sldMk cId="3124353102" sldId="332"/>
+          <pc:sldMk cId="4294143140" sldId="329"/>
         </pc:sldMkLst>
-        <pc:spChg chg="mod">
-          <ac:chgData name="Long B Nguyen" userId="f59fb8f3-a021-417a-8bc1-65c8d471c621" providerId="ADAL" clId="{AA9102B5-DACA-D841-B260-AEEBF90FC60A}" dt="2020-01-06T17:03:36.721" v="1332" actId="20577"/>
-          <ac:spMkLst>
-            <pc:docMk/>
-            <pc:sldMk cId="3124353102" sldId="332"/>
-            <ac:spMk id="2" creationId="{AA3A228F-61D0-D949-A5E7-F83756230BF8}"/>
-          </ac:spMkLst>
-        </pc:spChg>
-        <pc:spChg chg="mod">
-          <ac:chgData name="Long B Nguyen" userId="f59fb8f3-a021-417a-8bc1-65c8d471c621" providerId="ADAL" clId="{AA9102B5-DACA-D841-B260-AEEBF90FC60A}" dt="2020-01-06T17:07:10.515" v="1519" actId="2711"/>
-          <ac:spMkLst>
-            <pc:docMk/>
-            <pc:sldMk cId="3124353102" sldId="332"/>
-            <ac:spMk id="9" creationId="{E3B2E017-30B2-884B-A113-B419A2ED51AD}"/>
-          </ac:spMkLst>
-        </pc:spChg>
       </pc:sldChg>
     </pc:docChg>
   </pc:docChgLst>
   <pc:docChgLst>
     <pc:chgData name="Long B Nguyen" userId="f59fb8f3-a021-417a-8bc1-65c8d471c621" providerId="ADAL" clId="{359527BD-9D28-FA41-9B76-D4C412CACD55}"/>
-  </pc:docChgLst>
-  <pc:docChgLst>
-    <pc:chgData name="Long B Nguyen" userId="f59fb8f3-a021-417a-8bc1-65c8d471c621" providerId="ADAL" clId="{6AC26564-89E3-E046-BFB4-F80582D7E17B}"/>
-    <pc:docChg chg="custSel addSld delSld modSld">
-      <pc:chgData name="Long B Nguyen" userId="f59fb8f3-a021-417a-8bc1-65c8d471c621" providerId="ADAL" clId="{6AC26564-89E3-E046-BFB4-F80582D7E17B}" dt="2020-01-13T13:46:56.810" v="92" actId="2696"/>
-      <pc:docMkLst>
-        <pc:docMk/>
-      </pc:docMkLst>
-      <pc:sldChg chg="modSp">
-        <pc:chgData name="Long B Nguyen" userId="f59fb8f3-a021-417a-8bc1-65c8d471c621" providerId="ADAL" clId="{6AC26564-89E3-E046-BFB4-F80582D7E17B}" dt="2020-01-13T13:44:20.464" v="85" actId="20577"/>
-        <pc:sldMkLst>
-          <pc:docMk/>
-          <pc:sldMk cId="4247104139" sldId="256"/>
-        </pc:sldMkLst>
-        <pc:spChg chg="mod">
-          <ac:chgData name="Long B Nguyen" userId="f59fb8f3-a021-417a-8bc1-65c8d471c621" providerId="ADAL" clId="{6AC26564-89E3-E046-BFB4-F80582D7E17B}" dt="2020-01-13T13:43:45.441" v="40" actId="20577"/>
-          <ac:spMkLst>
-            <pc:docMk/>
-            <pc:sldMk cId="4247104139" sldId="256"/>
-            <ac:spMk id="2" creationId="{6117A749-B1BA-E24B-8FB0-0604EF651FB3}"/>
-          </ac:spMkLst>
-        </pc:spChg>
-        <pc:spChg chg="mod">
-          <ac:chgData name="Long B Nguyen" userId="f59fb8f3-a021-417a-8bc1-65c8d471c621" providerId="ADAL" clId="{6AC26564-89E3-E046-BFB4-F80582D7E17B}" dt="2020-01-13T13:44:20.464" v="85" actId="20577"/>
-          <ac:spMkLst>
-            <pc:docMk/>
-            <pc:sldMk cId="4247104139" sldId="256"/>
-            <ac:spMk id="3" creationId="{1BDC47C8-6776-7B44-9CD4-95FC91452D62}"/>
-          </ac:spMkLst>
-        </pc:spChg>
-      </pc:sldChg>
-      <pc:sldChg chg="add del">
-        <pc:chgData name="Long B Nguyen" userId="f59fb8f3-a021-417a-8bc1-65c8d471c621" providerId="ADAL" clId="{6AC26564-89E3-E046-BFB4-F80582D7E17B}" dt="2020-01-13T13:46:54.924" v="89" actId="2696"/>
-        <pc:sldMkLst>
-          <pc:docMk/>
-          <pc:sldMk cId="2869331202" sldId="257"/>
-        </pc:sldMkLst>
-      </pc:sldChg>
-      <pc:sldChg chg="add">
-        <pc:chgData name="Long B Nguyen" userId="f59fb8f3-a021-417a-8bc1-65c8d471c621" providerId="ADAL" clId="{6AC26564-89E3-E046-BFB4-F80582D7E17B}" dt="2020-01-13T13:43:29.420" v="22"/>
-        <pc:sldMkLst>
-          <pc:docMk/>
-          <pc:sldMk cId="1758448129" sldId="309"/>
-        </pc:sldMkLst>
-      </pc:sldChg>
-      <pc:sldChg chg="modSp add del">
-        <pc:chgData name="Long B Nguyen" userId="f59fb8f3-a021-417a-8bc1-65c8d471c621" providerId="ADAL" clId="{6AC26564-89E3-E046-BFB4-F80582D7E17B}" dt="2020-01-13T13:46:55.484" v="90" actId="2696"/>
-        <pc:sldMkLst>
-          <pc:docMk/>
-          <pc:sldMk cId="174202529" sldId="310"/>
-        </pc:sldMkLst>
-        <pc:spChg chg="mod">
-          <ac:chgData name="Long B Nguyen" userId="f59fb8f3-a021-417a-8bc1-65c8d471c621" providerId="ADAL" clId="{6AC26564-89E3-E046-BFB4-F80582D7E17B}" dt="2020-01-13T13:44:35.816" v="86" actId="20577"/>
-          <ac:spMkLst>
-            <pc:docMk/>
-            <pc:sldMk cId="174202529" sldId="310"/>
-            <ac:spMk id="18434" creationId="{72F3E48A-CDFA-CE46-B991-D35BF55EC8E6}"/>
-          </ac:spMkLst>
-        </pc:spChg>
-      </pc:sldChg>
-      <pc:sldChg chg="add del">
-        <pc:chgData name="Long B Nguyen" userId="f59fb8f3-a021-417a-8bc1-65c8d471c621" providerId="ADAL" clId="{6AC26564-89E3-E046-BFB4-F80582D7E17B}" dt="2020-01-13T13:46:56.092" v="91" actId="2696"/>
-        <pc:sldMkLst>
-          <pc:docMk/>
-          <pc:sldMk cId="1098579697" sldId="311"/>
-        </pc:sldMkLst>
-      </pc:sldChg>
-      <pc:sldChg chg="add del">
-        <pc:chgData name="Long B Nguyen" userId="f59fb8f3-a021-417a-8bc1-65c8d471c621" providerId="ADAL" clId="{6AC26564-89E3-E046-BFB4-F80582D7E17B}" dt="2020-01-13T13:46:56.810" v="92" actId="2696"/>
-        <pc:sldMkLst>
-          <pc:docMk/>
-          <pc:sldMk cId="585175195" sldId="312"/>
-        </pc:sldMkLst>
-      </pc:sldChg>
-      <pc:sldChg chg="add">
-        <pc:chgData name="Long B Nguyen" userId="f59fb8f3-a021-417a-8bc1-65c8d471c621" providerId="ADAL" clId="{6AC26564-89E3-E046-BFB4-F80582D7E17B}" dt="2020-01-13T13:43:29.420" v="22"/>
-        <pc:sldMkLst>
-          <pc:docMk/>
-          <pc:sldMk cId="3947558204" sldId="313"/>
-        </pc:sldMkLst>
-      </pc:sldChg>
-      <pc:sldChg chg="add">
-        <pc:chgData name="Long B Nguyen" userId="f59fb8f3-a021-417a-8bc1-65c8d471c621" providerId="ADAL" clId="{6AC26564-89E3-E046-BFB4-F80582D7E17B}" dt="2020-01-13T13:43:29.420" v="22"/>
-        <pc:sldMkLst>
-          <pc:docMk/>
-          <pc:sldMk cId="2054265466" sldId="314"/>
-        </pc:sldMkLst>
-      </pc:sldChg>
-      <pc:sldChg chg="add">
-        <pc:chgData name="Long B Nguyen" userId="f59fb8f3-a021-417a-8bc1-65c8d471c621" providerId="ADAL" clId="{6AC26564-89E3-E046-BFB4-F80582D7E17B}" dt="2020-01-13T13:43:29.420" v="22"/>
-        <pc:sldMkLst>
-          <pc:docMk/>
-          <pc:sldMk cId="917461937" sldId="315"/>
-        </pc:sldMkLst>
-      </pc:sldChg>
-      <pc:sldChg chg="del">
-        <pc:chgData name="Long B Nguyen" userId="f59fb8f3-a021-417a-8bc1-65c8d471c621" providerId="ADAL" clId="{6AC26564-89E3-E046-BFB4-F80582D7E17B}" dt="2020-01-13T13:43:17.195" v="13" actId="2696"/>
-        <pc:sldMkLst>
-          <pc:docMk/>
-          <pc:sldMk cId="1452600724" sldId="316"/>
-        </pc:sldMkLst>
-      </pc:sldChg>
-      <pc:sldChg chg="add">
-        <pc:chgData name="Long B Nguyen" userId="f59fb8f3-a021-417a-8bc1-65c8d471c621" providerId="ADAL" clId="{6AC26564-89E3-E046-BFB4-F80582D7E17B}" dt="2020-01-13T13:43:29.420" v="22"/>
-        <pc:sldMkLst>
-          <pc:docMk/>
-          <pc:sldMk cId="3266234076" sldId="316"/>
-        </pc:sldMkLst>
-      </pc:sldChg>
-      <pc:sldChg chg="add">
-        <pc:chgData name="Long B Nguyen" userId="f59fb8f3-a021-417a-8bc1-65c8d471c621" providerId="ADAL" clId="{6AC26564-89E3-E046-BFB4-F80582D7E17B}" dt="2020-01-13T13:43:29.420" v="22"/>
-        <pc:sldMkLst>
-          <pc:docMk/>
-          <pc:sldMk cId="2886319738" sldId="317"/>
-        </pc:sldMkLst>
-      </pc:sldChg>
-      <pc:sldChg chg="del">
-        <pc:chgData name="Long B Nguyen" userId="f59fb8f3-a021-417a-8bc1-65c8d471c621" providerId="ADAL" clId="{6AC26564-89E3-E046-BFB4-F80582D7E17B}" dt="2020-01-13T13:43:16.993" v="0" actId="2696"/>
-        <pc:sldMkLst>
-          <pc:docMk/>
-          <pc:sldMk cId="924617162" sldId="319"/>
-        </pc:sldMkLst>
-      </pc:sldChg>
-      <pc:sldChg chg="add">
-        <pc:chgData name="Long B Nguyen" userId="f59fb8f3-a021-417a-8bc1-65c8d471c621" providerId="ADAL" clId="{6AC26564-89E3-E046-BFB4-F80582D7E17B}" dt="2020-01-13T13:43:29.420" v="22"/>
-        <pc:sldMkLst>
-          <pc:docMk/>
-          <pc:sldMk cId="3906700287" sldId="319"/>
-        </pc:sldMkLst>
-      </pc:sldChg>
-      <pc:sldChg chg="add">
-        <pc:chgData name="Long B Nguyen" userId="f59fb8f3-a021-417a-8bc1-65c8d471c621" providerId="ADAL" clId="{6AC26564-89E3-E046-BFB4-F80582D7E17B}" dt="2020-01-13T13:43:29.420" v="22"/>
-        <pc:sldMkLst>
-          <pc:docMk/>
-          <pc:sldMk cId="1810541734" sldId="320"/>
-        </pc:sldMkLst>
-      </pc:sldChg>
-      <pc:sldChg chg="del">
-        <pc:chgData name="Long B Nguyen" userId="f59fb8f3-a021-417a-8bc1-65c8d471c621" providerId="ADAL" clId="{6AC26564-89E3-E046-BFB4-F80582D7E17B}" dt="2020-01-13T13:43:17.009" v="1" actId="2696"/>
-        <pc:sldMkLst>
-          <pc:docMk/>
-          <pc:sldMk cId="3758830494" sldId="320"/>
-        </pc:sldMkLst>
-      </pc:sldChg>
-      <pc:sldChg chg="del">
-        <pc:chgData name="Long B Nguyen" userId="f59fb8f3-a021-417a-8bc1-65c8d471c621" providerId="ADAL" clId="{6AC26564-89E3-E046-BFB4-F80582D7E17B}" dt="2020-01-13T13:43:17.029" v="2" actId="2696"/>
-        <pc:sldMkLst>
-          <pc:docMk/>
-          <pc:sldMk cId="1022945305" sldId="321"/>
-        </pc:sldMkLst>
-      </pc:sldChg>
-      <pc:sldChg chg="add">
-        <pc:chgData name="Long B Nguyen" userId="f59fb8f3-a021-417a-8bc1-65c8d471c621" providerId="ADAL" clId="{6AC26564-89E3-E046-BFB4-F80582D7E17B}" dt="2020-01-13T13:43:29.420" v="22"/>
-        <pc:sldMkLst>
-          <pc:docMk/>
-          <pc:sldMk cId="1359731776" sldId="321"/>
-        </pc:sldMkLst>
-      </pc:sldChg>
-      <pc:sldChg chg="del">
-        <pc:chgData name="Long B Nguyen" userId="f59fb8f3-a021-417a-8bc1-65c8d471c621" providerId="ADAL" clId="{6AC26564-89E3-E046-BFB4-F80582D7E17B}" dt="2020-01-13T13:43:17.080" v="5" actId="2696"/>
-        <pc:sldMkLst>
-          <pc:docMk/>
-          <pc:sldMk cId="3456840474" sldId="322"/>
-        </pc:sldMkLst>
-      </pc:sldChg>
-      <pc:sldChg chg="add">
-        <pc:chgData name="Long B Nguyen" userId="f59fb8f3-a021-417a-8bc1-65c8d471c621" providerId="ADAL" clId="{6AC26564-89E3-E046-BFB4-F80582D7E17B}" dt="2020-01-13T13:43:29.420" v="22"/>
-        <pc:sldMkLst>
-          <pc:docMk/>
-          <pc:sldMk cId="3651577480" sldId="322"/>
-        </pc:sldMkLst>
-      </pc:sldChg>
-      <pc:sldChg chg="del">
-        <pc:chgData name="Long B Nguyen" userId="f59fb8f3-a021-417a-8bc1-65c8d471c621" providerId="ADAL" clId="{6AC26564-89E3-E046-BFB4-F80582D7E17B}" dt="2020-01-13T13:43:17.097" v="6" actId="2696"/>
-        <pc:sldMkLst>
-          <pc:docMk/>
-          <pc:sldMk cId="1062075874" sldId="323"/>
-        </pc:sldMkLst>
-      </pc:sldChg>
-      <pc:sldChg chg="add">
-        <pc:chgData name="Long B Nguyen" userId="f59fb8f3-a021-417a-8bc1-65c8d471c621" providerId="ADAL" clId="{6AC26564-89E3-E046-BFB4-F80582D7E17B}" dt="2020-01-13T13:43:29.420" v="22"/>
-        <pc:sldMkLst>
-          <pc:docMk/>
-          <pc:sldMk cId="1496564367" sldId="323"/>
-        </pc:sldMkLst>
-      </pc:sldChg>
-      <pc:sldChg chg="add">
-        <pc:chgData name="Long B Nguyen" userId="f59fb8f3-a021-417a-8bc1-65c8d471c621" providerId="ADAL" clId="{6AC26564-89E3-E046-BFB4-F80582D7E17B}" dt="2020-01-13T13:46:19.952" v="88"/>
-        <pc:sldMkLst>
-          <pc:docMk/>
-          <pc:sldMk cId="771866096" sldId="324"/>
-        </pc:sldMkLst>
-      </pc:sldChg>
-      <pc:sldChg chg="del">
-        <pc:chgData name="Long B Nguyen" userId="f59fb8f3-a021-417a-8bc1-65c8d471c621" providerId="ADAL" clId="{6AC26564-89E3-E046-BFB4-F80582D7E17B}" dt="2020-01-13T13:43:17.152" v="9" actId="2696"/>
-        <pc:sldMkLst>
-          <pc:docMk/>
-          <pc:sldMk cId="1310010799" sldId="324"/>
-        </pc:sldMkLst>
-      </pc:sldChg>
-      <pc:sldChg chg="add del">
-        <pc:chgData name="Long B Nguyen" userId="f59fb8f3-a021-417a-8bc1-65c8d471c621" providerId="ADAL" clId="{6AC26564-89E3-E046-BFB4-F80582D7E17B}" dt="2020-01-13T13:46:07.690" v="87" actId="2696"/>
-        <pc:sldMkLst>
-          <pc:docMk/>
-          <pc:sldMk cId="3999804732" sldId="324"/>
-        </pc:sldMkLst>
-      </pc:sldChg>
-      <pc:sldChg chg="add">
-        <pc:chgData name="Long B Nguyen" userId="f59fb8f3-a021-417a-8bc1-65c8d471c621" providerId="ADAL" clId="{6AC26564-89E3-E046-BFB4-F80582D7E17B}" dt="2020-01-13T13:43:29.420" v="22"/>
-        <pc:sldMkLst>
-          <pc:docMk/>
-          <pc:sldMk cId="1025355635" sldId="325"/>
-        </pc:sldMkLst>
-      </pc:sldChg>
-      <pc:sldChg chg="del">
-        <pc:chgData name="Long B Nguyen" userId="f59fb8f3-a021-417a-8bc1-65c8d471c621" providerId="ADAL" clId="{6AC26564-89E3-E046-BFB4-F80582D7E17B}" dt="2020-01-13T13:43:17.177" v="11" actId="2696"/>
-        <pc:sldMkLst>
-          <pc:docMk/>
-          <pc:sldMk cId="3314372952" sldId="325"/>
-        </pc:sldMkLst>
-      </pc:sldChg>
-      <pc:sldChg chg="del">
-        <pc:chgData name="Long B Nguyen" userId="f59fb8f3-a021-417a-8bc1-65c8d471c621" providerId="ADAL" clId="{6AC26564-89E3-E046-BFB4-F80582D7E17B}" dt="2020-01-13T13:43:17.116" v="7" actId="2696"/>
-        <pc:sldMkLst>
-          <pc:docMk/>
-          <pc:sldMk cId="1724104636" sldId="327"/>
-        </pc:sldMkLst>
-      </pc:sldChg>
-      <pc:sldChg chg="add">
-        <pc:chgData name="Long B Nguyen" userId="f59fb8f3-a021-417a-8bc1-65c8d471c621" providerId="ADAL" clId="{6AC26564-89E3-E046-BFB4-F80582D7E17B}" dt="2020-01-13T13:43:29.420" v="22"/>
-        <pc:sldMkLst>
-          <pc:docMk/>
-          <pc:sldMk cId="4174920299" sldId="327"/>
-        </pc:sldMkLst>
-      </pc:sldChg>
-      <pc:sldChg chg="add">
-        <pc:chgData name="Long B Nguyen" userId="f59fb8f3-a021-417a-8bc1-65c8d471c621" providerId="ADAL" clId="{6AC26564-89E3-E046-BFB4-F80582D7E17B}" dt="2020-01-13T13:43:29.420" v="22"/>
-        <pc:sldMkLst>
-          <pc:docMk/>
-          <pc:sldMk cId="2756462650" sldId="328"/>
-        </pc:sldMkLst>
-      </pc:sldChg>
-      <pc:sldChg chg="del">
-        <pc:chgData name="Long B Nguyen" userId="f59fb8f3-a021-417a-8bc1-65c8d471c621" providerId="ADAL" clId="{6AC26564-89E3-E046-BFB4-F80582D7E17B}" dt="2020-01-13T13:43:17.045" v="3" actId="2696"/>
-        <pc:sldMkLst>
-          <pc:docMk/>
-          <pc:sldMk cId="3894299887" sldId="328"/>
-        </pc:sldMkLst>
-      </pc:sldChg>
-      <pc:sldChg chg="add">
-        <pc:chgData name="Long B Nguyen" userId="f59fb8f3-a021-417a-8bc1-65c8d471c621" providerId="ADAL" clId="{6AC26564-89E3-E046-BFB4-F80582D7E17B}" dt="2020-01-13T13:43:29.420" v="22"/>
-        <pc:sldMkLst>
-          <pc:docMk/>
-          <pc:sldMk cId="3080714931" sldId="329"/>
-        </pc:sldMkLst>
-      </pc:sldChg>
-      <pc:sldChg chg="del">
-        <pc:chgData name="Long B Nguyen" userId="f59fb8f3-a021-417a-8bc1-65c8d471c621" providerId="ADAL" clId="{6AC26564-89E3-E046-BFB4-F80582D7E17B}" dt="2020-01-13T13:43:17.064" v="4" actId="2696"/>
-        <pc:sldMkLst>
-          <pc:docMk/>
-          <pc:sldMk cId="4294143140" sldId="329"/>
-        </pc:sldMkLst>
-      </pc:sldChg>
-      <pc:sldChg chg="add">
-        <pc:chgData name="Long B Nguyen" userId="f59fb8f3-a021-417a-8bc1-65c8d471c621" providerId="ADAL" clId="{6AC26564-89E3-E046-BFB4-F80582D7E17B}" dt="2020-01-13T13:43:29.420" v="22"/>
-        <pc:sldMkLst>
-          <pc:docMk/>
-          <pc:sldMk cId="532184546" sldId="330"/>
-        </pc:sldMkLst>
-      </pc:sldChg>
-      <pc:sldChg chg="del">
-        <pc:chgData name="Long B Nguyen" userId="f59fb8f3-a021-417a-8bc1-65c8d471c621" providerId="ADAL" clId="{6AC26564-89E3-E046-BFB4-F80582D7E17B}" dt="2020-01-13T13:43:17.136" v="8" actId="2696"/>
-        <pc:sldMkLst>
-          <pc:docMk/>
-          <pc:sldMk cId="3594730708" sldId="330"/>
-        </pc:sldMkLst>
-      </pc:sldChg>
-      <pc:sldChg chg="add">
-        <pc:chgData name="Long B Nguyen" userId="f59fb8f3-a021-417a-8bc1-65c8d471c621" providerId="ADAL" clId="{6AC26564-89E3-E046-BFB4-F80582D7E17B}" dt="2020-01-13T13:43:29.420" v="22"/>
-        <pc:sldMkLst>
-          <pc:docMk/>
-          <pc:sldMk cId="3264629021" sldId="331"/>
-        </pc:sldMkLst>
-      </pc:sldChg>
-      <pc:sldChg chg="del">
-        <pc:chgData name="Long B Nguyen" userId="f59fb8f3-a021-417a-8bc1-65c8d471c621" providerId="ADAL" clId="{6AC26564-89E3-E046-BFB4-F80582D7E17B}" dt="2020-01-13T13:43:17.188" v="12" actId="2696"/>
-        <pc:sldMkLst>
-          <pc:docMk/>
-          <pc:sldMk cId="3870816631" sldId="331"/>
-        </pc:sldMkLst>
-      </pc:sldChg>
-      <pc:sldChg chg="del">
-        <pc:chgData name="Long B Nguyen" userId="f59fb8f3-a021-417a-8bc1-65c8d471c621" providerId="ADAL" clId="{6AC26564-89E3-E046-BFB4-F80582D7E17B}" dt="2020-01-13T13:43:17.163" v="10" actId="2696"/>
-        <pc:sldMkLst>
-          <pc:docMk/>
-          <pc:sldMk cId="3124353102" sldId="332"/>
-        </pc:sldMkLst>
-      </pc:sldChg>
-      <pc:sldChg chg="add">
-        <pc:chgData name="Long B Nguyen" userId="f59fb8f3-a021-417a-8bc1-65c8d471c621" providerId="ADAL" clId="{6AC26564-89E3-E046-BFB4-F80582D7E17B}" dt="2020-01-13T13:43:29.420" v="22"/>
-        <pc:sldMkLst>
-          <pc:docMk/>
-          <pc:sldMk cId="4022722016" sldId="332"/>
-        </pc:sldMkLst>
-      </pc:sldChg>
-      <pc:sldChg chg="add">
-        <pc:chgData name="Long B Nguyen" userId="f59fb8f3-a021-417a-8bc1-65c8d471c621" providerId="ADAL" clId="{6AC26564-89E3-E046-BFB4-F80582D7E17B}" dt="2020-01-13T13:43:29.420" v="22"/>
-        <pc:sldMkLst>
-          <pc:docMk/>
-          <pc:sldMk cId="1710208723" sldId="333"/>
-        </pc:sldMkLst>
-      </pc:sldChg>
-      <pc:sldChg chg="add">
-        <pc:chgData name="Long B Nguyen" userId="f59fb8f3-a021-417a-8bc1-65c8d471c621" providerId="ADAL" clId="{6AC26564-89E3-E046-BFB4-F80582D7E17B}" dt="2020-01-13T13:43:29.420" v="22"/>
-        <pc:sldMkLst>
-          <pc:docMk/>
-          <pc:sldMk cId="3404583044" sldId="334"/>
-        </pc:sldMkLst>
-      </pc:sldChg>
-      <pc:sldChg chg="add">
-        <pc:chgData name="Long B Nguyen" userId="f59fb8f3-a021-417a-8bc1-65c8d471c621" providerId="ADAL" clId="{6AC26564-89E3-E046-BFB4-F80582D7E17B}" dt="2020-01-13T13:43:29.420" v="22"/>
-        <pc:sldMkLst>
-          <pc:docMk/>
-          <pc:sldMk cId="3866550465" sldId="335"/>
-        </pc:sldMkLst>
-      </pc:sldChg>
-      <pc:sldChg chg="add">
-        <pc:chgData name="Long B Nguyen" userId="f59fb8f3-a021-417a-8bc1-65c8d471c621" providerId="ADAL" clId="{6AC26564-89E3-E046-BFB4-F80582D7E17B}" dt="2020-01-13T13:43:29.420" v="22"/>
-        <pc:sldMkLst>
-          <pc:docMk/>
-          <pc:sldMk cId="3749436800" sldId="336"/>
-        </pc:sldMkLst>
-      </pc:sldChg>
-      <pc:sldChg chg="add">
-        <pc:chgData name="Long B Nguyen" userId="f59fb8f3-a021-417a-8bc1-65c8d471c621" providerId="ADAL" clId="{6AC26564-89E3-E046-BFB4-F80582D7E17B}" dt="2020-01-13T13:43:29.420" v="22"/>
-        <pc:sldMkLst>
-          <pc:docMk/>
-          <pc:sldMk cId="461704868" sldId="337"/>
-        </pc:sldMkLst>
-      </pc:sldChg>
-      <pc:sldChg chg="add">
-        <pc:chgData name="Long B Nguyen" userId="f59fb8f3-a021-417a-8bc1-65c8d471c621" providerId="ADAL" clId="{6AC26564-89E3-E046-BFB4-F80582D7E17B}" dt="2020-01-13T13:43:29.420" v="22"/>
-        <pc:sldMkLst>
-          <pc:docMk/>
-          <pc:sldMk cId="545386500" sldId="338"/>
-        </pc:sldMkLst>
-      </pc:sldChg>
-      <pc:sldChg chg="add">
-        <pc:chgData name="Long B Nguyen" userId="f59fb8f3-a021-417a-8bc1-65c8d471c621" providerId="ADAL" clId="{6AC26564-89E3-E046-BFB4-F80582D7E17B}" dt="2020-01-13T13:43:29.420" v="22"/>
-        <pc:sldMkLst>
-          <pc:docMk/>
-          <pc:sldMk cId="1791361008" sldId="339"/>
-        </pc:sldMkLst>
-      </pc:sldChg>
-      <pc:sldChg chg="add">
-        <pc:chgData name="Long B Nguyen" userId="f59fb8f3-a021-417a-8bc1-65c8d471c621" providerId="ADAL" clId="{6AC26564-89E3-E046-BFB4-F80582D7E17B}" dt="2020-01-13T13:43:29.420" v="22"/>
-        <pc:sldMkLst>
-          <pc:docMk/>
-          <pc:sldMk cId="678299524" sldId="340"/>
-        </pc:sldMkLst>
-      </pc:sldChg>
-      <pc:sldChg chg="add">
-        <pc:chgData name="Long B Nguyen" userId="f59fb8f3-a021-417a-8bc1-65c8d471c621" providerId="ADAL" clId="{6AC26564-89E3-E046-BFB4-F80582D7E17B}" dt="2020-01-13T13:43:29.420" v="22"/>
-        <pc:sldMkLst>
-          <pc:docMk/>
-          <pc:sldMk cId="225127645" sldId="341"/>
-        </pc:sldMkLst>
-      </pc:sldChg>
-      <pc:sldChg chg="add">
-        <pc:chgData name="Long B Nguyen" userId="f59fb8f3-a021-417a-8bc1-65c8d471c621" providerId="ADAL" clId="{6AC26564-89E3-E046-BFB4-F80582D7E17B}" dt="2020-01-13T13:43:29.420" v="22"/>
-        <pc:sldMkLst>
-          <pc:docMk/>
-          <pc:sldMk cId="2214326257" sldId="342"/>
-        </pc:sldMkLst>
-      </pc:sldChg>
-      <pc:sldChg chg="add">
-        <pc:chgData name="Long B Nguyen" userId="f59fb8f3-a021-417a-8bc1-65c8d471c621" providerId="ADAL" clId="{6AC26564-89E3-E046-BFB4-F80582D7E17B}" dt="2020-01-13T13:43:29.420" v="22"/>
-        <pc:sldMkLst>
-          <pc:docMk/>
-          <pc:sldMk cId="1356056044" sldId="343"/>
-        </pc:sldMkLst>
-      </pc:sldChg>
-      <pc:sldChg chg="add">
-        <pc:chgData name="Long B Nguyen" userId="f59fb8f3-a021-417a-8bc1-65c8d471c621" providerId="ADAL" clId="{6AC26564-89E3-E046-BFB4-F80582D7E17B}" dt="2020-01-13T13:43:29.420" v="22"/>
-        <pc:sldMkLst>
-          <pc:docMk/>
-          <pc:sldMk cId="1270247652" sldId="344"/>
-        </pc:sldMkLst>
-      </pc:sldChg>
-      <pc:sldChg chg="add">
-        <pc:chgData name="Long B Nguyen" userId="f59fb8f3-a021-417a-8bc1-65c8d471c621" providerId="ADAL" clId="{6AC26564-89E3-E046-BFB4-F80582D7E17B}" dt="2020-01-13T13:43:29.420" v="22"/>
-        <pc:sldMkLst>
-          <pc:docMk/>
-          <pc:sldMk cId="902308803" sldId="345"/>
-        </pc:sldMkLst>
-      </pc:sldChg>
-      <pc:sldChg chg="add">
-        <pc:chgData name="Long B Nguyen" userId="f59fb8f3-a021-417a-8bc1-65c8d471c621" providerId="ADAL" clId="{6AC26564-89E3-E046-BFB4-F80582D7E17B}" dt="2020-01-13T13:43:29.420" v="22"/>
-        <pc:sldMkLst>
-          <pc:docMk/>
-          <pc:sldMk cId="2271372051" sldId="346"/>
-        </pc:sldMkLst>
-      </pc:sldChg>
-      <pc:sldChg chg="add">
-        <pc:chgData name="Long B Nguyen" userId="f59fb8f3-a021-417a-8bc1-65c8d471c621" providerId="ADAL" clId="{6AC26564-89E3-E046-BFB4-F80582D7E17B}" dt="2020-01-13T13:43:29.420" v="22"/>
-        <pc:sldMkLst>
-          <pc:docMk/>
-          <pc:sldMk cId="198078322" sldId="347"/>
-        </pc:sldMkLst>
-      </pc:sldChg>
-    </pc:docChg>
   </pc:docChgLst>
   <pc:docChgLst>
     <pc:chgData name="Long B Nguyen" userId="f59fb8f3-a021-417a-8bc1-65c8d471c621" providerId="ADAL" clId="{A54A5039-9BC6-1548-AC61-7314DB675A9D}"/>
@@ -1686,28 +1159,607 @@
     </pc:docChg>
   </pc:docChgLst>
   <pc:docChgLst>
-    <pc:chgData name="Long B Nguyen" userId="f59fb8f3-a021-417a-8bc1-65c8d471c621" providerId="ADAL" clId="{CC9C9D9A-5149-2947-86C0-576F501F60DC}"/>
-    <pc:docChg chg="addSld modSld">
-      <pc:chgData name="Long B Nguyen" userId="f59fb8f3-a021-417a-8bc1-65c8d471c621" providerId="ADAL" clId="{CC9C9D9A-5149-2947-86C0-576F501F60DC}" dt="2020-01-05T21:59:55.597" v="2392" actId="14100"/>
+    <pc:chgData name="Long B Nguyen" userId="f59fb8f3-a021-417a-8bc1-65c8d471c621" providerId="ADAL" clId="{6AC26564-89E3-E046-BFB4-F80582D7E17B}"/>
+    <pc:docChg chg="custSel addSld delSld modSld">
+      <pc:chgData name="Long B Nguyen" userId="f59fb8f3-a021-417a-8bc1-65c8d471c621" providerId="ADAL" clId="{6AC26564-89E3-E046-BFB4-F80582D7E17B}" dt="2020-01-13T13:46:56.810" v="92" actId="2696"/>
       <pc:docMkLst>
         <pc:docMk/>
       </pc:docMkLst>
-      <pc:sldChg chg="modSp add modAnim">
-        <pc:chgData name="Long B Nguyen" userId="f59fb8f3-a021-417a-8bc1-65c8d471c621" providerId="ADAL" clId="{CC9C9D9A-5149-2947-86C0-576F501F60DC}" dt="2020-01-04T15:49:37.373" v="563" actId="20577"/>
+      <pc:sldChg chg="modSp">
+        <pc:chgData name="Long B Nguyen" userId="f59fb8f3-a021-417a-8bc1-65c8d471c621" providerId="ADAL" clId="{6AC26564-89E3-E046-BFB4-F80582D7E17B}" dt="2020-01-13T13:44:20.464" v="85" actId="20577"/>
+        <pc:sldMkLst>
+          <pc:docMk/>
+          <pc:sldMk cId="4247104139" sldId="256"/>
+        </pc:sldMkLst>
+        <pc:spChg chg="mod">
+          <ac:chgData name="Long B Nguyen" userId="f59fb8f3-a021-417a-8bc1-65c8d471c621" providerId="ADAL" clId="{6AC26564-89E3-E046-BFB4-F80582D7E17B}" dt="2020-01-13T13:43:45.441" v="40" actId="20577"/>
+          <ac:spMkLst>
+            <pc:docMk/>
+            <pc:sldMk cId="4247104139" sldId="256"/>
+            <ac:spMk id="2" creationId="{6117A749-B1BA-E24B-8FB0-0604EF651FB3}"/>
+          </ac:spMkLst>
+        </pc:spChg>
+        <pc:spChg chg="mod">
+          <ac:chgData name="Long B Nguyen" userId="f59fb8f3-a021-417a-8bc1-65c8d471c621" providerId="ADAL" clId="{6AC26564-89E3-E046-BFB4-F80582D7E17B}" dt="2020-01-13T13:44:20.464" v="85" actId="20577"/>
+          <ac:spMkLst>
+            <pc:docMk/>
+            <pc:sldMk cId="4247104139" sldId="256"/>
+            <ac:spMk id="3" creationId="{1BDC47C8-6776-7B44-9CD4-95FC91452D62}"/>
+          </ac:spMkLst>
+        </pc:spChg>
+      </pc:sldChg>
+      <pc:sldChg chg="add del">
+        <pc:chgData name="Long B Nguyen" userId="f59fb8f3-a021-417a-8bc1-65c8d471c621" providerId="ADAL" clId="{6AC26564-89E3-E046-BFB4-F80582D7E17B}" dt="2020-01-13T13:46:54.924" v="89" actId="2696"/>
+        <pc:sldMkLst>
+          <pc:docMk/>
+          <pc:sldMk cId="2869331202" sldId="257"/>
+        </pc:sldMkLst>
+      </pc:sldChg>
+      <pc:sldChg chg="add">
+        <pc:chgData name="Long B Nguyen" userId="f59fb8f3-a021-417a-8bc1-65c8d471c621" providerId="ADAL" clId="{6AC26564-89E3-E046-BFB4-F80582D7E17B}" dt="2020-01-13T13:43:29.420" v="22"/>
+        <pc:sldMkLst>
+          <pc:docMk/>
+          <pc:sldMk cId="1758448129" sldId="309"/>
+        </pc:sldMkLst>
+      </pc:sldChg>
+      <pc:sldChg chg="modSp add del">
+        <pc:chgData name="Long B Nguyen" userId="f59fb8f3-a021-417a-8bc1-65c8d471c621" providerId="ADAL" clId="{6AC26564-89E3-E046-BFB4-F80582D7E17B}" dt="2020-01-13T13:46:55.484" v="90" actId="2696"/>
+        <pc:sldMkLst>
+          <pc:docMk/>
+          <pc:sldMk cId="174202529" sldId="310"/>
+        </pc:sldMkLst>
+        <pc:spChg chg="mod">
+          <ac:chgData name="Long B Nguyen" userId="f59fb8f3-a021-417a-8bc1-65c8d471c621" providerId="ADAL" clId="{6AC26564-89E3-E046-BFB4-F80582D7E17B}" dt="2020-01-13T13:44:35.816" v="86" actId="20577"/>
+          <ac:spMkLst>
+            <pc:docMk/>
+            <pc:sldMk cId="174202529" sldId="310"/>
+            <ac:spMk id="18434" creationId="{72F3E48A-CDFA-CE46-B991-D35BF55EC8E6}"/>
+          </ac:spMkLst>
+        </pc:spChg>
+      </pc:sldChg>
+      <pc:sldChg chg="add del">
+        <pc:chgData name="Long B Nguyen" userId="f59fb8f3-a021-417a-8bc1-65c8d471c621" providerId="ADAL" clId="{6AC26564-89E3-E046-BFB4-F80582D7E17B}" dt="2020-01-13T13:46:56.092" v="91" actId="2696"/>
+        <pc:sldMkLst>
+          <pc:docMk/>
+          <pc:sldMk cId="1098579697" sldId="311"/>
+        </pc:sldMkLst>
+      </pc:sldChg>
+      <pc:sldChg chg="add del">
+        <pc:chgData name="Long B Nguyen" userId="f59fb8f3-a021-417a-8bc1-65c8d471c621" providerId="ADAL" clId="{6AC26564-89E3-E046-BFB4-F80582D7E17B}" dt="2020-01-13T13:46:56.810" v="92" actId="2696"/>
+        <pc:sldMkLst>
+          <pc:docMk/>
+          <pc:sldMk cId="585175195" sldId="312"/>
+        </pc:sldMkLst>
+      </pc:sldChg>
+      <pc:sldChg chg="add">
+        <pc:chgData name="Long B Nguyen" userId="f59fb8f3-a021-417a-8bc1-65c8d471c621" providerId="ADAL" clId="{6AC26564-89E3-E046-BFB4-F80582D7E17B}" dt="2020-01-13T13:43:29.420" v="22"/>
+        <pc:sldMkLst>
+          <pc:docMk/>
+          <pc:sldMk cId="3947558204" sldId="313"/>
+        </pc:sldMkLst>
+      </pc:sldChg>
+      <pc:sldChg chg="add">
+        <pc:chgData name="Long B Nguyen" userId="f59fb8f3-a021-417a-8bc1-65c8d471c621" providerId="ADAL" clId="{6AC26564-89E3-E046-BFB4-F80582D7E17B}" dt="2020-01-13T13:43:29.420" v="22"/>
+        <pc:sldMkLst>
+          <pc:docMk/>
+          <pc:sldMk cId="2054265466" sldId="314"/>
+        </pc:sldMkLst>
+      </pc:sldChg>
+      <pc:sldChg chg="add">
+        <pc:chgData name="Long B Nguyen" userId="f59fb8f3-a021-417a-8bc1-65c8d471c621" providerId="ADAL" clId="{6AC26564-89E3-E046-BFB4-F80582D7E17B}" dt="2020-01-13T13:43:29.420" v="22"/>
+        <pc:sldMkLst>
+          <pc:docMk/>
+          <pc:sldMk cId="917461937" sldId="315"/>
+        </pc:sldMkLst>
+      </pc:sldChg>
+      <pc:sldChg chg="del">
+        <pc:chgData name="Long B Nguyen" userId="f59fb8f3-a021-417a-8bc1-65c8d471c621" providerId="ADAL" clId="{6AC26564-89E3-E046-BFB4-F80582D7E17B}" dt="2020-01-13T13:43:17.195" v="13" actId="2696"/>
+        <pc:sldMkLst>
+          <pc:docMk/>
+          <pc:sldMk cId="1452600724" sldId="316"/>
+        </pc:sldMkLst>
+      </pc:sldChg>
+      <pc:sldChg chg="add">
+        <pc:chgData name="Long B Nguyen" userId="f59fb8f3-a021-417a-8bc1-65c8d471c621" providerId="ADAL" clId="{6AC26564-89E3-E046-BFB4-F80582D7E17B}" dt="2020-01-13T13:43:29.420" v="22"/>
+        <pc:sldMkLst>
+          <pc:docMk/>
+          <pc:sldMk cId="3266234076" sldId="316"/>
+        </pc:sldMkLst>
+      </pc:sldChg>
+      <pc:sldChg chg="add">
+        <pc:chgData name="Long B Nguyen" userId="f59fb8f3-a021-417a-8bc1-65c8d471c621" providerId="ADAL" clId="{6AC26564-89E3-E046-BFB4-F80582D7E17B}" dt="2020-01-13T13:43:29.420" v="22"/>
+        <pc:sldMkLst>
+          <pc:docMk/>
+          <pc:sldMk cId="2886319738" sldId="317"/>
+        </pc:sldMkLst>
+      </pc:sldChg>
+      <pc:sldChg chg="del">
+        <pc:chgData name="Long B Nguyen" userId="f59fb8f3-a021-417a-8bc1-65c8d471c621" providerId="ADAL" clId="{6AC26564-89E3-E046-BFB4-F80582D7E17B}" dt="2020-01-13T13:43:16.993" v="0" actId="2696"/>
+        <pc:sldMkLst>
+          <pc:docMk/>
+          <pc:sldMk cId="924617162" sldId="319"/>
+        </pc:sldMkLst>
+      </pc:sldChg>
+      <pc:sldChg chg="add">
+        <pc:chgData name="Long B Nguyen" userId="f59fb8f3-a021-417a-8bc1-65c8d471c621" providerId="ADAL" clId="{6AC26564-89E3-E046-BFB4-F80582D7E17B}" dt="2020-01-13T13:43:29.420" v="22"/>
+        <pc:sldMkLst>
+          <pc:docMk/>
+          <pc:sldMk cId="3906700287" sldId="319"/>
+        </pc:sldMkLst>
+      </pc:sldChg>
+      <pc:sldChg chg="add">
+        <pc:chgData name="Long B Nguyen" userId="f59fb8f3-a021-417a-8bc1-65c8d471c621" providerId="ADAL" clId="{6AC26564-89E3-E046-BFB4-F80582D7E17B}" dt="2020-01-13T13:43:29.420" v="22"/>
+        <pc:sldMkLst>
+          <pc:docMk/>
+          <pc:sldMk cId="1810541734" sldId="320"/>
+        </pc:sldMkLst>
+      </pc:sldChg>
+      <pc:sldChg chg="del">
+        <pc:chgData name="Long B Nguyen" userId="f59fb8f3-a021-417a-8bc1-65c8d471c621" providerId="ADAL" clId="{6AC26564-89E3-E046-BFB4-F80582D7E17B}" dt="2020-01-13T13:43:17.009" v="1" actId="2696"/>
+        <pc:sldMkLst>
+          <pc:docMk/>
+          <pc:sldMk cId="3758830494" sldId="320"/>
+        </pc:sldMkLst>
+      </pc:sldChg>
+      <pc:sldChg chg="del">
+        <pc:chgData name="Long B Nguyen" userId="f59fb8f3-a021-417a-8bc1-65c8d471c621" providerId="ADAL" clId="{6AC26564-89E3-E046-BFB4-F80582D7E17B}" dt="2020-01-13T13:43:17.029" v="2" actId="2696"/>
+        <pc:sldMkLst>
+          <pc:docMk/>
+          <pc:sldMk cId="1022945305" sldId="321"/>
+        </pc:sldMkLst>
+      </pc:sldChg>
+      <pc:sldChg chg="add">
+        <pc:chgData name="Long B Nguyen" userId="f59fb8f3-a021-417a-8bc1-65c8d471c621" providerId="ADAL" clId="{6AC26564-89E3-E046-BFB4-F80582D7E17B}" dt="2020-01-13T13:43:29.420" v="22"/>
+        <pc:sldMkLst>
+          <pc:docMk/>
+          <pc:sldMk cId="1359731776" sldId="321"/>
+        </pc:sldMkLst>
+      </pc:sldChg>
+      <pc:sldChg chg="del">
+        <pc:chgData name="Long B Nguyen" userId="f59fb8f3-a021-417a-8bc1-65c8d471c621" providerId="ADAL" clId="{6AC26564-89E3-E046-BFB4-F80582D7E17B}" dt="2020-01-13T13:43:17.080" v="5" actId="2696"/>
+        <pc:sldMkLst>
+          <pc:docMk/>
+          <pc:sldMk cId="3456840474" sldId="322"/>
+        </pc:sldMkLst>
+      </pc:sldChg>
+      <pc:sldChg chg="add">
+        <pc:chgData name="Long B Nguyen" userId="f59fb8f3-a021-417a-8bc1-65c8d471c621" providerId="ADAL" clId="{6AC26564-89E3-E046-BFB4-F80582D7E17B}" dt="2020-01-13T13:43:29.420" v="22"/>
+        <pc:sldMkLst>
+          <pc:docMk/>
+          <pc:sldMk cId="3651577480" sldId="322"/>
+        </pc:sldMkLst>
+      </pc:sldChg>
+      <pc:sldChg chg="del">
+        <pc:chgData name="Long B Nguyen" userId="f59fb8f3-a021-417a-8bc1-65c8d471c621" providerId="ADAL" clId="{6AC26564-89E3-E046-BFB4-F80582D7E17B}" dt="2020-01-13T13:43:17.097" v="6" actId="2696"/>
+        <pc:sldMkLst>
+          <pc:docMk/>
+          <pc:sldMk cId="1062075874" sldId="323"/>
+        </pc:sldMkLst>
+      </pc:sldChg>
+      <pc:sldChg chg="add">
+        <pc:chgData name="Long B Nguyen" userId="f59fb8f3-a021-417a-8bc1-65c8d471c621" providerId="ADAL" clId="{6AC26564-89E3-E046-BFB4-F80582D7E17B}" dt="2020-01-13T13:43:29.420" v="22"/>
+        <pc:sldMkLst>
+          <pc:docMk/>
+          <pc:sldMk cId="1496564367" sldId="323"/>
+        </pc:sldMkLst>
+      </pc:sldChg>
+      <pc:sldChg chg="add">
+        <pc:chgData name="Long B Nguyen" userId="f59fb8f3-a021-417a-8bc1-65c8d471c621" providerId="ADAL" clId="{6AC26564-89E3-E046-BFB4-F80582D7E17B}" dt="2020-01-13T13:46:19.952" v="88"/>
+        <pc:sldMkLst>
+          <pc:docMk/>
+          <pc:sldMk cId="771866096" sldId="324"/>
+        </pc:sldMkLst>
+      </pc:sldChg>
+      <pc:sldChg chg="del">
+        <pc:chgData name="Long B Nguyen" userId="f59fb8f3-a021-417a-8bc1-65c8d471c621" providerId="ADAL" clId="{6AC26564-89E3-E046-BFB4-F80582D7E17B}" dt="2020-01-13T13:43:17.152" v="9" actId="2696"/>
+        <pc:sldMkLst>
+          <pc:docMk/>
+          <pc:sldMk cId="1310010799" sldId="324"/>
+        </pc:sldMkLst>
+      </pc:sldChg>
+      <pc:sldChg chg="add del">
+        <pc:chgData name="Long B Nguyen" userId="f59fb8f3-a021-417a-8bc1-65c8d471c621" providerId="ADAL" clId="{6AC26564-89E3-E046-BFB4-F80582D7E17B}" dt="2020-01-13T13:46:07.690" v="87" actId="2696"/>
+        <pc:sldMkLst>
+          <pc:docMk/>
+          <pc:sldMk cId="3999804732" sldId="324"/>
+        </pc:sldMkLst>
+      </pc:sldChg>
+      <pc:sldChg chg="add">
+        <pc:chgData name="Long B Nguyen" userId="f59fb8f3-a021-417a-8bc1-65c8d471c621" providerId="ADAL" clId="{6AC26564-89E3-E046-BFB4-F80582D7E17B}" dt="2020-01-13T13:43:29.420" v="22"/>
+        <pc:sldMkLst>
+          <pc:docMk/>
+          <pc:sldMk cId="1025355635" sldId="325"/>
+        </pc:sldMkLst>
+      </pc:sldChg>
+      <pc:sldChg chg="del">
+        <pc:chgData name="Long B Nguyen" userId="f59fb8f3-a021-417a-8bc1-65c8d471c621" providerId="ADAL" clId="{6AC26564-89E3-E046-BFB4-F80582D7E17B}" dt="2020-01-13T13:43:17.177" v="11" actId="2696"/>
+        <pc:sldMkLst>
+          <pc:docMk/>
+          <pc:sldMk cId="3314372952" sldId="325"/>
+        </pc:sldMkLst>
+      </pc:sldChg>
+      <pc:sldChg chg="del">
+        <pc:chgData name="Long B Nguyen" userId="f59fb8f3-a021-417a-8bc1-65c8d471c621" providerId="ADAL" clId="{6AC26564-89E3-E046-BFB4-F80582D7E17B}" dt="2020-01-13T13:43:17.116" v="7" actId="2696"/>
+        <pc:sldMkLst>
+          <pc:docMk/>
+          <pc:sldMk cId="1724104636" sldId="327"/>
+        </pc:sldMkLst>
+      </pc:sldChg>
+      <pc:sldChg chg="add">
+        <pc:chgData name="Long B Nguyen" userId="f59fb8f3-a021-417a-8bc1-65c8d471c621" providerId="ADAL" clId="{6AC26564-89E3-E046-BFB4-F80582D7E17B}" dt="2020-01-13T13:43:29.420" v="22"/>
+        <pc:sldMkLst>
+          <pc:docMk/>
+          <pc:sldMk cId="4174920299" sldId="327"/>
+        </pc:sldMkLst>
+      </pc:sldChg>
+      <pc:sldChg chg="add">
+        <pc:chgData name="Long B Nguyen" userId="f59fb8f3-a021-417a-8bc1-65c8d471c621" providerId="ADAL" clId="{6AC26564-89E3-E046-BFB4-F80582D7E17B}" dt="2020-01-13T13:43:29.420" v="22"/>
+        <pc:sldMkLst>
+          <pc:docMk/>
+          <pc:sldMk cId="2756462650" sldId="328"/>
+        </pc:sldMkLst>
+      </pc:sldChg>
+      <pc:sldChg chg="del">
+        <pc:chgData name="Long B Nguyen" userId="f59fb8f3-a021-417a-8bc1-65c8d471c621" providerId="ADAL" clId="{6AC26564-89E3-E046-BFB4-F80582D7E17B}" dt="2020-01-13T13:43:17.045" v="3" actId="2696"/>
+        <pc:sldMkLst>
+          <pc:docMk/>
+          <pc:sldMk cId="3894299887" sldId="328"/>
+        </pc:sldMkLst>
+      </pc:sldChg>
+      <pc:sldChg chg="add">
+        <pc:chgData name="Long B Nguyen" userId="f59fb8f3-a021-417a-8bc1-65c8d471c621" providerId="ADAL" clId="{6AC26564-89E3-E046-BFB4-F80582D7E17B}" dt="2020-01-13T13:43:29.420" v="22"/>
+        <pc:sldMkLst>
+          <pc:docMk/>
+          <pc:sldMk cId="3080714931" sldId="329"/>
+        </pc:sldMkLst>
+      </pc:sldChg>
+      <pc:sldChg chg="del">
+        <pc:chgData name="Long B Nguyen" userId="f59fb8f3-a021-417a-8bc1-65c8d471c621" providerId="ADAL" clId="{6AC26564-89E3-E046-BFB4-F80582D7E17B}" dt="2020-01-13T13:43:17.064" v="4" actId="2696"/>
+        <pc:sldMkLst>
+          <pc:docMk/>
+          <pc:sldMk cId="4294143140" sldId="329"/>
+        </pc:sldMkLst>
+      </pc:sldChg>
+      <pc:sldChg chg="add">
+        <pc:chgData name="Long B Nguyen" userId="f59fb8f3-a021-417a-8bc1-65c8d471c621" providerId="ADAL" clId="{6AC26564-89E3-E046-BFB4-F80582D7E17B}" dt="2020-01-13T13:43:29.420" v="22"/>
+        <pc:sldMkLst>
+          <pc:docMk/>
+          <pc:sldMk cId="532184546" sldId="330"/>
+        </pc:sldMkLst>
+      </pc:sldChg>
+      <pc:sldChg chg="del">
+        <pc:chgData name="Long B Nguyen" userId="f59fb8f3-a021-417a-8bc1-65c8d471c621" providerId="ADAL" clId="{6AC26564-89E3-E046-BFB4-F80582D7E17B}" dt="2020-01-13T13:43:17.136" v="8" actId="2696"/>
+        <pc:sldMkLst>
+          <pc:docMk/>
+          <pc:sldMk cId="3594730708" sldId="330"/>
+        </pc:sldMkLst>
+      </pc:sldChg>
+      <pc:sldChg chg="add">
+        <pc:chgData name="Long B Nguyen" userId="f59fb8f3-a021-417a-8bc1-65c8d471c621" providerId="ADAL" clId="{6AC26564-89E3-E046-BFB4-F80582D7E17B}" dt="2020-01-13T13:43:29.420" v="22"/>
+        <pc:sldMkLst>
+          <pc:docMk/>
+          <pc:sldMk cId="3264629021" sldId="331"/>
+        </pc:sldMkLst>
+      </pc:sldChg>
+      <pc:sldChg chg="del">
+        <pc:chgData name="Long B Nguyen" userId="f59fb8f3-a021-417a-8bc1-65c8d471c621" providerId="ADAL" clId="{6AC26564-89E3-E046-BFB4-F80582D7E17B}" dt="2020-01-13T13:43:17.188" v="12" actId="2696"/>
+        <pc:sldMkLst>
+          <pc:docMk/>
+          <pc:sldMk cId="3870816631" sldId="331"/>
+        </pc:sldMkLst>
+      </pc:sldChg>
+      <pc:sldChg chg="del">
+        <pc:chgData name="Long B Nguyen" userId="f59fb8f3-a021-417a-8bc1-65c8d471c621" providerId="ADAL" clId="{6AC26564-89E3-E046-BFB4-F80582D7E17B}" dt="2020-01-13T13:43:17.163" v="10" actId="2696"/>
+        <pc:sldMkLst>
+          <pc:docMk/>
+          <pc:sldMk cId="3124353102" sldId="332"/>
+        </pc:sldMkLst>
+      </pc:sldChg>
+      <pc:sldChg chg="add">
+        <pc:chgData name="Long B Nguyen" userId="f59fb8f3-a021-417a-8bc1-65c8d471c621" providerId="ADAL" clId="{6AC26564-89E3-E046-BFB4-F80582D7E17B}" dt="2020-01-13T13:43:29.420" v="22"/>
+        <pc:sldMkLst>
+          <pc:docMk/>
+          <pc:sldMk cId="4022722016" sldId="332"/>
+        </pc:sldMkLst>
+      </pc:sldChg>
+      <pc:sldChg chg="add">
+        <pc:chgData name="Long B Nguyen" userId="f59fb8f3-a021-417a-8bc1-65c8d471c621" providerId="ADAL" clId="{6AC26564-89E3-E046-BFB4-F80582D7E17B}" dt="2020-01-13T13:43:29.420" v="22"/>
+        <pc:sldMkLst>
+          <pc:docMk/>
+          <pc:sldMk cId="1710208723" sldId="333"/>
+        </pc:sldMkLst>
+      </pc:sldChg>
+      <pc:sldChg chg="add">
+        <pc:chgData name="Long B Nguyen" userId="f59fb8f3-a021-417a-8bc1-65c8d471c621" providerId="ADAL" clId="{6AC26564-89E3-E046-BFB4-F80582D7E17B}" dt="2020-01-13T13:43:29.420" v="22"/>
+        <pc:sldMkLst>
+          <pc:docMk/>
+          <pc:sldMk cId="3404583044" sldId="334"/>
+        </pc:sldMkLst>
+      </pc:sldChg>
+      <pc:sldChg chg="add">
+        <pc:chgData name="Long B Nguyen" userId="f59fb8f3-a021-417a-8bc1-65c8d471c621" providerId="ADAL" clId="{6AC26564-89E3-E046-BFB4-F80582D7E17B}" dt="2020-01-13T13:43:29.420" v="22"/>
+        <pc:sldMkLst>
+          <pc:docMk/>
+          <pc:sldMk cId="3866550465" sldId="335"/>
+        </pc:sldMkLst>
+      </pc:sldChg>
+      <pc:sldChg chg="add">
+        <pc:chgData name="Long B Nguyen" userId="f59fb8f3-a021-417a-8bc1-65c8d471c621" providerId="ADAL" clId="{6AC26564-89E3-E046-BFB4-F80582D7E17B}" dt="2020-01-13T13:43:29.420" v="22"/>
+        <pc:sldMkLst>
+          <pc:docMk/>
+          <pc:sldMk cId="3749436800" sldId="336"/>
+        </pc:sldMkLst>
+      </pc:sldChg>
+      <pc:sldChg chg="add">
+        <pc:chgData name="Long B Nguyen" userId="f59fb8f3-a021-417a-8bc1-65c8d471c621" providerId="ADAL" clId="{6AC26564-89E3-E046-BFB4-F80582D7E17B}" dt="2020-01-13T13:43:29.420" v="22"/>
+        <pc:sldMkLst>
+          <pc:docMk/>
+          <pc:sldMk cId="461704868" sldId="337"/>
+        </pc:sldMkLst>
+      </pc:sldChg>
+      <pc:sldChg chg="add">
+        <pc:chgData name="Long B Nguyen" userId="f59fb8f3-a021-417a-8bc1-65c8d471c621" providerId="ADAL" clId="{6AC26564-89E3-E046-BFB4-F80582D7E17B}" dt="2020-01-13T13:43:29.420" v="22"/>
+        <pc:sldMkLst>
+          <pc:docMk/>
+          <pc:sldMk cId="545386500" sldId="338"/>
+        </pc:sldMkLst>
+      </pc:sldChg>
+      <pc:sldChg chg="add">
+        <pc:chgData name="Long B Nguyen" userId="f59fb8f3-a021-417a-8bc1-65c8d471c621" providerId="ADAL" clId="{6AC26564-89E3-E046-BFB4-F80582D7E17B}" dt="2020-01-13T13:43:29.420" v="22"/>
+        <pc:sldMkLst>
+          <pc:docMk/>
+          <pc:sldMk cId="1791361008" sldId="339"/>
+        </pc:sldMkLst>
+      </pc:sldChg>
+      <pc:sldChg chg="add">
+        <pc:chgData name="Long B Nguyen" userId="f59fb8f3-a021-417a-8bc1-65c8d471c621" providerId="ADAL" clId="{6AC26564-89E3-E046-BFB4-F80582D7E17B}" dt="2020-01-13T13:43:29.420" v="22"/>
+        <pc:sldMkLst>
+          <pc:docMk/>
+          <pc:sldMk cId="678299524" sldId="340"/>
+        </pc:sldMkLst>
+      </pc:sldChg>
+      <pc:sldChg chg="add">
+        <pc:chgData name="Long B Nguyen" userId="f59fb8f3-a021-417a-8bc1-65c8d471c621" providerId="ADAL" clId="{6AC26564-89E3-E046-BFB4-F80582D7E17B}" dt="2020-01-13T13:43:29.420" v="22"/>
+        <pc:sldMkLst>
+          <pc:docMk/>
+          <pc:sldMk cId="225127645" sldId="341"/>
+        </pc:sldMkLst>
+      </pc:sldChg>
+      <pc:sldChg chg="add">
+        <pc:chgData name="Long B Nguyen" userId="f59fb8f3-a021-417a-8bc1-65c8d471c621" providerId="ADAL" clId="{6AC26564-89E3-E046-BFB4-F80582D7E17B}" dt="2020-01-13T13:43:29.420" v="22"/>
+        <pc:sldMkLst>
+          <pc:docMk/>
+          <pc:sldMk cId="2214326257" sldId="342"/>
+        </pc:sldMkLst>
+      </pc:sldChg>
+      <pc:sldChg chg="add">
+        <pc:chgData name="Long B Nguyen" userId="f59fb8f3-a021-417a-8bc1-65c8d471c621" providerId="ADAL" clId="{6AC26564-89E3-E046-BFB4-F80582D7E17B}" dt="2020-01-13T13:43:29.420" v="22"/>
+        <pc:sldMkLst>
+          <pc:docMk/>
+          <pc:sldMk cId="1356056044" sldId="343"/>
+        </pc:sldMkLst>
+      </pc:sldChg>
+      <pc:sldChg chg="add">
+        <pc:chgData name="Long B Nguyen" userId="f59fb8f3-a021-417a-8bc1-65c8d471c621" providerId="ADAL" clId="{6AC26564-89E3-E046-BFB4-F80582D7E17B}" dt="2020-01-13T13:43:29.420" v="22"/>
+        <pc:sldMkLst>
+          <pc:docMk/>
+          <pc:sldMk cId="1270247652" sldId="344"/>
+        </pc:sldMkLst>
+      </pc:sldChg>
+      <pc:sldChg chg="add">
+        <pc:chgData name="Long B Nguyen" userId="f59fb8f3-a021-417a-8bc1-65c8d471c621" providerId="ADAL" clId="{6AC26564-89E3-E046-BFB4-F80582D7E17B}" dt="2020-01-13T13:43:29.420" v="22"/>
+        <pc:sldMkLst>
+          <pc:docMk/>
+          <pc:sldMk cId="902308803" sldId="345"/>
+        </pc:sldMkLst>
+      </pc:sldChg>
+      <pc:sldChg chg="add">
+        <pc:chgData name="Long B Nguyen" userId="f59fb8f3-a021-417a-8bc1-65c8d471c621" providerId="ADAL" clId="{6AC26564-89E3-E046-BFB4-F80582D7E17B}" dt="2020-01-13T13:43:29.420" v="22"/>
+        <pc:sldMkLst>
+          <pc:docMk/>
+          <pc:sldMk cId="2271372051" sldId="346"/>
+        </pc:sldMkLst>
+      </pc:sldChg>
+      <pc:sldChg chg="add">
+        <pc:chgData name="Long B Nguyen" userId="f59fb8f3-a021-417a-8bc1-65c8d471c621" providerId="ADAL" clId="{6AC26564-89E3-E046-BFB4-F80582D7E17B}" dt="2020-01-13T13:43:29.420" v="22"/>
+        <pc:sldMkLst>
+          <pc:docMk/>
+          <pc:sldMk cId="198078322" sldId="347"/>
+        </pc:sldMkLst>
+      </pc:sldChg>
+    </pc:docChg>
+  </pc:docChgLst>
+  <pc:docChgLst>
+    <pc:chgData name="Long B Nguyen" userId="f59fb8f3-a021-417a-8bc1-65c8d471c621" providerId="ADAL" clId="{E5BF62A1-4F8A-BC49-8FD7-ABEA3D28ED25}"/>
+  </pc:docChgLst>
+  <pc:docChgLst>
+    <pc:chgData name="Long B Nguyen" userId="f59fb8f3-a021-417a-8bc1-65c8d471c621" providerId="ADAL" clId="{6CD83B71-C243-244B-B302-DE2E82069201}"/>
+  </pc:docChgLst>
+  <pc:docChgLst>
+    <pc:chgData name="Long B Nguyen" userId="f59fb8f3-a021-417a-8bc1-65c8d471c621" providerId="ADAL" clId="{AA9102B5-DACA-D841-B260-AEEBF90FC60A}"/>
+    <pc:docChg chg="custSel addSld delSld modSld">
+      <pc:chgData name="Long B Nguyen" userId="f59fb8f3-a021-417a-8bc1-65c8d471c621" providerId="ADAL" clId="{AA9102B5-DACA-D841-B260-AEEBF90FC60A}" dt="2020-01-06T17:07:10.515" v="1519" actId="2711"/>
+      <pc:docMkLst>
+        <pc:docMk/>
+      </pc:docMkLst>
+      <pc:sldChg chg="modSp">
+        <pc:chgData name="Long B Nguyen" userId="f59fb8f3-a021-417a-8bc1-65c8d471c621" providerId="ADAL" clId="{AA9102B5-DACA-D841-B260-AEEBF90FC60A}" dt="2020-01-05T22:05:23.536" v="23" actId="20577"/>
+        <pc:sldMkLst>
+          <pc:docMk/>
+          <pc:sldMk cId="4247104139" sldId="256"/>
+        </pc:sldMkLst>
+        <pc:spChg chg="mod">
+          <ac:chgData name="Long B Nguyen" userId="f59fb8f3-a021-417a-8bc1-65c8d471c621" providerId="ADAL" clId="{AA9102B5-DACA-D841-B260-AEEBF90FC60A}" dt="2020-01-05T22:05:23.536" v="23" actId="20577"/>
+          <ac:spMkLst>
+            <pc:docMk/>
+            <pc:sldMk cId="4247104139" sldId="256"/>
+            <ac:spMk id="3" creationId="{1BDC47C8-6776-7B44-9CD4-95FC91452D62}"/>
+          </ac:spMkLst>
+        </pc:spChg>
+      </pc:sldChg>
+      <pc:sldChg chg="del">
+        <pc:chgData name="Long B Nguyen" userId="f59fb8f3-a021-417a-8bc1-65c8d471c621" providerId="ADAL" clId="{AA9102B5-DACA-D841-B260-AEEBF90FC60A}" dt="2020-01-05T22:05:52.483" v="41" actId="2696"/>
+        <pc:sldMkLst>
+          <pc:docMk/>
+          <pc:sldMk cId="1438711869" sldId="284"/>
+        </pc:sldMkLst>
+      </pc:sldChg>
+      <pc:sldChg chg="del">
+        <pc:chgData name="Long B Nguyen" userId="f59fb8f3-a021-417a-8bc1-65c8d471c621" providerId="ADAL" clId="{AA9102B5-DACA-D841-B260-AEEBF90FC60A}" dt="2020-01-05T22:05:52.199" v="24" actId="2696"/>
+        <pc:sldMkLst>
+          <pc:docMk/>
+          <pc:sldMk cId="131840209" sldId="286"/>
+        </pc:sldMkLst>
+      </pc:sldChg>
+      <pc:sldChg chg="del">
+        <pc:chgData name="Long B Nguyen" userId="f59fb8f3-a021-417a-8bc1-65c8d471c621" providerId="ADAL" clId="{AA9102B5-DACA-D841-B260-AEEBF90FC60A}" dt="2020-01-05T22:05:52.214" v="25" actId="2696"/>
+        <pc:sldMkLst>
+          <pc:docMk/>
+          <pc:sldMk cId="1816941262" sldId="295"/>
+        </pc:sldMkLst>
+      </pc:sldChg>
+      <pc:sldChg chg="del">
+        <pc:chgData name="Long B Nguyen" userId="f59fb8f3-a021-417a-8bc1-65c8d471c621" providerId="ADAL" clId="{AA9102B5-DACA-D841-B260-AEEBF90FC60A}" dt="2020-01-05T22:05:52.246" v="27" actId="2696"/>
+        <pc:sldMkLst>
+          <pc:docMk/>
+          <pc:sldMk cId="553003360" sldId="296"/>
+        </pc:sldMkLst>
+      </pc:sldChg>
+      <pc:sldChg chg="del">
+        <pc:chgData name="Long B Nguyen" userId="f59fb8f3-a021-417a-8bc1-65c8d471c621" providerId="ADAL" clId="{AA9102B5-DACA-D841-B260-AEEBF90FC60A}" dt="2020-01-05T22:05:52.268" v="28" actId="2696"/>
+        <pc:sldMkLst>
+          <pc:docMk/>
+          <pc:sldMk cId="3006175481" sldId="297"/>
+        </pc:sldMkLst>
+      </pc:sldChg>
+      <pc:sldChg chg="del">
+        <pc:chgData name="Long B Nguyen" userId="f59fb8f3-a021-417a-8bc1-65c8d471c621" providerId="ADAL" clId="{AA9102B5-DACA-D841-B260-AEEBF90FC60A}" dt="2020-01-05T22:05:52.287" v="29" actId="2696"/>
+        <pc:sldMkLst>
+          <pc:docMk/>
+          <pc:sldMk cId="3150557076" sldId="298"/>
+        </pc:sldMkLst>
+      </pc:sldChg>
+      <pc:sldChg chg="del">
+        <pc:chgData name="Long B Nguyen" userId="f59fb8f3-a021-417a-8bc1-65c8d471c621" providerId="ADAL" clId="{AA9102B5-DACA-D841-B260-AEEBF90FC60A}" dt="2020-01-05T22:05:52.442" v="38" actId="2696"/>
+        <pc:sldMkLst>
+          <pc:docMk/>
+          <pc:sldMk cId="128704095" sldId="302"/>
+        </pc:sldMkLst>
+      </pc:sldChg>
+      <pc:sldChg chg="del">
+        <pc:chgData name="Long B Nguyen" userId="f59fb8f3-a021-417a-8bc1-65c8d471c621" providerId="ADAL" clId="{AA9102B5-DACA-D841-B260-AEEBF90FC60A}" dt="2020-01-05T22:05:52.305" v="30" actId="2696"/>
+        <pc:sldMkLst>
+          <pc:docMk/>
+          <pc:sldMk cId="3275945509" sldId="303"/>
+        </pc:sldMkLst>
+      </pc:sldChg>
+      <pc:sldChg chg="del">
+        <pc:chgData name="Long B Nguyen" userId="f59fb8f3-a021-417a-8bc1-65c8d471c621" providerId="ADAL" clId="{AA9102B5-DACA-D841-B260-AEEBF90FC60A}" dt="2020-01-05T22:05:52.321" v="31" actId="2696"/>
+        <pc:sldMkLst>
+          <pc:docMk/>
+          <pc:sldMk cId="406772024" sldId="304"/>
+        </pc:sldMkLst>
+      </pc:sldChg>
+      <pc:sldChg chg="del">
+        <pc:chgData name="Long B Nguyen" userId="f59fb8f3-a021-417a-8bc1-65c8d471c621" providerId="ADAL" clId="{AA9102B5-DACA-D841-B260-AEEBF90FC60A}" dt="2020-01-05T22:05:52.334" v="32" actId="2696"/>
+        <pc:sldMkLst>
+          <pc:docMk/>
+          <pc:sldMk cId="1703902501" sldId="305"/>
+        </pc:sldMkLst>
+      </pc:sldChg>
+      <pc:sldChg chg="del">
+        <pc:chgData name="Long B Nguyen" userId="f59fb8f3-a021-417a-8bc1-65c8d471c621" providerId="ADAL" clId="{AA9102B5-DACA-D841-B260-AEEBF90FC60A}" dt="2020-01-05T22:05:52.461" v="39" actId="2696"/>
+        <pc:sldMkLst>
+          <pc:docMk/>
+          <pc:sldMk cId="3614829039" sldId="306"/>
+        </pc:sldMkLst>
+      </pc:sldChg>
+      <pc:sldChg chg="del">
+        <pc:chgData name="Long B Nguyen" userId="f59fb8f3-a021-417a-8bc1-65c8d471c621" providerId="ADAL" clId="{AA9102B5-DACA-D841-B260-AEEBF90FC60A}" dt="2020-01-05T22:05:52.471" v="40" actId="2696"/>
+        <pc:sldMkLst>
+          <pc:docMk/>
+          <pc:sldMk cId="295911327" sldId="307"/>
+        </pc:sldMkLst>
+      </pc:sldChg>
+      <pc:sldChg chg="del">
+        <pc:chgData name="Long B Nguyen" userId="f59fb8f3-a021-417a-8bc1-65c8d471c621" providerId="ADAL" clId="{AA9102B5-DACA-D841-B260-AEEBF90FC60A}" dt="2020-01-05T22:05:52.353" v="33" actId="2696"/>
+        <pc:sldMkLst>
+          <pc:docMk/>
+          <pc:sldMk cId="67957925" sldId="308"/>
+        </pc:sldMkLst>
+      </pc:sldChg>
+      <pc:sldChg chg="del">
+        <pc:chgData name="Long B Nguyen" userId="f59fb8f3-a021-417a-8bc1-65c8d471c621" providerId="ADAL" clId="{AA9102B5-DACA-D841-B260-AEEBF90FC60A}" dt="2020-01-05T22:05:52.365" v="34" actId="2696"/>
+        <pc:sldMkLst>
+          <pc:docMk/>
+          <pc:sldMk cId="1872435103" sldId="309"/>
+        </pc:sldMkLst>
+      </pc:sldChg>
+      <pc:sldChg chg="del">
+        <pc:chgData name="Long B Nguyen" userId="f59fb8f3-a021-417a-8bc1-65c8d471c621" providerId="ADAL" clId="{AA9102B5-DACA-D841-B260-AEEBF90FC60A}" dt="2020-01-05T22:05:52.385" v="35" actId="2696"/>
+        <pc:sldMkLst>
+          <pc:docMk/>
+          <pc:sldMk cId="4088965571" sldId="310"/>
+        </pc:sldMkLst>
+      </pc:sldChg>
+      <pc:sldChg chg="del">
+        <pc:chgData name="Long B Nguyen" userId="f59fb8f3-a021-417a-8bc1-65c8d471c621" providerId="ADAL" clId="{AA9102B5-DACA-D841-B260-AEEBF90FC60A}" dt="2020-01-05T22:05:52.404" v="36" actId="2696"/>
+        <pc:sldMkLst>
+          <pc:docMk/>
+          <pc:sldMk cId="2255846137" sldId="311"/>
+        </pc:sldMkLst>
+      </pc:sldChg>
+      <pc:sldChg chg="del">
+        <pc:chgData name="Long B Nguyen" userId="f59fb8f3-a021-417a-8bc1-65c8d471c621" providerId="ADAL" clId="{AA9102B5-DACA-D841-B260-AEEBF90FC60A}" dt="2020-01-05T22:05:52.423" v="37" actId="2696"/>
+        <pc:sldMkLst>
+          <pc:docMk/>
+          <pc:sldMk cId="1513627164" sldId="312"/>
+        </pc:sldMkLst>
+      </pc:sldChg>
+      <pc:sldChg chg="del">
+        <pc:chgData name="Long B Nguyen" userId="f59fb8f3-a021-417a-8bc1-65c8d471c621" providerId="ADAL" clId="{AA9102B5-DACA-D841-B260-AEEBF90FC60A}" dt="2020-01-05T22:05:52.231" v="26" actId="2696"/>
+        <pc:sldMkLst>
+          <pc:docMk/>
+          <pc:sldMk cId="2097059918" sldId="313"/>
+        </pc:sldMkLst>
+      </pc:sldChg>
+      <pc:sldChg chg="modSp">
+        <pc:chgData name="Long B Nguyen" userId="f59fb8f3-a021-417a-8bc1-65c8d471c621" providerId="ADAL" clId="{AA9102B5-DACA-D841-B260-AEEBF90FC60A}" dt="2020-01-06T15:37:30.346" v="948" actId="20577"/>
+        <pc:sldMkLst>
+          <pc:docMk/>
+          <pc:sldMk cId="1452600724" sldId="316"/>
+        </pc:sldMkLst>
+        <pc:spChg chg="mod">
+          <ac:chgData name="Long B Nguyen" userId="f59fb8f3-a021-417a-8bc1-65c8d471c621" providerId="ADAL" clId="{AA9102B5-DACA-D841-B260-AEEBF90FC60A}" dt="2020-01-06T15:37:30.346" v="948" actId="20577"/>
+          <ac:spMkLst>
+            <pc:docMk/>
+            <pc:sldMk cId="1452600724" sldId="316"/>
+            <ac:spMk id="9" creationId="{E3B2E017-30B2-884B-A113-B419A2ED51AD}"/>
+          </ac:spMkLst>
+        </pc:spChg>
+      </pc:sldChg>
+      <pc:sldChg chg="del">
+        <pc:chgData name="Long B Nguyen" userId="f59fb8f3-a021-417a-8bc1-65c8d471c621" providerId="ADAL" clId="{AA9102B5-DACA-D841-B260-AEEBF90FC60A}" dt="2020-01-06T15:03:11.354" v="848" actId="2696"/>
+        <pc:sldMkLst>
+          <pc:docMk/>
+          <pc:sldMk cId="1787114790" sldId="317"/>
+        </pc:sldMkLst>
+      </pc:sldChg>
+      <pc:sldChg chg="del">
+        <pc:chgData name="Long B Nguyen" userId="f59fb8f3-a021-417a-8bc1-65c8d471c621" providerId="ADAL" clId="{AA9102B5-DACA-D841-B260-AEEBF90FC60A}" dt="2020-01-05T22:06:12.101" v="42" actId="2696"/>
+        <pc:sldMkLst>
+          <pc:docMk/>
+          <pc:sldMk cId="1215229427" sldId="318"/>
+        </pc:sldMkLst>
+      </pc:sldChg>
+      <pc:sldChg chg="modSp">
+        <pc:chgData name="Long B Nguyen" userId="f59fb8f3-a021-417a-8bc1-65c8d471c621" providerId="ADAL" clId="{AA9102B5-DACA-D841-B260-AEEBF90FC60A}" dt="2020-01-06T01:48:03.413" v="110" actId="20577"/>
         <pc:sldMkLst>
           <pc:docMk/>
           <pc:sldMk cId="924617162" sldId="319"/>
         </pc:sldMkLst>
         <pc:spChg chg="mod">
-          <ac:chgData name="Long B Nguyen" userId="f59fb8f3-a021-417a-8bc1-65c8d471c621" providerId="ADAL" clId="{CC9C9D9A-5149-2947-86C0-576F501F60DC}" dt="2020-01-04T15:45:14.876" v="4" actId="20577"/>
-          <ac:spMkLst>
-            <pc:docMk/>
-            <pc:sldMk cId="924617162" sldId="319"/>
-            <ac:spMk id="2" creationId="{AA3A228F-61D0-D949-A5E7-F83756230BF8}"/>
-          </ac:spMkLst>
-        </pc:spChg>
-        <pc:spChg chg="mod">
-          <ac:chgData name="Long B Nguyen" userId="f59fb8f3-a021-417a-8bc1-65c8d471c621" providerId="ADAL" clId="{CC9C9D9A-5149-2947-86C0-576F501F60DC}" dt="2020-01-04T15:49:37.373" v="563" actId="20577"/>
+          <ac:chgData name="Long B Nguyen" userId="f59fb8f3-a021-417a-8bc1-65c8d471c621" providerId="ADAL" clId="{AA9102B5-DACA-D841-B260-AEEBF90FC60A}" dt="2020-01-06T01:48:03.413" v="110" actId="20577"/>
           <ac:spMkLst>
             <pc:docMk/>
             <pc:sldMk cId="924617162" sldId="319"/>
@@ -1715,98 +1767,14 @@
           </ac:spMkLst>
         </pc:spChg>
       </pc:sldChg>
-      <pc:sldChg chg="modSp add">
-        <pc:chgData name="Long B Nguyen" userId="f59fb8f3-a021-417a-8bc1-65c8d471c621" providerId="ADAL" clId="{CC9C9D9A-5149-2947-86C0-576F501F60DC}" dt="2020-01-04T15:57:55.835" v="789" actId="14100"/>
-        <pc:sldMkLst>
-          <pc:docMk/>
-          <pc:sldMk cId="3758830494" sldId="320"/>
-        </pc:sldMkLst>
-        <pc:spChg chg="mod">
-          <ac:chgData name="Long B Nguyen" userId="f59fb8f3-a021-417a-8bc1-65c8d471c621" providerId="ADAL" clId="{CC9C9D9A-5149-2947-86C0-576F501F60DC}" dt="2020-01-04T15:57:52.065" v="788" actId="1076"/>
-          <ac:spMkLst>
-            <pc:docMk/>
-            <pc:sldMk cId="3758830494" sldId="320"/>
-            <ac:spMk id="2" creationId="{AA3A228F-61D0-D949-A5E7-F83756230BF8}"/>
-          </ac:spMkLst>
-        </pc:spChg>
-        <pc:spChg chg="mod">
-          <ac:chgData name="Long B Nguyen" userId="f59fb8f3-a021-417a-8bc1-65c8d471c621" providerId="ADAL" clId="{CC9C9D9A-5149-2947-86C0-576F501F60DC}" dt="2020-01-04T15:57:55.835" v="789" actId="14100"/>
-          <ac:spMkLst>
-            <pc:docMk/>
-            <pc:sldMk cId="3758830494" sldId="320"/>
-            <ac:spMk id="9" creationId="{E3B2E017-30B2-884B-A113-B419A2ED51AD}"/>
-          </ac:spMkLst>
-        </pc:spChg>
-      </pc:sldChg>
-      <pc:sldChg chg="modSp add">
-        <pc:chgData name="Long B Nguyen" userId="f59fb8f3-a021-417a-8bc1-65c8d471c621" providerId="ADAL" clId="{CC9C9D9A-5149-2947-86C0-576F501F60DC}" dt="2020-01-05T21:51:37.442" v="2325" actId="20577"/>
-        <pc:sldMkLst>
-          <pc:docMk/>
-          <pc:sldMk cId="1022945305" sldId="321"/>
-        </pc:sldMkLst>
-        <pc:spChg chg="mod">
-          <ac:chgData name="Long B Nguyen" userId="f59fb8f3-a021-417a-8bc1-65c8d471c621" providerId="ADAL" clId="{CC9C9D9A-5149-2947-86C0-576F501F60DC}" dt="2020-01-05T21:51:37.442" v="2325" actId="20577"/>
-          <ac:spMkLst>
-            <pc:docMk/>
-            <pc:sldMk cId="1022945305" sldId="321"/>
-            <ac:spMk id="2" creationId="{AA3A228F-61D0-D949-A5E7-F83756230BF8}"/>
-          </ac:spMkLst>
-        </pc:spChg>
-        <pc:spChg chg="mod">
-          <ac:chgData name="Long B Nguyen" userId="f59fb8f3-a021-417a-8bc1-65c8d471c621" providerId="ADAL" clId="{CC9C9D9A-5149-2947-86C0-576F501F60DC}" dt="2020-01-05T21:33:21.485" v="2304" actId="20577"/>
-          <ac:spMkLst>
-            <pc:docMk/>
-            <pc:sldMk cId="1022945305" sldId="321"/>
-            <ac:spMk id="9" creationId="{E3B2E017-30B2-884B-A113-B419A2ED51AD}"/>
-          </ac:spMkLst>
-        </pc:spChg>
-      </pc:sldChg>
-      <pc:sldChg chg="modSp add">
-        <pc:chgData name="Long B Nguyen" userId="f59fb8f3-a021-417a-8bc1-65c8d471c621" providerId="ADAL" clId="{CC9C9D9A-5149-2947-86C0-576F501F60DC}" dt="2020-01-04T17:41:57.489" v="1203" actId="20577"/>
-        <pc:sldMkLst>
-          <pc:docMk/>
-          <pc:sldMk cId="3456840474" sldId="322"/>
-        </pc:sldMkLst>
-        <pc:spChg chg="mod">
-          <ac:chgData name="Long B Nguyen" userId="f59fb8f3-a021-417a-8bc1-65c8d471c621" providerId="ADAL" clId="{CC9C9D9A-5149-2947-86C0-576F501F60DC}" dt="2020-01-04T17:41:57.489" v="1203" actId="20577"/>
-          <ac:spMkLst>
-            <pc:docMk/>
-            <pc:sldMk cId="3456840474" sldId="322"/>
-            <ac:spMk id="9" creationId="{E3B2E017-30B2-884B-A113-B419A2ED51AD}"/>
-          </ac:spMkLst>
-        </pc:spChg>
-      </pc:sldChg>
-      <pc:sldChg chg="modSp add">
-        <pc:chgData name="Long B Nguyen" userId="f59fb8f3-a021-417a-8bc1-65c8d471c621" providerId="ADAL" clId="{CC9C9D9A-5149-2947-86C0-576F501F60DC}" dt="2020-01-04T18:38:26.241" v="1214" actId="113"/>
-        <pc:sldMkLst>
-          <pc:docMk/>
-          <pc:sldMk cId="1062075874" sldId="323"/>
-        </pc:sldMkLst>
-        <pc:spChg chg="mod">
-          <ac:chgData name="Long B Nguyen" userId="f59fb8f3-a021-417a-8bc1-65c8d471c621" providerId="ADAL" clId="{CC9C9D9A-5149-2947-86C0-576F501F60DC}" dt="2020-01-04T18:38:26.241" v="1214" actId="113"/>
-          <ac:spMkLst>
-            <pc:docMk/>
-            <pc:sldMk cId="1062075874" sldId="323"/>
-            <ac:spMk id="9" creationId="{E3B2E017-30B2-884B-A113-B419A2ED51AD}"/>
-          </ac:spMkLst>
-        </pc:spChg>
-      </pc:sldChg>
-      <pc:sldChg chg="modSp add">
-        <pc:chgData name="Long B Nguyen" userId="f59fb8f3-a021-417a-8bc1-65c8d471c621" providerId="ADAL" clId="{CC9C9D9A-5149-2947-86C0-576F501F60DC}" dt="2020-01-04T20:58:36.932" v="1972" actId="20577"/>
+      <pc:sldChg chg="modSp">
+        <pc:chgData name="Long B Nguyen" userId="f59fb8f3-a021-417a-8bc1-65c8d471c621" providerId="ADAL" clId="{AA9102B5-DACA-D841-B260-AEEBF90FC60A}" dt="2020-01-06T01:56:11.549" v="712" actId="1076"/>
         <pc:sldMkLst>
           <pc:docMk/>
           <pc:sldMk cId="1310010799" sldId="324"/>
         </pc:sldMkLst>
         <pc:spChg chg="mod">
-          <ac:chgData name="Long B Nguyen" userId="f59fb8f3-a021-417a-8bc1-65c8d471c621" providerId="ADAL" clId="{CC9C9D9A-5149-2947-86C0-576F501F60DC}" dt="2020-01-04T20:55:25.731" v="1962" actId="1076"/>
-          <ac:spMkLst>
-            <pc:docMk/>
-            <pc:sldMk cId="1310010799" sldId="324"/>
-            <ac:spMk id="2" creationId="{AA3A228F-61D0-D949-A5E7-F83756230BF8}"/>
-          </ac:spMkLst>
-        </pc:spChg>
-        <pc:spChg chg="mod">
-          <ac:chgData name="Long B Nguyen" userId="f59fb8f3-a021-417a-8bc1-65c8d471c621" providerId="ADAL" clId="{CC9C9D9A-5149-2947-86C0-576F501F60DC}" dt="2020-01-04T20:58:36.932" v="1972" actId="20577"/>
+          <ac:chgData name="Long B Nguyen" userId="f59fb8f3-a021-417a-8bc1-65c8d471c621" providerId="ADAL" clId="{AA9102B5-DACA-D841-B260-AEEBF90FC60A}" dt="2020-01-06T01:56:11.549" v="712" actId="1076"/>
           <ac:spMkLst>
             <pc:docMk/>
             <pc:sldMk cId="1310010799" sldId="324"/>
@@ -1814,14 +1782,14 @@
           </ac:spMkLst>
         </pc:spChg>
       </pc:sldChg>
-      <pc:sldChg chg="modSp add">
-        <pc:chgData name="Long B Nguyen" userId="f59fb8f3-a021-417a-8bc1-65c8d471c621" providerId="ADAL" clId="{CC9C9D9A-5149-2947-86C0-576F501F60DC}" dt="2020-01-05T21:27:04.952" v="2119" actId="20577"/>
+      <pc:sldChg chg="modSp">
+        <pc:chgData name="Long B Nguyen" userId="f59fb8f3-a021-417a-8bc1-65c8d471c621" providerId="ADAL" clId="{AA9102B5-DACA-D841-B260-AEEBF90FC60A}" dt="2020-01-06T15:35:11.658" v="853" actId="20577"/>
         <pc:sldMkLst>
           <pc:docMk/>
           <pc:sldMk cId="3314372952" sldId="325"/>
         </pc:sldMkLst>
         <pc:spChg chg="mod">
-          <ac:chgData name="Long B Nguyen" userId="f59fb8f3-a021-417a-8bc1-65c8d471c621" providerId="ADAL" clId="{CC9C9D9A-5149-2947-86C0-576F501F60DC}" dt="2020-01-05T21:26:41.210" v="2114" actId="20577"/>
+          <ac:chgData name="Long B Nguyen" userId="f59fb8f3-a021-417a-8bc1-65c8d471c621" providerId="ADAL" clId="{AA9102B5-DACA-D841-B260-AEEBF90FC60A}" dt="2020-01-06T15:35:11.658" v="853" actId="20577"/>
           <ac:spMkLst>
             <pc:docMk/>
             <pc:sldMk cId="3314372952" sldId="325"/>
@@ -1829,7 +1797,7 @@
           </ac:spMkLst>
         </pc:spChg>
         <pc:spChg chg="mod">
-          <ac:chgData name="Long B Nguyen" userId="f59fb8f3-a021-417a-8bc1-65c8d471c621" providerId="ADAL" clId="{CC9C9D9A-5149-2947-86C0-576F501F60DC}" dt="2020-01-05T21:27:04.952" v="2119" actId="20577"/>
+          <ac:chgData name="Long B Nguyen" userId="f59fb8f3-a021-417a-8bc1-65c8d471c621" providerId="ADAL" clId="{AA9102B5-DACA-D841-B260-AEEBF90FC60A}" dt="2020-01-06T15:02:45.351" v="846" actId="20577"/>
           <ac:spMkLst>
             <pc:docMk/>
             <pc:sldMk cId="3314372952" sldId="325"/>
@@ -1837,73 +1805,128 @@
           </ac:spMkLst>
         </pc:spChg>
       </pc:sldChg>
-      <pc:sldChg chg="modSp add">
-        <pc:chgData name="Long B Nguyen" userId="f59fb8f3-a021-417a-8bc1-65c8d471c621" providerId="ADAL" clId="{CC9C9D9A-5149-2947-86C0-576F501F60DC}" dt="2020-01-05T21:29:58.563" v="2178" actId="20577"/>
+      <pc:sldChg chg="del">
+        <pc:chgData name="Long B Nguyen" userId="f59fb8f3-a021-417a-8bc1-65c8d471c621" providerId="ADAL" clId="{AA9102B5-DACA-D841-B260-AEEBF90FC60A}" dt="2020-01-06T15:03:07.580" v="847" actId="2696"/>
         <pc:sldMkLst>
           <pc:docMk/>
           <pc:sldMk cId="3117943122" sldId="326"/>
         </pc:sldMkLst>
+      </pc:sldChg>
+      <pc:sldChg chg="del">
+        <pc:chgData name="Long B Nguyen" userId="f59fb8f3-a021-417a-8bc1-65c8d471c621" providerId="ADAL" clId="{AA9102B5-DACA-D841-B260-AEEBF90FC60A}" dt="2020-01-06T01:49:27.456" v="111" actId="2696"/>
+        <pc:sldMkLst>
+          <pc:docMk/>
+          <pc:sldMk cId="1025618360" sldId="327"/>
+        </pc:sldMkLst>
+      </pc:sldChg>
+      <pc:sldChg chg="modSp add">
+        <pc:chgData name="Long B Nguyen" userId="f59fb8f3-a021-417a-8bc1-65c8d471c621" providerId="ADAL" clId="{AA9102B5-DACA-D841-B260-AEEBF90FC60A}" dt="2020-01-06T15:00:48.763" v="818" actId="113"/>
+        <pc:sldMkLst>
+          <pc:docMk/>
+          <pc:sldMk cId="1724104636" sldId="327"/>
+        </pc:sldMkLst>
         <pc:spChg chg="mod">
-          <ac:chgData name="Long B Nguyen" userId="f59fb8f3-a021-417a-8bc1-65c8d471c621" providerId="ADAL" clId="{CC9C9D9A-5149-2947-86C0-576F501F60DC}" dt="2020-01-05T21:29:58.563" v="2178" actId="20577"/>
+          <ac:chgData name="Long B Nguyen" userId="f59fb8f3-a021-417a-8bc1-65c8d471c621" providerId="ADAL" clId="{AA9102B5-DACA-D841-B260-AEEBF90FC60A}" dt="2020-01-06T15:00:48.763" v="818" actId="113"/>
           <ac:spMkLst>
             <pc:docMk/>
-            <pc:sldMk cId="3117943122" sldId="326"/>
+            <pc:sldMk cId="1724104636" sldId="327"/>
+            <ac:spMk id="9" creationId="{E3B2E017-30B2-884B-A113-B419A2ED51AD}"/>
+          </ac:spMkLst>
+        </pc:spChg>
+      </pc:sldChg>
+      <pc:sldChg chg="modSp">
+        <pc:chgData name="Long B Nguyen" userId="f59fb8f3-a021-417a-8bc1-65c8d471c621" providerId="ADAL" clId="{AA9102B5-DACA-D841-B260-AEEBF90FC60A}" dt="2020-01-06T01:55:34.369" v="708" actId="20577"/>
+        <pc:sldMkLst>
+          <pc:docMk/>
+          <pc:sldMk cId="4294143140" sldId="329"/>
+        </pc:sldMkLst>
+        <pc:spChg chg="mod">
+          <ac:chgData name="Long B Nguyen" userId="f59fb8f3-a021-417a-8bc1-65c8d471c621" providerId="ADAL" clId="{AA9102B5-DACA-D841-B260-AEEBF90FC60A}" dt="2020-01-06T01:55:34.369" v="708" actId="20577"/>
+          <ac:spMkLst>
+            <pc:docMk/>
+            <pc:sldMk cId="4294143140" sldId="329"/>
             <ac:spMk id="9" creationId="{E3B2E017-30B2-884B-A113-B419A2ED51AD}"/>
           </ac:spMkLst>
         </pc:spChg>
       </pc:sldChg>
       <pc:sldChg chg="modSp add">
-        <pc:chgData name="Long B Nguyen" userId="f59fb8f3-a021-417a-8bc1-65c8d471c621" providerId="ADAL" clId="{CC9C9D9A-5149-2947-86C0-576F501F60DC}" dt="2020-01-05T21:59:55.597" v="2392" actId="14100"/>
+        <pc:chgData name="Long B Nguyen" userId="f59fb8f3-a021-417a-8bc1-65c8d471c621" providerId="ADAL" clId="{AA9102B5-DACA-D841-B260-AEEBF90FC60A}" dt="2020-01-06T15:01:01.638" v="819" actId="2711"/>
         <pc:sldMkLst>
           <pc:docMk/>
-          <pc:sldMk cId="1025618360" sldId="327"/>
+          <pc:sldMk cId="3594730708" sldId="330"/>
         </pc:sldMkLst>
         <pc:spChg chg="mod">
-          <ac:chgData name="Long B Nguyen" userId="f59fb8f3-a021-417a-8bc1-65c8d471c621" providerId="ADAL" clId="{CC9C9D9A-5149-2947-86C0-576F501F60DC}" dt="2020-01-05T21:59:55.597" v="2392" actId="14100"/>
+          <ac:chgData name="Long B Nguyen" userId="f59fb8f3-a021-417a-8bc1-65c8d471c621" providerId="ADAL" clId="{AA9102B5-DACA-D841-B260-AEEBF90FC60A}" dt="2020-01-06T15:01:01.638" v="819" actId="2711"/>
           <ac:spMkLst>
             <pc:docMk/>
-            <pc:sldMk cId="1025618360" sldId="327"/>
+            <pc:sldMk cId="3594730708" sldId="330"/>
             <ac:spMk id="9" creationId="{E3B2E017-30B2-884B-A113-B419A2ED51AD}"/>
           </ac:spMkLst>
         </pc:spChg>
       </pc:sldChg>
       <pc:sldChg chg="modSp add">
-        <pc:chgData name="Long B Nguyen" userId="f59fb8f3-a021-417a-8bc1-65c8d471c621" providerId="ADAL" clId="{CC9C9D9A-5149-2947-86C0-576F501F60DC}" dt="2020-01-05T21:54:47.081" v="2356" actId="2711"/>
+        <pc:chgData name="Long B Nguyen" userId="f59fb8f3-a021-417a-8bc1-65c8d471c621" providerId="ADAL" clId="{AA9102B5-DACA-D841-B260-AEEBF90FC60A}" dt="2020-01-06T02:00:17.493" v="815" actId="255"/>
         <pc:sldMkLst>
           <pc:docMk/>
-          <pc:sldMk cId="3894299887" sldId="328"/>
+          <pc:sldMk cId="3870816631" sldId="331"/>
         </pc:sldMkLst>
         <pc:spChg chg="mod">
-          <ac:chgData name="Long B Nguyen" userId="f59fb8f3-a021-417a-8bc1-65c8d471c621" providerId="ADAL" clId="{CC9C9D9A-5149-2947-86C0-576F501F60DC}" dt="2020-01-05T21:51:41.306" v="2327" actId="20577"/>
+          <ac:chgData name="Long B Nguyen" userId="f59fb8f3-a021-417a-8bc1-65c8d471c621" providerId="ADAL" clId="{AA9102B5-DACA-D841-B260-AEEBF90FC60A}" dt="2020-01-06T02:00:17.493" v="815" actId="255"/>
           <ac:spMkLst>
             <pc:docMk/>
-            <pc:sldMk cId="3894299887" sldId="328"/>
+            <pc:sldMk cId="3870816631" sldId="331"/>
+            <ac:spMk id="9" creationId="{E3B2E017-30B2-884B-A113-B419A2ED51AD}"/>
+          </ac:spMkLst>
+        </pc:spChg>
+      </pc:sldChg>
+      <pc:sldChg chg="modSp add">
+        <pc:chgData name="Long B Nguyen" userId="f59fb8f3-a021-417a-8bc1-65c8d471c621" providerId="ADAL" clId="{AA9102B5-DACA-D841-B260-AEEBF90FC60A}" dt="2020-01-06T17:07:10.515" v="1519" actId="2711"/>
+        <pc:sldMkLst>
+          <pc:docMk/>
+          <pc:sldMk cId="3124353102" sldId="332"/>
+        </pc:sldMkLst>
+        <pc:spChg chg="mod">
+          <ac:chgData name="Long B Nguyen" userId="f59fb8f3-a021-417a-8bc1-65c8d471c621" providerId="ADAL" clId="{AA9102B5-DACA-D841-B260-AEEBF90FC60A}" dt="2020-01-06T17:03:36.721" v="1332" actId="20577"/>
+          <ac:spMkLst>
+            <pc:docMk/>
+            <pc:sldMk cId="3124353102" sldId="332"/>
             <ac:spMk id="2" creationId="{AA3A228F-61D0-D949-A5E7-F83756230BF8}"/>
           </ac:spMkLst>
         </pc:spChg>
         <pc:spChg chg="mod">
-          <ac:chgData name="Long B Nguyen" userId="f59fb8f3-a021-417a-8bc1-65c8d471c621" providerId="ADAL" clId="{CC9C9D9A-5149-2947-86C0-576F501F60DC}" dt="2020-01-05T21:54:47.081" v="2356" actId="2711"/>
+          <ac:chgData name="Long B Nguyen" userId="f59fb8f3-a021-417a-8bc1-65c8d471c621" providerId="ADAL" clId="{AA9102B5-DACA-D841-B260-AEEBF90FC60A}" dt="2020-01-06T17:07:10.515" v="1519" actId="2711"/>
           <ac:spMkLst>
             <pc:docMk/>
-            <pc:sldMk cId="3894299887" sldId="328"/>
+            <pc:sldMk cId="3124353102" sldId="332"/>
             <ac:spMk id="9" creationId="{E3B2E017-30B2-884B-A113-B419A2ED51AD}"/>
           </ac:spMkLst>
         </pc:spChg>
       </pc:sldChg>
-      <pc:sldChg chg="add">
-        <pc:chgData name="Long B Nguyen" userId="f59fb8f3-a021-417a-8bc1-65c8d471c621" providerId="ADAL" clId="{CC9C9D9A-5149-2947-86C0-576F501F60DC}" dt="2020-01-05T21:57:38.736" v="2357"/>
-        <pc:sldMkLst>
-          <pc:docMk/>
-          <pc:sldMk cId="4294143140" sldId="329"/>
-        </pc:sldMkLst>
-      </pc:sldChg>
     </pc:docChg>
   </pc:docChgLst>
   <pc:docChgLst>
-    <pc:chgData name="Long B Nguyen" userId="f59fb8f3-a021-417a-8bc1-65c8d471c621" providerId="ADAL" clId="{6CD83B71-C243-244B-B302-DE2E82069201}"/>
-  </pc:docChgLst>
-  <pc:docChgLst>
-    <pc:chgData name="Long B Nguyen" userId="f59fb8f3-a021-417a-8bc1-65c8d471c621" providerId="ADAL" clId="{E5BF62A1-4F8A-BC49-8FD7-ABEA3D28ED25}"/>
+    <pc:chgData name="Long B Nguyen" userId="f59fb8f3-a021-417a-8bc1-65c8d471c621" providerId="ADAL" clId="{B5860C40-AA08-4447-A918-2D2782E0FC0B}"/>
+    <pc:docChg chg="delSld modSld">
+      <pc:chgData name="Long B Nguyen" userId="f59fb8f3-a021-417a-8bc1-65c8d471c621" providerId="ADAL" clId="{B5860C40-AA08-4447-A918-2D2782E0FC0B}" dt="2019-09-16T13:59:20.091" v="35" actId="2696"/>
+      <pc:docMkLst>
+        <pc:docMk/>
+      </pc:docMkLst>
+      <pc:sldChg chg="modSp">
+        <pc:chgData name="Long B Nguyen" userId="f59fb8f3-a021-417a-8bc1-65c8d471c621" providerId="ADAL" clId="{B5860C40-AA08-4447-A918-2D2782E0FC0B}" dt="2019-09-16T13:58:36.640" v="18" actId="20577"/>
+        <pc:sldMkLst>
+          <pc:docMk/>
+          <pc:sldMk cId="4247104139" sldId="256"/>
+        </pc:sldMkLst>
+        <pc:spChg chg="mod">
+          <ac:chgData name="Long B Nguyen" userId="f59fb8f3-a021-417a-8bc1-65c8d471c621" providerId="ADAL" clId="{B5860C40-AA08-4447-A918-2D2782E0FC0B}" dt="2019-09-16T13:58:36.640" v="18" actId="20577"/>
+          <ac:spMkLst>
+            <pc:docMk/>
+            <pc:sldMk cId="4247104139" sldId="256"/>
+            <ac:spMk id="3" creationId="{1BDC47C8-6776-7B44-9CD4-95FC91452D62}"/>
+          </ac:spMkLst>
+        </pc:spChg>
+      </pc:sldChg>
+    </pc:docChg>
   </pc:docChgLst>
 </pc:chgInfo>
 </file>
@@ -1990,7 +2013,7 @@
           <a:p>
             <a:fld id="{6EDD99D2-A624-5E4F-A4E3-584054837B5A}" type="datetimeFigureOut">
               <a:rPr lang="en-US" smtClean="0"/>
-              <a:t>2/11/20</a:t>
+              <a:t>2/26/20</a:t>
             </a:fld>
             <a:endParaRPr lang="en-US"/>
           </a:p>
@@ -5566,7 +5589,7 @@
           <a:p>
             <a:fld id="{4AAD347D-5ACD-4C99-B74B-A9C85AD731AF}" type="datetimeFigureOut">
               <a:rPr lang="en-US" smtClean="0"/>
-              <a:t>2/11/20</a:t>
+              <a:t>2/26/20</a:t>
             </a:fld>
             <a:endParaRPr lang="en-US" dirty="0"/>
           </a:p>
@@ -5736,7 +5759,7 @@
           <a:p>
             <a:fld id="{4509A250-FF31-4206-8172-F9D3106AACB1}" type="datetimeFigureOut">
               <a:rPr lang="en-US" smtClean="0"/>
-              <a:t>2/11/20</a:t>
+              <a:t>2/26/20</a:t>
             </a:fld>
             <a:endParaRPr lang="en-US" dirty="0"/>
           </a:p>
@@ -5916,7 +5939,7 @@
           <a:p>
             <a:fld id="{4509A250-FF31-4206-8172-F9D3106AACB1}" type="datetimeFigureOut">
               <a:rPr lang="en-US" smtClean="0"/>
-              <a:t>2/11/20</a:t>
+              <a:t>2/26/20</a:t>
             </a:fld>
             <a:endParaRPr lang="en-US" dirty="0"/>
           </a:p>
@@ -6121,7 +6144,7 @@
           <a:p>
             <a:fld id="{48A87A34-81AB-432B-8DAE-1953F412C126}" type="datetimeFigureOut">
               <a:rPr lang="en-US" smtClean="0"/>
-              <a:t>2/11/20</a:t>
+              <a:t>2/26/20</a:t>
             </a:fld>
             <a:endParaRPr lang="en-US" dirty="0"/>
           </a:p>
@@ -6291,7 +6314,7 @@
           <a:p>
             <a:fld id="{4509A250-FF31-4206-8172-F9D3106AACB1}" type="datetimeFigureOut">
               <a:rPr lang="en-US" smtClean="0"/>
-              <a:t>2/11/20</a:t>
+              <a:t>2/26/20</a:t>
             </a:fld>
             <a:endParaRPr lang="en-US" dirty="0"/>
           </a:p>
@@ -6537,7 +6560,7 @@
           <a:p>
             <a:fld id="{9796027F-7875-4030-9381-8BD8C4F21935}" type="datetimeFigureOut">
               <a:rPr lang="en-US" smtClean="0"/>
-              <a:t>2/11/20</a:t>
+              <a:t>2/26/20</a:t>
             </a:fld>
             <a:endParaRPr lang="en-US" dirty="0"/>
           </a:p>
@@ -6769,7 +6792,7 @@
           <a:p>
             <a:fld id="{9796027F-7875-4030-9381-8BD8C4F21935}" type="datetimeFigureOut">
               <a:rPr lang="en-US" smtClean="0"/>
-              <a:t>2/11/20</a:t>
+              <a:t>2/26/20</a:t>
             </a:fld>
             <a:endParaRPr lang="en-US" dirty="0"/>
           </a:p>
@@ -7136,7 +7159,7 @@
           <a:p>
             <a:fld id="{9796027F-7875-4030-9381-8BD8C4F21935}" type="datetimeFigureOut">
               <a:rPr lang="en-US" smtClean="0"/>
-              <a:t>2/11/20</a:t>
+              <a:t>2/26/20</a:t>
             </a:fld>
             <a:endParaRPr lang="en-US" dirty="0"/>
           </a:p>
@@ -7254,7 +7277,7 @@
           <a:p>
             <a:fld id="{4509A250-FF31-4206-8172-F9D3106AACB1}" type="datetimeFigureOut">
               <a:rPr lang="en-US" smtClean="0"/>
-              <a:t>2/11/20</a:t>
+              <a:t>2/26/20</a:t>
             </a:fld>
             <a:endParaRPr lang="en-US" dirty="0"/>
           </a:p>
@@ -7349,7 +7372,7 @@
           <a:p>
             <a:fld id="{4509A250-FF31-4206-8172-F9D3106AACB1}" type="datetimeFigureOut">
               <a:rPr lang="en-US" smtClean="0"/>
-              <a:t>2/11/20</a:t>
+              <a:t>2/26/20</a:t>
             </a:fld>
             <a:endParaRPr lang="en-US" dirty="0"/>
           </a:p>
@@ -7626,7 +7649,7 @@
           <a:p>
             <a:fld id="{4509A250-FF31-4206-8172-F9D3106AACB1}" type="datetimeFigureOut">
               <a:rPr lang="en-US" smtClean="0"/>
-              <a:t>2/11/20</a:t>
+              <a:t>2/26/20</a:t>
             </a:fld>
             <a:endParaRPr lang="en-US" dirty="0"/>
           </a:p>
@@ -7883,7 +7906,7 @@
           <a:p>
             <a:fld id="{4509A250-FF31-4206-8172-F9D3106AACB1}" type="datetimeFigureOut">
               <a:rPr lang="en-US" smtClean="0"/>
-              <a:t>2/11/20</a:t>
+              <a:t>2/26/20</a:t>
             </a:fld>
             <a:endParaRPr lang="en-US" dirty="0"/>
           </a:p>
@@ -8096,7 +8119,7 @@
           <a:p>
             <a:fld id="{4AAD347D-5ACD-4C99-B74B-A9C85AD731AF}" type="datetimeFigureOut">
               <a:rPr lang="en-US" smtClean="0"/>
-              <a:t>2/11/20</a:t>
+              <a:t>2/26/20</a:t>
             </a:fld>
             <a:endParaRPr lang="en-US" dirty="0"/>
           </a:p>
@@ -13428,7 +13451,16 @@
                 </a:solidFill>
                 <a:latin typeface="Inconsolata Medium" panose="020B0609030003000000" pitchFamily="49" charset="77"/>
               </a:rPr>
-              <a:t>N = fs * N    </a:t>
+              <a:t>N = fs </a:t>
+            </a:r>
+            <a:r>
+              <a:rPr lang="en-US" sz="1800" b="1">
+                <a:solidFill>
+                  <a:srgbClr val="000000"/>
+                </a:solidFill>
+                <a:latin typeface="Inconsolata Medium" panose="020B0609030003000000" pitchFamily="49" charset="77"/>
+              </a:rPr>
+              <a:t>* L    </a:t>
             </a:r>
             <a:r>
               <a:rPr lang="en-US" sz="1800" b="1" dirty="0">
